--- a/Monday May 8th Presentation.pptx
+++ b/Monday May 8th Presentation.pptx
@@ -9,11 +9,16 @@
     <p:sldId id="258" r:id="rId3"/>
     <p:sldId id="268" r:id="rId4"/>
     <p:sldId id="264" r:id="rId5"/>
-    <p:sldId id="267" r:id="rId6"/>
-    <p:sldId id="269" r:id="rId7"/>
-    <p:sldId id="270" r:id="rId8"/>
-    <p:sldId id="262" r:id="rId9"/>
-    <p:sldId id="266" r:id="rId10"/>
+    <p:sldId id="271" r:id="rId6"/>
+    <p:sldId id="273" r:id="rId7"/>
+    <p:sldId id="276" r:id="rId8"/>
+    <p:sldId id="275" r:id="rId9"/>
+    <p:sldId id="274" r:id="rId10"/>
+    <p:sldId id="267" r:id="rId11"/>
+    <p:sldId id="269" r:id="rId12"/>
+    <p:sldId id="270" r:id="rId13"/>
+    <p:sldId id="262" r:id="rId14"/>
+    <p:sldId id="266" r:id="rId15"/>
   </p:sldIdLst>
   <p:sldSz cx="12192000" cy="6858000"/>
   <p:notesSz cx="6858000" cy="9144000"/>
@@ -114,7 +119,7 @@
   </p:defaultTextStyle>
   <p:extLst>
     <p:ext uri="{EFAFB233-063F-42B5-8137-9DF3F51BA10A}">
-      <p15:sldGuideLst xmlns:p15="http://schemas.microsoft.com/office/powerpoint/2012/main">
+      <p15:sldGuideLst xmlns:p15="http://schemas.microsoft.com/office/powerpoint/2012/main" xmlns="">
         <p15:guide id="1" orient="horz" pos="2160">
           <p15:clr>
             <a:srgbClr val="A4A3A4"/>
@@ -858,7 +863,7 @@
             <a:fld id="{B61BEF0D-F0BB-DE4B-95CE-6DB70DBA9567}" type="datetimeFigureOut">
               <a:rPr lang="en-US" dirty="0"/>
               <a:pPr/>
-              <a:t>5/7/2017</a:t>
+              <a:t>5/8/2017</a:t>
             </a:fld>
             <a:endParaRPr lang="en-US" dirty="0"/>
           </a:p>
@@ -1106,7 +1111,7 @@
             <a:fld id="{B61BEF0D-F0BB-DE4B-95CE-6DB70DBA9567}" type="datetimeFigureOut">
               <a:rPr lang="en-US" dirty="0"/>
               <a:pPr/>
-              <a:t>5/7/2017</a:t>
+              <a:t>5/8/2017</a:t>
             </a:fld>
             <a:endParaRPr lang="en-US" dirty="0"/>
           </a:p>
@@ -1417,7 +1422,7 @@
             <a:fld id="{B61BEF0D-F0BB-DE4B-95CE-6DB70DBA9567}" type="datetimeFigureOut">
               <a:rPr lang="en-US" dirty="0"/>
               <a:pPr/>
-              <a:t>5/7/2017</a:t>
+              <a:t>5/8/2017</a:t>
             </a:fld>
             <a:endParaRPr lang="en-US" dirty="0"/>
           </a:p>
@@ -1755,7 +1760,7 @@
             <a:fld id="{B61BEF0D-F0BB-DE4B-95CE-6DB70DBA9567}" type="datetimeFigureOut">
               <a:rPr lang="en-US" dirty="0"/>
               <a:pPr/>
-              <a:t>5/7/2017</a:t>
+              <a:t>5/8/2017</a:t>
             </a:fld>
             <a:endParaRPr lang="en-US" dirty="0"/>
           </a:p>
@@ -2066,7 +2071,7 @@
             <a:fld id="{B61BEF0D-F0BB-DE4B-95CE-6DB70DBA9567}" type="datetimeFigureOut">
               <a:rPr lang="en-US" dirty="0"/>
               <a:pPr/>
-              <a:t>5/7/2017</a:t>
+              <a:t>5/8/2017</a:t>
             </a:fld>
             <a:endParaRPr lang="en-US" dirty="0"/>
           </a:p>
@@ -2456,7 +2461,7 @@
             <a:fld id="{B61BEF0D-F0BB-DE4B-95CE-6DB70DBA9567}" type="datetimeFigureOut">
               <a:rPr lang="en-US" dirty="0"/>
               <a:pPr/>
-              <a:t>5/7/2017</a:t>
+              <a:t>5/8/2017</a:t>
             </a:fld>
             <a:endParaRPr lang="en-US" dirty="0"/>
           </a:p>
@@ -2622,7 +2627,7 @@
           <a:p>
             <a:fld id="{55C6B4A9-1611-4792-9094-5F34BCA07E0B}" type="datetimeFigureOut">
               <a:rPr lang="en-US" dirty="0"/>
-              <a:t>5/7/2017</a:t>
+              <a:t>5/8/2017</a:t>
             </a:fld>
             <a:endParaRPr lang="en-US" dirty="0"/>
           </a:p>
@@ -2798,7 +2803,7 @@
             <a:fld id="{B61BEF0D-F0BB-DE4B-95CE-6DB70DBA9567}" type="datetimeFigureOut">
               <a:rPr lang="en-US" dirty="0"/>
               <a:pPr/>
-              <a:t>5/7/2017</a:t>
+              <a:t>5/8/2017</a:t>
             </a:fld>
             <a:endParaRPr lang="en-US" dirty="0"/>
           </a:p>
@@ -2971,7 +2976,7 @@
             <a:fld id="{B61BEF0D-F0BB-DE4B-95CE-6DB70DBA9567}" type="datetimeFigureOut">
               <a:rPr lang="en-US" dirty="0"/>
               <a:pPr/>
-              <a:t>5/7/2017</a:t>
+              <a:t>5/8/2017</a:t>
             </a:fld>
             <a:endParaRPr lang="en-US" dirty="0"/>
           </a:p>
@@ -3215,7 +3220,7 @@
             <a:fld id="{B61BEF0D-F0BB-DE4B-95CE-6DB70DBA9567}" type="datetimeFigureOut">
               <a:rPr lang="en-US" dirty="0"/>
               <a:pPr/>
-              <a:t>5/7/2017</a:t>
+              <a:t>5/8/2017</a:t>
             </a:fld>
             <a:endParaRPr lang="en-US" dirty="0"/>
           </a:p>
@@ -3443,7 +3448,7 @@
           <a:p>
             <a:fld id="{EB712588-04B1-427B-82EE-E8DB90309F08}" type="datetimeFigureOut">
               <a:rPr lang="en-US" dirty="0"/>
-              <a:t>5/7/2017</a:t>
+              <a:t>5/8/2017</a:t>
             </a:fld>
             <a:endParaRPr lang="en-US" dirty="0"/>
           </a:p>
@@ -3813,7 +3818,7 @@
             <a:fld id="{B61BEF0D-F0BB-DE4B-95CE-6DB70DBA9567}" type="datetimeFigureOut">
               <a:rPr lang="en-US" dirty="0"/>
               <a:pPr/>
-              <a:t>5/7/2017</a:t>
+              <a:t>5/8/2017</a:t>
             </a:fld>
             <a:endParaRPr lang="en-US" dirty="0"/>
           </a:p>
@@ -3933,7 +3938,7 @@
             <a:fld id="{B61BEF0D-F0BB-DE4B-95CE-6DB70DBA9567}" type="datetimeFigureOut">
               <a:rPr lang="en-US" dirty="0"/>
               <a:pPr/>
-              <a:t>5/7/2017</a:t>
+              <a:t>5/8/2017</a:t>
             </a:fld>
             <a:endParaRPr lang="en-US" dirty="0"/>
           </a:p>
@@ -4025,7 +4030,7 @@
             <a:fld id="{B61BEF0D-F0BB-DE4B-95CE-6DB70DBA9567}" type="datetimeFigureOut">
               <a:rPr lang="en-US" dirty="0"/>
               <a:pPr/>
-              <a:t>5/7/2017</a:t>
+              <a:t>5/8/2017</a:t>
             </a:fld>
             <a:endParaRPr lang="en-US" dirty="0"/>
           </a:p>
@@ -4276,7 +4281,7 @@
           <a:p>
             <a:fld id="{42A54C80-263E-416B-A8E0-580EDEADCBDC}" type="datetimeFigureOut">
               <a:rPr lang="en-US" dirty="0"/>
-              <a:t>5/7/2017</a:t>
+              <a:t>5/8/2017</a:t>
             </a:fld>
             <a:endParaRPr lang="en-US" dirty="0"/>
           </a:p>
@@ -4535,7 +4540,7 @@
             <a:fld id="{B61BEF0D-F0BB-DE4B-95CE-6DB70DBA9567}" type="datetimeFigureOut">
               <a:rPr lang="en-US" dirty="0"/>
               <a:pPr/>
-              <a:t>5/7/2017</a:t>
+              <a:t>5/8/2017</a:t>
             </a:fld>
             <a:endParaRPr lang="en-US" dirty="0"/>
           </a:p>
@@ -5275,7 +5280,7 @@
             <a:fld id="{B61BEF0D-F0BB-DE4B-95CE-6DB70DBA9567}" type="datetimeFigureOut">
               <a:rPr lang="en-US" dirty="0"/>
               <a:pPr/>
-              <a:t>5/7/2017</a:t>
+              <a:t>5/8/2017</a:t>
             </a:fld>
             <a:endParaRPr lang="en-US" dirty="0"/>
           </a:p>
@@ -5804,7 +5809,7 @@
           <p:nvPr>
             <p:extLst>
               <p:ext uri="{386F3935-93C4-4BCD-93E2-E3B085C9AB24}">
-                <p16:designElem xmlns:p16="http://schemas.microsoft.com/office/powerpoint/2015/main" val="1"/>
+                <p16:designElem xmlns:p16="http://schemas.microsoft.com/office/powerpoint/2015/main" xmlns="" val="1"/>
               </p:ext>
             </p:extLst>
           </p:nvPr>
@@ -5835,7 +5840,7 @@
           <p:nvPr>
             <p:extLst>
               <p:ext uri="{386F3935-93C4-4BCD-93E2-E3B085C9AB24}">
-                <p16:designElem xmlns:p16="http://schemas.microsoft.com/office/powerpoint/2015/main" val="1"/>
+                <p16:designElem xmlns:p16="http://schemas.microsoft.com/office/powerpoint/2015/main" xmlns="" val="1"/>
               </p:ext>
             </p:extLst>
           </p:nvPr>
@@ -5855,7 +5860,7 @@
             <p:nvPr>
               <p:extLst>
                 <p:ext uri="{386F3935-93C4-4BCD-93E2-E3B085C9AB24}">
-                  <p16:designElem xmlns:p16="http://schemas.microsoft.com/office/powerpoint/2015/main" val="1"/>
+                  <p16:designElem xmlns:p16="http://schemas.microsoft.com/office/powerpoint/2015/main" xmlns="" val="1"/>
                 </p:ext>
               </p:extLst>
             </p:nvPr>
@@ -5898,7 +5903,7 @@
             <p:nvPr>
               <p:extLst>
                 <p:ext uri="{386F3935-93C4-4BCD-93E2-E3B085C9AB24}">
-                  <p16:designElem xmlns:p16="http://schemas.microsoft.com/office/powerpoint/2015/main" val="1"/>
+                  <p16:designElem xmlns:p16="http://schemas.microsoft.com/office/powerpoint/2015/main" xmlns="" val="1"/>
                 </p:ext>
               </p:extLst>
             </p:nvPr>
@@ -5941,7 +5946,7 @@
             <p:nvPr>
               <p:extLst>
                 <p:ext uri="{386F3935-93C4-4BCD-93E2-E3B085C9AB24}">
-                  <p16:designElem xmlns:p16="http://schemas.microsoft.com/office/powerpoint/2015/main" val="1"/>
+                  <p16:designElem xmlns:p16="http://schemas.microsoft.com/office/powerpoint/2015/main" xmlns="" val="1"/>
                 </p:ext>
               </p:extLst>
             </p:nvPr>
@@ -6010,7 +6015,7 @@
             <p:nvPr>
               <p:extLst>
                 <p:ext uri="{386F3935-93C4-4BCD-93E2-E3B085C9AB24}">
-                  <p16:designElem xmlns:p16="http://schemas.microsoft.com/office/powerpoint/2015/main" val="1"/>
+                  <p16:designElem xmlns:p16="http://schemas.microsoft.com/office/powerpoint/2015/main" xmlns="" val="1"/>
                 </p:ext>
               </p:extLst>
             </p:nvPr>
@@ -6079,7 +6084,7 @@
             <p:nvPr>
               <p:extLst>
                 <p:ext uri="{386F3935-93C4-4BCD-93E2-E3B085C9AB24}">
-                  <p16:designElem xmlns:p16="http://schemas.microsoft.com/office/powerpoint/2015/main" val="1"/>
+                  <p16:designElem xmlns:p16="http://schemas.microsoft.com/office/powerpoint/2015/main" xmlns="" val="1"/>
                 </p:ext>
               </p:extLst>
             </p:nvPr>
@@ -6126,7 +6131,7 @@
             <p:nvPr>
               <p:extLst>
                 <p:ext uri="{386F3935-93C4-4BCD-93E2-E3B085C9AB24}">
-                  <p16:designElem xmlns:p16="http://schemas.microsoft.com/office/powerpoint/2015/main" val="1"/>
+                  <p16:designElem xmlns:p16="http://schemas.microsoft.com/office/powerpoint/2015/main" xmlns="" val="1"/>
                 </p:ext>
               </p:extLst>
             </p:nvPr>
@@ -6196,7 +6201,7 @@
             <p:nvPr>
               <p:extLst>
                 <p:ext uri="{386F3935-93C4-4BCD-93E2-E3B085C9AB24}">
-                  <p16:designElem xmlns:p16="http://schemas.microsoft.com/office/powerpoint/2015/main" val="1"/>
+                  <p16:designElem xmlns:p16="http://schemas.microsoft.com/office/powerpoint/2015/main" xmlns="" val="1"/>
                 </p:ext>
               </p:extLst>
             </p:nvPr>
@@ -6267,7 +6272,7 @@
             <p:nvPr>
               <p:extLst>
                 <p:ext uri="{386F3935-93C4-4BCD-93E2-E3B085C9AB24}">
-                  <p16:designElem xmlns:p16="http://schemas.microsoft.com/office/powerpoint/2015/main" val="1"/>
+                  <p16:designElem xmlns:p16="http://schemas.microsoft.com/office/powerpoint/2015/main" xmlns="" val="1"/>
                 </p:ext>
               </p:extLst>
             </p:nvPr>
@@ -6336,7 +6341,7 @@
             <p:nvPr>
               <p:extLst>
                 <p:ext uri="{386F3935-93C4-4BCD-93E2-E3B085C9AB24}">
-                  <p16:designElem xmlns:p16="http://schemas.microsoft.com/office/powerpoint/2015/main" val="1"/>
+                  <p16:designElem xmlns:p16="http://schemas.microsoft.com/office/powerpoint/2015/main" xmlns="" val="1"/>
                 </p:ext>
               </p:extLst>
             </p:nvPr>
@@ -6383,7 +6388,7 @@
             <p:nvPr>
               <p:extLst>
                 <p:ext uri="{386F3935-93C4-4BCD-93E2-E3B085C9AB24}">
-                  <p16:designElem xmlns:p16="http://schemas.microsoft.com/office/powerpoint/2015/main" val="1"/>
+                  <p16:designElem xmlns:p16="http://schemas.microsoft.com/office/powerpoint/2015/main" xmlns="" val="1"/>
                 </p:ext>
               </p:extLst>
             </p:nvPr>
@@ -6530,6 +6535,1978 @@
 </p:sld>
 </file>
 
+<file path=ppt/slides/slide10.xml><?xml version="1.0" encoding="utf-8"?>
+<p:sld xmlns:a="http://schemas.openxmlformats.org/drawingml/2006/main" xmlns:r="http://schemas.openxmlformats.org/officeDocument/2006/relationships" xmlns:p="http://schemas.openxmlformats.org/presentationml/2006/main">
+  <p:cSld>
+    <p:spTree>
+      <p:nvGrpSpPr>
+        <p:cNvPr id="1" name=""/>
+        <p:cNvGrpSpPr/>
+        <p:nvPr/>
+      </p:nvGrpSpPr>
+      <p:grpSpPr>
+        <a:xfrm>
+          <a:off x="0" y="0"/>
+          <a:ext cx="0" cy="0"/>
+          <a:chOff x="0" y="0"/>
+          <a:chExt cx="0" cy="0"/>
+        </a:xfrm>
+      </p:grpSpPr>
+      <p:sp>
+        <p:nvSpPr>
+          <p:cNvPr id="2" name="Title 1"/>
+          <p:cNvSpPr>
+            <a:spLocks noGrp="1"/>
+          </p:cNvSpPr>
+          <p:nvPr>
+            <p:ph type="title"/>
+          </p:nvPr>
+        </p:nvSpPr>
+        <p:spPr/>
+        <p:txBody>
+          <a:bodyPr/>
+          <a:lstStyle/>
+          <a:p>
+            <a:r>
+              <a:rPr lang="en-US" dirty="0"/>
+              <a:t>Friday’s Presentation Feedback</a:t>
+            </a:r>
+          </a:p>
+        </p:txBody>
+      </p:sp>
+      <p:sp>
+        <p:nvSpPr>
+          <p:cNvPr id="3" name="Content Placeholder 2"/>
+          <p:cNvSpPr>
+            <a:spLocks noGrp="1"/>
+          </p:cNvSpPr>
+          <p:nvPr>
+            <p:ph idx="1"/>
+          </p:nvPr>
+        </p:nvSpPr>
+        <p:spPr>
+          <a:xfrm>
+            <a:off x="677334" y="2350904"/>
+            <a:ext cx="3289185" cy="3014728"/>
+          </a:xfrm>
+        </p:spPr>
+        <p:txBody>
+          <a:bodyPr>
+            <a:noAutofit/>
+          </a:bodyPr>
+          <a:lstStyle/>
+          <a:p>
+            <a:pPr marL="0" indent="0" algn="ctr">
+              <a:buNone/>
+            </a:pPr>
+            <a:r>
+              <a:rPr lang="en-US" sz="2400" dirty="0"/>
+              <a:t>The most common feedback we’ve received from the groups is that our font and checkbox, for the layout, is small </a:t>
+            </a:r>
+            <a:r>
+              <a:rPr lang="en-US" sz="2400" dirty="0" smtClean="0"/>
+              <a:t>and we researched a solution.</a:t>
+            </a:r>
+            <a:endParaRPr lang="en-US" sz="2400" dirty="0"/>
+          </a:p>
+        </p:txBody>
+      </p:sp>
+      <p:pic>
+        <p:nvPicPr>
+          <p:cNvPr id="5" name="Picture 4"/>
+          <p:cNvPicPr>
+            <a:picLocks noChangeAspect="1"/>
+          </p:cNvPicPr>
+          <p:nvPr/>
+        </p:nvPicPr>
+        <p:blipFill>
+          <a:blip r:embed="rId2"/>
+          <a:stretch>
+            <a:fillRect/>
+          </a:stretch>
+        </p:blipFill>
+        <p:spPr>
+          <a:xfrm>
+            <a:off x="4706029" y="1519881"/>
+            <a:ext cx="4391025" cy="4676775"/>
+          </a:xfrm>
+          <a:prstGeom prst="rect">
+            <a:avLst/>
+          </a:prstGeom>
+        </p:spPr>
+      </p:pic>
+    </p:spTree>
+    <p:extLst>
+      <p:ext uri="{BB962C8B-B14F-4D97-AF65-F5344CB8AC3E}">
+        <p14:creationId xmlns:p14="http://schemas.microsoft.com/office/powerpoint/2010/main" val="1286283173"/>
+      </p:ext>
+    </p:extLst>
+  </p:cSld>
+  <p:clrMapOvr>
+    <a:masterClrMapping/>
+  </p:clrMapOvr>
+</p:sld>
+</file>
+
+<file path=ppt/slides/slide11.xml><?xml version="1.0" encoding="utf-8"?>
+<p:sld xmlns:a="http://schemas.openxmlformats.org/drawingml/2006/main" xmlns:r="http://schemas.openxmlformats.org/officeDocument/2006/relationships" xmlns:p="http://schemas.openxmlformats.org/presentationml/2006/main">
+  <p:cSld>
+    <p:spTree>
+      <p:nvGrpSpPr>
+        <p:cNvPr id="1" name=""/>
+        <p:cNvGrpSpPr/>
+        <p:nvPr/>
+      </p:nvGrpSpPr>
+      <p:grpSpPr>
+        <a:xfrm>
+          <a:off x="0" y="0"/>
+          <a:ext cx="0" cy="0"/>
+          <a:chOff x="0" y="0"/>
+          <a:chExt cx="0" cy="0"/>
+        </a:xfrm>
+      </p:grpSpPr>
+      <p:sp>
+        <p:nvSpPr>
+          <p:cNvPr id="2" name="Title 1"/>
+          <p:cNvSpPr>
+            <a:spLocks noGrp="1"/>
+          </p:cNvSpPr>
+          <p:nvPr>
+            <p:ph type="title"/>
+          </p:nvPr>
+        </p:nvSpPr>
+        <p:spPr>
+          <a:xfrm>
+            <a:off x="677334" y="609600"/>
+            <a:ext cx="8596668" cy="1320800"/>
+          </a:xfrm>
+        </p:spPr>
+        <p:txBody>
+          <a:bodyPr/>
+          <a:lstStyle/>
+          <a:p>
+            <a:r>
+              <a:rPr lang="en-US" dirty="0" smtClean="0"/>
+              <a:t>Problem Rectified</a:t>
+            </a:r>
+            <a:endParaRPr lang="en-US" dirty="0"/>
+          </a:p>
+        </p:txBody>
+      </p:sp>
+      <p:sp>
+        <p:nvSpPr>
+          <p:cNvPr id="3" name="Content Placeholder 2"/>
+          <p:cNvSpPr>
+            <a:spLocks noGrp="1"/>
+          </p:cNvSpPr>
+          <p:nvPr>
+            <p:ph idx="1"/>
+          </p:nvPr>
+        </p:nvSpPr>
+        <p:spPr>
+          <a:xfrm>
+            <a:off x="982758" y="2710221"/>
+            <a:ext cx="3633409" cy="2128382"/>
+          </a:xfrm>
+        </p:spPr>
+        <p:txBody>
+          <a:bodyPr>
+            <a:normAutofit/>
+          </a:bodyPr>
+          <a:lstStyle/>
+          <a:p>
+            <a:pPr marL="0" indent="0" algn="ctr">
+              <a:buNone/>
+            </a:pPr>
+            <a:r>
+              <a:rPr lang="en-US" sz="2400" dirty="0" smtClean="0"/>
+              <a:t>We have </a:t>
+            </a:r>
+            <a:r>
+              <a:rPr lang="en-US" sz="2400" dirty="0" smtClean="0"/>
+              <a:t>implemented large clickable icons that users can click and add to their ingredient list.</a:t>
+            </a:r>
+            <a:endParaRPr lang="en-US" sz="2400" dirty="0"/>
+          </a:p>
+        </p:txBody>
+      </p:sp>
+      <p:pic>
+        <p:nvPicPr>
+          <p:cNvPr id="1026" name="Picture 2"/>
+          <p:cNvPicPr>
+            <a:picLocks noChangeAspect="1" noChangeArrowheads="1"/>
+          </p:cNvPicPr>
+          <p:nvPr/>
+        </p:nvPicPr>
+        <p:blipFill>
+          <a:blip r:embed="rId2">
+            <a:extLst>
+              <a:ext uri="{28A0092B-C50C-407E-A947-70E740481C1C}">
+                <a14:useLocalDpi xmlns:a14="http://schemas.microsoft.com/office/drawing/2010/main" val="0"/>
+              </a:ext>
+            </a:extLst>
+          </a:blip>
+          <a:srcRect/>
+          <a:stretch>
+            <a:fillRect/>
+          </a:stretch>
+        </p:blipFill>
+        <p:spPr bwMode="auto">
+          <a:xfrm>
+            <a:off x="4982977" y="1667434"/>
+            <a:ext cx="4055018" cy="3104029"/>
+          </a:xfrm>
+          <a:prstGeom prst="rect">
+            <a:avLst/>
+          </a:prstGeom>
+          <a:noFill/>
+          <a:ln>
+            <a:noFill/>
+          </a:ln>
+          <a:effectLst/>
+          <a:extLst>
+            <a:ext uri="{909E8E84-426E-40DD-AFC4-6F175D3DCCD1}">
+              <a14:hiddenFill xmlns:a14="http://schemas.microsoft.com/office/drawing/2010/main">
+                <a:solidFill>
+                  <a:schemeClr val="accent1"/>
+                </a:solidFill>
+              </a14:hiddenFill>
+            </a:ext>
+            <a:ext uri="{91240B29-F687-4F45-9708-019B960494DF}">
+              <a14:hiddenLine xmlns:a14="http://schemas.microsoft.com/office/drawing/2010/main" w="9525">
+                <a:solidFill>
+                  <a:schemeClr val="tx1"/>
+                </a:solidFill>
+                <a:miter lim="800000"/>
+                <a:headEnd/>
+                <a:tailEnd/>
+              </a14:hiddenLine>
+            </a:ext>
+            <a:ext uri="{AF507438-7753-43E0-B8FC-AC1667EBCBE1}">
+              <a14:hiddenEffects xmlns:a14="http://schemas.microsoft.com/office/drawing/2010/main">
+                <a:effectLst>
+                  <a:outerShdw dist="35921" dir="2700000" algn="ctr" rotWithShape="0">
+                    <a:schemeClr val="bg2"/>
+                  </a:outerShdw>
+                </a:effectLst>
+              </a14:hiddenEffects>
+            </a:ext>
+          </a:extLst>
+        </p:spPr>
+      </p:pic>
+    </p:spTree>
+    <p:extLst>
+      <p:ext uri="{BB962C8B-B14F-4D97-AF65-F5344CB8AC3E}">
+        <p14:creationId xmlns:p14="http://schemas.microsoft.com/office/powerpoint/2010/main" val="3506324694"/>
+      </p:ext>
+    </p:extLst>
+  </p:cSld>
+  <p:clrMapOvr>
+    <a:masterClrMapping/>
+  </p:clrMapOvr>
+</p:sld>
+</file>
+
+<file path=ppt/slides/slide12.xml><?xml version="1.0" encoding="utf-8"?>
+<p:sld xmlns:a="http://schemas.openxmlformats.org/drawingml/2006/main" xmlns:r="http://schemas.openxmlformats.org/officeDocument/2006/relationships" xmlns:p="http://schemas.openxmlformats.org/presentationml/2006/main">
+  <p:cSld>
+    <p:spTree>
+      <p:nvGrpSpPr>
+        <p:cNvPr id="1" name=""/>
+        <p:cNvGrpSpPr/>
+        <p:nvPr/>
+      </p:nvGrpSpPr>
+      <p:grpSpPr>
+        <a:xfrm>
+          <a:off x="0" y="0"/>
+          <a:ext cx="0" cy="0"/>
+          <a:chOff x="0" y="0"/>
+          <a:chExt cx="0" cy="0"/>
+        </a:xfrm>
+      </p:grpSpPr>
+      <p:sp>
+        <p:nvSpPr>
+          <p:cNvPr id="2" name="Title 1"/>
+          <p:cNvSpPr>
+            <a:spLocks noGrp="1"/>
+          </p:cNvSpPr>
+          <p:nvPr>
+            <p:ph type="title"/>
+          </p:nvPr>
+        </p:nvSpPr>
+        <p:spPr/>
+        <p:txBody>
+          <a:bodyPr/>
+          <a:lstStyle/>
+          <a:p>
+            <a:r>
+              <a:rPr lang="en-US" dirty="0"/>
+              <a:t>Affiliated Applications</a:t>
+            </a:r>
+          </a:p>
+        </p:txBody>
+      </p:sp>
+      <p:graphicFrame>
+        <p:nvGraphicFramePr>
+          <p:cNvPr id="10" name="Content Placeholder 9"/>
+          <p:cNvGraphicFramePr>
+            <a:graphicFrameLocks noGrp="1"/>
+          </p:cNvGraphicFramePr>
+          <p:nvPr>
+            <p:ph idx="1"/>
+            <p:extLst>
+              <p:ext uri="{D42A27DB-BD31-4B8C-83A1-F6EECF244321}">
+                <p14:modId xmlns:p14="http://schemas.microsoft.com/office/powerpoint/2010/main" val="2684339084"/>
+              </p:ext>
+            </p:extLst>
+          </p:nvPr>
+        </p:nvGraphicFramePr>
+        <p:xfrm>
+          <a:off x="677863" y="1611086"/>
+          <a:ext cx="8596311" cy="4796975"/>
+        </p:xfrm>
+        <a:graphic>
+          <a:graphicData uri="http://schemas.openxmlformats.org/drawingml/2006/table">
+            <a:tbl>
+              <a:tblPr firstRow="1" bandRow="1">
+                <a:tableStyleId>{5C22544A-7EE6-4342-B048-85BDC9FD1C3A}</a:tableStyleId>
+              </a:tblPr>
+              <a:tblGrid>
+                <a:gridCol w="2217737">
+                  <a:extLst>
+                    <a:ext uri="{9D8B030D-6E8A-4147-A177-3AD203B41FA5}">
+                      <a16:colId xmlns:a16="http://schemas.microsoft.com/office/drawing/2014/main" xmlns="" val="2984687595"/>
+                    </a:ext>
+                  </a:extLst>
+                </a:gridCol>
+                <a:gridCol w="1153886">
+                  <a:extLst>
+                    <a:ext uri="{9D8B030D-6E8A-4147-A177-3AD203B41FA5}">
+                      <a16:colId xmlns:a16="http://schemas.microsoft.com/office/drawing/2014/main" xmlns="" val="299333604"/>
+                    </a:ext>
+                  </a:extLst>
+                </a:gridCol>
+                <a:gridCol w="5224688">
+                  <a:extLst>
+                    <a:ext uri="{9D8B030D-6E8A-4147-A177-3AD203B41FA5}">
+                      <a16:colId xmlns:a16="http://schemas.microsoft.com/office/drawing/2014/main" xmlns="" val="279191358"/>
+                    </a:ext>
+                  </a:extLst>
+                </a:gridCol>
+              </a:tblGrid>
+              <a:tr h="776515">
+                <a:tc>
+                  <a:txBody>
+                    <a:bodyPr/>
+                    <a:lstStyle/>
+                    <a:p>
+                      <a:pPr algn="ctr"/>
+                      <a:r>
+                        <a:rPr lang="en-US" dirty="0"/>
+                        <a:t>Application</a:t>
+                      </a:r>
+                    </a:p>
+                  </a:txBody>
+                  <a:tcPr/>
+                </a:tc>
+                <a:tc>
+                  <a:txBody>
+                    <a:bodyPr/>
+                    <a:lstStyle/>
+                    <a:p>
+                      <a:pPr algn="ctr"/>
+                      <a:r>
+                        <a:rPr lang="en-US" dirty="0"/>
+                        <a:t>Group Number</a:t>
+                      </a:r>
+                    </a:p>
+                  </a:txBody>
+                  <a:tcPr/>
+                </a:tc>
+                <a:tc>
+                  <a:txBody>
+                    <a:bodyPr/>
+                    <a:lstStyle/>
+                    <a:p>
+                      <a:pPr algn="ctr"/>
+                      <a:r>
+                        <a:rPr lang="en-US" dirty="0"/>
+                        <a:t>Description</a:t>
+                      </a:r>
+                    </a:p>
+                  </a:txBody>
+                  <a:tcPr/>
+                </a:tc>
+                <a:extLst>
+                  <a:ext uri="{0D108BD9-81ED-4DB2-BD59-A6C34878D82A}">
+                    <a16:rowId xmlns:a16="http://schemas.microsoft.com/office/drawing/2014/main" xmlns="" val="4132265559"/>
+                  </a:ext>
+                </a:extLst>
+              </a:tr>
+              <a:tr h="776515">
+                <a:tc>
+                  <a:txBody>
+                    <a:bodyPr/>
+                    <a:lstStyle/>
+                    <a:p>
+                      <a:r>
+                        <a:rPr lang="en-US" dirty="0"/>
+                        <a:t>Waste</a:t>
+                      </a:r>
+                    </a:p>
+                  </a:txBody>
+                  <a:tcPr/>
+                </a:tc>
+                <a:tc>
+                  <a:txBody>
+                    <a:bodyPr/>
+                    <a:lstStyle/>
+                    <a:p>
+                      <a:r>
+                        <a:rPr lang="en-US" dirty="0"/>
+                        <a:t>23</a:t>
+                      </a:r>
+                    </a:p>
+                  </a:txBody>
+                  <a:tcPr/>
+                </a:tc>
+                <a:tc>
+                  <a:txBody>
+                    <a:bodyPr/>
+                    <a:lstStyle/>
+                    <a:p>
+                      <a:r>
+                        <a:rPr lang="en-US" sz="1800" b="0" i="0" kern="1200" dirty="0">
+                          <a:solidFill>
+                            <a:schemeClr val="dk1"/>
+                          </a:solidFill>
+                          <a:effectLst/>
+                          <a:latin typeface="+mn-lt"/>
+                          <a:ea typeface="+mn-ea"/>
+                          <a:cs typeface="+mn-cs"/>
+                        </a:rPr>
+                        <a:t>An App to track food usage/wastage</a:t>
+                      </a:r>
+                      <a:endParaRPr lang="en-US" dirty="0"/>
+                    </a:p>
+                  </a:txBody>
+                  <a:tcPr/>
+                </a:tc>
+                <a:extLst>
+                  <a:ext uri="{0D108BD9-81ED-4DB2-BD59-A6C34878D82A}">
+                    <a16:rowId xmlns:a16="http://schemas.microsoft.com/office/drawing/2014/main" xmlns="" val="3544123363"/>
+                  </a:ext>
+                </a:extLst>
+              </a:tr>
+              <a:tr h="776515">
+                <a:tc>
+                  <a:txBody>
+                    <a:bodyPr/>
+                    <a:lstStyle/>
+                    <a:p>
+                      <a:r>
+                        <a:rPr lang="en-US" dirty="0"/>
+                        <a:t>Pocket Pantry</a:t>
+                      </a:r>
+                    </a:p>
+                  </a:txBody>
+                  <a:tcPr/>
+                </a:tc>
+                <a:tc>
+                  <a:txBody>
+                    <a:bodyPr/>
+                    <a:lstStyle/>
+                    <a:p>
+                      <a:r>
+                        <a:rPr lang="en-US" dirty="0"/>
+                        <a:t>8</a:t>
+                      </a:r>
+                    </a:p>
+                  </a:txBody>
+                  <a:tcPr/>
+                </a:tc>
+                <a:tc>
+                  <a:txBody>
+                    <a:bodyPr/>
+                    <a:lstStyle/>
+                    <a:p>
+                      <a:r>
+                        <a:rPr lang="en-US" dirty="0"/>
+                        <a:t>A meal planner &amp; grocery list</a:t>
+                      </a:r>
+                    </a:p>
+                  </a:txBody>
+                  <a:tcPr/>
+                </a:tc>
+                <a:extLst>
+                  <a:ext uri="{0D108BD9-81ED-4DB2-BD59-A6C34878D82A}">
+                    <a16:rowId xmlns:a16="http://schemas.microsoft.com/office/drawing/2014/main" xmlns="" val="971419476"/>
+                  </a:ext>
+                </a:extLst>
+              </a:tr>
+              <a:tr h="776515">
+                <a:tc>
+                  <a:txBody>
+                    <a:bodyPr/>
+                    <a:lstStyle/>
+                    <a:p>
+                      <a:r>
+                        <a:rPr lang="en-US" dirty="0" err="1"/>
+                        <a:t>WhatsInMyFridge</a:t>
+                      </a:r>
+                      <a:r>
+                        <a:rPr lang="en-US" dirty="0"/>
+                        <a:t>?</a:t>
+                      </a:r>
+                    </a:p>
+                  </a:txBody>
+                  <a:tcPr/>
+                </a:tc>
+                <a:tc>
+                  <a:txBody>
+                    <a:bodyPr/>
+                    <a:lstStyle/>
+                    <a:p>
+                      <a:r>
+                        <a:rPr lang="en-US" dirty="0"/>
+                        <a:t>1</a:t>
+                      </a:r>
+                    </a:p>
+                  </a:txBody>
+                  <a:tcPr/>
+                </a:tc>
+                <a:tc>
+                  <a:txBody>
+                    <a:bodyPr/>
+                    <a:lstStyle/>
+                    <a:p>
+                      <a:pPr marL="0" marR="0" lvl="0" indent="0" algn="l" defTabSz="457200" rtl="0" eaLnBrk="1" fontAlgn="auto" latinLnBrk="0" hangingPunct="1">
+                        <a:lnSpc>
+                          <a:spcPct val="100000"/>
+                        </a:lnSpc>
+                        <a:spcBef>
+                          <a:spcPts val="0"/>
+                        </a:spcBef>
+                        <a:spcAft>
+                          <a:spcPts val="0"/>
+                        </a:spcAft>
+                        <a:buClrTx/>
+                        <a:buSzTx/>
+                        <a:buFontTx/>
+                        <a:buNone/>
+                        <a:tabLst/>
+                        <a:defRPr/>
+                      </a:pPr>
+                      <a:r>
+                        <a:rPr lang="en-US" sz="1800" b="0" i="0" kern="1200" dirty="0">
+                          <a:solidFill>
+                            <a:schemeClr val="dk1"/>
+                          </a:solidFill>
+                          <a:effectLst/>
+                          <a:latin typeface="+mn-lt"/>
+                          <a:ea typeface="+mn-ea"/>
+                          <a:cs typeface="+mn-cs"/>
+                        </a:rPr>
+                        <a:t>A website that keeps track of when your food expires</a:t>
+                      </a:r>
+                      <a:endParaRPr lang="en-US" dirty="0"/>
+                    </a:p>
+                    <a:p>
+                      <a:endParaRPr lang="en-US" dirty="0"/>
+                    </a:p>
+                  </a:txBody>
+                  <a:tcPr/>
+                </a:tc>
+                <a:extLst>
+                  <a:ext uri="{0D108BD9-81ED-4DB2-BD59-A6C34878D82A}">
+                    <a16:rowId xmlns:a16="http://schemas.microsoft.com/office/drawing/2014/main" xmlns="" val="3990320007"/>
+                  </a:ext>
+                </a:extLst>
+              </a:tr>
+              <a:tr h="776515">
+                <a:tc>
+                  <a:txBody>
+                    <a:bodyPr/>
+                    <a:lstStyle/>
+                    <a:p>
+                      <a:r>
+                        <a:rPr lang="en-US" dirty="0" err="1"/>
+                        <a:t>EcoList</a:t>
+                      </a:r>
+                      <a:endParaRPr lang="en-US" dirty="0"/>
+                    </a:p>
+                  </a:txBody>
+                  <a:tcPr/>
+                </a:tc>
+                <a:tc>
+                  <a:txBody>
+                    <a:bodyPr/>
+                    <a:lstStyle/>
+                    <a:p>
+                      <a:r>
+                        <a:rPr lang="en-US" dirty="0"/>
+                        <a:t>10</a:t>
+                      </a:r>
+                    </a:p>
+                  </a:txBody>
+                  <a:tcPr/>
+                </a:tc>
+                <a:tc>
+                  <a:txBody>
+                    <a:bodyPr/>
+                    <a:lstStyle/>
+                    <a:p>
+                      <a:r>
+                        <a:rPr lang="en-US" dirty="0"/>
+                        <a:t>Grocery list and meal planner</a:t>
+                      </a:r>
+                    </a:p>
+                  </a:txBody>
+                  <a:tcPr/>
+                </a:tc>
+                <a:extLst>
+                  <a:ext uri="{0D108BD9-81ED-4DB2-BD59-A6C34878D82A}">
+                    <a16:rowId xmlns:a16="http://schemas.microsoft.com/office/drawing/2014/main" xmlns="" val="2733974939"/>
+                  </a:ext>
+                </a:extLst>
+              </a:tr>
+              <a:tr h="776515">
+                <a:tc>
+                  <a:txBody>
+                    <a:bodyPr/>
+                    <a:lstStyle/>
+                    <a:p>
+                      <a:r>
+                        <a:rPr lang="en-US" dirty="0"/>
+                        <a:t>Meal.io</a:t>
+                      </a:r>
+                    </a:p>
+                  </a:txBody>
+                  <a:tcPr/>
+                </a:tc>
+                <a:tc>
+                  <a:txBody>
+                    <a:bodyPr/>
+                    <a:lstStyle/>
+                    <a:p>
+                      <a:r>
+                        <a:rPr lang="en-US" dirty="0"/>
+                        <a:t>29</a:t>
+                      </a:r>
+                    </a:p>
+                  </a:txBody>
+                  <a:tcPr/>
+                </a:tc>
+                <a:tc>
+                  <a:txBody>
+                    <a:bodyPr/>
+                    <a:lstStyle/>
+                    <a:p>
+                      <a:r>
+                        <a:rPr lang="en-US" dirty="0"/>
+                        <a:t>App to help families manage the food in their lives</a:t>
+                      </a:r>
+                    </a:p>
+                  </a:txBody>
+                  <a:tcPr/>
+                </a:tc>
+                <a:extLst>
+                  <a:ext uri="{0D108BD9-81ED-4DB2-BD59-A6C34878D82A}">
+                    <a16:rowId xmlns:a16="http://schemas.microsoft.com/office/drawing/2014/main" xmlns="" val="4049788260"/>
+                  </a:ext>
+                </a:extLst>
+              </a:tr>
+            </a:tbl>
+          </a:graphicData>
+        </a:graphic>
+      </p:graphicFrame>
+    </p:spTree>
+    <p:extLst>
+      <p:ext uri="{BB962C8B-B14F-4D97-AF65-F5344CB8AC3E}">
+        <p14:creationId xmlns:p14="http://schemas.microsoft.com/office/powerpoint/2010/main" val="692973527"/>
+      </p:ext>
+    </p:extLst>
+  </p:cSld>
+  <p:clrMapOvr>
+    <a:masterClrMapping/>
+  </p:clrMapOvr>
+</p:sld>
+</file>
+
+<file path=ppt/slides/slide13.xml><?xml version="1.0" encoding="utf-8"?>
+<p:sld xmlns:a="http://schemas.openxmlformats.org/drawingml/2006/main" xmlns:r="http://schemas.openxmlformats.org/officeDocument/2006/relationships" xmlns:p="http://schemas.openxmlformats.org/presentationml/2006/main">
+  <p:cSld>
+    <p:spTree>
+      <p:nvGrpSpPr>
+        <p:cNvPr id="1" name=""/>
+        <p:cNvGrpSpPr/>
+        <p:nvPr/>
+      </p:nvGrpSpPr>
+      <p:grpSpPr>
+        <a:xfrm>
+          <a:off x="0" y="0"/>
+          <a:ext cx="0" cy="0"/>
+          <a:chOff x="0" y="0"/>
+          <a:chExt cx="0" cy="0"/>
+        </a:xfrm>
+      </p:grpSpPr>
+      <p:sp>
+        <p:nvSpPr>
+          <p:cNvPr id="2" name="Title 1"/>
+          <p:cNvSpPr>
+            <a:spLocks noGrp="1"/>
+          </p:cNvSpPr>
+          <p:nvPr>
+            <p:ph type="title"/>
+          </p:nvPr>
+        </p:nvSpPr>
+        <p:spPr/>
+        <p:txBody>
+          <a:bodyPr>
+            <a:normAutofit/>
+          </a:bodyPr>
+          <a:lstStyle/>
+          <a:p>
+            <a:r>
+              <a:rPr lang="en-US" sz="4400" dirty="0"/>
+              <a:t>In Conclusion:</a:t>
+            </a:r>
+          </a:p>
+        </p:txBody>
+      </p:sp>
+      <p:sp>
+        <p:nvSpPr>
+          <p:cNvPr id="3" name="Content Placeholder 2"/>
+          <p:cNvSpPr>
+            <a:spLocks noGrp="1"/>
+          </p:cNvSpPr>
+          <p:nvPr>
+            <p:ph idx="1"/>
+          </p:nvPr>
+        </p:nvSpPr>
+        <p:spPr/>
+        <p:txBody>
+          <a:bodyPr>
+            <a:normAutofit fontScale="77500" lnSpcReduction="20000"/>
+          </a:bodyPr>
+          <a:lstStyle/>
+          <a:p>
+            <a:pPr marL="0" indent="0">
+              <a:buNone/>
+            </a:pPr>
+            <a:r>
+              <a:rPr lang="en-US" sz="3200" dirty="0"/>
+              <a:t>We </a:t>
+            </a:r>
+            <a:r>
+              <a:rPr lang="en-US" sz="3200" dirty="0" smtClean="0"/>
+              <a:t>are continuously working on implementing feedbacks while maintaining our focus on bringing an application that users will actively seek out on a regular basis.  </a:t>
+            </a:r>
+          </a:p>
+          <a:p>
+            <a:pPr marL="0" indent="0">
+              <a:buNone/>
+            </a:pPr>
+            <a:endParaRPr lang="en-US" sz="3200" dirty="0"/>
+          </a:p>
+          <a:p>
+            <a:pPr marL="0" indent="0">
+              <a:buNone/>
+            </a:pPr>
+            <a:r>
+              <a:rPr lang="en-US" sz="3200" dirty="0" smtClean="0"/>
+              <a:t>We hope to establish a connection with the consumers and help them pro-actively eliminate food waste everyday. </a:t>
+            </a:r>
+            <a:endParaRPr lang="en-US" sz="3200" dirty="0"/>
+          </a:p>
+          <a:p>
+            <a:pPr marL="0" indent="0">
+              <a:buNone/>
+            </a:pPr>
+            <a:endParaRPr lang="en-US" sz="3200" dirty="0"/>
+          </a:p>
+          <a:p>
+            <a:pPr marL="0" indent="0">
+              <a:buNone/>
+            </a:pPr>
+            <a:endParaRPr lang="en-US" sz="3200" dirty="0"/>
+          </a:p>
+          <a:p>
+            <a:pPr marL="0" indent="0">
+              <a:buNone/>
+            </a:pPr>
+            <a:r>
+              <a:rPr lang="en-US" sz="3200" dirty="0"/>
+              <a:t>Any questions?</a:t>
+            </a:r>
+          </a:p>
+        </p:txBody>
+      </p:sp>
+    </p:spTree>
+    <p:extLst>
+      <p:ext uri="{BB962C8B-B14F-4D97-AF65-F5344CB8AC3E}">
+        <p14:creationId xmlns:p14="http://schemas.microsoft.com/office/powerpoint/2010/main" val="3413468876"/>
+      </p:ext>
+    </p:extLst>
+  </p:cSld>
+  <p:clrMapOvr>
+    <a:masterClrMapping/>
+  </p:clrMapOvr>
+  <p:timing>
+    <p:tnLst>
+      <p:par>
+        <p:cTn id="1" dur="indefinite" restart="never" nodeType="tmRoot">
+          <p:childTnLst>
+            <p:seq concurrent="1" nextAc="seek">
+              <p:cTn id="2" dur="indefinite" nodeType="mainSeq">
+                <p:childTnLst>
+                  <p:par>
+                    <p:cTn id="3" fill="hold">
+                      <p:stCondLst>
+                        <p:cond delay="indefinite"/>
+                      </p:stCondLst>
+                      <p:childTnLst>
+                        <p:par>
+                          <p:cTn id="4" fill="hold">
+                            <p:stCondLst>
+                              <p:cond delay="0"/>
+                            </p:stCondLst>
+                            <p:childTnLst>
+                              <p:par>
+                                <p:cTn id="5" presetID="10" presetClass="entr" presetSubtype="0" fill="hold" grpId="0" nodeType="clickEffect">
+                                  <p:stCondLst>
+                                    <p:cond delay="0"/>
+                                  </p:stCondLst>
+                                  <p:childTnLst>
+                                    <p:set>
+                                      <p:cBhvr>
+                                        <p:cTn id="6" dur="1" fill="hold">
+                                          <p:stCondLst>
+                                            <p:cond delay="0"/>
+                                          </p:stCondLst>
+                                        </p:cTn>
+                                        <p:tgtEl>
+                                          <p:spTgt spid="2"/>
+                                        </p:tgtEl>
+                                        <p:attrNameLst>
+                                          <p:attrName>style.visibility</p:attrName>
+                                        </p:attrNameLst>
+                                      </p:cBhvr>
+                                      <p:to>
+                                        <p:strVal val="visible"/>
+                                      </p:to>
+                                    </p:set>
+                                    <p:animEffect transition="in" filter="fade">
+                                      <p:cBhvr>
+                                        <p:cTn id="7" dur="500"/>
+                                        <p:tgtEl>
+                                          <p:spTgt spid="2"/>
+                                        </p:tgtEl>
+                                      </p:cBhvr>
+                                    </p:animEffect>
+                                  </p:childTnLst>
+                                </p:cTn>
+                              </p:par>
+                            </p:childTnLst>
+                          </p:cTn>
+                        </p:par>
+                      </p:childTnLst>
+                    </p:cTn>
+                  </p:par>
+                  <p:par>
+                    <p:cTn id="8" fill="hold">
+                      <p:stCondLst>
+                        <p:cond delay="indefinite"/>
+                      </p:stCondLst>
+                      <p:childTnLst>
+                        <p:par>
+                          <p:cTn id="9" fill="hold">
+                            <p:stCondLst>
+                              <p:cond delay="0"/>
+                            </p:stCondLst>
+                            <p:childTnLst>
+                              <p:par>
+                                <p:cTn id="10" presetID="42" presetClass="entr" presetSubtype="0" fill="hold" grpId="0" nodeType="clickEffect">
+                                  <p:stCondLst>
+                                    <p:cond delay="0"/>
+                                  </p:stCondLst>
+                                  <p:childTnLst>
+                                    <p:set>
+                                      <p:cBhvr>
+                                        <p:cTn id="11" dur="1" fill="hold">
+                                          <p:stCondLst>
+                                            <p:cond delay="0"/>
+                                          </p:stCondLst>
+                                        </p:cTn>
+                                        <p:tgtEl>
+                                          <p:spTgt spid="3">
+                                            <p:txEl>
+                                              <p:pRg st="0" end="0"/>
+                                            </p:txEl>
+                                          </p:spTgt>
+                                        </p:tgtEl>
+                                        <p:attrNameLst>
+                                          <p:attrName>style.visibility</p:attrName>
+                                        </p:attrNameLst>
+                                      </p:cBhvr>
+                                      <p:to>
+                                        <p:strVal val="visible"/>
+                                      </p:to>
+                                    </p:set>
+                                    <p:animEffect transition="in" filter="fade">
+                                      <p:cBhvr>
+                                        <p:cTn id="12" dur="1000"/>
+                                        <p:tgtEl>
+                                          <p:spTgt spid="3">
+                                            <p:txEl>
+                                              <p:pRg st="0" end="0"/>
+                                            </p:txEl>
+                                          </p:spTgt>
+                                        </p:tgtEl>
+                                      </p:cBhvr>
+                                    </p:animEffect>
+                                    <p:anim calcmode="lin" valueType="num">
+                                      <p:cBhvr>
+                                        <p:cTn id="13" dur="1000" fill="hold"/>
+                                        <p:tgtEl>
+                                          <p:spTgt spid="3">
+                                            <p:txEl>
+                                              <p:pRg st="0" end="0"/>
+                                            </p:txEl>
+                                          </p:spTgt>
+                                        </p:tgtEl>
+                                        <p:attrNameLst>
+                                          <p:attrName>ppt_x</p:attrName>
+                                        </p:attrNameLst>
+                                      </p:cBhvr>
+                                      <p:tavLst>
+                                        <p:tav tm="0">
+                                          <p:val>
+                                            <p:strVal val="#ppt_x"/>
+                                          </p:val>
+                                        </p:tav>
+                                        <p:tav tm="100000">
+                                          <p:val>
+                                            <p:strVal val="#ppt_x"/>
+                                          </p:val>
+                                        </p:tav>
+                                      </p:tavLst>
+                                    </p:anim>
+                                    <p:anim calcmode="lin" valueType="num">
+                                      <p:cBhvr>
+                                        <p:cTn id="14" dur="1000" fill="hold"/>
+                                        <p:tgtEl>
+                                          <p:spTgt spid="3">
+                                            <p:txEl>
+                                              <p:pRg st="0" end="0"/>
+                                            </p:txEl>
+                                          </p:spTgt>
+                                        </p:tgtEl>
+                                        <p:attrNameLst>
+                                          <p:attrName>ppt_y</p:attrName>
+                                        </p:attrNameLst>
+                                      </p:cBhvr>
+                                      <p:tavLst>
+                                        <p:tav tm="0">
+                                          <p:val>
+                                            <p:strVal val="#ppt_y+.1"/>
+                                          </p:val>
+                                        </p:tav>
+                                        <p:tav tm="100000">
+                                          <p:val>
+                                            <p:strVal val="#ppt_y"/>
+                                          </p:val>
+                                        </p:tav>
+                                      </p:tavLst>
+                                    </p:anim>
+                                  </p:childTnLst>
+                                </p:cTn>
+                              </p:par>
+                            </p:childTnLst>
+                          </p:cTn>
+                        </p:par>
+                      </p:childTnLst>
+                    </p:cTn>
+                  </p:par>
+                  <p:par>
+                    <p:cTn id="15" fill="hold">
+                      <p:stCondLst>
+                        <p:cond delay="indefinite"/>
+                      </p:stCondLst>
+                      <p:childTnLst>
+                        <p:par>
+                          <p:cTn id="16" fill="hold">
+                            <p:stCondLst>
+                              <p:cond delay="0"/>
+                            </p:stCondLst>
+                            <p:childTnLst>
+                              <p:par>
+                                <p:cTn id="17" presetID="42" presetClass="entr" presetSubtype="0" fill="hold" grpId="0" nodeType="clickEffect">
+                                  <p:stCondLst>
+                                    <p:cond delay="0"/>
+                                  </p:stCondLst>
+                                  <p:childTnLst>
+                                    <p:set>
+                                      <p:cBhvr>
+                                        <p:cTn id="18" dur="1" fill="hold">
+                                          <p:stCondLst>
+                                            <p:cond delay="0"/>
+                                          </p:stCondLst>
+                                        </p:cTn>
+                                        <p:tgtEl>
+                                          <p:spTgt spid="3">
+                                            <p:txEl>
+                                              <p:pRg st="2" end="2"/>
+                                            </p:txEl>
+                                          </p:spTgt>
+                                        </p:tgtEl>
+                                        <p:attrNameLst>
+                                          <p:attrName>style.visibility</p:attrName>
+                                        </p:attrNameLst>
+                                      </p:cBhvr>
+                                      <p:to>
+                                        <p:strVal val="visible"/>
+                                      </p:to>
+                                    </p:set>
+                                    <p:animEffect transition="in" filter="fade">
+                                      <p:cBhvr>
+                                        <p:cTn id="19" dur="1000"/>
+                                        <p:tgtEl>
+                                          <p:spTgt spid="3">
+                                            <p:txEl>
+                                              <p:pRg st="2" end="2"/>
+                                            </p:txEl>
+                                          </p:spTgt>
+                                        </p:tgtEl>
+                                      </p:cBhvr>
+                                    </p:animEffect>
+                                    <p:anim calcmode="lin" valueType="num">
+                                      <p:cBhvr>
+                                        <p:cTn id="20" dur="1000" fill="hold"/>
+                                        <p:tgtEl>
+                                          <p:spTgt spid="3">
+                                            <p:txEl>
+                                              <p:pRg st="2" end="2"/>
+                                            </p:txEl>
+                                          </p:spTgt>
+                                        </p:tgtEl>
+                                        <p:attrNameLst>
+                                          <p:attrName>ppt_x</p:attrName>
+                                        </p:attrNameLst>
+                                      </p:cBhvr>
+                                      <p:tavLst>
+                                        <p:tav tm="0">
+                                          <p:val>
+                                            <p:strVal val="#ppt_x"/>
+                                          </p:val>
+                                        </p:tav>
+                                        <p:tav tm="100000">
+                                          <p:val>
+                                            <p:strVal val="#ppt_x"/>
+                                          </p:val>
+                                        </p:tav>
+                                      </p:tavLst>
+                                    </p:anim>
+                                    <p:anim calcmode="lin" valueType="num">
+                                      <p:cBhvr>
+                                        <p:cTn id="21" dur="1000" fill="hold"/>
+                                        <p:tgtEl>
+                                          <p:spTgt spid="3">
+                                            <p:txEl>
+                                              <p:pRg st="2" end="2"/>
+                                            </p:txEl>
+                                          </p:spTgt>
+                                        </p:tgtEl>
+                                        <p:attrNameLst>
+                                          <p:attrName>ppt_y</p:attrName>
+                                        </p:attrNameLst>
+                                      </p:cBhvr>
+                                      <p:tavLst>
+                                        <p:tav tm="0">
+                                          <p:val>
+                                            <p:strVal val="#ppt_y+.1"/>
+                                          </p:val>
+                                        </p:tav>
+                                        <p:tav tm="100000">
+                                          <p:val>
+                                            <p:strVal val="#ppt_y"/>
+                                          </p:val>
+                                        </p:tav>
+                                      </p:tavLst>
+                                    </p:anim>
+                                  </p:childTnLst>
+                                </p:cTn>
+                              </p:par>
+                            </p:childTnLst>
+                          </p:cTn>
+                        </p:par>
+                      </p:childTnLst>
+                    </p:cTn>
+                  </p:par>
+                  <p:par>
+                    <p:cTn id="22" fill="hold">
+                      <p:stCondLst>
+                        <p:cond delay="indefinite"/>
+                      </p:stCondLst>
+                      <p:childTnLst>
+                        <p:par>
+                          <p:cTn id="23" fill="hold">
+                            <p:stCondLst>
+                              <p:cond delay="0"/>
+                            </p:stCondLst>
+                            <p:childTnLst>
+                              <p:par>
+                                <p:cTn id="24" presetID="42" presetClass="entr" presetSubtype="0" fill="hold" grpId="0" nodeType="clickEffect">
+                                  <p:stCondLst>
+                                    <p:cond delay="0"/>
+                                  </p:stCondLst>
+                                  <p:childTnLst>
+                                    <p:set>
+                                      <p:cBhvr>
+                                        <p:cTn id="25" dur="1" fill="hold">
+                                          <p:stCondLst>
+                                            <p:cond delay="0"/>
+                                          </p:stCondLst>
+                                        </p:cTn>
+                                        <p:tgtEl>
+                                          <p:spTgt spid="3">
+                                            <p:txEl>
+                                              <p:pRg st="5" end="5"/>
+                                            </p:txEl>
+                                          </p:spTgt>
+                                        </p:tgtEl>
+                                        <p:attrNameLst>
+                                          <p:attrName>style.visibility</p:attrName>
+                                        </p:attrNameLst>
+                                      </p:cBhvr>
+                                      <p:to>
+                                        <p:strVal val="visible"/>
+                                      </p:to>
+                                    </p:set>
+                                    <p:animEffect transition="in" filter="fade">
+                                      <p:cBhvr>
+                                        <p:cTn id="26" dur="1000"/>
+                                        <p:tgtEl>
+                                          <p:spTgt spid="3">
+                                            <p:txEl>
+                                              <p:pRg st="5" end="5"/>
+                                            </p:txEl>
+                                          </p:spTgt>
+                                        </p:tgtEl>
+                                      </p:cBhvr>
+                                    </p:animEffect>
+                                    <p:anim calcmode="lin" valueType="num">
+                                      <p:cBhvr>
+                                        <p:cTn id="27" dur="1000" fill="hold"/>
+                                        <p:tgtEl>
+                                          <p:spTgt spid="3">
+                                            <p:txEl>
+                                              <p:pRg st="5" end="5"/>
+                                            </p:txEl>
+                                          </p:spTgt>
+                                        </p:tgtEl>
+                                        <p:attrNameLst>
+                                          <p:attrName>ppt_x</p:attrName>
+                                        </p:attrNameLst>
+                                      </p:cBhvr>
+                                      <p:tavLst>
+                                        <p:tav tm="0">
+                                          <p:val>
+                                            <p:strVal val="#ppt_x"/>
+                                          </p:val>
+                                        </p:tav>
+                                        <p:tav tm="100000">
+                                          <p:val>
+                                            <p:strVal val="#ppt_x"/>
+                                          </p:val>
+                                        </p:tav>
+                                      </p:tavLst>
+                                    </p:anim>
+                                    <p:anim calcmode="lin" valueType="num">
+                                      <p:cBhvr>
+                                        <p:cTn id="28" dur="1000" fill="hold"/>
+                                        <p:tgtEl>
+                                          <p:spTgt spid="3">
+                                            <p:txEl>
+                                              <p:pRg st="5" end="5"/>
+                                            </p:txEl>
+                                          </p:spTgt>
+                                        </p:tgtEl>
+                                        <p:attrNameLst>
+                                          <p:attrName>ppt_y</p:attrName>
+                                        </p:attrNameLst>
+                                      </p:cBhvr>
+                                      <p:tavLst>
+                                        <p:tav tm="0">
+                                          <p:val>
+                                            <p:strVal val="#ppt_y+.1"/>
+                                          </p:val>
+                                        </p:tav>
+                                        <p:tav tm="100000">
+                                          <p:val>
+                                            <p:strVal val="#ppt_y"/>
+                                          </p:val>
+                                        </p:tav>
+                                      </p:tavLst>
+                                    </p:anim>
+                                  </p:childTnLst>
+                                </p:cTn>
+                              </p:par>
+                            </p:childTnLst>
+                          </p:cTn>
+                        </p:par>
+                      </p:childTnLst>
+                    </p:cTn>
+                  </p:par>
+                </p:childTnLst>
+              </p:cTn>
+              <p:prevCondLst>
+                <p:cond evt="onPrev" delay="0">
+                  <p:tgtEl>
+                    <p:sldTgt/>
+                  </p:tgtEl>
+                </p:cond>
+              </p:prevCondLst>
+              <p:nextCondLst>
+                <p:cond evt="onNext" delay="0">
+                  <p:tgtEl>
+                    <p:sldTgt/>
+                  </p:tgtEl>
+                </p:cond>
+              </p:nextCondLst>
+            </p:seq>
+          </p:childTnLst>
+        </p:cTn>
+      </p:par>
+    </p:tnLst>
+    <p:bldLst>
+      <p:bldP spid="2" grpId="0"/>
+      <p:bldP spid="3" grpId="0" build="p"/>
+    </p:bldLst>
+  </p:timing>
+</p:sld>
+</file>
+
+<file path=ppt/slides/slide14.xml><?xml version="1.0" encoding="utf-8"?>
+<p:sld xmlns:a="http://schemas.openxmlformats.org/drawingml/2006/main" xmlns:r="http://schemas.openxmlformats.org/officeDocument/2006/relationships" xmlns:p="http://schemas.openxmlformats.org/presentationml/2006/main">
+  <p:cSld>
+    <p:spTree>
+      <p:nvGrpSpPr>
+        <p:cNvPr id="1" name=""/>
+        <p:cNvGrpSpPr/>
+        <p:nvPr/>
+      </p:nvGrpSpPr>
+      <p:grpSpPr>
+        <a:xfrm>
+          <a:off x="0" y="0"/>
+          <a:ext cx="0" cy="0"/>
+          <a:chOff x="0" y="0"/>
+          <a:chExt cx="0" cy="0"/>
+        </a:xfrm>
+      </p:grpSpPr>
+      <p:sp>
+        <p:nvSpPr>
+          <p:cNvPr id="30" name="Rectangle 29"/>
+          <p:cNvSpPr>
+            <a:spLocks noGrp="1" noRot="1" noChangeAspect="1" noMove="1" noResize="1" noEditPoints="1" noAdjustHandles="1" noChangeArrowheads="1" noChangeShapeType="1" noTextEdit="1"/>
+          </p:cNvSpPr>
+          <p:nvPr>
+            <p:extLst>
+              <p:ext uri="{386F3935-93C4-4BCD-93E2-E3B085C9AB24}">
+                <p16:designElem xmlns:p16="http://schemas.microsoft.com/office/powerpoint/2015/main" xmlns="" val="1"/>
+              </p:ext>
+            </p:extLst>
+          </p:nvPr>
+        </p:nvSpPr>
+        <p:spPr bwMode="white">
+          <a:xfrm>
+            <a:off x="0" y="0"/>
+            <a:ext cx="12192000" cy="6858000"/>
+          </a:xfrm>
+          <a:prstGeom prst="rect">
+            <a:avLst/>
+          </a:prstGeom>
+          <a:solidFill>
+            <a:schemeClr val="bg1"/>
+          </a:solidFill>
+          <a:ln>
+            <a:noFill/>
+          </a:ln>
+          <a:effectLst/>
+        </p:spPr>
+      </p:sp>
+      <p:grpSp>
+        <p:nvGrpSpPr>
+          <p:cNvPr id="32" name="Group 31"/>
+          <p:cNvGrpSpPr>
+            <a:grpSpLocks noGrp="1" noUngrp="1" noRot="1" noChangeAspect="1" noMove="1" noResize="1"/>
+          </p:cNvGrpSpPr>
+          <p:nvPr>
+            <p:extLst>
+              <p:ext uri="{386F3935-93C4-4BCD-93E2-E3B085C9AB24}">
+                <p16:designElem xmlns:p16="http://schemas.microsoft.com/office/powerpoint/2015/main" xmlns="" val="1"/>
+              </p:ext>
+            </p:extLst>
+          </p:nvPr>
+        </p:nvGrpSpPr>
+        <p:grpSpPr>
+          <a:xfrm>
+            <a:off x="0" y="-8467"/>
+            <a:ext cx="12192000" cy="6866467"/>
+            <a:chOff x="0" y="-8467"/>
+            <a:chExt cx="12192000" cy="6866467"/>
+          </a:xfrm>
+        </p:grpSpPr>
+        <p:cxnSp>
+          <p:nvCxnSpPr>
+            <p:cNvPr id="33" name="Straight Connector 32"/>
+            <p:cNvCxnSpPr/>
+            <p:nvPr>
+              <p:extLst>
+                <p:ext uri="{386F3935-93C4-4BCD-93E2-E3B085C9AB24}">
+                  <p16:designElem xmlns:p16="http://schemas.microsoft.com/office/powerpoint/2015/main" xmlns="" val="1"/>
+                </p:ext>
+              </p:extLst>
+            </p:nvPr>
+          </p:nvCxnSpPr>
+          <p:spPr>
+            <a:xfrm>
+              <a:off x="9371012" y="0"/>
+              <a:ext cx="1219200" cy="6858000"/>
+            </a:xfrm>
+            <a:prstGeom prst="line">
+              <a:avLst/>
+            </a:prstGeom>
+            <a:ln w="9525">
+              <a:solidFill>
+                <a:schemeClr val="bg1">
+                  <a:lumMod val="75000"/>
+                </a:schemeClr>
+              </a:solidFill>
+            </a:ln>
+          </p:spPr>
+          <p:style>
+            <a:lnRef idx="2">
+              <a:schemeClr val="accent1"/>
+            </a:lnRef>
+            <a:fillRef idx="0">
+              <a:schemeClr val="accent1"/>
+            </a:fillRef>
+            <a:effectRef idx="1">
+              <a:schemeClr val="accent1"/>
+            </a:effectRef>
+            <a:fontRef idx="minor">
+              <a:schemeClr val="tx1"/>
+            </a:fontRef>
+          </p:style>
+        </p:cxnSp>
+        <p:cxnSp>
+          <p:nvCxnSpPr>
+            <p:cNvPr id="34" name="Straight Connector 33"/>
+            <p:cNvCxnSpPr/>
+            <p:nvPr>
+              <p:extLst>
+                <p:ext uri="{386F3935-93C4-4BCD-93E2-E3B085C9AB24}">
+                  <p16:designElem xmlns:p16="http://schemas.microsoft.com/office/powerpoint/2015/main" xmlns="" val="1"/>
+                </p:ext>
+              </p:extLst>
+            </p:nvPr>
+          </p:nvCxnSpPr>
+          <p:spPr>
+            <a:xfrm flipH="1">
+              <a:off x="7425267" y="3681413"/>
+              <a:ext cx="4763558" cy="3176587"/>
+            </a:xfrm>
+            <a:prstGeom prst="line">
+              <a:avLst/>
+            </a:prstGeom>
+            <a:ln w="9525">
+              <a:solidFill>
+                <a:schemeClr val="bg1">
+                  <a:lumMod val="85000"/>
+                </a:schemeClr>
+              </a:solidFill>
+            </a:ln>
+          </p:spPr>
+          <p:style>
+            <a:lnRef idx="2">
+              <a:schemeClr val="accent1"/>
+            </a:lnRef>
+            <a:fillRef idx="0">
+              <a:schemeClr val="accent1"/>
+            </a:fillRef>
+            <a:effectRef idx="1">
+              <a:schemeClr val="accent1"/>
+            </a:effectRef>
+            <a:fontRef idx="minor">
+              <a:schemeClr val="tx1"/>
+            </a:fontRef>
+          </p:style>
+        </p:cxnSp>
+        <p:sp>
+          <p:nvSpPr>
+            <p:cNvPr id="35" name="Rectangle 23"/>
+            <p:cNvSpPr/>
+            <p:nvPr>
+              <p:extLst>
+                <p:ext uri="{386F3935-93C4-4BCD-93E2-E3B085C9AB24}">
+                  <p16:designElem xmlns:p16="http://schemas.microsoft.com/office/powerpoint/2015/main" xmlns="" val="1"/>
+                </p:ext>
+              </p:extLst>
+            </p:nvPr>
+          </p:nvSpPr>
+          <p:spPr>
+            <a:xfrm>
+              <a:off x="9181476" y="-8467"/>
+              <a:ext cx="3007349" cy="6866467"/>
+            </a:xfrm>
+            <a:custGeom>
+              <a:avLst/>
+              <a:gdLst/>
+              <a:ahLst/>
+              <a:cxnLst/>
+              <a:rect l="l" t="t" r="r" b="b"/>
+              <a:pathLst>
+                <a:path w="3007349" h="6866467">
+                  <a:moveTo>
+                    <a:pt x="2045532" y="0"/>
+                  </a:moveTo>
+                  <a:lnTo>
+                    <a:pt x="3007349" y="0"/>
+                  </a:lnTo>
+                  <a:lnTo>
+                    <a:pt x="3007349" y="6866467"/>
+                  </a:lnTo>
+                  <a:lnTo>
+                    <a:pt x="0" y="6866467"/>
+                  </a:lnTo>
+                  <a:lnTo>
+                    <a:pt x="2045532" y="0"/>
+                  </a:lnTo>
+                  <a:close/>
+                </a:path>
+              </a:pathLst>
+            </a:custGeom>
+            <a:solidFill>
+              <a:schemeClr val="accent1">
+                <a:alpha val="30000"/>
+              </a:schemeClr>
+            </a:solidFill>
+            <a:ln>
+              <a:noFill/>
+            </a:ln>
+            <a:effectLst/>
+          </p:spPr>
+          <p:style>
+            <a:lnRef idx="1">
+              <a:schemeClr val="accent1"/>
+            </a:lnRef>
+            <a:fillRef idx="3">
+              <a:schemeClr val="accent1"/>
+            </a:fillRef>
+            <a:effectRef idx="2">
+              <a:schemeClr val="accent1"/>
+            </a:effectRef>
+            <a:fontRef idx="minor">
+              <a:schemeClr val="lt1"/>
+            </a:fontRef>
+          </p:style>
+        </p:sp>
+        <p:sp>
+          <p:nvSpPr>
+            <p:cNvPr id="36" name="Rectangle 25"/>
+            <p:cNvSpPr/>
+            <p:nvPr>
+              <p:extLst>
+                <p:ext uri="{386F3935-93C4-4BCD-93E2-E3B085C9AB24}">
+                  <p16:designElem xmlns:p16="http://schemas.microsoft.com/office/powerpoint/2015/main" xmlns="" val="1"/>
+                </p:ext>
+              </p:extLst>
+            </p:nvPr>
+          </p:nvSpPr>
+          <p:spPr>
+            <a:xfrm>
+              <a:off x="9603442" y="-8467"/>
+              <a:ext cx="2588558" cy="6866467"/>
+            </a:xfrm>
+            <a:custGeom>
+              <a:avLst/>
+              <a:gdLst/>
+              <a:ahLst/>
+              <a:cxnLst/>
+              <a:rect l="l" t="t" r="r" b="b"/>
+              <a:pathLst>
+                <a:path w="2573311" h="6866467">
+                  <a:moveTo>
+                    <a:pt x="0" y="0"/>
+                  </a:moveTo>
+                  <a:lnTo>
+                    <a:pt x="2573311" y="0"/>
+                  </a:lnTo>
+                  <a:lnTo>
+                    <a:pt x="2573311" y="6866467"/>
+                  </a:lnTo>
+                  <a:lnTo>
+                    <a:pt x="1202336" y="6866467"/>
+                  </a:lnTo>
+                  <a:lnTo>
+                    <a:pt x="0" y="0"/>
+                  </a:lnTo>
+                  <a:close/>
+                </a:path>
+              </a:pathLst>
+            </a:custGeom>
+            <a:solidFill>
+              <a:schemeClr val="accent1">
+                <a:alpha val="20000"/>
+              </a:schemeClr>
+            </a:solidFill>
+            <a:ln>
+              <a:noFill/>
+            </a:ln>
+            <a:effectLst/>
+          </p:spPr>
+          <p:style>
+            <a:lnRef idx="1">
+              <a:schemeClr val="accent1"/>
+            </a:lnRef>
+            <a:fillRef idx="3">
+              <a:schemeClr val="accent1"/>
+            </a:fillRef>
+            <a:effectRef idx="2">
+              <a:schemeClr val="accent1"/>
+            </a:effectRef>
+            <a:fontRef idx="minor">
+              <a:schemeClr val="lt1"/>
+            </a:fontRef>
+          </p:style>
+        </p:sp>
+        <p:sp>
+          <p:nvSpPr>
+            <p:cNvPr id="37" name="Isosceles Triangle 36"/>
+            <p:cNvSpPr/>
+            <p:nvPr>
+              <p:extLst>
+                <p:ext uri="{386F3935-93C4-4BCD-93E2-E3B085C9AB24}">
+                  <p16:designElem xmlns:p16="http://schemas.microsoft.com/office/powerpoint/2015/main" xmlns="" val="1"/>
+                </p:ext>
+              </p:extLst>
+            </p:nvPr>
+          </p:nvSpPr>
+          <p:spPr>
+            <a:xfrm>
+              <a:off x="8932333" y="3048000"/>
+              <a:ext cx="3259667" cy="3810000"/>
+            </a:xfrm>
+            <a:prstGeom prst="triangle">
+              <a:avLst>
+                <a:gd name="adj" fmla="val 100000"/>
+              </a:avLst>
+            </a:prstGeom>
+            <a:solidFill>
+              <a:schemeClr val="accent2">
+                <a:alpha val="72000"/>
+              </a:schemeClr>
+            </a:solidFill>
+            <a:ln>
+              <a:noFill/>
+            </a:ln>
+            <a:effectLst/>
+          </p:spPr>
+          <p:style>
+            <a:lnRef idx="1">
+              <a:schemeClr val="accent1"/>
+            </a:lnRef>
+            <a:fillRef idx="3">
+              <a:schemeClr val="accent1"/>
+            </a:fillRef>
+            <a:effectRef idx="2">
+              <a:schemeClr val="accent1"/>
+            </a:effectRef>
+            <a:fontRef idx="minor">
+              <a:schemeClr val="lt1"/>
+            </a:fontRef>
+          </p:style>
+        </p:sp>
+        <p:sp>
+          <p:nvSpPr>
+            <p:cNvPr id="38" name="Rectangle 27"/>
+            <p:cNvSpPr/>
+            <p:nvPr>
+              <p:extLst>
+                <p:ext uri="{386F3935-93C4-4BCD-93E2-E3B085C9AB24}">
+                  <p16:designElem xmlns:p16="http://schemas.microsoft.com/office/powerpoint/2015/main" xmlns="" val="1"/>
+                </p:ext>
+              </p:extLst>
+            </p:nvPr>
+          </p:nvSpPr>
+          <p:spPr>
+            <a:xfrm>
+              <a:off x="9334500" y="-8467"/>
+              <a:ext cx="2854326" cy="6866467"/>
+            </a:xfrm>
+            <a:custGeom>
+              <a:avLst/>
+              <a:gdLst/>
+              <a:ahLst/>
+              <a:cxnLst/>
+              <a:rect l="l" t="t" r="r" b="b"/>
+              <a:pathLst>
+                <a:path w="2858013" h="6866467">
+                  <a:moveTo>
+                    <a:pt x="0" y="0"/>
+                  </a:moveTo>
+                  <a:lnTo>
+                    <a:pt x="2858013" y="0"/>
+                  </a:lnTo>
+                  <a:lnTo>
+                    <a:pt x="2858013" y="6866467"/>
+                  </a:lnTo>
+                  <a:lnTo>
+                    <a:pt x="2473942" y="6866467"/>
+                  </a:lnTo>
+                  <a:lnTo>
+                    <a:pt x="0" y="0"/>
+                  </a:lnTo>
+                  <a:close/>
+                </a:path>
+              </a:pathLst>
+            </a:custGeom>
+            <a:solidFill>
+              <a:schemeClr val="accent2">
+                <a:lumMod val="75000"/>
+                <a:alpha val="70000"/>
+              </a:schemeClr>
+            </a:solidFill>
+            <a:ln>
+              <a:noFill/>
+            </a:ln>
+            <a:effectLst/>
+          </p:spPr>
+          <p:style>
+            <a:lnRef idx="1">
+              <a:schemeClr val="accent1"/>
+            </a:lnRef>
+            <a:fillRef idx="3">
+              <a:schemeClr val="accent1"/>
+            </a:fillRef>
+            <a:effectRef idx="2">
+              <a:schemeClr val="accent1"/>
+            </a:effectRef>
+            <a:fontRef idx="minor">
+              <a:schemeClr val="lt1"/>
+            </a:fontRef>
+          </p:style>
+        </p:sp>
+        <p:sp>
+          <p:nvSpPr>
+            <p:cNvPr id="39" name="Rectangle 28"/>
+            <p:cNvSpPr/>
+            <p:nvPr>
+              <p:extLst>
+                <p:ext uri="{386F3935-93C4-4BCD-93E2-E3B085C9AB24}">
+                  <p16:designElem xmlns:p16="http://schemas.microsoft.com/office/powerpoint/2015/main" xmlns="" val="1"/>
+                </p:ext>
+              </p:extLst>
+            </p:nvPr>
+          </p:nvSpPr>
+          <p:spPr>
+            <a:xfrm>
+              <a:off x="10898730" y="-8467"/>
+              <a:ext cx="1290094" cy="6866467"/>
+            </a:xfrm>
+            <a:custGeom>
+              <a:avLst/>
+              <a:gdLst/>
+              <a:ahLst/>
+              <a:cxnLst/>
+              <a:rect l="l" t="t" r="r" b="b"/>
+              <a:pathLst>
+                <a:path w="1290094" h="6858000">
+                  <a:moveTo>
+                    <a:pt x="1019735" y="0"/>
+                  </a:moveTo>
+                  <a:lnTo>
+                    <a:pt x="1290094" y="0"/>
+                  </a:lnTo>
+                  <a:lnTo>
+                    <a:pt x="1290094" y="6858000"/>
+                  </a:lnTo>
+                  <a:lnTo>
+                    <a:pt x="0" y="6858000"/>
+                  </a:lnTo>
+                  <a:lnTo>
+                    <a:pt x="1019735" y="0"/>
+                  </a:lnTo>
+                  <a:close/>
+                </a:path>
+              </a:pathLst>
+            </a:custGeom>
+            <a:solidFill>
+              <a:schemeClr val="accent1">
+                <a:lumMod val="60000"/>
+                <a:lumOff val="40000"/>
+                <a:alpha val="70000"/>
+              </a:schemeClr>
+            </a:solidFill>
+            <a:ln>
+              <a:noFill/>
+            </a:ln>
+            <a:effectLst/>
+          </p:spPr>
+          <p:style>
+            <a:lnRef idx="1">
+              <a:schemeClr val="accent1"/>
+            </a:lnRef>
+            <a:fillRef idx="3">
+              <a:schemeClr val="accent1"/>
+            </a:fillRef>
+            <a:effectRef idx="2">
+              <a:schemeClr val="accent1"/>
+            </a:effectRef>
+            <a:fontRef idx="minor">
+              <a:schemeClr val="lt1"/>
+            </a:fontRef>
+          </p:style>
+        </p:sp>
+        <p:sp>
+          <p:nvSpPr>
+            <p:cNvPr id="40" name="Rectangle 29"/>
+            <p:cNvSpPr/>
+            <p:nvPr>
+              <p:extLst>
+                <p:ext uri="{386F3935-93C4-4BCD-93E2-E3B085C9AB24}">
+                  <p16:designElem xmlns:p16="http://schemas.microsoft.com/office/powerpoint/2015/main" xmlns="" val="1"/>
+                </p:ext>
+              </p:extLst>
+            </p:nvPr>
+          </p:nvSpPr>
+          <p:spPr>
+            <a:xfrm>
+              <a:off x="10938999" y="-8467"/>
+              <a:ext cx="1249825" cy="6866467"/>
+            </a:xfrm>
+            <a:custGeom>
+              <a:avLst/>
+              <a:gdLst/>
+              <a:ahLst/>
+              <a:cxnLst/>
+              <a:rect l="l" t="t" r="r" b="b"/>
+              <a:pathLst>
+                <a:path w="1249825" h="6858000">
+                  <a:moveTo>
+                    <a:pt x="0" y="0"/>
+                  </a:moveTo>
+                  <a:lnTo>
+                    <a:pt x="1249825" y="0"/>
+                  </a:lnTo>
+                  <a:lnTo>
+                    <a:pt x="1249825" y="6858000"/>
+                  </a:lnTo>
+                  <a:lnTo>
+                    <a:pt x="1109382" y="6858000"/>
+                  </a:lnTo>
+                  <a:lnTo>
+                    <a:pt x="0" y="0"/>
+                  </a:lnTo>
+                  <a:close/>
+                </a:path>
+              </a:pathLst>
+            </a:custGeom>
+            <a:solidFill>
+              <a:schemeClr val="accent1">
+                <a:alpha val="65000"/>
+              </a:schemeClr>
+            </a:solidFill>
+            <a:ln>
+              <a:noFill/>
+            </a:ln>
+            <a:effectLst/>
+          </p:spPr>
+          <p:style>
+            <a:lnRef idx="1">
+              <a:schemeClr val="accent1"/>
+            </a:lnRef>
+            <a:fillRef idx="3">
+              <a:schemeClr val="accent1"/>
+            </a:fillRef>
+            <a:effectRef idx="2">
+              <a:schemeClr val="accent1"/>
+            </a:effectRef>
+            <a:fontRef idx="minor">
+              <a:schemeClr val="lt1"/>
+            </a:fontRef>
+          </p:style>
+        </p:sp>
+        <p:sp>
+          <p:nvSpPr>
+            <p:cNvPr id="41" name="Isosceles Triangle 40"/>
+            <p:cNvSpPr/>
+            <p:nvPr>
+              <p:extLst>
+                <p:ext uri="{386F3935-93C4-4BCD-93E2-E3B085C9AB24}">
+                  <p16:designElem xmlns:p16="http://schemas.microsoft.com/office/powerpoint/2015/main" xmlns="" val="1"/>
+                </p:ext>
+              </p:extLst>
+            </p:nvPr>
+          </p:nvSpPr>
+          <p:spPr>
+            <a:xfrm>
+              <a:off x="10371666" y="3589867"/>
+              <a:ext cx="1817159" cy="3268133"/>
+            </a:xfrm>
+            <a:prstGeom prst="triangle">
+              <a:avLst>
+                <a:gd name="adj" fmla="val 100000"/>
+              </a:avLst>
+            </a:prstGeom>
+            <a:solidFill>
+              <a:schemeClr val="accent1">
+                <a:alpha val="80000"/>
+              </a:schemeClr>
+            </a:solidFill>
+            <a:ln>
+              <a:noFill/>
+            </a:ln>
+            <a:effectLst/>
+          </p:spPr>
+          <p:style>
+            <a:lnRef idx="1">
+              <a:schemeClr val="accent1"/>
+            </a:lnRef>
+            <a:fillRef idx="3">
+              <a:schemeClr val="accent1"/>
+            </a:fillRef>
+            <a:effectRef idx="2">
+              <a:schemeClr val="accent1"/>
+            </a:effectRef>
+            <a:fontRef idx="minor">
+              <a:schemeClr val="lt1"/>
+            </a:fontRef>
+          </p:style>
+        </p:sp>
+        <p:sp>
+          <p:nvSpPr>
+            <p:cNvPr id="42" name="Isosceles Triangle 41"/>
+            <p:cNvSpPr/>
+            <p:nvPr>
+              <p:extLst>
+                <p:ext uri="{386F3935-93C4-4BCD-93E2-E3B085C9AB24}">
+                  <p16:designElem xmlns:p16="http://schemas.microsoft.com/office/powerpoint/2015/main" xmlns="" val="1"/>
+                </p:ext>
+              </p:extLst>
+            </p:nvPr>
+          </p:nvSpPr>
+          <p:spPr>
+            <a:xfrm rot="10800000">
+              <a:off x="0" y="0"/>
+              <a:ext cx="842596" cy="5666154"/>
+            </a:xfrm>
+            <a:prstGeom prst="triangle">
+              <a:avLst>
+                <a:gd name="adj" fmla="val 100000"/>
+              </a:avLst>
+            </a:prstGeom>
+            <a:solidFill>
+              <a:schemeClr val="accent1">
+                <a:alpha val="85000"/>
+              </a:schemeClr>
+            </a:solidFill>
+            <a:ln>
+              <a:noFill/>
+            </a:ln>
+            <a:effectLst/>
+          </p:spPr>
+          <p:style>
+            <a:lnRef idx="1">
+              <a:schemeClr val="accent1"/>
+            </a:lnRef>
+            <a:fillRef idx="3">
+              <a:schemeClr val="accent1"/>
+            </a:fillRef>
+            <a:effectRef idx="2">
+              <a:schemeClr val="accent1"/>
+            </a:effectRef>
+            <a:fontRef idx="minor">
+              <a:schemeClr val="lt1"/>
+            </a:fontRef>
+          </p:style>
+        </p:sp>
+      </p:grpSp>
+      <p:pic>
+        <p:nvPicPr>
+          <p:cNvPr id="6" name="Picture Placeholder 5"/>
+          <p:cNvPicPr>
+            <a:picLocks noGrp="1" noChangeAspect="1"/>
+          </p:cNvPicPr>
+          <p:nvPr>
+            <p:ph type="pic" idx="1"/>
+          </p:nvPr>
+        </p:nvPicPr>
+        <p:blipFill rotWithShape="1">
+          <a:blip r:embed="rId2"/>
+          <a:srcRect/>
+          <a:stretch/>
+        </p:blipFill>
+        <p:spPr>
+          <a:xfrm>
+            <a:off x="5166473" y="1140570"/>
+            <a:ext cx="4350166" cy="4350166"/>
+          </a:xfrm>
+          <a:prstGeom prst="rect">
+            <a:avLst/>
+          </a:prstGeom>
+        </p:spPr>
+      </p:pic>
+      <p:sp>
+        <p:nvSpPr>
+          <p:cNvPr id="4" name="Title 3"/>
+          <p:cNvSpPr>
+            <a:spLocks noGrp="1"/>
+          </p:cNvSpPr>
+          <p:nvPr>
+            <p:ph type="title"/>
+          </p:nvPr>
+        </p:nvSpPr>
+        <p:spPr>
+          <a:xfrm>
+            <a:off x="537952" y="1244473"/>
+            <a:ext cx="4959877" cy="2875534"/>
+          </a:xfrm>
+        </p:spPr>
+        <p:txBody>
+          <a:bodyPr vert="horz" lIns="91440" tIns="45720" rIns="91440" bIns="45720" rtlCol="0" anchor="b">
+            <a:normAutofit/>
+          </a:bodyPr>
+          <a:lstStyle/>
+          <a:p>
+            <a:r>
+              <a:rPr lang="en-US" sz="5400" b="1" kern="1200" dirty="0">
+                <a:solidFill>
+                  <a:schemeClr val="accent1"/>
+                </a:solidFill>
+                <a:latin typeface="+mj-lt"/>
+                <a:ea typeface="+mj-ea"/>
+                <a:cs typeface="+mj-cs"/>
+              </a:rPr>
+              <a:t>   My Virtual          	          Fridge</a:t>
+            </a:r>
+          </a:p>
+        </p:txBody>
+      </p:sp>
+    </p:spTree>
+    <p:extLst>
+      <p:ext uri="{BB962C8B-B14F-4D97-AF65-F5344CB8AC3E}">
+        <p14:creationId xmlns:p14="http://schemas.microsoft.com/office/powerpoint/2010/main" val="1343617365"/>
+      </p:ext>
+    </p:extLst>
+  </p:cSld>
+  <p:clrMapOvr>
+    <a:masterClrMapping/>
+  </p:clrMapOvr>
+</p:sld>
+</file>
+
 <file path=ppt/slides/slide2.xml><?xml version="1.0" encoding="utf-8"?>
 <p:sld xmlns:a="http://schemas.openxmlformats.org/drawingml/2006/main" xmlns:r="http://schemas.openxmlformats.org/officeDocument/2006/relationships" xmlns:p="http://schemas.openxmlformats.org/presentationml/2006/main">
   <p:cSld>
@@ -6565,6 +8542,10 @@
             <a:r>
               <a:rPr lang="en-US" sz="4400" dirty="0"/>
               <a:t>Project Goals &amp; Objectives:</a:t>
+            </a:r>
+            <a:r>
+              <a:rPr lang="en-US" dirty="0"/>
+              <a:t/>
             </a:r>
             <a:br>
               <a:rPr lang="en-US" dirty="0"/>
@@ -6999,7 +8980,11 @@
           <a:p>
             <a:r>
               <a:rPr lang="en-US" sz="2400" dirty="0"/>
-              <a:t>The third week is focusing on building the skeleton of our application and getting started on our database.</a:t>
+              <a:t>The third week is focusing on building the skeleton of our application and getting started on our database</a:t>
+            </a:r>
+            <a:r>
+              <a:rPr lang="en-US" sz="2400" dirty="0" smtClean="0"/>
+              <a:t>.</a:t>
             </a:r>
           </a:p>
         </p:txBody>
@@ -7074,10 +9059,10 @@
           <a:lstStyle/>
           <a:p>
             <a:r>
-              <a:rPr lang="en-CA" sz="2400" dirty="0"/>
+              <a:rPr lang="en-CA" sz="2400" b="1" dirty="0"/>
               <a:t>Sprint #1: An interactive application with a friendly user UI and a functioning dashboard</a:t>
             </a:r>
-            <a:endParaRPr lang="en-CA" dirty="0"/>
+            <a:endParaRPr lang="en-CA" b="1" dirty="0"/>
           </a:p>
           <a:p>
             <a:endParaRPr lang="en-CA" dirty="0"/>
@@ -7576,13 +9561,16 @@
         </p:nvSpPr>
         <p:spPr/>
         <p:txBody>
-          <a:bodyPr/>
+          <a:bodyPr>
+            <a:normAutofit/>
+          </a:bodyPr>
           <a:lstStyle/>
           <a:p>
             <a:r>
-              <a:rPr lang="en-US" dirty="0"/>
-              <a:t>Friday’s Presentation Feedback</a:t>
-            </a:r>
+              <a:rPr lang="en-CA" sz="4400" dirty="0" smtClean="0"/>
+              <a:t>Sprint #1:</a:t>
+            </a:r>
+            <a:endParaRPr lang="en-CA" sz="4400" dirty="0"/>
           </a:p>
         </p:txBody>
       </p:sp>
@@ -7596,605 +9584,567 @@
             <p:ph idx="1"/>
           </p:nvPr>
         </p:nvSpPr>
-        <p:spPr>
-          <a:xfrm>
-            <a:off x="677334" y="2350904"/>
-            <a:ext cx="3289185" cy="3014728"/>
-          </a:xfrm>
-        </p:spPr>
+        <p:spPr/>
         <p:txBody>
-          <a:bodyPr>
-            <a:noAutofit/>
-          </a:bodyPr>
+          <a:bodyPr/>
           <a:lstStyle/>
           <a:p>
-            <a:pPr marL="0" indent="0" algn="ctr">
+            <a:r>
+              <a:rPr lang="en-CA" sz="2400" dirty="0" smtClean="0"/>
+              <a:t>We aim to launch our website with the basic functionalities integrated:</a:t>
+            </a:r>
+          </a:p>
+          <a:p>
+            <a:endParaRPr lang="en-CA" sz="2400" dirty="0" smtClean="0"/>
+          </a:p>
+          <a:p>
+            <a:pPr marL="457200" lvl="1" indent="0">
               <a:buNone/>
             </a:pPr>
             <a:r>
-              <a:rPr lang="en-US" sz="2400" dirty="0"/>
-              <a:t>The most common feedback we’ve received from the groups is that our font and checkbox, for the layout, is small and we’re aiming to fix that this week.</a:t>
+              <a:rPr lang="en-CA" sz="2200" dirty="0"/>
+              <a:t>	</a:t>
+            </a:r>
+            <a:r>
+              <a:rPr lang="en-CA" sz="2200" dirty="0" smtClean="0"/>
+              <a:t>- Friendly UI Interface</a:t>
+            </a:r>
+          </a:p>
+          <a:p>
+            <a:pPr marL="457200" lvl="1" indent="0">
+              <a:buNone/>
+            </a:pPr>
+            <a:r>
+              <a:rPr lang="en-CA" sz="2200" dirty="0"/>
+              <a:t>	</a:t>
+            </a:r>
+            <a:r>
+              <a:rPr lang="en-CA" sz="2200" dirty="0" smtClean="0"/>
+              <a:t>- Registration and Login Page</a:t>
+            </a:r>
+          </a:p>
+          <a:p>
+            <a:pPr marL="457200" lvl="1" indent="0">
+              <a:buNone/>
+            </a:pPr>
+            <a:r>
+              <a:rPr lang="en-CA" sz="2200" dirty="0"/>
+              <a:t>	</a:t>
+            </a:r>
+            <a:r>
+              <a:rPr lang="en-CA" sz="2200" dirty="0" smtClean="0"/>
+              <a:t>- Compiled list of Ingredients and Recipes</a:t>
             </a:r>
           </a:p>
         </p:txBody>
       </p:sp>
-      <p:pic>
-        <p:nvPicPr>
-          <p:cNvPr id="5" name="Picture 4"/>
-          <p:cNvPicPr>
-            <a:picLocks noChangeAspect="1"/>
-          </p:cNvPicPr>
-          <p:nvPr/>
-        </p:nvPicPr>
-        <p:blipFill>
-          <a:blip r:embed="rId2"/>
-          <a:stretch>
-            <a:fillRect/>
-          </a:stretch>
-        </p:blipFill>
-        <p:spPr>
-          <a:xfrm>
-            <a:off x="4706029" y="1519881"/>
-            <a:ext cx="4391025" cy="4676775"/>
-          </a:xfrm>
-          <a:prstGeom prst="rect">
-            <a:avLst/>
-          </a:prstGeom>
-        </p:spPr>
-      </p:pic>
     </p:spTree>
     <p:extLst>
       <p:ext uri="{BB962C8B-B14F-4D97-AF65-F5344CB8AC3E}">
-        <p14:creationId xmlns:p14="http://schemas.microsoft.com/office/powerpoint/2010/main" val="1286283173"/>
+        <p14:creationId xmlns:p14="http://schemas.microsoft.com/office/powerpoint/2010/main" val="3349602730"/>
       </p:ext>
     </p:extLst>
   </p:cSld>
   <p:clrMapOvr>
     <a:masterClrMapping/>
   </p:clrMapOvr>
+  <p:timing>
+    <p:tnLst>
+      <p:par>
+        <p:cTn id="1" dur="indefinite" restart="never" nodeType="tmRoot">
+          <p:childTnLst>
+            <p:seq concurrent="1" nextAc="seek">
+              <p:cTn id="2" dur="indefinite" nodeType="mainSeq">
+                <p:childTnLst>
+                  <p:par>
+                    <p:cTn id="3" fill="hold">
+                      <p:stCondLst>
+                        <p:cond delay="indefinite"/>
+                      </p:stCondLst>
+                      <p:childTnLst>
+                        <p:par>
+                          <p:cTn id="4" fill="hold">
+                            <p:stCondLst>
+                              <p:cond delay="0"/>
+                            </p:stCondLst>
+                            <p:childTnLst>
+                              <p:par>
+                                <p:cTn id="5" presetID="10" presetClass="entr" presetSubtype="0" fill="hold" grpId="0" nodeType="clickEffect">
+                                  <p:stCondLst>
+                                    <p:cond delay="0"/>
+                                  </p:stCondLst>
+                                  <p:childTnLst>
+                                    <p:set>
+                                      <p:cBhvr>
+                                        <p:cTn id="6" dur="1" fill="hold">
+                                          <p:stCondLst>
+                                            <p:cond delay="0"/>
+                                          </p:stCondLst>
+                                        </p:cTn>
+                                        <p:tgtEl>
+                                          <p:spTgt spid="2"/>
+                                        </p:tgtEl>
+                                        <p:attrNameLst>
+                                          <p:attrName>style.visibility</p:attrName>
+                                        </p:attrNameLst>
+                                      </p:cBhvr>
+                                      <p:to>
+                                        <p:strVal val="visible"/>
+                                      </p:to>
+                                    </p:set>
+                                    <p:animEffect transition="in" filter="fade">
+                                      <p:cBhvr>
+                                        <p:cTn id="7" dur="500"/>
+                                        <p:tgtEl>
+                                          <p:spTgt spid="2"/>
+                                        </p:tgtEl>
+                                      </p:cBhvr>
+                                    </p:animEffect>
+                                  </p:childTnLst>
+                                </p:cTn>
+                              </p:par>
+                            </p:childTnLst>
+                          </p:cTn>
+                        </p:par>
+                      </p:childTnLst>
+                    </p:cTn>
+                  </p:par>
+                  <p:par>
+                    <p:cTn id="8" fill="hold">
+                      <p:stCondLst>
+                        <p:cond delay="indefinite"/>
+                      </p:stCondLst>
+                      <p:childTnLst>
+                        <p:par>
+                          <p:cTn id="9" fill="hold">
+                            <p:stCondLst>
+                              <p:cond delay="0"/>
+                            </p:stCondLst>
+                            <p:childTnLst>
+                              <p:par>
+                                <p:cTn id="10" presetID="42" presetClass="entr" presetSubtype="0" fill="hold" grpId="0" nodeType="clickEffect">
+                                  <p:stCondLst>
+                                    <p:cond delay="0"/>
+                                  </p:stCondLst>
+                                  <p:childTnLst>
+                                    <p:set>
+                                      <p:cBhvr>
+                                        <p:cTn id="11" dur="1" fill="hold">
+                                          <p:stCondLst>
+                                            <p:cond delay="0"/>
+                                          </p:stCondLst>
+                                        </p:cTn>
+                                        <p:tgtEl>
+                                          <p:spTgt spid="3">
+                                            <p:txEl>
+                                              <p:pRg st="0" end="0"/>
+                                            </p:txEl>
+                                          </p:spTgt>
+                                        </p:tgtEl>
+                                        <p:attrNameLst>
+                                          <p:attrName>style.visibility</p:attrName>
+                                        </p:attrNameLst>
+                                      </p:cBhvr>
+                                      <p:to>
+                                        <p:strVal val="visible"/>
+                                      </p:to>
+                                    </p:set>
+                                    <p:animEffect transition="in" filter="fade">
+                                      <p:cBhvr>
+                                        <p:cTn id="12" dur="1000"/>
+                                        <p:tgtEl>
+                                          <p:spTgt spid="3">
+                                            <p:txEl>
+                                              <p:pRg st="0" end="0"/>
+                                            </p:txEl>
+                                          </p:spTgt>
+                                        </p:tgtEl>
+                                      </p:cBhvr>
+                                    </p:animEffect>
+                                    <p:anim calcmode="lin" valueType="num">
+                                      <p:cBhvr>
+                                        <p:cTn id="13" dur="1000" fill="hold"/>
+                                        <p:tgtEl>
+                                          <p:spTgt spid="3">
+                                            <p:txEl>
+                                              <p:pRg st="0" end="0"/>
+                                            </p:txEl>
+                                          </p:spTgt>
+                                        </p:tgtEl>
+                                        <p:attrNameLst>
+                                          <p:attrName>ppt_x</p:attrName>
+                                        </p:attrNameLst>
+                                      </p:cBhvr>
+                                      <p:tavLst>
+                                        <p:tav tm="0">
+                                          <p:val>
+                                            <p:strVal val="#ppt_x"/>
+                                          </p:val>
+                                        </p:tav>
+                                        <p:tav tm="100000">
+                                          <p:val>
+                                            <p:strVal val="#ppt_x"/>
+                                          </p:val>
+                                        </p:tav>
+                                      </p:tavLst>
+                                    </p:anim>
+                                    <p:anim calcmode="lin" valueType="num">
+                                      <p:cBhvr>
+                                        <p:cTn id="14" dur="1000" fill="hold"/>
+                                        <p:tgtEl>
+                                          <p:spTgt spid="3">
+                                            <p:txEl>
+                                              <p:pRg st="0" end="0"/>
+                                            </p:txEl>
+                                          </p:spTgt>
+                                        </p:tgtEl>
+                                        <p:attrNameLst>
+                                          <p:attrName>ppt_y</p:attrName>
+                                        </p:attrNameLst>
+                                      </p:cBhvr>
+                                      <p:tavLst>
+                                        <p:tav tm="0">
+                                          <p:val>
+                                            <p:strVal val="#ppt_y+.1"/>
+                                          </p:val>
+                                        </p:tav>
+                                        <p:tav tm="100000">
+                                          <p:val>
+                                            <p:strVal val="#ppt_y"/>
+                                          </p:val>
+                                        </p:tav>
+                                      </p:tavLst>
+                                    </p:anim>
+                                  </p:childTnLst>
+                                </p:cTn>
+                              </p:par>
+                              <p:par>
+                                <p:cTn id="15" presetID="42" presetClass="entr" presetSubtype="0" fill="hold" grpId="0" nodeType="withEffect">
+                                  <p:stCondLst>
+                                    <p:cond delay="0"/>
+                                  </p:stCondLst>
+                                  <p:childTnLst>
+                                    <p:set>
+                                      <p:cBhvr>
+                                        <p:cTn id="16" dur="1" fill="hold">
+                                          <p:stCondLst>
+                                            <p:cond delay="0"/>
+                                          </p:stCondLst>
+                                        </p:cTn>
+                                        <p:tgtEl>
+                                          <p:spTgt spid="3">
+                                            <p:txEl>
+                                              <p:pRg st="2" end="2"/>
+                                            </p:txEl>
+                                          </p:spTgt>
+                                        </p:tgtEl>
+                                        <p:attrNameLst>
+                                          <p:attrName>style.visibility</p:attrName>
+                                        </p:attrNameLst>
+                                      </p:cBhvr>
+                                      <p:to>
+                                        <p:strVal val="visible"/>
+                                      </p:to>
+                                    </p:set>
+                                    <p:animEffect transition="in" filter="fade">
+                                      <p:cBhvr>
+                                        <p:cTn id="17" dur="1000"/>
+                                        <p:tgtEl>
+                                          <p:spTgt spid="3">
+                                            <p:txEl>
+                                              <p:pRg st="2" end="2"/>
+                                            </p:txEl>
+                                          </p:spTgt>
+                                        </p:tgtEl>
+                                      </p:cBhvr>
+                                    </p:animEffect>
+                                    <p:anim calcmode="lin" valueType="num">
+                                      <p:cBhvr>
+                                        <p:cTn id="18" dur="1000" fill="hold"/>
+                                        <p:tgtEl>
+                                          <p:spTgt spid="3">
+                                            <p:txEl>
+                                              <p:pRg st="2" end="2"/>
+                                            </p:txEl>
+                                          </p:spTgt>
+                                        </p:tgtEl>
+                                        <p:attrNameLst>
+                                          <p:attrName>ppt_x</p:attrName>
+                                        </p:attrNameLst>
+                                      </p:cBhvr>
+                                      <p:tavLst>
+                                        <p:tav tm="0">
+                                          <p:val>
+                                            <p:strVal val="#ppt_x"/>
+                                          </p:val>
+                                        </p:tav>
+                                        <p:tav tm="100000">
+                                          <p:val>
+                                            <p:strVal val="#ppt_x"/>
+                                          </p:val>
+                                        </p:tav>
+                                      </p:tavLst>
+                                    </p:anim>
+                                    <p:anim calcmode="lin" valueType="num">
+                                      <p:cBhvr>
+                                        <p:cTn id="19" dur="1000" fill="hold"/>
+                                        <p:tgtEl>
+                                          <p:spTgt spid="3">
+                                            <p:txEl>
+                                              <p:pRg st="2" end="2"/>
+                                            </p:txEl>
+                                          </p:spTgt>
+                                        </p:tgtEl>
+                                        <p:attrNameLst>
+                                          <p:attrName>ppt_y</p:attrName>
+                                        </p:attrNameLst>
+                                      </p:cBhvr>
+                                      <p:tavLst>
+                                        <p:tav tm="0">
+                                          <p:val>
+                                            <p:strVal val="#ppt_y+.1"/>
+                                          </p:val>
+                                        </p:tav>
+                                        <p:tav tm="100000">
+                                          <p:val>
+                                            <p:strVal val="#ppt_y"/>
+                                          </p:val>
+                                        </p:tav>
+                                      </p:tavLst>
+                                    </p:anim>
+                                  </p:childTnLst>
+                                </p:cTn>
+                              </p:par>
+                              <p:par>
+                                <p:cTn id="20" presetID="42" presetClass="entr" presetSubtype="0" fill="hold" grpId="0" nodeType="withEffect">
+                                  <p:stCondLst>
+                                    <p:cond delay="0"/>
+                                  </p:stCondLst>
+                                  <p:childTnLst>
+                                    <p:set>
+                                      <p:cBhvr>
+                                        <p:cTn id="21" dur="1" fill="hold">
+                                          <p:stCondLst>
+                                            <p:cond delay="0"/>
+                                          </p:stCondLst>
+                                        </p:cTn>
+                                        <p:tgtEl>
+                                          <p:spTgt spid="3">
+                                            <p:txEl>
+                                              <p:pRg st="3" end="3"/>
+                                            </p:txEl>
+                                          </p:spTgt>
+                                        </p:tgtEl>
+                                        <p:attrNameLst>
+                                          <p:attrName>style.visibility</p:attrName>
+                                        </p:attrNameLst>
+                                      </p:cBhvr>
+                                      <p:to>
+                                        <p:strVal val="visible"/>
+                                      </p:to>
+                                    </p:set>
+                                    <p:animEffect transition="in" filter="fade">
+                                      <p:cBhvr>
+                                        <p:cTn id="22" dur="1000"/>
+                                        <p:tgtEl>
+                                          <p:spTgt spid="3">
+                                            <p:txEl>
+                                              <p:pRg st="3" end="3"/>
+                                            </p:txEl>
+                                          </p:spTgt>
+                                        </p:tgtEl>
+                                      </p:cBhvr>
+                                    </p:animEffect>
+                                    <p:anim calcmode="lin" valueType="num">
+                                      <p:cBhvr>
+                                        <p:cTn id="23" dur="1000" fill="hold"/>
+                                        <p:tgtEl>
+                                          <p:spTgt spid="3">
+                                            <p:txEl>
+                                              <p:pRg st="3" end="3"/>
+                                            </p:txEl>
+                                          </p:spTgt>
+                                        </p:tgtEl>
+                                        <p:attrNameLst>
+                                          <p:attrName>ppt_x</p:attrName>
+                                        </p:attrNameLst>
+                                      </p:cBhvr>
+                                      <p:tavLst>
+                                        <p:tav tm="0">
+                                          <p:val>
+                                            <p:strVal val="#ppt_x"/>
+                                          </p:val>
+                                        </p:tav>
+                                        <p:tav tm="100000">
+                                          <p:val>
+                                            <p:strVal val="#ppt_x"/>
+                                          </p:val>
+                                        </p:tav>
+                                      </p:tavLst>
+                                    </p:anim>
+                                    <p:anim calcmode="lin" valueType="num">
+                                      <p:cBhvr>
+                                        <p:cTn id="24" dur="1000" fill="hold"/>
+                                        <p:tgtEl>
+                                          <p:spTgt spid="3">
+                                            <p:txEl>
+                                              <p:pRg st="3" end="3"/>
+                                            </p:txEl>
+                                          </p:spTgt>
+                                        </p:tgtEl>
+                                        <p:attrNameLst>
+                                          <p:attrName>ppt_y</p:attrName>
+                                        </p:attrNameLst>
+                                      </p:cBhvr>
+                                      <p:tavLst>
+                                        <p:tav tm="0">
+                                          <p:val>
+                                            <p:strVal val="#ppt_y+.1"/>
+                                          </p:val>
+                                        </p:tav>
+                                        <p:tav tm="100000">
+                                          <p:val>
+                                            <p:strVal val="#ppt_y"/>
+                                          </p:val>
+                                        </p:tav>
+                                      </p:tavLst>
+                                    </p:anim>
+                                  </p:childTnLst>
+                                </p:cTn>
+                              </p:par>
+                              <p:par>
+                                <p:cTn id="25" presetID="42" presetClass="entr" presetSubtype="0" fill="hold" grpId="0" nodeType="withEffect">
+                                  <p:stCondLst>
+                                    <p:cond delay="0"/>
+                                  </p:stCondLst>
+                                  <p:childTnLst>
+                                    <p:set>
+                                      <p:cBhvr>
+                                        <p:cTn id="26" dur="1" fill="hold">
+                                          <p:stCondLst>
+                                            <p:cond delay="0"/>
+                                          </p:stCondLst>
+                                        </p:cTn>
+                                        <p:tgtEl>
+                                          <p:spTgt spid="3">
+                                            <p:txEl>
+                                              <p:pRg st="4" end="4"/>
+                                            </p:txEl>
+                                          </p:spTgt>
+                                        </p:tgtEl>
+                                        <p:attrNameLst>
+                                          <p:attrName>style.visibility</p:attrName>
+                                        </p:attrNameLst>
+                                      </p:cBhvr>
+                                      <p:to>
+                                        <p:strVal val="visible"/>
+                                      </p:to>
+                                    </p:set>
+                                    <p:animEffect transition="in" filter="fade">
+                                      <p:cBhvr>
+                                        <p:cTn id="27" dur="1000"/>
+                                        <p:tgtEl>
+                                          <p:spTgt spid="3">
+                                            <p:txEl>
+                                              <p:pRg st="4" end="4"/>
+                                            </p:txEl>
+                                          </p:spTgt>
+                                        </p:tgtEl>
+                                      </p:cBhvr>
+                                    </p:animEffect>
+                                    <p:anim calcmode="lin" valueType="num">
+                                      <p:cBhvr>
+                                        <p:cTn id="28" dur="1000" fill="hold"/>
+                                        <p:tgtEl>
+                                          <p:spTgt spid="3">
+                                            <p:txEl>
+                                              <p:pRg st="4" end="4"/>
+                                            </p:txEl>
+                                          </p:spTgt>
+                                        </p:tgtEl>
+                                        <p:attrNameLst>
+                                          <p:attrName>ppt_x</p:attrName>
+                                        </p:attrNameLst>
+                                      </p:cBhvr>
+                                      <p:tavLst>
+                                        <p:tav tm="0">
+                                          <p:val>
+                                            <p:strVal val="#ppt_x"/>
+                                          </p:val>
+                                        </p:tav>
+                                        <p:tav tm="100000">
+                                          <p:val>
+                                            <p:strVal val="#ppt_x"/>
+                                          </p:val>
+                                        </p:tav>
+                                      </p:tavLst>
+                                    </p:anim>
+                                    <p:anim calcmode="lin" valueType="num">
+                                      <p:cBhvr>
+                                        <p:cTn id="29" dur="1000" fill="hold"/>
+                                        <p:tgtEl>
+                                          <p:spTgt spid="3">
+                                            <p:txEl>
+                                              <p:pRg st="4" end="4"/>
+                                            </p:txEl>
+                                          </p:spTgt>
+                                        </p:tgtEl>
+                                        <p:attrNameLst>
+                                          <p:attrName>ppt_y</p:attrName>
+                                        </p:attrNameLst>
+                                      </p:cBhvr>
+                                      <p:tavLst>
+                                        <p:tav tm="0">
+                                          <p:val>
+                                            <p:strVal val="#ppt_y+.1"/>
+                                          </p:val>
+                                        </p:tav>
+                                        <p:tav tm="100000">
+                                          <p:val>
+                                            <p:strVal val="#ppt_y"/>
+                                          </p:val>
+                                        </p:tav>
+                                      </p:tavLst>
+                                    </p:anim>
+                                  </p:childTnLst>
+                                </p:cTn>
+                              </p:par>
+                            </p:childTnLst>
+                          </p:cTn>
+                        </p:par>
+                      </p:childTnLst>
+                    </p:cTn>
+                  </p:par>
+                </p:childTnLst>
+              </p:cTn>
+              <p:prevCondLst>
+                <p:cond evt="onPrev" delay="0">
+                  <p:tgtEl>
+                    <p:sldTgt/>
+                  </p:tgtEl>
+                </p:cond>
+              </p:prevCondLst>
+              <p:nextCondLst>
+                <p:cond evt="onNext" delay="0">
+                  <p:tgtEl>
+                    <p:sldTgt/>
+                  </p:tgtEl>
+                </p:cond>
+              </p:nextCondLst>
+            </p:seq>
+          </p:childTnLst>
+        </p:cTn>
+      </p:par>
+    </p:tnLst>
+    <p:bldLst>
+      <p:bldP spid="2" grpId="0"/>
+      <p:bldP spid="3" grpId="0" build="p"/>
+    </p:bldLst>
+  </p:timing>
 </p:sld>
 </file>
 
 <file path=ppt/slides/slide6.xml><?xml version="1.0" encoding="utf-8"?>
-<p:sld xmlns:a="http://schemas.openxmlformats.org/drawingml/2006/main" xmlns:r="http://schemas.openxmlformats.org/officeDocument/2006/relationships" xmlns:p="http://schemas.openxmlformats.org/presentationml/2006/main">
-  <p:cSld>
-    <p:spTree>
-      <p:nvGrpSpPr>
-        <p:cNvPr id="1" name=""/>
-        <p:cNvGrpSpPr/>
-        <p:nvPr/>
-      </p:nvGrpSpPr>
-      <p:grpSpPr>
-        <a:xfrm>
-          <a:off x="0" y="0"/>
-          <a:ext cx="0" cy="0"/>
-          <a:chOff x="0" y="0"/>
-          <a:chExt cx="0" cy="0"/>
-        </a:xfrm>
-      </p:grpSpPr>
-      <p:sp>
-        <p:nvSpPr>
-          <p:cNvPr id="2" name="Title 1"/>
-          <p:cNvSpPr>
-            <a:spLocks noGrp="1"/>
-          </p:cNvSpPr>
-          <p:nvPr>
-            <p:ph type="title"/>
-          </p:nvPr>
-        </p:nvSpPr>
-        <p:spPr>
-          <a:xfrm>
-            <a:off x="677334" y="609600"/>
-            <a:ext cx="8596668" cy="1320800"/>
-          </a:xfrm>
-        </p:spPr>
-        <p:txBody>
-          <a:bodyPr/>
-          <a:lstStyle/>
-          <a:p>
-            <a:r>
-              <a:rPr lang="en-US" dirty="0"/>
-              <a:t>Possible solution to the problem</a:t>
-            </a:r>
-          </a:p>
-        </p:txBody>
-      </p:sp>
-      <p:sp>
-        <p:nvSpPr>
-          <p:cNvPr id="3" name="Content Placeholder 2"/>
-          <p:cNvSpPr>
-            <a:spLocks noGrp="1"/>
-          </p:cNvSpPr>
-          <p:nvPr>
-            <p:ph idx="1"/>
-          </p:nvPr>
-        </p:nvSpPr>
-        <p:spPr>
-          <a:xfrm>
-            <a:off x="982758" y="2710221"/>
-            <a:ext cx="3633409" cy="2128382"/>
-          </a:xfrm>
-        </p:spPr>
-        <p:txBody>
-          <a:bodyPr>
-            <a:normAutofit/>
-          </a:bodyPr>
-          <a:lstStyle/>
-          <a:p>
-            <a:pPr marL="0" indent="0" algn="ctr">
-              <a:buNone/>
-            </a:pPr>
-            <a:r>
-              <a:rPr lang="en-US" sz="2400" dirty="0"/>
-              <a:t>The one idea we have right now is having icons that would add to the ingredients list instead of the checkbox.</a:t>
-            </a:r>
-          </a:p>
-        </p:txBody>
-      </p:sp>
-      <p:pic>
-        <p:nvPicPr>
-          <p:cNvPr id="5" name="Picture 4"/>
-          <p:cNvPicPr>
-            <a:picLocks noChangeAspect="1"/>
-          </p:cNvPicPr>
-          <p:nvPr/>
-        </p:nvPicPr>
-        <p:blipFill>
-          <a:blip r:embed="rId2"/>
-          <a:stretch>
-            <a:fillRect/>
-          </a:stretch>
-        </p:blipFill>
-        <p:spPr>
-          <a:xfrm>
-            <a:off x="5559197" y="1507462"/>
-            <a:ext cx="2771775" cy="4533900"/>
-          </a:xfrm>
-          <a:prstGeom prst="rect">
-            <a:avLst/>
-          </a:prstGeom>
-        </p:spPr>
-      </p:pic>
-    </p:spTree>
-    <p:extLst>
-      <p:ext uri="{BB962C8B-B14F-4D97-AF65-F5344CB8AC3E}">
-        <p14:creationId xmlns:p14="http://schemas.microsoft.com/office/powerpoint/2010/main" val="3506324694"/>
-      </p:ext>
-    </p:extLst>
-  </p:cSld>
-  <p:clrMapOvr>
-    <a:masterClrMapping/>
-  </p:clrMapOvr>
-</p:sld>
-</file>
-
-<file path=ppt/slides/slide7.xml><?xml version="1.0" encoding="utf-8"?>
-<p:sld xmlns:a="http://schemas.openxmlformats.org/drawingml/2006/main" xmlns:r="http://schemas.openxmlformats.org/officeDocument/2006/relationships" xmlns:p="http://schemas.openxmlformats.org/presentationml/2006/main">
-  <p:cSld>
-    <p:spTree>
-      <p:nvGrpSpPr>
-        <p:cNvPr id="1" name=""/>
-        <p:cNvGrpSpPr/>
-        <p:nvPr/>
-      </p:nvGrpSpPr>
-      <p:grpSpPr>
-        <a:xfrm>
-          <a:off x="0" y="0"/>
-          <a:ext cx="0" cy="0"/>
-          <a:chOff x="0" y="0"/>
-          <a:chExt cx="0" cy="0"/>
-        </a:xfrm>
-      </p:grpSpPr>
-      <p:sp>
-        <p:nvSpPr>
-          <p:cNvPr id="2" name="Title 1"/>
-          <p:cNvSpPr>
-            <a:spLocks noGrp="1"/>
-          </p:cNvSpPr>
-          <p:nvPr>
-            <p:ph type="title"/>
-          </p:nvPr>
-        </p:nvSpPr>
-        <p:spPr/>
-        <p:txBody>
-          <a:bodyPr/>
-          <a:lstStyle/>
-          <a:p>
-            <a:r>
-              <a:rPr lang="en-US" dirty="0"/>
-              <a:t>Affiliated Applications</a:t>
-            </a:r>
-          </a:p>
-        </p:txBody>
-      </p:sp>
-      <p:graphicFrame>
-        <p:nvGraphicFramePr>
-          <p:cNvPr id="10" name="Content Placeholder 9"/>
-          <p:cNvGraphicFramePr>
-            <a:graphicFrameLocks noGrp="1"/>
-          </p:cNvGraphicFramePr>
-          <p:nvPr>
-            <p:ph idx="1"/>
-            <p:extLst>
-              <p:ext uri="{D42A27DB-BD31-4B8C-83A1-F6EECF244321}">
-                <p14:modId xmlns:p14="http://schemas.microsoft.com/office/powerpoint/2010/main" val="2684339084"/>
-              </p:ext>
-            </p:extLst>
-          </p:nvPr>
-        </p:nvGraphicFramePr>
-        <p:xfrm>
-          <a:off x="677863" y="1611086"/>
-          <a:ext cx="8596311" cy="4796975"/>
-        </p:xfrm>
-        <a:graphic>
-          <a:graphicData uri="http://schemas.openxmlformats.org/drawingml/2006/table">
-            <a:tbl>
-              <a:tblPr firstRow="1" bandRow="1">
-                <a:tableStyleId>{5C22544A-7EE6-4342-B048-85BDC9FD1C3A}</a:tableStyleId>
-              </a:tblPr>
-              <a:tblGrid>
-                <a:gridCol w="2217737">
-                  <a:extLst>
-                    <a:ext uri="{9D8B030D-6E8A-4147-A177-3AD203B41FA5}">
-                      <a16:colId xmlns:a16="http://schemas.microsoft.com/office/drawing/2014/main" val="2984687595"/>
-                    </a:ext>
-                  </a:extLst>
-                </a:gridCol>
-                <a:gridCol w="1153886">
-                  <a:extLst>
-                    <a:ext uri="{9D8B030D-6E8A-4147-A177-3AD203B41FA5}">
-                      <a16:colId xmlns:a16="http://schemas.microsoft.com/office/drawing/2014/main" val="299333604"/>
-                    </a:ext>
-                  </a:extLst>
-                </a:gridCol>
-                <a:gridCol w="5224688">
-                  <a:extLst>
-                    <a:ext uri="{9D8B030D-6E8A-4147-A177-3AD203B41FA5}">
-                      <a16:colId xmlns:a16="http://schemas.microsoft.com/office/drawing/2014/main" val="279191358"/>
-                    </a:ext>
-                  </a:extLst>
-                </a:gridCol>
-              </a:tblGrid>
-              <a:tr h="776515">
-                <a:tc>
-                  <a:txBody>
-                    <a:bodyPr/>
-                    <a:lstStyle/>
-                    <a:p>
-                      <a:pPr algn="ctr"/>
-                      <a:r>
-                        <a:rPr lang="en-US" dirty="0"/>
-                        <a:t>Application</a:t>
-                      </a:r>
-                    </a:p>
-                  </a:txBody>
-                  <a:tcPr/>
-                </a:tc>
-                <a:tc>
-                  <a:txBody>
-                    <a:bodyPr/>
-                    <a:lstStyle/>
-                    <a:p>
-                      <a:pPr algn="ctr"/>
-                      <a:r>
-                        <a:rPr lang="en-US" dirty="0"/>
-                        <a:t>Group Number</a:t>
-                      </a:r>
-                    </a:p>
-                  </a:txBody>
-                  <a:tcPr/>
-                </a:tc>
-                <a:tc>
-                  <a:txBody>
-                    <a:bodyPr/>
-                    <a:lstStyle/>
-                    <a:p>
-                      <a:pPr algn="ctr"/>
-                      <a:r>
-                        <a:rPr lang="en-US" dirty="0"/>
-                        <a:t>Description</a:t>
-                      </a:r>
-                    </a:p>
-                  </a:txBody>
-                  <a:tcPr/>
-                </a:tc>
-                <a:extLst>
-                  <a:ext uri="{0D108BD9-81ED-4DB2-BD59-A6C34878D82A}">
-                    <a16:rowId xmlns:a16="http://schemas.microsoft.com/office/drawing/2014/main" val="4132265559"/>
-                  </a:ext>
-                </a:extLst>
-              </a:tr>
-              <a:tr h="776515">
-                <a:tc>
-                  <a:txBody>
-                    <a:bodyPr/>
-                    <a:lstStyle/>
-                    <a:p>
-                      <a:r>
-                        <a:rPr lang="en-US" dirty="0"/>
-                        <a:t>Waste</a:t>
-                      </a:r>
-                    </a:p>
-                  </a:txBody>
-                  <a:tcPr/>
-                </a:tc>
-                <a:tc>
-                  <a:txBody>
-                    <a:bodyPr/>
-                    <a:lstStyle/>
-                    <a:p>
-                      <a:r>
-                        <a:rPr lang="en-US" dirty="0"/>
-                        <a:t>23</a:t>
-                      </a:r>
-                    </a:p>
-                  </a:txBody>
-                  <a:tcPr/>
-                </a:tc>
-                <a:tc>
-                  <a:txBody>
-                    <a:bodyPr/>
-                    <a:lstStyle/>
-                    <a:p>
-                      <a:r>
-                        <a:rPr lang="en-US" sz="1800" b="0" i="0" kern="1200" dirty="0">
-                          <a:solidFill>
-                            <a:schemeClr val="dk1"/>
-                          </a:solidFill>
-                          <a:effectLst/>
-                          <a:latin typeface="+mn-lt"/>
-                          <a:ea typeface="+mn-ea"/>
-                          <a:cs typeface="+mn-cs"/>
-                        </a:rPr>
-                        <a:t>An App to track food usage/wastage</a:t>
-                      </a:r>
-                      <a:endParaRPr lang="en-US" dirty="0"/>
-                    </a:p>
-                  </a:txBody>
-                  <a:tcPr/>
-                </a:tc>
-                <a:extLst>
-                  <a:ext uri="{0D108BD9-81ED-4DB2-BD59-A6C34878D82A}">
-                    <a16:rowId xmlns:a16="http://schemas.microsoft.com/office/drawing/2014/main" val="3544123363"/>
-                  </a:ext>
-                </a:extLst>
-              </a:tr>
-              <a:tr h="776515">
-                <a:tc>
-                  <a:txBody>
-                    <a:bodyPr/>
-                    <a:lstStyle/>
-                    <a:p>
-                      <a:r>
-                        <a:rPr lang="en-US" dirty="0"/>
-                        <a:t>Pocket Pantry</a:t>
-                      </a:r>
-                    </a:p>
-                  </a:txBody>
-                  <a:tcPr/>
-                </a:tc>
-                <a:tc>
-                  <a:txBody>
-                    <a:bodyPr/>
-                    <a:lstStyle/>
-                    <a:p>
-                      <a:r>
-                        <a:rPr lang="en-US" dirty="0"/>
-                        <a:t>8</a:t>
-                      </a:r>
-                    </a:p>
-                  </a:txBody>
-                  <a:tcPr/>
-                </a:tc>
-                <a:tc>
-                  <a:txBody>
-                    <a:bodyPr/>
-                    <a:lstStyle/>
-                    <a:p>
-                      <a:r>
-                        <a:rPr lang="en-US" dirty="0"/>
-                        <a:t>A meal planner &amp; grocery list</a:t>
-                      </a:r>
-                    </a:p>
-                  </a:txBody>
-                  <a:tcPr/>
-                </a:tc>
-                <a:extLst>
-                  <a:ext uri="{0D108BD9-81ED-4DB2-BD59-A6C34878D82A}">
-                    <a16:rowId xmlns:a16="http://schemas.microsoft.com/office/drawing/2014/main" val="971419476"/>
-                  </a:ext>
-                </a:extLst>
-              </a:tr>
-              <a:tr h="776515">
-                <a:tc>
-                  <a:txBody>
-                    <a:bodyPr/>
-                    <a:lstStyle/>
-                    <a:p>
-                      <a:r>
-                        <a:rPr lang="en-US" dirty="0" err="1"/>
-                        <a:t>WhatsInMyFridge</a:t>
-                      </a:r>
-                      <a:r>
-                        <a:rPr lang="en-US" dirty="0"/>
-                        <a:t>?</a:t>
-                      </a:r>
-                    </a:p>
-                  </a:txBody>
-                  <a:tcPr/>
-                </a:tc>
-                <a:tc>
-                  <a:txBody>
-                    <a:bodyPr/>
-                    <a:lstStyle/>
-                    <a:p>
-                      <a:r>
-                        <a:rPr lang="en-US" dirty="0"/>
-                        <a:t>1</a:t>
-                      </a:r>
-                    </a:p>
-                  </a:txBody>
-                  <a:tcPr/>
-                </a:tc>
-                <a:tc>
-                  <a:txBody>
-                    <a:bodyPr/>
-                    <a:lstStyle/>
-                    <a:p>
-                      <a:pPr marL="0" marR="0" lvl="0" indent="0" algn="l" defTabSz="457200" rtl="0" eaLnBrk="1" fontAlgn="auto" latinLnBrk="0" hangingPunct="1">
-                        <a:lnSpc>
-                          <a:spcPct val="100000"/>
-                        </a:lnSpc>
-                        <a:spcBef>
-                          <a:spcPts val="0"/>
-                        </a:spcBef>
-                        <a:spcAft>
-                          <a:spcPts val="0"/>
-                        </a:spcAft>
-                        <a:buClrTx/>
-                        <a:buSzTx/>
-                        <a:buFontTx/>
-                        <a:buNone/>
-                        <a:tabLst/>
-                        <a:defRPr/>
-                      </a:pPr>
-                      <a:r>
-                        <a:rPr lang="en-US" sz="1800" b="0" i="0" kern="1200" dirty="0">
-                          <a:solidFill>
-                            <a:schemeClr val="dk1"/>
-                          </a:solidFill>
-                          <a:effectLst/>
-                          <a:latin typeface="+mn-lt"/>
-                          <a:ea typeface="+mn-ea"/>
-                          <a:cs typeface="+mn-cs"/>
-                        </a:rPr>
-                        <a:t>A website that keeps track of when your food expires</a:t>
-                      </a:r>
-                      <a:endParaRPr lang="en-US" dirty="0"/>
-                    </a:p>
-                    <a:p>
-                      <a:endParaRPr lang="en-US" dirty="0"/>
-                    </a:p>
-                  </a:txBody>
-                  <a:tcPr/>
-                </a:tc>
-                <a:extLst>
-                  <a:ext uri="{0D108BD9-81ED-4DB2-BD59-A6C34878D82A}">
-                    <a16:rowId xmlns:a16="http://schemas.microsoft.com/office/drawing/2014/main" val="3990320007"/>
-                  </a:ext>
-                </a:extLst>
-              </a:tr>
-              <a:tr h="776515">
-                <a:tc>
-                  <a:txBody>
-                    <a:bodyPr/>
-                    <a:lstStyle/>
-                    <a:p>
-                      <a:r>
-                        <a:rPr lang="en-US" dirty="0" err="1"/>
-                        <a:t>EcoList</a:t>
-                      </a:r>
-                      <a:endParaRPr lang="en-US" dirty="0"/>
-                    </a:p>
-                  </a:txBody>
-                  <a:tcPr/>
-                </a:tc>
-                <a:tc>
-                  <a:txBody>
-                    <a:bodyPr/>
-                    <a:lstStyle/>
-                    <a:p>
-                      <a:r>
-                        <a:rPr lang="en-US" dirty="0"/>
-                        <a:t>10</a:t>
-                      </a:r>
-                    </a:p>
-                  </a:txBody>
-                  <a:tcPr/>
-                </a:tc>
-                <a:tc>
-                  <a:txBody>
-                    <a:bodyPr/>
-                    <a:lstStyle/>
-                    <a:p>
-                      <a:r>
-                        <a:rPr lang="en-US" dirty="0"/>
-                        <a:t>Grocery list and meal planner</a:t>
-                      </a:r>
-                    </a:p>
-                  </a:txBody>
-                  <a:tcPr/>
-                </a:tc>
-                <a:extLst>
-                  <a:ext uri="{0D108BD9-81ED-4DB2-BD59-A6C34878D82A}">
-                    <a16:rowId xmlns:a16="http://schemas.microsoft.com/office/drawing/2014/main" val="2733974939"/>
-                  </a:ext>
-                </a:extLst>
-              </a:tr>
-              <a:tr h="776515">
-                <a:tc>
-                  <a:txBody>
-                    <a:bodyPr/>
-                    <a:lstStyle/>
-                    <a:p>
-                      <a:r>
-                        <a:rPr lang="en-US" dirty="0"/>
-                        <a:t>Meal.io</a:t>
-                      </a:r>
-                    </a:p>
-                  </a:txBody>
-                  <a:tcPr/>
-                </a:tc>
-                <a:tc>
-                  <a:txBody>
-                    <a:bodyPr/>
-                    <a:lstStyle/>
-                    <a:p>
-                      <a:r>
-                        <a:rPr lang="en-US" dirty="0"/>
-                        <a:t>29</a:t>
-                      </a:r>
-                    </a:p>
-                  </a:txBody>
-                  <a:tcPr/>
-                </a:tc>
-                <a:tc>
-                  <a:txBody>
-                    <a:bodyPr/>
-                    <a:lstStyle/>
-                    <a:p>
-                      <a:r>
-                        <a:rPr lang="en-US" dirty="0"/>
-                        <a:t>App to help families manage the food in their lives</a:t>
-                      </a:r>
-                    </a:p>
-                  </a:txBody>
-                  <a:tcPr/>
-                </a:tc>
-                <a:extLst>
-                  <a:ext uri="{0D108BD9-81ED-4DB2-BD59-A6C34878D82A}">
-                    <a16:rowId xmlns:a16="http://schemas.microsoft.com/office/drawing/2014/main" val="4049788260"/>
-                  </a:ext>
-                </a:extLst>
-              </a:tr>
-            </a:tbl>
-          </a:graphicData>
-        </a:graphic>
-      </p:graphicFrame>
-    </p:spTree>
-    <p:extLst>
-      <p:ext uri="{BB962C8B-B14F-4D97-AF65-F5344CB8AC3E}">
-        <p14:creationId xmlns:p14="http://schemas.microsoft.com/office/powerpoint/2010/main" val="692973527"/>
-      </p:ext>
-    </p:extLst>
-  </p:cSld>
-  <p:clrMapOvr>
-    <a:masterClrMapping/>
-  </p:clrMapOvr>
-</p:sld>
-</file>
-
-<file path=ppt/slides/slide8.xml><?xml version="1.0" encoding="utf-8"?>
 <p:sld xmlns:a="http://schemas.openxmlformats.org/drawingml/2006/main" xmlns:r="http://schemas.openxmlformats.org/officeDocument/2006/relationships" xmlns:p="http://schemas.openxmlformats.org/presentationml/2006/main">
   <p:cSld>
     <p:spTree>
@@ -8229,9 +10179,10 @@
           <a:lstStyle/>
           <a:p>
             <a:r>
-              <a:rPr lang="en-US" sz="4400" dirty="0"/>
-              <a:t>In Conclusion:</a:t>
-            </a:r>
+              <a:rPr lang="en-CA" sz="4400" dirty="0" smtClean="0"/>
+              <a:t>Sprint #1:</a:t>
+            </a:r>
+            <a:endParaRPr lang="en-CA" sz="4400" dirty="0"/>
           </a:p>
         </p:txBody>
       </p:sp>
@@ -8248,45 +10199,79 @@
         <p:spPr/>
         <p:txBody>
           <a:bodyPr>
-            <a:normAutofit lnSpcReduction="10000"/>
+            <a:normAutofit/>
           </a:bodyPr>
           <a:lstStyle/>
           <a:p>
+            <a:r>
+              <a:rPr lang="en-CA" sz="2400" dirty="0" smtClean="0"/>
+              <a:t>Friendly UI Interface</a:t>
+            </a:r>
+          </a:p>
+          <a:p>
             <a:pPr marL="0" indent="0">
               <a:buNone/>
             </a:pPr>
             <a:r>
-              <a:rPr lang="en-US" sz="3200" dirty="0"/>
-              <a:t>We aim to seek out consumers during an active mindset to fulfill their wants while directly, and indirectly increasing their level of food waste awareness.</a:t>
+              <a:rPr lang="en-CA" sz="2200" dirty="0" smtClean="0"/>
+              <a:t>	</a:t>
             </a:r>
           </a:p>
           <a:p>
             <a:pPr marL="0" indent="0">
               <a:buNone/>
             </a:pPr>
-            <a:endParaRPr lang="en-US" sz="3200" dirty="0"/>
+            <a:r>
+              <a:rPr lang="en-CA" sz="2200" dirty="0"/>
+              <a:t>	</a:t>
+            </a:r>
+            <a:r>
+              <a:rPr lang="en-CA" sz="2200" dirty="0" smtClean="0"/>
+              <a:t>Our goal is to have a visually appealing website where users can seamlessly navigate the content and interact with their dashboard with minimum amount of effort.</a:t>
+            </a:r>
           </a:p>
           <a:p>
             <a:pPr marL="0" indent="0">
               <a:buNone/>
             </a:pPr>
-            <a:endParaRPr lang="en-US" sz="3200" dirty="0"/>
-          </a:p>
-          <a:p>
-            <a:pPr marL="0" indent="0">
-              <a:buNone/>
+            <a:endParaRPr lang="en-CA" sz="2200" dirty="0"/>
+          </a:p>
+          <a:p>
+            <a:pPr marL="457200" indent="-457200">
+              <a:buAutoNum type="arabicPeriod"/>
             </a:pPr>
             <a:r>
-              <a:rPr lang="en-US" sz="3200" dirty="0"/>
-              <a:t>Any questions?</a:t>
-            </a:r>
+              <a:rPr lang="en-CA" sz="2200" dirty="0" smtClean="0"/>
+              <a:t>Viewer Friendly and easy to navigate layout</a:t>
+            </a:r>
+            <a:endParaRPr lang="en-CA" sz="2200" dirty="0" smtClean="0"/>
+          </a:p>
+          <a:p>
+            <a:pPr marL="457200" indent="-457200">
+              <a:buFont typeface="Wingdings 3" charset="2"/>
+              <a:buAutoNum type="arabicPeriod"/>
+            </a:pPr>
+            <a:r>
+              <a:rPr lang="en-CA" sz="2200" dirty="0" smtClean="0"/>
+              <a:t>Clickable </a:t>
+            </a:r>
+            <a:r>
+              <a:rPr lang="en-CA" sz="2200" dirty="0"/>
+              <a:t>Ingredients to add to fridge / add to recipe search list.</a:t>
+            </a:r>
+          </a:p>
+          <a:p>
+            <a:pPr marL="457200" indent="-457200">
+              <a:buAutoNum type="arabicPeriod"/>
+            </a:pPr>
+            <a:endParaRPr lang="en-CA" sz="2400" dirty="0" smtClean="0"/>
           </a:p>
         </p:txBody>
       </p:sp>
     </p:spTree>
     <p:extLst>
       <p:ext uri="{BB962C8B-B14F-4D97-AF65-F5344CB8AC3E}">
-        <p14:creationId xmlns:p14="http://schemas.microsoft.com/office/powerpoint/2010/main" val="3413468876"/>
+        <p14:creationId xmlns:p14="http://schemas.microsoft.com/office/powerpoint/2010/main" val="3110164943"/>
       </p:ext>
     </p:extLst>
   </p:cSld>
@@ -8497,7 +10482,7 @@
                                         <p:tgtEl>
                                           <p:spTgt spid="3">
                                             <p:txEl>
-                                              <p:pRg st="3" end="3"/>
+                                              <p:pRg st="1" end="1"/>
                                             </p:txEl>
                                           </p:spTgt>
                                         </p:tgtEl>
@@ -8515,6 +10500,1443 @@
                                         <p:tgtEl>
                                           <p:spTgt spid="3">
                                             <p:txEl>
+                                              <p:pRg st="1" end="1"/>
+                                            </p:txEl>
+                                          </p:spTgt>
+                                        </p:tgtEl>
+                                      </p:cBhvr>
+                                    </p:animEffect>
+                                    <p:anim calcmode="lin" valueType="num">
+                                      <p:cBhvr>
+                                        <p:cTn id="20" dur="1000" fill="hold"/>
+                                        <p:tgtEl>
+                                          <p:spTgt spid="3">
+                                            <p:txEl>
+                                              <p:pRg st="1" end="1"/>
+                                            </p:txEl>
+                                          </p:spTgt>
+                                        </p:tgtEl>
+                                        <p:attrNameLst>
+                                          <p:attrName>ppt_x</p:attrName>
+                                        </p:attrNameLst>
+                                      </p:cBhvr>
+                                      <p:tavLst>
+                                        <p:tav tm="0">
+                                          <p:val>
+                                            <p:strVal val="#ppt_x"/>
+                                          </p:val>
+                                        </p:tav>
+                                        <p:tav tm="100000">
+                                          <p:val>
+                                            <p:strVal val="#ppt_x"/>
+                                          </p:val>
+                                        </p:tav>
+                                      </p:tavLst>
+                                    </p:anim>
+                                    <p:anim calcmode="lin" valueType="num">
+                                      <p:cBhvr>
+                                        <p:cTn id="21" dur="1000" fill="hold"/>
+                                        <p:tgtEl>
+                                          <p:spTgt spid="3">
+                                            <p:txEl>
+                                              <p:pRg st="1" end="1"/>
+                                            </p:txEl>
+                                          </p:spTgt>
+                                        </p:tgtEl>
+                                        <p:attrNameLst>
+                                          <p:attrName>ppt_y</p:attrName>
+                                        </p:attrNameLst>
+                                      </p:cBhvr>
+                                      <p:tavLst>
+                                        <p:tav tm="0">
+                                          <p:val>
+                                            <p:strVal val="#ppt_y+.1"/>
+                                          </p:val>
+                                        </p:tav>
+                                        <p:tav tm="100000">
+                                          <p:val>
+                                            <p:strVal val="#ppt_y"/>
+                                          </p:val>
+                                        </p:tav>
+                                      </p:tavLst>
+                                    </p:anim>
+                                  </p:childTnLst>
+                                </p:cTn>
+                              </p:par>
+                            </p:childTnLst>
+                          </p:cTn>
+                        </p:par>
+                      </p:childTnLst>
+                    </p:cTn>
+                  </p:par>
+                  <p:par>
+                    <p:cTn id="22" fill="hold">
+                      <p:stCondLst>
+                        <p:cond delay="indefinite"/>
+                      </p:stCondLst>
+                      <p:childTnLst>
+                        <p:par>
+                          <p:cTn id="23" fill="hold">
+                            <p:stCondLst>
+                              <p:cond delay="0"/>
+                            </p:stCondLst>
+                            <p:childTnLst>
+                              <p:par>
+                                <p:cTn id="24" presetID="42" presetClass="entr" presetSubtype="0" fill="hold" grpId="0" nodeType="clickEffect">
+                                  <p:stCondLst>
+                                    <p:cond delay="0"/>
+                                  </p:stCondLst>
+                                  <p:childTnLst>
+                                    <p:set>
+                                      <p:cBhvr>
+                                        <p:cTn id="25" dur="1" fill="hold">
+                                          <p:stCondLst>
+                                            <p:cond delay="0"/>
+                                          </p:stCondLst>
+                                        </p:cTn>
+                                        <p:tgtEl>
+                                          <p:spTgt spid="3">
+                                            <p:txEl>
+                                              <p:pRg st="2" end="2"/>
+                                            </p:txEl>
+                                          </p:spTgt>
+                                        </p:tgtEl>
+                                        <p:attrNameLst>
+                                          <p:attrName>style.visibility</p:attrName>
+                                        </p:attrNameLst>
+                                      </p:cBhvr>
+                                      <p:to>
+                                        <p:strVal val="visible"/>
+                                      </p:to>
+                                    </p:set>
+                                    <p:animEffect transition="in" filter="fade">
+                                      <p:cBhvr>
+                                        <p:cTn id="26" dur="1000"/>
+                                        <p:tgtEl>
+                                          <p:spTgt spid="3">
+                                            <p:txEl>
+                                              <p:pRg st="2" end="2"/>
+                                            </p:txEl>
+                                          </p:spTgt>
+                                        </p:tgtEl>
+                                      </p:cBhvr>
+                                    </p:animEffect>
+                                    <p:anim calcmode="lin" valueType="num">
+                                      <p:cBhvr>
+                                        <p:cTn id="27" dur="1000" fill="hold"/>
+                                        <p:tgtEl>
+                                          <p:spTgt spid="3">
+                                            <p:txEl>
+                                              <p:pRg st="2" end="2"/>
+                                            </p:txEl>
+                                          </p:spTgt>
+                                        </p:tgtEl>
+                                        <p:attrNameLst>
+                                          <p:attrName>ppt_x</p:attrName>
+                                        </p:attrNameLst>
+                                      </p:cBhvr>
+                                      <p:tavLst>
+                                        <p:tav tm="0">
+                                          <p:val>
+                                            <p:strVal val="#ppt_x"/>
+                                          </p:val>
+                                        </p:tav>
+                                        <p:tav tm="100000">
+                                          <p:val>
+                                            <p:strVal val="#ppt_x"/>
+                                          </p:val>
+                                        </p:tav>
+                                      </p:tavLst>
+                                    </p:anim>
+                                    <p:anim calcmode="lin" valueType="num">
+                                      <p:cBhvr>
+                                        <p:cTn id="28" dur="1000" fill="hold"/>
+                                        <p:tgtEl>
+                                          <p:spTgt spid="3">
+                                            <p:txEl>
+                                              <p:pRg st="2" end="2"/>
+                                            </p:txEl>
+                                          </p:spTgt>
+                                        </p:tgtEl>
+                                        <p:attrNameLst>
+                                          <p:attrName>ppt_y</p:attrName>
+                                        </p:attrNameLst>
+                                      </p:cBhvr>
+                                      <p:tavLst>
+                                        <p:tav tm="0">
+                                          <p:val>
+                                            <p:strVal val="#ppt_y+.1"/>
+                                          </p:val>
+                                        </p:tav>
+                                        <p:tav tm="100000">
+                                          <p:val>
+                                            <p:strVal val="#ppt_y"/>
+                                          </p:val>
+                                        </p:tav>
+                                      </p:tavLst>
+                                    </p:anim>
+                                  </p:childTnLst>
+                                </p:cTn>
+                              </p:par>
+                            </p:childTnLst>
+                          </p:cTn>
+                        </p:par>
+                      </p:childTnLst>
+                    </p:cTn>
+                  </p:par>
+                  <p:par>
+                    <p:cTn id="29" fill="hold">
+                      <p:stCondLst>
+                        <p:cond delay="indefinite"/>
+                      </p:stCondLst>
+                      <p:childTnLst>
+                        <p:par>
+                          <p:cTn id="30" fill="hold">
+                            <p:stCondLst>
+                              <p:cond delay="0"/>
+                            </p:stCondLst>
+                            <p:childTnLst>
+                              <p:par>
+                                <p:cTn id="31" presetID="42" presetClass="entr" presetSubtype="0" fill="hold" grpId="0" nodeType="clickEffect">
+                                  <p:stCondLst>
+                                    <p:cond delay="0"/>
+                                  </p:stCondLst>
+                                  <p:childTnLst>
+                                    <p:set>
+                                      <p:cBhvr>
+                                        <p:cTn id="32" dur="1" fill="hold">
+                                          <p:stCondLst>
+                                            <p:cond delay="0"/>
+                                          </p:stCondLst>
+                                        </p:cTn>
+                                        <p:tgtEl>
+                                          <p:spTgt spid="3">
+                                            <p:txEl>
+                                              <p:pRg st="4" end="4"/>
+                                            </p:txEl>
+                                          </p:spTgt>
+                                        </p:tgtEl>
+                                        <p:attrNameLst>
+                                          <p:attrName>style.visibility</p:attrName>
+                                        </p:attrNameLst>
+                                      </p:cBhvr>
+                                      <p:to>
+                                        <p:strVal val="visible"/>
+                                      </p:to>
+                                    </p:set>
+                                    <p:animEffect transition="in" filter="fade">
+                                      <p:cBhvr>
+                                        <p:cTn id="33" dur="1000"/>
+                                        <p:tgtEl>
+                                          <p:spTgt spid="3">
+                                            <p:txEl>
+                                              <p:pRg st="4" end="4"/>
+                                            </p:txEl>
+                                          </p:spTgt>
+                                        </p:tgtEl>
+                                      </p:cBhvr>
+                                    </p:animEffect>
+                                    <p:anim calcmode="lin" valueType="num">
+                                      <p:cBhvr>
+                                        <p:cTn id="34" dur="1000" fill="hold"/>
+                                        <p:tgtEl>
+                                          <p:spTgt spid="3">
+                                            <p:txEl>
+                                              <p:pRg st="4" end="4"/>
+                                            </p:txEl>
+                                          </p:spTgt>
+                                        </p:tgtEl>
+                                        <p:attrNameLst>
+                                          <p:attrName>ppt_x</p:attrName>
+                                        </p:attrNameLst>
+                                      </p:cBhvr>
+                                      <p:tavLst>
+                                        <p:tav tm="0">
+                                          <p:val>
+                                            <p:strVal val="#ppt_x"/>
+                                          </p:val>
+                                        </p:tav>
+                                        <p:tav tm="100000">
+                                          <p:val>
+                                            <p:strVal val="#ppt_x"/>
+                                          </p:val>
+                                        </p:tav>
+                                      </p:tavLst>
+                                    </p:anim>
+                                    <p:anim calcmode="lin" valueType="num">
+                                      <p:cBhvr>
+                                        <p:cTn id="35" dur="1000" fill="hold"/>
+                                        <p:tgtEl>
+                                          <p:spTgt spid="3">
+                                            <p:txEl>
+                                              <p:pRg st="4" end="4"/>
+                                            </p:txEl>
+                                          </p:spTgt>
+                                        </p:tgtEl>
+                                        <p:attrNameLst>
+                                          <p:attrName>ppt_y</p:attrName>
+                                        </p:attrNameLst>
+                                      </p:cBhvr>
+                                      <p:tavLst>
+                                        <p:tav tm="0">
+                                          <p:val>
+                                            <p:strVal val="#ppt_y+.1"/>
+                                          </p:val>
+                                        </p:tav>
+                                        <p:tav tm="100000">
+                                          <p:val>
+                                            <p:strVal val="#ppt_y"/>
+                                          </p:val>
+                                        </p:tav>
+                                      </p:tavLst>
+                                    </p:anim>
+                                  </p:childTnLst>
+                                </p:cTn>
+                              </p:par>
+                            </p:childTnLst>
+                          </p:cTn>
+                        </p:par>
+                      </p:childTnLst>
+                    </p:cTn>
+                  </p:par>
+                  <p:par>
+                    <p:cTn id="36" fill="hold">
+                      <p:stCondLst>
+                        <p:cond delay="indefinite"/>
+                      </p:stCondLst>
+                      <p:childTnLst>
+                        <p:par>
+                          <p:cTn id="37" fill="hold">
+                            <p:stCondLst>
+                              <p:cond delay="0"/>
+                            </p:stCondLst>
+                            <p:childTnLst>
+                              <p:par>
+                                <p:cTn id="38" presetID="42" presetClass="entr" presetSubtype="0" fill="hold" grpId="0" nodeType="clickEffect">
+                                  <p:stCondLst>
+                                    <p:cond delay="0"/>
+                                  </p:stCondLst>
+                                  <p:childTnLst>
+                                    <p:set>
+                                      <p:cBhvr>
+                                        <p:cTn id="39" dur="1" fill="hold">
+                                          <p:stCondLst>
+                                            <p:cond delay="0"/>
+                                          </p:stCondLst>
+                                        </p:cTn>
+                                        <p:tgtEl>
+                                          <p:spTgt spid="3">
+                                            <p:txEl>
+                                              <p:pRg st="5" end="5"/>
+                                            </p:txEl>
+                                          </p:spTgt>
+                                        </p:tgtEl>
+                                        <p:attrNameLst>
+                                          <p:attrName>style.visibility</p:attrName>
+                                        </p:attrNameLst>
+                                      </p:cBhvr>
+                                      <p:to>
+                                        <p:strVal val="visible"/>
+                                      </p:to>
+                                    </p:set>
+                                    <p:animEffect transition="in" filter="fade">
+                                      <p:cBhvr>
+                                        <p:cTn id="40" dur="1000"/>
+                                        <p:tgtEl>
+                                          <p:spTgt spid="3">
+                                            <p:txEl>
+                                              <p:pRg st="5" end="5"/>
+                                            </p:txEl>
+                                          </p:spTgt>
+                                        </p:tgtEl>
+                                      </p:cBhvr>
+                                    </p:animEffect>
+                                    <p:anim calcmode="lin" valueType="num">
+                                      <p:cBhvr>
+                                        <p:cTn id="41" dur="1000" fill="hold"/>
+                                        <p:tgtEl>
+                                          <p:spTgt spid="3">
+                                            <p:txEl>
+                                              <p:pRg st="5" end="5"/>
+                                            </p:txEl>
+                                          </p:spTgt>
+                                        </p:tgtEl>
+                                        <p:attrNameLst>
+                                          <p:attrName>ppt_x</p:attrName>
+                                        </p:attrNameLst>
+                                      </p:cBhvr>
+                                      <p:tavLst>
+                                        <p:tav tm="0">
+                                          <p:val>
+                                            <p:strVal val="#ppt_x"/>
+                                          </p:val>
+                                        </p:tav>
+                                        <p:tav tm="100000">
+                                          <p:val>
+                                            <p:strVal val="#ppt_x"/>
+                                          </p:val>
+                                        </p:tav>
+                                      </p:tavLst>
+                                    </p:anim>
+                                    <p:anim calcmode="lin" valueType="num">
+                                      <p:cBhvr>
+                                        <p:cTn id="42" dur="1000" fill="hold"/>
+                                        <p:tgtEl>
+                                          <p:spTgt spid="3">
+                                            <p:txEl>
+                                              <p:pRg st="5" end="5"/>
+                                            </p:txEl>
+                                          </p:spTgt>
+                                        </p:tgtEl>
+                                        <p:attrNameLst>
+                                          <p:attrName>ppt_y</p:attrName>
+                                        </p:attrNameLst>
+                                      </p:cBhvr>
+                                      <p:tavLst>
+                                        <p:tav tm="0">
+                                          <p:val>
+                                            <p:strVal val="#ppt_y+.1"/>
+                                          </p:val>
+                                        </p:tav>
+                                        <p:tav tm="100000">
+                                          <p:val>
+                                            <p:strVal val="#ppt_y"/>
+                                          </p:val>
+                                        </p:tav>
+                                      </p:tavLst>
+                                    </p:anim>
+                                  </p:childTnLst>
+                                </p:cTn>
+                              </p:par>
+                            </p:childTnLst>
+                          </p:cTn>
+                        </p:par>
+                      </p:childTnLst>
+                    </p:cTn>
+                  </p:par>
+                </p:childTnLst>
+              </p:cTn>
+              <p:prevCondLst>
+                <p:cond evt="onPrev" delay="0">
+                  <p:tgtEl>
+                    <p:sldTgt/>
+                  </p:tgtEl>
+                </p:cond>
+              </p:prevCondLst>
+              <p:nextCondLst>
+                <p:cond evt="onNext" delay="0">
+                  <p:tgtEl>
+                    <p:sldTgt/>
+                  </p:tgtEl>
+                </p:cond>
+              </p:nextCondLst>
+            </p:seq>
+          </p:childTnLst>
+        </p:cTn>
+      </p:par>
+    </p:tnLst>
+    <p:bldLst>
+      <p:bldP spid="2" grpId="0"/>
+      <p:bldP spid="3" grpId="0" build="p"/>
+    </p:bldLst>
+  </p:timing>
+</p:sld>
+</file>
+
+<file path=ppt/slides/slide7.xml><?xml version="1.0" encoding="utf-8"?>
+<p:sld xmlns:a="http://schemas.openxmlformats.org/drawingml/2006/main" xmlns:r="http://schemas.openxmlformats.org/officeDocument/2006/relationships" xmlns:p="http://schemas.openxmlformats.org/presentationml/2006/main">
+  <p:cSld>
+    <p:spTree>
+      <p:nvGrpSpPr>
+        <p:cNvPr id="1" name=""/>
+        <p:cNvGrpSpPr/>
+        <p:nvPr/>
+      </p:nvGrpSpPr>
+      <p:grpSpPr>
+        <a:xfrm>
+          <a:off x="0" y="0"/>
+          <a:ext cx="0" cy="0"/>
+          <a:chOff x="0" y="0"/>
+          <a:chExt cx="0" cy="0"/>
+        </a:xfrm>
+      </p:grpSpPr>
+      <p:sp>
+        <p:nvSpPr>
+          <p:cNvPr id="2" name="Title 1"/>
+          <p:cNvSpPr>
+            <a:spLocks noGrp="1"/>
+          </p:cNvSpPr>
+          <p:nvPr>
+            <p:ph type="title"/>
+          </p:nvPr>
+        </p:nvSpPr>
+        <p:spPr/>
+        <p:txBody>
+          <a:bodyPr>
+            <a:normAutofit/>
+          </a:bodyPr>
+          <a:lstStyle/>
+          <a:p>
+            <a:r>
+              <a:rPr lang="en-CA" sz="4400" dirty="0" smtClean="0"/>
+              <a:t>Sprint #1:</a:t>
+            </a:r>
+            <a:endParaRPr lang="en-CA" sz="4400" dirty="0"/>
+          </a:p>
+        </p:txBody>
+      </p:sp>
+      <p:sp>
+        <p:nvSpPr>
+          <p:cNvPr id="3" name="Content Placeholder 2"/>
+          <p:cNvSpPr>
+            <a:spLocks noGrp="1"/>
+          </p:cNvSpPr>
+          <p:nvPr>
+            <p:ph idx="1"/>
+          </p:nvPr>
+        </p:nvSpPr>
+        <p:spPr/>
+        <p:txBody>
+          <a:bodyPr>
+            <a:normAutofit/>
+          </a:bodyPr>
+          <a:lstStyle/>
+          <a:p>
+            <a:pPr marL="0" indent="0">
+              <a:buNone/>
+            </a:pPr>
+            <a:r>
+              <a:rPr lang="en-CA" sz="2200" dirty="0" smtClean="0"/>
+              <a:t>	</a:t>
+            </a:r>
+          </a:p>
+        </p:txBody>
+      </p:sp>
+      <p:pic>
+        <p:nvPicPr>
+          <p:cNvPr id="3074" name="Picture 2"/>
+          <p:cNvPicPr>
+            <a:picLocks noChangeAspect="1" noChangeArrowheads="1"/>
+          </p:cNvPicPr>
+          <p:nvPr/>
+        </p:nvPicPr>
+        <p:blipFill>
+          <a:blip r:embed="rId2">
+            <a:extLst>
+              <a:ext uri="{28A0092B-C50C-407E-A947-70E740481C1C}">
+                <a14:useLocalDpi xmlns:a14="http://schemas.microsoft.com/office/drawing/2010/main" val="0"/>
+              </a:ext>
+            </a:extLst>
+          </a:blip>
+          <a:srcRect/>
+          <a:stretch>
+            <a:fillRect/>
+          </a:stretch>
+        </p:blipFill>
+        <p:spPr bwMode="auto">
+          <a:xfrm>
+            <a:off x="4081182" y="1489929"/>
+            <a:ext cx="4778876" cy="2490400"/>
+          </a:xfrm>
+          <a:prstGeom prst="rect">
+            <a:avLst/>
+          </a:prstGeom>
+          <a:noFill/>
+          <a:ln>
+            <a:noFill/>
+          </a:ln>
+          <a:effectLst/>
+          <a:extLst>
+            <a:ext uri="{909E8E84-426E-40DD-AFC4-6F175D3DCCD1}">
+              <a14:hiddenFill xmlns:a14="http://schemas.microsoft.com/office/drawing/2010/main">
+                <a:solidFill>
+                  <a:schemeClr val="accent1"/>
+                </a:solidFill>
+              </a14:hiddenFill>
+            </a:ext>
+            <a:ext uri="{91240B29-F687-4F45-9708-019B960494DF}">
+              <a14:hiddenLine xmlns:a14="http://schemas.microsoft.com/office/drawing/2010/main" w="9525">
+                <a:solidFill>
+                  <a:schemeClr val="tx1"/>
+                </a:solidFill>
+                <a:miter lim="800000"/>
+                <a:headEnd/>
+                <a:tailEnd/>
+              </a14:hiddenLine>
+            </a:ext>
+            <a:ext uri="{AF507438-7753-43E0-B8FC-AC1667EBCBE1}">
+              <a14:hiddenEffects xmlns:a14="http://schemas.microsoft.com/office/drawing/2010/main">
+                <a:effectLst>
+                  <a:outerShdw dist="35921" dir="2700000" algn="ctr" rotWithShape="0">
+                    <a:schemeClr val="bg2"/>
+                  </a:outerShdw>
+                </a:effectLst>
+              </a14:hiddenEffects>
+            </a:ext>
+          </a:extLst>
+        </p:spPr>
+      </p:pic>
+      <p:pic>
+        <p:nvPicPr>
+          <p:cNvPr id="3075" name="Picture 3"/>
+          <p:cNvPicPr>
+            <a:picLocks noChangeAspect="1" noChangeArrowheads="1"/>
+          </p:cNvPicPr>
+          <p:nvPr/>
+        </p:nvPicPr>
+        <p:blipFill>
+          <a:blip r:embed="rId3">
+            <a:extLst>
+              <a:ext uri="{28A0092B-C50C-407E-A947-70E740481C1C}">
+                <a14:useLocalDpi xmlns:a14="http://schemas.microsoft.com/office/drawing/2010/main" val="0"/>
+              </a:ext>
+            </a:extLst>
+          </a:blip>
+          <a:srcRect/>
+          <a:stretch>
+            <a:fillRect/>
+          </a:stretch>
+        </p:blipFill>
+        <p:spPr bwMode="auto">
+          <a:xfrm>
+            <a:off x="994335" y="1489929"/>
+            <a:ext cx="2573618" cy="4446894"/>
+          </a:xfrm>
+          <a:prstGeom prst="rect">
+            <a:avLst/>
+          </a:prstGeom>
+          <a:noFill/>
+          <a:ln>
+            <a:noFill/>
+          </a:ln>
+          <a:effectLst/>
+          <a:extLst>
+            <a:ext uri="{909E8E84-426E-40DD-AFC4-6F175D3DCCD1}">
+              <a14:hiddenFill xmlns:a14="http://schemas.microsoft.com/office/drawing/2010/main">
+                <a:solidFill>
+                  <a:schemeClr val="accent1"/>
+                </a:solidFill>
+              </a14:hiddenFill>
+            </a:ext>
+            <a:ext uri="{91240B29-F687-4F45-9708-019B960494DF}">
+              <a14:hiddenLine xmlns:a14="http://schemas.microsoft.com/office/drawing/2010/main" w="9525">
+                <a:solidFill>
+                  <a:schemeClr val="tx1"/>
+                </a:solidFill>
+                <a:miter lim="800000"/>
+                <a:headEnd/>
+                <a:tailEnd/>
+              </a14:hiddenLine>
+            </a:ext>
+            <a:ext uri="{AF507438-7753-43E0-B8FC-AC1667EBCBE1}">
+              <a14:hiddenEffects xmlns:a14="http://schemas.microsoft.com/office/drawing/2010/main">
+                <a:effectLst>
+                  <a:outerShdw dist="35921" dir="2700000" algn="ctr" rotWithShape="0">
+                    <a:schemeClr val="bg2"/>
+                  </a:outerShdw>
+                </a:effectLst>
+              </a14:hiddenEffects>
+            </a:ext>
+          </a:extLst>
+        </p:spPr>
+      </p:pic>
+      <p:sp>
+        <p:nvSpPr>
+          <p:cNvPr id="5" name="TextBox 4"/>
+          <p:cNvSpPr txBox="1"/>
+          <p:nvPr/>
+        </p:nvSpPr>
+        <p:spPr>
+          <a:xfrm>
+            <a:off x="5293855" y="4141694"/>
+            <a:ext cx="2353529" cy="369332"/>
+          </a:xfrm>
+          <a:prstGeom prst="rect">
+            <a:avLst/>
+          </a:prstGeom>
+          <a:noFill/>
+        </p:spPr>
+        <p:txBody>
+          <a:bodyPr wrap="none" rtlCol="0">
+            <a:spAutoFit/>
+          </a:bodyPr>
+          <a:lstStyle/>
+          <a:p>
+            <a:r>
+              <a:rPr lang="en-CA" dirty="0" smtClean="0"/>
+              <a:t>Clickable Ingredients</a:t>
+            </a:r>
+            <a:endParaRPr lang="en-CA" dirty="0"/>
+          </a:p>
+        </p:txBody>
+      </p:sp>
+      <p:sp>
+        <p:nvSpPr>
+          <p:cNvPr id="6" name="TextBox 5"/>
+          <p:cNvSpPr txBox="1"/>
+          <p:nvPr/>
+        </p:nvSpPr>
+        <p:spPr>
+          <a:xfrm>
+            <a:off x="1841760" y="6090629"/>
+            <a:ext cx="878767" cy="369332"/>
+          </a:xfrm>
+          <a:prstGeom prst="rect">
+            <a:avLst/>
+          </a:prstGeom>
+          <a:noFill/>
+        </p:spPr>
+        <p:txBody>
+          <a:bodyPr wrap="none" rtlCol="0">
+            <a:spAutoFit/>
+          </a:bodyPr>
+          <a:lstStyle/>
+          <a:p>
+            <a:r>
+              <a:rPr lang="en-CA" dirty="0" smtClean="0"/>
+              <a:t>Layout</a:t>
+            </a:r>
+            <a:endParaRPr lang="en-CA" dirty="0"/>
+          </a:p>
+        </p:txBody>
+      </p:sp>
+    </p:spTree>
+    <p:extLst>
+      <p:ext uri="{BB962C8B-B14F-4D97-AF65-F5344CB8AC3E}">
+        <p14:creationId xmlns:p14="http://schemas.microsoft.com/office/powerpoint/2010/main" val="2217091190"/>
+      </p:ext>
+    </p:extLst>
+  </p:cSld>
+  <p:clrMapOvr>
+    <a:masterClrMapping/>
+  </p:clrMapOvr>
+  <p:timing>
+    <p:tnLst>
+      <p:par>
+        <p:cTn id="1" dur="indefinite" restart="never" nodeType="tmRoot">
+          <p:childTnLst>
+            <p:seq concurrent="1" nextAc="seek">
+              <p:cTn id="2" dur="indefinite" nodeType="mainSeq">
+                <p:childTnLst>
+                  <p:par>
+                    <p:cTn id="3" fill="hold">
+                      <p:stCondLst>
+                        <p:cond delay="indefinite"/>
+                      </p:stCondLst>
+                      <p:childTnLst>
+                        <p:par>
+                          <p:cTn id="4" fill="hold">
+                            <p:stCondLst>
+                              <p:cond delay="0"/>
+                            </p:stCondLst>
+                            <p:childTnLst>
+                              <p:par>
+                                <p:cTn id="5" presetID="10" presetClass="entr" presetSubtype="0" fill="hold" grpId="0" nodeType="clickEffect">
+                                  <p:stCondLst>
+                                    <p:cond delay="0"/>
+                                  </p:stCondLst>
+                                  <p:childTnLst>
+                                    <p:set>
+                                      <p:cBhvr>
+                                        <p:cTn id="6" dur="1" fill="hold">
+                                          <p:stCondLst>
+                                            <p:cond delay="0"/>
+                                          </p:stCondLst>
+                                        </p:cTn>
+                                        <p:tgtEl>
+                                          <p:spTgt spid="2"/>
+                                        </p:tgtEl>
+                                        <p:attrNameLst>
+                                          <p:attrName>style.visibility</p:attrName>
+                                        </p:attrNameLst>
+                                      </p:cBhvr>
+                                      <p:to>
+                                        <p:strVal val="visible"/>
+                                      </p:to>
+                                    </p:set>
+                                    <p:animEffect transition="in" filter="fade">
+                                      <p:cBhvr>
+                                        <p:cTn id="7" dur="500"/>
+                                        <p:tgtEl>
+                                          <p:spTgt spid="2"/>
+                                        </p:tgtEl>
+                                      </p:cBhvr>
+                                    </p:animEffect>
+                                  </p:childTnLst>
+                                </p:cTn>
+                              </p:par>
+                            </p:childTnLst>
+                          </p:cTn>
+                        </p:par>
+                      </p:childTnLst>
+                    </p:cTn>
+                  </p:par>
+                  <p:par>
+                    <p:cTn id="8" fill="hold">
+                      <p:stCondLst>
+                        <p:cond delay="indefinite"/>
+                      </p:stCondLst>
+                      <p:childTnLst>
+                        <p:par>
+                          <p:cTn id="9" fill="hold">
+                            <p:stCondLst>
+                              <p:cond delay="0"/>
+                            </p:stCondLst>
+                            <p:childTnLst>
+                              <p:par>
+                                <p:cTn id="10" presetID="42" presetClass="entr" presetSubtype="0" fill="hold" grpId="0" nodeType="clickEffect">
+                                  <p:stCondLst>
+                                    <p:cond delay="0"/>
+                                  </p:stCondLst>
+                                  <p:childTnLst>
+                                    <p:set>
+                                      <p:cBhvr>
+                                        <p:cTn id="11" dur="1" fill="hold">
+                                          <p:stCondLst>
+                                            <p:cond delay="0"/>
+                                          </p:stCondLst>
+                                        </p:cTn>
+                                        <p:tgtEl>
+                                          <p:spTgt spid="3">
+                                            <p:txEl>
+                                              <p:pRg st="0" end="0"/>
+                                            </p:txEl>
+                                          </p:spTgt>
+                                        </p:tgtEl>
+                                        <p:attrNameLst>
+                                          <p:attrName>style.visibility</p:attrName>
+                                        </p:attrNameLst>
+                                      </p:cBhvr>
+                                      <p:to>
+                                        <p:strVal val="visible"/>
+                                      </p:to>
+                                    </p:set>
+                                    <p:animEffect transition="in" filter="fade">
+                                      <p:cBhvr>
+                                        <p:cTn id="12" dur="1000"/>
+                                        <p:tgtEl>
+                                          <p:spTgt spid="3">
+                                            <p:txEl>
+                                              <p:pRg st="0" end="0"/>
+                                            </p:txEl>
+                                          </p:spTgt>
+                                        </p:tgtEl>
+                                      </p:cBhvr>
+                                    </p:animEffect>
+                                    <p:anim calcmode="lin" valueType="num">
+                                      <p:cBhvr>
+                                        <p:cTn id="13" dur="1000" fill="hold"/>
+                                        <p:tgtEl>
+                                          <p:spTgt spid="3">
+                                            <p:txEl>
+                                              <p:pRg st="0" end="0"/>
+                                            </p:txEl>
+                                          </p:spTgt>
+                                        </p:tgtEl>
+                                        <p:attrNameLst>
+                                          <p:attrName>ppt_x</p:attrName>
+                                        </p:attrNameLst>
+                                      </p:cBhvr>
+                                      <p:tavLst>
+                                        <p:tav tm="0">
+                                          <p:val>
+                                            <p:strVal val="#ppt_x"/>
+                                          </p:val>
+                                        </p:tav>
+                                        <p:tav tm="100000">
+                                          <p:val>
+                                            <p:strVal val="#ppt_x"/>
+                                          </p:val>
+                                        </p:tav>
+                                      </p:tavLst>
+                                    </p:anim>
+                                    <p:anim calcmode="lin" valueType="num">
+                                      <p:cBhvr>
+                                        <p:cTn id="14" dur="1000" fill="hold"/>
+                                        <p:tgtEl>
+                                          <p:spTgt spid="3">
+                                            <p:txEl>
+                                              <p:pRg st="0" end="0"/>
+                                            </p:txEl>
+                                          </p:spTgt>
+                                        </p:tgtEl>
+                                        <p:attrNameLst>
+                                          <p:attrName>ppt_y</p:attrName>
+                                        </p:attrNameLst>
+                                      </p:cBhvr>
+                                      <p:tavLst>
+                                        <p:tav tm="0">
+                                          <p:val>
+                                            <p:strVal val="#ppt_y+.1"/>
+                                          </p:val>
+                                        </p:tav>
+                                        <p:tav tm="100000">
+                                          <p:val>
+                                            <p:strVal val="#ppt_y"/>
+                                          </p:val>
+                                        </p:tav>
+                                      </p:tavLst>
+                                    </p:anim>
+                                  </p:childTnLst>
+                                </p:cTn>
+                              </p:par>
+                            </p:childTnLst>
+                          </p:cTn>
+                        </p:par>
+                      </p:childTnLst>
+                    </p:cTn>
+                  </p:par>
+                </p:childTnLst>
+              </p:cTn>
+              <p:prevCondLst>
+                <p:cond evt="onPrev" delay="0">
+                  <p:tgtEl>
+                    <p:sldTgt/>
+                  </p:tgtEl>
+                </p:cond>
+              </p:prevCondLst>
+              <p:nextCondLst>
+                <p:cond evt="onNext" delay="0">
+                  <p:tgtEl>
+                    <p:sldTgt/>
+                  </p:tgtEl>
+                </p:cond>
+              </p:nextCondLst>
+            </p:seq>
+          </p:childTnLst>
+        </p:cTn>
+      </p:par>
+    </p:tnLst>
+    <p:bldLst>
+      <p:bldP spid="2" grpId="0"/>
+      <p:bldP spid="3" grpId="0" build="p"/>
+    </p:bldLst>
+  </p:timing>
+</p:sld>
+</file>
+
+<file path=ppt/slides/slide8.xml><?xml version="1.0" encoding="utf-8"?>
+<p:sld xmlns:a="http://schemas.openxmlformats.org/drawingml/2006/main" xmlns:r="http://schemas.openxmlformats.org/officeDocument/2006/relationships" xmlns:p="http://schemas.openxmlformats.org/presentationml/2006/main">
+  <p:cSld>
+    <p:spTree>
+      <p:nvGrpSpPr>
+        <p:cNvPr id="1" name=""/>
+        <p:cNvGrpSpPr/>
+        <p:nvPr/>
+      </p:nvGrpSpPr>
+      <p:grpSpPr>
+        <a:xfrm>
+          <a:off x="0" y="0"/>
+          <a:ext cx="0" cy="0"/>
+          <a:chOff x="0" y="0"/>
+          <a:chExt cx="0" cy="0"/>
+        </a:xfrm>
+      </p:grpSpPr>
+      <p:sp>
+        <p:nvSpPr>
+          <p:cNvPr id="2" name="Title 1"/>
+          <p:cNvSpPr>
+            <a:spLocks noGrp="1"/>
+          </p:cNvSpPr>
+          <p:nvPr>
+            <p:ph type="title"/>
+          </p:nvPr>
+        </p:nvSpPr>
+        <p:spPr/>
+        <p:txBody>
+          <a:bodyPr>
+            <a:normAutofit/>
+          </a:bodyPr>
+          <a:lstStyle/>
+          <a:p>
+            <a:r>
+              <a:rPr lang="en-CA" sz="4400" dirty="0" smtClean="0"/>
+              <a:t>Sprint #1:</a:t>
+            </a:r>
+            <a:endParaRPr lang="en-CA" sz="4400" dirty="0"/>
+          </a:p>
+        </p:txBody>
+      </p:sp>
+      <p:sp>
+        <p:nvSpPr>
+          <p:cNvPr id="3" name="Content Placeholder 2"/>
+          <p:cNvSpPr>
+            <a:spLocks noGrp="1"/>
+          </p:cNvSpPr>
+          <p:nvPr>
+            <p:ph idx="1"/>
+          </p:nvPr>
+        </p:nvSpPr>
+        <p:spPr>
+          <a:xfrm>
+            <a:off x="766982" y="1667529"/>
+            <a:ext cx="8596668" cy="3880773"/>
+          </a:xfrm>
+        </p:spPr>
+        <p:txBody>
+          <a:bodyPr/>
+          <a:lstStyle/>
+          <a:p>
+            <a:r>
+              <a:rPr lang="en-CA" sz="2400" dirty="0" smtClean="0"/>
+              <a:t>Registration and Login Page</a:t>
+            </a:r>
+          </a:p>
+          <a:p>
+            <a:pPr marL="0" indent="0">
+              <a:buNone/>
+            </a:pPr>
+            <a:endParaRPr lang="en-CA" sz="2200" dirty="0"/>
+          </a:p>
+          <a:p>
+            <a:pPr marL="0" indent="0">
+              <a:buNone/>
+            </a:pPr>
+            <a:r>
+              <a:rPr lang="en-CA" sz="2200" dirty="0" smtClean="0"/>
+              <a:t>	- A working registration page</a:t>
+            </a:r>
+          </a:p>
+          <a:p>
+            <a:pPr marL="0" indent="0">
+              <a:buNone/>
+            </a:pPr>
+            <a:r>
+              <a:rPr lang="en-CA" sz="2200" dirty="0"/>
+              <a:t>	</a:t>
+            </a:r>
+            <a:r>
+              <a:rPr lang="en-CA" sz="2200" dirty="0" smtClean="0"/>
+              <a:t>- Ability to Sign in</a:t>
+            </a:r>
+          </a:p>
+          <a:p>
+            <a:pPr marL="0" indent="0">
+              <a:buNone/>
+            </a:pPr>
+            <a:r>
+              <a:rPr lang="en-CA" sz="2200" dirty="0"/>
+              <a:t>	</a:t>
+            </a:r>
+            <a:r>
+              <a:rPr lang="en-CA" sz="2200" dirty="0" smtClean="0"/>
+              <a:t>- Basic Dashboard for each user</a:t>
+            </a:r>
+            <a:endParaRPr lang="en-CA" sz="2400" dirty="0" smtClean="0"/>
+          </a:p>
+        </p:txBody>
+      </p:sp>
+      <p:pic>
+        <p:nvPicPr>
+          <p:cNvPr id="4098" name="Picture 2"/>
+          <p:cNvPicPr>
+            <a:picLocks noChangeAspect="1" noChangeArrowheads="1"/>
+          </p:cNvPicPr>
+          <p:nvPr/>
+        </p:nvPicPr>
+        <p:blipFill>
+          <a:blip r:embed="rId2">
+            <a:extLst>
+              <a:ext uri="{28A0092B-C50C-407E-A947-70E740481C1C}">
+                <a14:useLocalDpi xmlns:a14="http://schemas.microsoft.com/office/drawing/2010/main" val="0"/>
+              </a:ext>
+            </a:extLst>
+          </a:blip>
+          <a:srcRect/>
+          <a:stretch>
+            <a:fillRect/>
+          </a:stretch>
+        </p:blipFill>
+        <p:spPr bwMode="auto">
+          <a:xfrm>
+            <a:off x="5480517" y="1783975"/>
+            <a:ext cx="3493271" cy="4395507"/>
+          </a:xfrm>
+          <a:prstGeom prst="rect">
+            <a:avLst/>
+          </a:prstGeom>
+          <a:noFill/>
+          <a:ln>
+            <a:noFill/>
+          </a:ln>
+          <a:effectLst/>
+          <a:extLst>
+            <a:ext uri="{909E8E84-426E-40DD-AFC4-6F175D3DCCD1}">
+              <a14:hiddenFill xmlns:a14="http://schemas.microsoft.com/office/drawing/2010/main">
+                <a:solidFill>
+                  <a:schemeClr val="accent1"/>
+                </a:solidFill>
+              </a14:hiddenFill>
+            </a:ext>
+            <a:ext uri="{91240B29-F687-4F45-9708-019B960494DF}">
+              <a14:hiddenLine xmlns:a14="http://schemas.microsoft.com/office/drawing/2010/main" w="9525">
+                <a:solidFill>
+                  <a:schemeClr val="tx1"/>
+                </a:solidFill>
+                <a:miter lim="800000"/>
+                <a:headEnd/>
+                <a:tailEnd/>
+              </a14:hiddenLine>
+            </a:ext>
+            <a:ext uri="{AF507438-7753-43E0-B8FC-AC1667EBCBE1}">
+              <a14:hiddenEffects xmlns:a14="http://schemas.microsoft.com/office/drawing/2010/main">
+                <a:effectLst>
+                  <a:outerShdw dist="35921" dir="2700000" algn="ctr" rotWithShape="0">
+                    <a:schemeClr val="bg2"/>
+                  </a:outerShdw>
+                </a:effectLst>
+              </a14:hiddenEffects>
+            </a:ext>
+          </a:extLst>
+        </p:spPr>
+      </p:pic>
+    </p:spTree>
+    <p:extLst>
+      <p:ext uri="{BB962C8B-B14F-4D97-AF65-F5344CB8AC3E}">
+        <p14:creationId xmlns:p14="http://schemas.microsoft.com/office/powerpoint/2010/main" val="2925083163"/>
+      </p:ext>
+    </p:extLst>
+  </p:cSld>
+  <p:clrMapOvr>
+    <a:masterClrMapping/>
+  </p:clrMapOvr>
+  <p:timing>
+    <p:tnLst>
+      <p:par>
+        <p:cTn id="1" dur="indefinite" restart="never" nodeType="tmRoot">
+          <p:childTnLst>
+            <p:seq concurrent="1" nextAc="seek">
+              <p:cTn id="2" dur="indefinite" nodeType="mainSeq">
+                <p:childTnLst>
+                  <p:par>
+                    <p:cTn id="3" fill="hold">
+                      <p:stCondLst>
+                        <p:cond delay="indefinite"/>
+                      </p:stCondLst>
+                      <p:childTnLst>
+                        <p:par>
+                          <p:cTn id="4" fill="hold">
+                            <p:stCondLst>
+                              <p:cond delay="0"/>
+                            </p:stCondLst>
+                            <p:childTnLst>
+                              <p:par>
+                                <p:cTn id="5" presetID="10" presetClass="entr" presetSubtype="0" fill="hold" grpId="0" nodeType="clickEffect">
+                                  <p:stCondLst>
+                                    <p:cond delay="0"/>
+                                  </p:stCondLst>
+                                  <p:childTnLst>
+                                    <p:set>
+                                      <p:cBhvr>
+                                        <p:cTn id="6" dur="1" fill="hold">
+                                          <p:stCondLst>
+                                            <p:cond delay="0"/>
+                                          </p:stCondLst>
+                                        </p:cTn>
+                                        <p:tgtEl>
+                                          <p:spTgt spid="2"/>
+                                        </p:tgtEl>
+                                        <p:attrNameLst>
+                                          <p:attrName>style.visibility</p:attrName>
+                                        </p:attrNameLst>
+                                      </p:cBhvr>
+                                      <p:to>
+                                        <p:strVal val="visible"/>
+                                      </p:to>
+                                    </p:set>
+                                    <p:animEffect transition="in" filter="fade">
+                                      <p:cBhvr>
+                                        <p:cTn id="7" dur="500"/>
+                                        <p:tgtEl>
+                                          <p:spTgt spid="2"/>
+                                        </p:tgtEl>
+                                      </p:cBhvr>
+                                    </p:animEffect>
+                                  </p:childTnLst>
+                                </p:cTn>
+                              </p:par>
+                            </p:childTnLst>
+                          </p:cTn>
+                        </p:par>
+                      </p:childTnLst>
+                    </p:cTn>
+                  </p:par>
+                  <p:par>
+                    <p:cTn id="8" fill="hold">
+                      <p:stCondLst>
+                        <p:cond delay="indefinite"/>
+                      </p:stCondLst>
+                      <p:childTnLst>
+                        <p:par>
+                          <p:cTn id="9" fill="hold">
+                            <p:stCondLst>
+                              <p:cond delay="0"/>
+                            </p:stCondLst>
+                            <p:childTnLst>
+                              <p:par>
+                                <p:cTn id="10" presetID="42" presetClass="entr" presetSubtype="0" fill="hold" grpId="0" nodeType="clickEffect">
+                                  <p:stCondLst>
+                                    <p:cond delay="0"/>
+                                  </p:stCondLst>
+                                  <p:childTnLst>
+                                    <p:set>
+                                      <p:cBhvr>
+                                        <p:cTn id="11" dur="1" fill="hold">
+                                          <p:stCondLst>
+                                            <p:cond delay="0"/>
+                                          </p:stCondLst>
+                                        </p:cTn>
+                                        <p:tgtEl>
+                                          <p:spTgt spid="3">
+                                            <p:txEl>
+                                              <p:pRg st="0" end="0"/>
+                                            </p:txEl>
+                                          </p:spTgt>
+                                        </p:tgtEl>
+                                        <p:attrNameLst>
+                                          <p:attrName>style.visibility</p:attrName>
+                                        </p:attrNameLst>
+                                      </p:cBhvr>
+                                      <p:to>
+                                        <p:strVal val="visible"/>
+                                      </p:to>
+                                    </p:set>
+                                    <p:animEffect transition="in" filter="fade">
+                                      <p:cBhvr>
+                                        <p:cTn id="12" dur="1000"/>
+                                        <p:tgtEl>
+                                          <p:spTgt spid="3">
+                                            <p:txEl>
+                                              <p:pRg st="0" end="0"/>
+                                            </p:txEl>
+                                          </p:spTgt>
+                                        </p:tgtEl>
+                                      </p:cBhvr>
+                                    </p:animEffect>
+                                    <p:anim calcmode="lin" valueType="num">
+                                      <p:cBhvr>
+                                        <p:cTn id="13" dur="1000" fill="hold"/>
+                                        <p:tgtEl>
+                                          <p:spTgt spid="3">
+                                            <p:txEl>
+                                              <p:pRg st="0" end="0"/>
+                                            </p:txEl>
+                                          </p:spTgt>
+                                        </p:tgtEl>
+                                        <p:attrNameLst>
+                                          <p:attrName>ppt_x</p:attrName>
+                                        </p:attrNameLst>
+                                      </p:cBhvr>
+                                      <p:tavLst>
+                                        <p:tav tm="0">
+                                          <p:val>
+                                            <p:strVal val="#ppt_x"/>
+                                          </p:val>
+                                        </p:tav>
+                                        <p:tav tm="100000">
+                                          <p:val>
+                                            <p:strVal val="#ppt_x"/>
+                                          </p:val>
+                                        </p:tav>
+                                      </p:tavLst>
+                                    </p:anim>
+                                    <p:anim calcmode="lin" valueType="num">
+                                      <p:cBhvr>
+                                        <p:cTn id="14" dur="1000" fill="hold"/>
+                                        <p:tgtEl>
+                                          <p:spTgt spid="3">
+                                            <p:txEl>
+                                              <p:pRg st="0" end="0"/>
+                                            </p:txEl>
+                                          </p:spTgt>
+                                        </p:tgtEl>
+                                        <p:attrNameLst>
+                                          <p:attrName>ppt_y</p:attrName>
+                                        </p:attrNameLst>
+                                      </p:cBhvr>
+                                      <p:tavLst>
+                                        <p:tav tm="0">
+                                          <p:val>
+                                            <p:strVal val="#ppt_y+.1"/>
+                                          </p:val>
+                                        </p:tav>
+                                        <p:tav tm="100000">
+                                          <p:val>
+                                            <p:strVal val="#ppt_y"/>
+                                          </p:val>
+                                        </p:tav>
+                                      </p:tavLst>
+                                    </p:anim>
+                                  </p:childTnLst>
+                                </p:cTn>
+                              </p:par>
+                            </p:childTnLst>
+                          </p:cTn>
+                        </p:par>
+                      </p:childTnLst>
+                    </p:cTn>
+                  </p:par>
+                  <p:par>
+                    <p:cTn id="15" fill="hold">
+                      <p:stCondLst>
+                        <p:cond delay="indefinite"/>
+                      </p:stCondLst>
+                      <p:childTnLst>
+                        <p:par>
+                          <p:cTn id="16" fill="hold">
+                            <p:stCondLst>
+                              <p:cond delay="0"/>
+                            </p:stCondLst>
+                            <p:childTnLst>
+                              <p:par>
+                                <p:cTn id="17" presetID="42" presetClass="entr" presetSubtype="0" fill="hold" grpId="0" nodeType="clickEffect">
+                                  <p:stCondLst>
+                                    <p:cond delay="0"/>
+                                  </p:stCondLst>
+                                  <p:childTnLst>
+                                    <p:set>
+                                      <p:cBhvr>
+                                        <p:cTn id="18" dur="1" fill="hold">
+                                          <p:stCondLst>
+                                            <p:cond delay="0"/>
+                                          </p:stCondLst>
+                                        </p:cTn>
+                                        <p:tgtEl>
+                                          <p:spTgt spid="3">
+                                            <p:txEl>
+                                              <p:pRg st="2" end="2"/>
+                                            </p:txEl>
+                                          </p:spTgt>
+                                        </p:tgtEl>
+                                        <p:attrNameLst>
+                                          <p:attrName>style.visibility</p:attrName>
+                                        </p:attrNameLst>
+                                      </p:cBhvr>
+                                      <p:to>
+                                        <p:strVal val="visible"/>
+                                      </p:to>
+                                    </p:set>
+                                    <p:animEffect transition="in" filter="fade">
+                                      <p:cBhvr>
+                                        <p:cTn id="19" dur="1000"/>
+                                        <p:tgtEl>
+                                          <p:spTgt spid="3">
+                                            <p:txEl>
+                                              <p:pRg st="2" end="2"/>
+                                            </p:txEl>
+                                          </p:spTgt>
+                                        </p:tgtEl>
+                                      </p:cBhvr>
+                                    </p:animEffect>
+                                    <p:anim calcmode="lin" valueType="num">
+                                      <p:cBhvr>
+                                        <p:cTn id="20" dur="1000" fill="hold"/>
+                                        <p:tgtEl>
+                                          <p:spTgt spid="3">
+                                            <p:txEl>
+                                              <p:pRg st="2" end="2"/>
+                                            </p:txEl>
+                                          </p:spTgt>
+                                        </p:tgtEl>
+                                        <p:attrNameLst>
+                                          <p:attrName>ppt_x</p:attrName>
+                                        </p:attrNameLst>
+                                      </p:cBhvr>
+                                      <p:tavLst>
+                                        <p:tav tm="0">
+                                          <p:val>
+                                            <p:strVal val="#ppt_x"/>
+                                          </p:val>
+                                        </p:tav>
+                                        <p:tav tm="100000">
+                                          <p:val>
+                                            <p:strVal val="#ppt_x"/>
+                                          </p:val>
+                                        </p:tav>
+                                      </p:tavLst>
+                                    </p:anim>
+                                    <p:anim calcmode="lin" valueType="num">
+                                      <p:cBhvr>
+                                        <p:cTn id="21" dur="1000" fill="hold"/>
+                                        <p:tgtEl>
+                                          <p:spTgt spid="3">
+                                            <p:txEl>
+                                              <p:pRg st="2" end="2"/>
+                                            </p:txEl>
+                                          </p:spTgt>
+                                        </p:tgtEl>
+                                        <p:attrNameLst>
+                                          <p:attrName>ppt_y</p:attrName>
+                                        </p:attrNameLst>
+                                      </p:cBhvr>
+                                      <p:tavLst>
+                                        <p:tav tm="0">
+                                          <p:val>
+                                            <p:strVal val="#ppt_y+.1"/>
+                                          </p:val>
+                                        </p:tav>
+                                        <p:tav tm="100000">
+                                          <p:val>
+                                            <p:strVal val="#ppt_y"/>
+                                          </p:val>
+                                        </p:tav>
+                                      </p:tavLst>
+                                    </p:anim>
+                                  </p:childTnLst>
+                                </p:cTn>
+                              </p:par>
+                            </p:childTnLst>
+                          </p:cTn>
+                        </p:par>
+                      </p:childTnLst>
+                    </p:cTn>
+                  </p:par>
+                  <p:par>
+                    <p:cTn id="22" fill="hold">
+                      <p:stCondLst>
+                        <p:cond delay="indefinite"/>
+                      </p:stCondLst>
+                      <p:childTnLst>
+                        <p:par>
+                          <p:cTn id="23" fill="hold">
+                            <p:stCondLst>
+                              <p:cond delay="0"/>
+                            </p:stCondLst>
+                            <p:childTnLst>
+                              <p:par>
+                                <p:cTn id="24" presetID="42" presetClass="entr" presetSubtype="0" fill="hold" grpId="0" nodeType="clickEffect">
+                                  <p:stCondLst>
+                                    <p:cond delay="0"/>
+                                  </p:stCondLst>
+                                  <p:childTnLst>
+                                    <p:set>
+                                      <p:cBhvr>
+                                        <p:cTn id="25" dur="1" fill="hold">
+                                          <p:stCondLst>
+                                            <p:cond delay="0"/>
+                                          </p:stCondLst>
+                                        </p:cTn>
+                                        <p:tgtEl>
+                                          <p:spTgt spid="3">
+                                            <p:txEl>
+                                              <p:pRg st="3" end="3"/>
+                                            </p:txEl>
+                                          </p:spTgt>
+                                        </p:tgtEl>
+                                        <p:attrNameLst>
+                                          <p:attrName>style.visibility</p:attrName>
+                                        </p:attrNameLst>
+                                      </p:cBhvr>
+                                      <p:to>
+                                        <p:strVal val="visible"/>
+                                      </p:to>
+                                    </p:set>
+                                    <p:animEffect transition="in" filter="fade">
+                                      <p:cBhvr>
+                                        <p:cTn id="26" dur="1000"/>
+                                        <p:tgtEl>
+                                          <p:spTgt spid="3">
+                                            <p:txEl>
                                               <p:pRg st="3" end="3"/>
                                             </p:txEl>
                                           </p:spTgt>
@@ -8523,7 +11945,7 @@
                                     </p:animEffect>
                                     <p:anim calcmode="lin" valueType="num">
                                       <p:cBhvr>
-                                        <p:cTn id="20" dur="1000" fill="hold"/>
+                                        <p:cTn id="27" dur="1000" fill="hold"/>
                                         <p:tgtEl>
                                           <p:spTgt spid="3">
                                             <p:txEl>
@@ -8550,11 +11972,126 @@
                                     </p:anim>
                                     <p:anim calcmode="lin" valueType="num">
                                       <p:cBhvr>
-                                        <p:cTn id="21" dur="1000" fill="hold"/>
+                                        <p:cTn id="28" dur="1000" fill="hold"/>
                                         <p:tgtEl>
                                           <p:spTgt spid="3">
                                             <p:txEl>
                                               <p:pRg st="3" end="3"/>
+                                            </p:txEl>
+                                          </p:spTgt>
+                                        </p:tgtEl>
+                                        <p:attrNameLst>
+                                          <p:attrName>ppt_y</p:attrName>
+                                        </p:attrNameLst>
+                                      </p:cBhvr>
+                                      <p:tavLst>
+                                        <p:tav tm="0">
+                                          <p:val>
+                                            <p:strVal val="#ppt_y+.1"/>
+                                          </p:val>
+                                        </p:tav>
+                                        <p:tav tm="100000">
+                                          <p:val>
+                                            <p:strVal val="#ppt_y"/>
+                                          </p:val>
+                                        </p:tav>
+                                      </p:tavLst>
+                                    </p:anim>
+                                  </p:childTnLst>
+                                </p:cTn>
+                              </p:par>
+                            </p:childTnLst>
+                          </p:cTn>
+                        </p:par>
+                      </p:childTnLst>
+                    </p:cTn>
+                  </p:par>
+                  <p:par>
+                    <p:cTn id="29" fill="hold">
+                      <p:stCondLst>
+                        <p:cond delay="indefinite"/>
+                      </p:stCondLst>
+                      <p:childTnLst>
+                        <p:par>
+                          <p:cTn id="30" fill="hold">
+                            <p:stCondLst>
+                              <p:cond delay="0"/>
+                            </p:stCondLst>
+                            <p:childTnLst>
+                              <p:par>
+                                <p:cTn id="31" presetID="42" presetClass="entr" presetSubtype="0" fill="hold" grpId="0" nodeType="clickEffect">
+                                  <p:stCondLst>
+                                    <p:cond delay="0"/>
+                                  </p:stCondLst>
+                                  <p:childTnLst>
+                                    <p:set>
+                                      <p:cBhvr>
+                                        <p:cTn id="32" dur="1" fill="hold">
+                                          <p:stCondLst>
+                                            <p:cond delay="0"/>
+                                          </p:stCondLst>
+                                        </p:cTn>
+                                        <p:tgtEl>
+                                          <p:spTgt spid="3">
+                                            <p:txEl>
+                                              <p:pRg st="4" end="4"/>
+                                            </p:txEl>
+                                          </p:spTgt>
+                                        </p:tgtEl>
+                                        <p:attrNameLst>
+                                          <p:attrName>style.visibility</p:attrName>
+                                        </p:attrNameLst>
+                                      </p:cBhvr>
+                                      <p:to>
+                                        <p:strVal val="visible"/>
+                                      </p:to>
+                                    </p:set>
+                                    <p:animEffect transition="in" filter="fade">
+                                      <p:cBhvr>
+                                        <p:cTn id="33" dur="1000"/>
+                                        <p:tgtEl>
+                                          <p:spTgt spid="3">
+                                            <p:txEl>
+                                              <p:pRg st="4" end="4"/>
+                                            </p:txEl>
+                                          </p:spTgt>
+                                        </p:tgtEl>
+                                      </p:cBhvr>
+                                    </p:animEffect>
+                                    <p:anim calcmode="lin" valueType="num">
+                                      <p:cBhvr>
+                                        <p:cTn id="34" dur="1000" fill="hold"/>
+                                        <p:tgtEl>
+                                          <p:spTgt spid="3">
+                                            <p:txEl>
+                                              <p:pRg st="4" end="4"/>
+                                            </p:txEl>
+                                          </p:spTgt>
+                                        </p:tgtEl>
+                                        <p:attrNameLst>
+                                          <p:attrName>ppt_x</p:attrName>
+                                        </p:attrNameLst>
+                                      </p:cBhvr>
+                                      <p:tavLst>
+                                        <p:tav tm="0">
+                                          <p:val>
+                                            <p:strVal val="#ppt_x"/>
+                                          </p:val>
+                                        </p:tav>
+                                        <p:tav tm="100000">
+                                          <p:val>
+                                            <p:strVal val="#ppt_x"/>
+                                          </p:val>
+                                        </p:tav>
+                                      </p:tavLst>
+                                    </p:anim>
+                                    <p:anim calcmode="lin" valueType="num">
+                                      <p:cBhvr>
+                                        <p:cTn id="35" dur="1000" fill="hold"/>
+                                        <p:tgtEl>
+                                          <p:spTgt spid="3">
+                                            <p:txEl>
+                                              <p:pRg st="4" end="4"/>
                                             </p:txEl>
                                           </p:spTgt>
                                         </p:tgtEl>
@@ -8632,661 +12169,7 @@
       </p:grpSpPr>
       <p:sp>
         <p:nvSpPr>
-          <p:cNvPr id="30" name="Rectangle 29"/>
-          <p:cNvSpPr>
-            <a:spLocks noGrp="1" noRot="1" noChangeAspect="1" noMove="1" noResize="1" noEditPoints="1" noAdjustHandles="1" noChangeArrowheads="1" noChangeShapeType="1" noTextEdit="1"/>
-          </p:cNvSpPr>
-          <p:nvPr>
-            <p:extLst>
-              <p:ext uri="{386F3935-93C4-4BCD-93E2-E3B085C9AB24}">
-                <p16:designElem xmlns:p16="http://schemas.microsoft.com/office/powerpoint/2015/main" val="1"/>
-              </p:ext>
-            </p:extLst>
-          </p:nvPr>
-        </p:nvSpPr>
-        <p:spPr bwMode="white">
-          <a:xfrm>
-            <a:off x="0" y="0"/>
-            <a:ext cx="12192000" cy="6858000"/>
-          </a:xfrm>
-          <a:prstGeom prst="rect">
-            <a:avLst/>
-          </a:prstGeom>
-          <a:solidFill>
-            <a:schemeClr val="bg1"/>
-          </a:solidFill>
-          <a:ln>
-            <a:noFill/>
-          </a:ln>
-          <a:effectLst/>
-        </p:spPr>
-      </p:sp>
-      <p:grpSp>
-        <p:nvGrpSpPr>
-          <p:cNvPr id="32" name="Group 31"/>
-          <p:cNvGrpSpPr>
-            <a:grpSpLocks noGrp="1" noUngrp="1" noRot="1" noChangeAspect="1" noMove="1" noResize="1"/>
-          </p:cNvGrpSpPr>
-          <p:nvPr>
-            <p:extLst>
-              <p:ext uri="{386F3935-93C4-4BCD-93E2-E3B085C9AB24}">
-                <p16:designElem xmlns:p16="http://schemas.microsoft.com/office/powerpoint/2015/main" val="1"/>
-              </p:ext>
-            </p:extLst>
-          </p:nvPr>
-        </p:nvGrpSpPr>
-        <p:grpSpPr>
-          <a:xfrm>
-            <a:off x="0" y="-8467"/>
-            <a:ext cx="12192000" cy="6866467"/>
-            <a:chOff x="0" y="-8467"/>
-            <a:chExt cx="12192000" cy="6866467"/>
-          </a:xfrm>
-        </p:grpSpPr>
-        <p:cxnSp>
-          <p:nvCxnSpPr>
-            <p:cNvPr id="33" name="Straight Connector 32"/>
-            <p:cNvCxnSpPr/>
-            <p:nvPr>
-              <p:extLst>
-                <p:ext uri="{386F3935-93C4-4BCD-93E2-E3B085C9AB24}">
-                  <p16:designElem xmlns:p16="http://schemas.microsoft.com/office/powerpoint/2015/main" val="1"/>
-                </p:ext>
-              </p:extLst>
-            </p:nvPr>
-          </p:nvCxnSpPr>
-          <p:spPr>
-            <a:xfrm>
-              <a:off x="9371012" y="0"/>
-              <a:ext cx="1219200" cy="6858000"/>
-            </a:xfrm>
-            <a:prstGeom prst="line">
-              <a:avLst/>
-            </a:prstGeom>
-            <a:ln w="9525">
-              <a:solidFill>
-                <a:schemeClr val="bg1">
-                  <a:lumMod val="75000"/>
-                </a:schemeClr>
-              </a:solidFill>
-            </a:ln>
-          </p:spPr>
-          <p:style>
-            <a:lnRef idx="2">
-              <a:schemeClr val="accent1"/>
-            </a:lnRef>
-            <a:fillRef idx="0">
-              <a:schemeClr val="accent1"/>
-            </a:fillRef>
-            <a:effectRef idx="1">
-              <a:schemeClr val="accent1"/>
-            </a:effectRef>
-            <a:fontRef idx="minor">
-              <a:schemeClr val="tx1"/>
-            </a:fontRef>
-          </p:style>
-        </p:cxnSp>
-        <p:cxnSp>
-          <p:nvCxnSpPr>
-            <p:cNvPr id="34" name="Straight Connector 33"/>
-            <p:cNvCxnSpPr/>
-            <p:nvPr>
-              <p:extLst>
-                <p:ext uri="{386F3935-93C4-4BCD-93E2-E3B085C9AB24}">
-                  <p16:designElem xmlns:p16="http://schemas.microsoft.com/office/powerpoint/2015/main" val="1"/>
-                </p:ext>
-              </p:extLst>
-            </p:nvPr>
-          </p:nvCxnSpPr>
-          <p:spPr>
-            <a:xfrm flipH="1">
-              <a:off x="7425267" y="3681413"/>
-              <a:ext cx="4763558" cy="3176587"/>
-            </a:xfrm>
-            <a:prstGeom prst="line">
-              <a:avLst/>
-            </a:prstGeom>
-            <a:ln w="9525">
-              <a:solidFill>
-                <a:schemeClr val="bg1">
-                  <a:lumMod val="85000"/>
-                </a:schemeClr>
-              </a:solidFill>
-            </a:ln>
-          </p:spPr>
-          <p:style>
-            <a:lnRef idx="2">
-              <a:schemeClr val="accent1"/>
-            </a:lnRef>
-            <a:fillRef idx="0">
-              <a:schemeClr val="accent1"/>
-            </a:fillRef>
-            <a:effectRef idx="1">
-              <a:schemeClr val="accent1"/>
-            </a:effectRef>
-            <a:fontRef idx="minor">
-              <a:schemeClr val="tx1"/>
-            </a:fontRef>
-          </p:style>
-        </p:cxnSp>
-        <p:sp>
-          <p:nvSpPr>
-            <p:cNvPr id="35" name="Rectangle 23"/>
-            <p:cNvSpPr/>
-            <p:nvPr>
-              <p:extLst>
-                <p:ext uri="{386F3935-93C4-4BCD-93E2-E3B085C9AB24}">
-                  <p16:designElem xmlns:p16="http://schemas.microsoft.com/office/powerpoint/2015/main" val="1"/>
-                </p:ext>
-              </p:extLst>
-            </p:nvPr>
-          </p:nvSpPr>
-          <p:spPr>
-            <a:xfrm>
-              <a:off x="9181476" y="-8467"/>
-              <a:ext cx="3007349" cy="6866467"/>
-            </a:xfrm>
-            <a:custGeom>
-              <a:avLst/>
-              <a:gdLst/>
-              <a:ahLst/>
-              <a:cxnLst/>
-              <a:rect l="l" t="t" r="r" b="b"/>
-              <a:pathLst>
-                <a:path w="3007349" h="6866467">
-                  <a:moveTo>
-                    <a:pt x="2045532" y="0"/>
-                  </a:moveTo>
-                  <a:lnTo>
-                    <a:pt x="3007349" y="0"/>
-                  </a:lnTo>
-                  <a:lnTo>
-                    <a:pt x="3007349" y="6866467"/>
-                  </a:lnTo>
-                  <a:lnTo>
-                    <a:pt x="0" y="6866467"/>
-                  </a:lnTo>
-                  <a:lnTo>
-                    <a:pt x="2045532" y="0"/>
-                  </a:lnTo>
-                  <a:close/>
-                </a:path>
-              </a:pathLst>
-            </a:custGeom>
-            <a:solidFill>
-              <a:schemeClr val="accent1">
-                <a:alpha val="30000"/>
-              </a:schemeClr>
-            </a:solidFill>
-            <a:ln>
-              <a:noFill/>
-            </a:ln>
-            <a:effectLst/>
-          </p:spPr>
-          <p:style>
-            <a:lnRef idx="1">
-              <a:schemeClr val="accent1"/>
-            </a:lnRef>
-            <a:fillRef idx="3">
-              <a:schemeClr val="accent1"/>
-            </a:fillRef>
-            <a:effectRef idx="2">
-              <a:schemeClr val="accent1"/>
-            </a:effectRef>
-            <a:fontRef idx="minor">
-              <a:schemeClr val="lt1"/>
-            </a:fontRef>
-          </p:style>
-        </p:sp>
-        <p:sp>
-          <p:nvSpPr>
-            <p:cNvPr id="36" name="Rectangle 25"/>
-            <p:cNvSpPr/>
-            <p:nvPr>
-              <p:extLst>
-                <p:ext uri="{386F3935-93C4-4BCD-93E2-E3B085C9AB24}">
-                  <p16:designElem xmlns:p16="http://schemas.microsoft.com/office/powerpoint/2015/main" val="1"/>
-                </p:ext>
-              </p:extLst>
-            </p:nvPr>
-          </p:nvSpPr>
-          <p:spPr>
-            <a:xfrm>
-              <a:off x="9603442" y="-8467"/>
-              <a:ext cx="2588558" cy="6866467"/>
-            </a:xfrm>
-            <a:custGeom>
-              <a:avLst/>
-              <a:gdLst/>
-              <a:ahLst/>
-              <a:cxnLst/>
-              <a:rect l="l" t="t" r="r" b="b"/>
-              <a:pathLst>
-                <a:path w="2573311" h="6866467">
-                  <a:moveTo>
-                    <a:pt x="0" y="0"/>
-                  </a:moveTo>
-                  <a:lnTo>
-                    <a:pt x="2573311" y="0"/>
-                  </a:lnTo>
-                  <a:lnTo>
-                    <a:pt x="2573311" y="6866467"/>
-                  </a:lnTo>
-                  <a:lnTo>
-                    <a:pt x="1202336" y="6866467"/>
-                  </a:lnTo>
-                  <a:lnTo>
-                    <a:pt x="0" y="0"/>
-                  </a:lnTo>
-                  <a:close/>
-                </a:path>
-              </a:pathLst>
-            </a:custGeom>
-            <a:solidFill>
-              <a:schemeClr val="accent1">
-                <a:alpha val="20000"/>
-              </a:schemeClr>
-            </a:solidFill>
-            <a:ln>
-              <a:noFill/>
-            </a:ln>
-            <a:effectLst/>
-          </p:spPr>
-          <p:style>
-            <a:lnRef idx="1">
-              <a:schemeClr val="accent1"/>
-            </a:lnRef>
-            <a:fillRef idx="3">
-              <a:schemeClr val="accent1"/>
-            </a:fillRef>
-            <a:effectRef idx="2">
-              <a:schemeClr val="accent1"/>
-            </a:effectRef>
-            <a:fontRef idx="minor">
-              <a:schemeClr val="lt1"/>
-            </a:fontRef>
-          </p:style>
-        </p:sp>
-        <p:sp>
-          <p:nvSpPr>
-            <p:cNvPr id="37" name="Isosceles Triangle 36"/>
-            <p:cNvSpPr/>
-            <p:nvPr>
-              <p:extLst>
-                <p:ext uri="{386F3935-93C4-4BCD-93E2-E3B085C9AB24}">
-                  <p16:designElem xmlns:p16="http://schemas.microsoft.com/office/powerpoint/2015/main" val="1"/>
-                </p:ext>
-              </p:extLst>
-            </p:nvPr>
-          </p:nvSpPr>
-          <p:spPr>
-            <a:xfrm>
-              <a:off x="8932333" y="3048000"/>
-              <a:ext cx="3259667" cy="3810000"/>
-            </a:xfrm>
-            <a:prstGeom prst="triangle">
-              <a:avLst>
-                <a:gd name="adj" fmla="val 100000"/>
-              </a:avLst>
-            </a:prstGeom>
-            <a:solidFill>
-              <a:schemeClr val="accent2">
-                <a:alpha val="72000"/>
-              </a:schemeClr>
-            </a:solidFill>
-            <a:ln>
-              <a:noFill/>
-            </a:ln>
-            <a:effectLst/>
-          </p:spPr>
-          <p:style>
-            <a:lnRef idx="1">
-              <a:schemeClr val="accent1"/>
-            </a:lnRef>
-            <a:fillRef idx="3">
-              <a:schemeClr val="accent1"/>
-            </a:fillRef>
-            <a:effectRef idx="2">
-              <a:schemeClr val="accent1"/>
-            </a:effectRef>
-            <a:fontRef idx="minor">
-              <a:schemeClr val="lt1"/>
-            </a:fontRef>
-          </p:style>
-        </p:sp>
-        <p:sp>
-          <p:nvSpPr>
-            <p:cNvPr id="38" name="Rectangle 27"/>
-            <p:cNvSpPr/>
-            <p:nvPr>
-              <p:extLst>
-                <p:ext uri="{386F3935-93C4-4BCD-93E2-E3B085C9AB24}">
-                  <p16:designElem xmlns:p16="http://schemas.microsoft.com/office/powerpoint/2015/main" val="1"/>
-                </p:ext>
-              </p:extLst>
-            </p:nvPr>
-          </p:nvSpPr>
-          <p:spPr>
-            <a:xfrm>
-              <a:off x="9334500" y="-8467"/>
-              <a:ext cx="2854326" cy="6866467"/>
-            </a:xfrm>
-            <a:custGeom>
-              <a:avLst/>
-              <a:gdLst/>
-              <a:ahLst/>
-              <a:cxnLst/>
-              <a:rect l="l" t="t" r="r" b="b"/>
-              <a:pathLst>
-                <a:path w="2858013" h="6866467">
-                  <a:moveTo>
-                    <a:pt x="0" y="0"/>
-                  </a:moveTo>
-                  <a:lnTo>
-                    <a:pt x="2858013" y="0"/>
-                  </a:lnTo>
-                  <a:lnTo>
-                    <a:pt x="2858013" y="6866467"/>
-                  </a:lnTo>
-                  <a:lnTo>
-                    <a:pt x="2473942" y="6866467"/>
-                  </a:lnTo>
-                  <a:lnTo>
-                    <a:pt x="0" y="0"/>
-                  </a:lnTo>
-                  <a:close/>
-                </a:path>
-              </a:pathLst>
-            </a:custGeom>
-            <a:solidFill>
-              <a:schemeClr val="accent2">
-                <a:lumMod val="75000"/>
-                <a:alpha val="70000"/>
-              </a:schemeClr>
-            </a:solidFill>
-            <a:ln>
-              <a:noFill/>
-            </a:ln>
-            <a:effectLst/>
-          </p:spPr>
-          <p:style>
-            <a:lnRef idx="1">
-              <a:schemeClr val="accent1"/>
-            </a:lnRef>
-            <a:fillRef idx="3">
-              <a:schemeClr val="accent1"/>
-            </a:fillRef>
-            <a:effectRef idx="2">
-              <a:schemeClr val="accent1"/>
-            </a:effectRef>
-            <a:fontRef idx="minor">
-              <a:schemeClr val="lt1"/>
-            </a:fontRef>
-          </p:style>
-        </p:sp>
-        <p:sp>
-          <p:nvSpPr>
-            <p:cNvPr id="39" name="Rectangle 28"/>
-            <p:cNvSpPr/>
-            <p:nvPr>
-              <p:extLst>
-                <p:ext uri="{386F3935-93C4-4BCD-93E2-E3B085C9AB24}">
-                  <p16:designElem xmlns:p16="http://schemas.microsoft.com/office/powerpoint/2015/main" val="1"/>
-                </p:ext>
-              </p:extLst>
-            </p:nvPr>
-          </p:nvSpPr>
-          <p:spPr>
-            <a:xfrm>
-              <a:off x="10898730" y="-8467"/>
-              <a:ext cx="1290094" cy="6866467"/>
-            </a:xfrm>
-            <a:custGeom>
-              <a:avLst/>
-              <a:gdLst/>
-              <a:ahLst/>
-              <a:cxnLst/>
-              <a:rect l="l" t="t" r="r" b="b"/>
-              <a:pathLst>
-                <a:path w="1290094" h="6858000">
-                  <a:moveTo>
-                    <a:pt x="1019735" y="0"/>
-                  </a:moveTo>
-                  <a:lnTo>
-                    <a:pt x="1290094" y="0"/>
-                  </a:lnTo>
-                  <a:lnTo>
-                    <a:pt x="1290094" y="6858000"/>
-                  </a:lnTo>
-                  <a:lnTo>
-                    <a:pt x="0" y="6858000"/>
-                  </a:lnTo>
-                  <a:lnTo>
-                    <a:pt x="1019735" y="0"/>
-                  </a:lnTo>
-                  <a:close/>
-                </a:path>
-              </a:pathLst>
-            </a:custGeom>
-            <a:solidFill>
-              <a:schemeClr val="accent1">
-                <a:lumMod val="60000"/>
-                <a:lumOff val="40000"/>
-                <a:alpha val="70000"/>
-              </a:schemeClr>
-            </a:solidFill>
-            <a:ln>
-              <a:noFill/>
-            </a:ln>
-            <a:effectLst/>
-          </p:spPr>
-          <p:style>
-            <a:lnRef idx="1">
-              <a:schemeClr val="accent1"/>
-            </a:lnRef>
-            <a:fillRef idx="3">
-              <a:schemeClr val="accent1"/>
-            </a:fillRef>
-            <a:effectRef idx="2">
-              <a:schemeClr val="accent1"/>
-            </a:effectRef>
-            <a:fontRef idx="minor">
-              <a:schemeClr val="lt1"/>
-            </a:fontRef>
-          </p:style>
-        </p:sp>
-        <p:sp>
-          <p:nvSpPr>
-            <p:cNvPr id="40" name="Rectangle 29"/>
-            <p:cNvSpPr/>
-            <p:nvPr>
-              <p:extLst>
-                <p:ext uri="{386F3935-93C4-4BCD-93E2-E3B085C9AB24}">
-                  <p16:designElem xmlns:p16="http://schemas.microsoft.com/office/powerpoint/2015/main" val="1"/>
-                </p:ext>
-              </p:extLst>
-            </p:nvPr>
-          </p:nvSpPr>
-          <p:spPr>
-            <a:xfrm>
-              <a:off x="10938999" y="-8467"/>
-              <a:ext cx="1249825" cy="6866467"/>
-            </a:xfrm>
-            <a:custGeom>
-              <a:avLst/>
-              <a:gdLst/>
-              <a:ahLst/>
-              <a:cxnLst/>
-              <a:rect l="l" t="t" r="r" b="b"/>
-              <a:pathLst>
-                <a:path w="1249825" h="6858000">
-                  <a:moveTo>
-                    <a:pt x="0" y="0"/>
-                  </a:moveTo>
-                  <a:lnTo>
-                    <a:pt x="1249825" y="0"/>
-                  </a:lnTo>
-                  <a:lnTo>
-                    <a:pt x="1249825" y="6858000"/>
-                  </a:lnTo>
-                  <a:lnTo>
-                    <a:pt x="1109382" y="6858000"/>
-                  </a:lnTo>
-                  <a:lnTo>
-                    <a:pt x="0" y="0"/>
-                  </a:lnTo>
-                  <a:close/>
-                </a:path>
-              </a:pathLst>
-            </a:custGeom>
-            <a:solidFill>
-              <a:schemeClr val="accent1">
-                <a:alpha val="65000"/>
-              </a:schemeClr>
-            </a:solidFill>
-            <a:ln>
-              <a:noFill/>
-            </a:ln>
-            <a:effectLst/>
-          </p:spPr>
-          <p:style>
-            <a:lnRef idx="1">
-              <a:schemeClr val="accent1"/>
-            </a:lnRef>
-            <a:fillRef idx="3">
-              <a:schemeClr val="accent1"/>
-            </a:fillRef>
-            <a:effectRef idx="2">
-              <a:schemeClr val="accent1"/>
-            </a:effectRef>
-            <a:fontRef idx="minor">
-              <a:schemeClr val="lt1"/>
-            </a:fontRef>
-          </p:style>
-        </p:sp>
-        <p:sp>
-          <p:nvSpPr>
-            <p:cNvPr id="41" name="Isosceles Triangle 40"/>
-            <p:cNvSpPr/>
-            <p:nvPr>
-              <p:extLst>
-                <p:ext uri="{386F3935-93C4-4BCD-93E2-E3B085C9AB24}">
-                  <p16:designElem xmlns:p16="http://schemas.microsoft.com/office/powerpoint/2015/main" val="1"/>
-                </p:ext>
-              </p:extLst>
-            </p:nvPr>
-          </p:nvSpPr>
-          <p:spPr>
-            <a:xfrm>
-              <a:off x="10371666" y="3589867"/>
-              <a:ext cx="1817159" cy="3268133"/>
-            </a:xfrm>
-            <a:prstGeom prst="triangle">
-              <a:avLst>
-                <a:gd name="adj" fmla="val 100000"/>
-              </a:avLst>
-            </a:prstGeom>
-            <a:solidFill>
-              <a:schemeClr val="accent1">
-                <a:alpha val="80000"/>
-              </a:schemeClr>
-            </a:solidFill>
-            <a:ln>
-              <a:noFill/>
-            </a:ln>
-            <a:effectLst/>
-          </p:spPr>
-          <p:style>
-            <a:lnRef idx="1">
-              <a:schemeClr val="accent1"/>
-            </a:lnRef>
-            <a:fillRef idx="3">
-              <a:schemeClr val="accent1"/>
-            </a:fillRef>
-            <a:effectRef idx="2">
-              <a:schemeClr val="accent1"/>
-            </a:effectRef>
-            <a:fontRef idx="minor">
-              <a:schemeClr val="lt1"/>
-            </a:fontRef>
-          </p:style>
-        </p:sp>
-        <p:sp>
-          <p:nvSpPr>
-            <p:cNvPr id="42" name="Isosceles Triangle 41"/>
-            <p:cNvSpPr/>
-            <p:nvPr>
-              <p:extLst>
-                <p:ext uri="{386F3935-93C4-4BCD-93E2-E3B085C9AB24}">
-                  <p16:designElem xmlns:p16="http://schemas.microsoft.com/office/powerpoint/2015/main" val="1"/>
-                </p:ext>
-              </p:extLst>
-            </p:nvPr>
-          </p:nvSpPr>
-          <p:spPr>
-            <a:xfrm rot="10800000">
-              <a:off x="0" y="0"/>
-              <a:ext cx="842596" cy="5666154"/>
-            </a:xfrm>
-            <a:prstGeom prst="triangle">
-              <a:avLst>
-                <a:gd name="adj" fmla="val 100000"/>
-              </a:avLst>
-            </a:prstGeom>
-            <a:solidFill>
-              <a:schemeClr val="accent1">
-                <a:alpha val="85000"/>
-              </a:schemeClr>
-            </a:solidFill>
-            <a:ln>
-              <a:noFill/>
-            </a:ln>
-            <a:effectLst/>
-          </p:spPr>
-          <p:style>
-            <a:lnRef idx="1">
-              <a:schemeClr val="accent1"/>
-            </a:lnRef>
-            <a:fillRef idx="3">
-              <a:schemeClr val="accent1"/>
-            </a:fillRef>
-            <a:effectRef idx="2">
-              <a:schemeClr val="accent1"/>
-            </a:effectRef>
-            <a:fontRef idx="minor">
-              <a:schemeClr val="lt1"/>
-            </a:fontRef>
-          </p:style>
-        </p:sp>
-      </p:grpSp>
-      <p:pic>
-        <p:nvPicPr>
-          <p:cNvPr id="6" name="Picture Placeholder 5"/>
-          <p:cNvPicPr>
-            <a:picLocks noGrp="1" noChangeAspect="1"/>
-          </p:cNvPicPr>
-          <p:nvPr>
-            <p:ph type="pic" idx="1"/>
-          </p:nvPr>
-        </p:nvPicPr>
-        <p:blipFill rotWithShape="1">
-          <a:blip r:embed="rId2"/>
-          <a:srcRect/>
-          <a:stretch/>
-        </p:blipFill>
-        <p:spPr>
-          <a:xfrm>
-            <a:off x="5166473" y="1140570"/>
-            <a:ext cx="4350166" cy="4350166"/>
-          </a:xfrm>
-          <a:prstGeom prst="rect">
-            <a:avLst/>
-          </a:prstGeom>
-        </p:spPr>
-      </p:pic>
-      <p:sp>
-        <p:nvSpPr>
-          <p:cNvPr id="4" name="Title 3"/>
+          <p:cNvPr id="2" name="Title 1"/>
           <p:cNvSpPr>
             <a:spLocks noGrp="1"/>
           </p:cNvSpPr>
@@ -9294,42 +12177,652 @@
             <p:ph type="title"/>
           </p:nvPr>
         </p:nvSpPr>
-        <p:spPr>
-          <a:xfrm>
-            <a:off x="537952" y="1244473"/>
-            <a:ext cx="4959877" cy="2875534"/>
-          </a:xfrm>
-        </p:spPr>
+        <p:spPr/>
         <p:txBody>
-          <a:bodyPr vert="horz" lIns="91440" tIns="45720" rIns="91440" bIns="45720" rtlCol="0" anchor="b">
+          <a:bodyPr>
             <a:normAutofit/>
           </a:bodyPr>
           <a:lstStyle/>
           <a:p>
             <a:r>
-              <a:rPr lang="en-US" sz="5400" b="1" kern="1200" dirty="0">
+              <a:rPr lang="en-CA" sz="4400" dirty="0" smtClean="0"/>
+              <a:t>Sprint #1:</a:t>
+            </a:r>
+            <a:endParaRPr lang="en-CA" sz="4400" dirty="0"/>
+          </a:p>
+        </p:txBody>
+      </p:sp>
+      <p:sp>
+        <p:nvSpPr>
+          <p:cNvPr id="3" name="Content Placeholder 2"/>
+          <p:cNvSpPr>
+            <a:spLocks noGrp="1"/>
+          </p:cNvSpPr>
+          <p:nvPr>
+            <p:ph idx="1"/>
+          </p:nvPr>
+        </p:nvSpPr>
+        <p:spPr/>
+        <p:txBody>
+          <a:bodyPr/>
+          <a:lstStyle/>
+          <a:p>
+            <a:r>
+              <a:rPr lang="en-CA" sz="2400" dirty="0" smtClean="0"/>
+              <a:t>Compiled list of Ingredients and Recipes</a:t>
+            </a:r>
+          </a:p>
+          <a:p>
+            <a:endParaRPr lang="en-CA" sz="2400" dirty="0" smtClean="0"/>
+          </a:p>
+          <a:p>
+            <a:pPr marL="457200" lvl="1" indent="0">
+              <a:buNone/>
+            </a:pPr>
+            <a:r>
+              <a:rPr lang="en-CA" sz="2200" dirty="0"/>
+              <a:t>	</a:t>
+            </a:r>
+            <a:r>
+              <a:rPr lang="en-CA" sz="2200" dirty="0" smtClean="0"/>
+              <a:t>- A list of 40 most used ingredients into our database</a:t>
+            </a:r>
+          </a:p>
+          <a:p>
+            <a:pPr marL="457200" lvl="1" indent="0">
+              <a:buNone/>
+            </a:pPr>
+            <a:r>
+              <a:rPr lang="en-CA" sz="2200" dirty="0"/>
+              <a:t>	</a:t>
+            </a:r>
+            <a:r>
+              <a:rPr lang="en-CA" sz="2200" dirty="0" smtClean="0"/>
+              <a:t>- A list of 20 Recipes using the 40 ingredients</a:t>
+            </a:r>
+          </a:p>
+          <a:p>
+            <a:pPr marL="457200" lvl="1" indent="0">
+              <a:buNone/>
+            </a:pPr>
+            <a:r>
+              <a:rPr lang="en-CA" sz="2200" dirty="0"/>
+              <a:t> </a:t>
+            </a:r>
+            <a:r>
+              <a:rPr lang="en-CA" sz="2200" dirty="0" smtClean="0"/>
+              <a:t>   	- Ability to search for Recipes</a:t>
+            </a:r>
+          </a:p>
+        </p:txBody>
+      </p:sp>
+      <p:pic>
+        <p:nvPicPr>
+          <p:cNvPr id="5122" name="Picture 2"/>
+          <p:cNvPicPr>
+            <a:picLocks noChangeAspect="1" noChangeArrowheads="1"/>
+          </p:cNvPicPr>
+          <p:nvPr/>
+        </p:nvPicPr>
+        <p:blipFill>
+          <a:blip r:embed="rId2">
+            <a:extLst>
+              <a:ext uri="{28A0092B-C50C-407E-A947-70E740481C1C}">
+                <a14:useLocalDpi xmlns:a14="http://schemas.microsoft.com/office/drawing/2010/main" val="0"/>
+              </a:ext>
+            </a:extLst>
+          </a:blip>
+          <a:srcRect/>
+          <a:stretch>
+            <a:fillRect/>
+          </a:stretch>
+        </p:blipFill>
+        <p:spPr bwMode="auto">
+          <a:xfrm>
+            <a:off x="2671483" y="4476190"/>
+            <a:ext cx="3657600" cy="971550"/>
+          </a:xfrm>
+          <a:prstGeom prst="rect">
+            <a:avLst/>
+          </a:prstGeom>
+          <a:noFill/>
+          <a:ln>
+            <a:noFill/>
+          </a:ln>
+          <a:effectLst/>
+          <a:extLst>
+            <a:ext uri="{909E8E84-426E-40DD-AFC4-6F175D3DCCD1}">
+              <a14:hiddenFill xmlns:a14="http://schemas.microsoft.com/office/drawing/2010/main">
                 <a:solidFill>
                   <a:schemeClr val="accent1"/>
                 </a:solidFill>
-                <a:latin typeface="+mj-lt"/>
-                <a:ea typeface="+mj-ea"/>
-                <a:cs typeface="+mj-cs"/>
-              </a:rPr>
-              <a:t>   My Virtual          	          Fridge</a:t>
-            </a:r>
-          </a:p>
-        </p:txBody>
-      </p:sp>
+              </a14:hiddenFill>
+            </a:ext>
+            <a:ext uri="{91240B29-F687-4F45-9708-019B960494DF}">
+              <a14:hiddenLine xmlns:a14="http://schemas.microsoft.com/office/drawing/2010/main" w="9525">
+                <a:solidFill>
+                  <a:schemeClr val="tx1"/>
+                </a:solidFill>
+                <a:miter lim="800000"/>
+                <a:headEnd/>
+                <a:tailEnd/>
+              </a14:hiddenLine>
+            </a:ext>
+            <a:ext uri="{AF507438-7753-43E0-B8FC-AC1667EBCBE1}">
+              <a14:hiddenEffects xmlns:a14="http://schemas.microsoft.com/office/drawing/2010/main">
+                <a:effectLst>
+                  <a:outerShdw dist="35921" dir="2700000" algn="ctr" rotWithShape="0">
+                    <a:schemeClr val="bg2"/>
+                  </a:outerShdw>
+                </a:effectLst>
+              </a14:hiddenEffects>
+            </a:ext>
+          </a:extLst>
+        </p:spPr>
+      </p:pic>
     </p:spTree>
     <p:extLst>
       <p:ext uri="{BB962C8B-B14F-4D97-AF65-F5344CB8AC3E}">
-        <p14:creationId xmlns:p14="http://schemas.microsoft.com/office/powerpoint/2010/main" val="1343617365"/>
+        <p14:creationId xmlns:p14="http://schemas.microsoft.com/office/powerpoint/2010/main" val="25036974"/>
       </p:ext>
     </p:extLst>
   </p:cSld>
   <p:clrMapOvr>
     <a:masterClrMapping/>
   </p:clrMapOvr>
+  <p:timing>
+    <p:tnLst>
+      <p:par>
+        <p:cTn id="1" dur="indefinite" restart="never" nodeType="tmRoot">
+          <p:childTnLst>
+            <p:seq concurrent="1" nextAc="seek">
+              <p:cTn id="2" dur="indefinite" nodeType="mainSeq">
+                <p:childTnLst>
+                  <p:par>
+                    <p:cTn id="3" fill="hold">
+                      <p:stCondLst>
+                        <p:cond delay="indefinite"/>
+                      </p:stCondLst>
+                      <p:childTnLst>
+                        <p:par>
+                          <p:cTn id="4" fill="hold">
+                            <p:stCondLst>
+                              <p:cond delay="0"/>
+                            </p:stCondLst>
+                            <p:childTnLst>
+                              <p:par>
+                                <p:cTn id="5" presetID="10" presetClass="entr" presetSubtype="0" fill="hold" grpId="0" nodeType="clickEffect">
+                                  <p:stCondLst>
+                                    <p:cond delay="0"/>
+                                  </p:stCondLst>
+                                  <p:childTnLst>
+                                    <p:set>
+                                      <p:cBhvr>
+                                        <p:cTn id="6" dur="1" fill="hold">
+                                          <p:stCondLst>
+                                            <p:cond delay="0"/>
+                                          </p:stCondLst>
+                                        </p:cTn>
+                                        <p:tgtEl>
+                                          <p:spTgt spid="2"/>
+                                        </p:tgtEl>
+                                        <p:attrNameLst>
+                                          <p:attrName>style.visibility</p:attrName>
+                                        </p:attrNameLst>
+                                      </p:cBhvr>
+                                      <p:to>
+                                        <p:strVal val="visible"/>
+                                      </p:to>
+                                    </p:set>
+                                    <p:animEffect transition="in" filter="fade">
+                                      <p:cBhvr>
+                                        <p:cTn id="7" dur="500"/>
+                                        <p:tgtEl>
+                                          <p:spTgt spid="2"/>
+                                        </p:tgtEl>
+                                      </p:cBhvr>
+                                    </p:animEffect>
+                                  </p:childTnLst>
+                                </p:cTn>
+                              </p:par>
+                            </p:childTnLst>
+                          </p:cTn>
+                        </p:par>
+                      </p:childTnLst>
+                    </p:cTn>
+                  </p:par>
+                  <p:par>
+                    <p:cTn id="8" fill="hold">
+                      <p:stCondLst>
+                        <p:cond delay="indefinite"/>
+                      </p:stCondLst>
+                      <p:childTnLst>
+                        <p:par>
+                          <p:cTn id="9" fill="hold">
+                            <p:stCondLst>
+                              <p:cond delay="0"/>
+                            </p:stCondLst>
+                            <p:childTnLst>
+                              <p:par>
+                                <p:cTn id="10" presetID="42" presetClass="entr" presetSubtype="0" fill="hold" grpId="0" nodeType="clickEffect">
+                                  <p:stCondLst>
+                                    <p:cond delay="0"/>
+                                  </p:stCondLst>
+                                  <p:childTnLst>
+                                    <p:set>
+                                      <p:cBhvr>
+                                        <p:cTn id="11" dur="1" fill="hold">
+                                          <p:stCondLst>
+                                            <p:cond delay="0"/>
+                                          </p:stCondLst>
+                                        </p:cTn>
+                                        <p:tgtEl>
+                                          <p:spTgt spid="3">
+                                            <p:txEl>
+                                              <p:pRg st="0" end="0"/>
+                                            </p:txEl>
+                                          </p:spTgt>
+                                        </p:tgtEl>
+                                        <p:attrNameLst>
+                                          <p:attrName>style.visibility</p:attrName>
+                                        </p:attrNameLst>
+                                      </p:cBhvr>
+                                      <p:to>
+                                        <p:strVal val="visible"/>
+                                      </p:to>
+                                    </p:set>
+                                    <p:animEffect transition="in" filter="fade">
+                                      <p:cBhvr>
+                                        <p:cTn id="12" dur="1000"/>
+                                        <p:tgtEl>
+                                          <p:spTgt spid="3">
+                                            <p:txEl>
+                                              <p:pRg st="0" end="0"/>
+                                            </p:txEl>
+                                          </p:spTgt>
+                                        </p:tgtEl>
+                                      </p:cBhvr>
+                                    </p:animEffect>
+                                    <p:anim calcmode="lin" valueType="num">
+                                      <p:cBhvr>
+                                        <p:cTn id="13" dur="1000" fill="hold"/>
+                                        <p:tgtEl>
+                                          <p:spTgt spid="3">
+                                            <p:txEl>
+                                              <p:pRg st="0" end="0"/>
+                                            </p:txEl>
+                                          </p:spTgt>
+                                        </p:tgtEl>
+                                        <p:attrNameLst>
+                                          <p:attrName>ppt_x</p:attrName>
+                                        </p:attrNameLst>
+                                      </p:cBhvr>
+                                      <p:tavLst>
+                                        <p:tav tm="0">
+                                          <p:val>
+                                            <p:strVal val="#ppt_x"/>
+                                          </p:val>
+                                        </p:tav>
+                                        <p:tav tm="100000">
+                                          <p:val>
+                                            <p:strVal val="#ppt_x"/>
+                                          </p:val>
+                                        </p:tav>
+                                      </p:tavLst>
+                                    </p:anim>
+                                    <p:anim calcmode="lin" valueType="num">
+                                      <p:cBhvr>
+                                        <p:cTn id="14" dur="1000" fill="hold"/>
+                                        <p:tgtEl>
+                                          <p:spTgt spid="3">
+                                            <p:txEl>
+                                              <p:pRg st="0" end="0"/>
+                                            </p:txEl>
+                                          </p:spTgt>
+                                        </p:tgtEl>
+                                        <p:attrNameLst>
+                                          <p:attrName>ppt_y</p:attrName>
+                                        </p:attrNameLst>
+                                      </p:cBhvr>
+                                      <p:tavLst>
+                                        <p:tav tm="0">
+                                          <p:val>
+                                            <p:strVal val="#ppt_y+.1"/>
+                                          </p:val>
+                                        </p:tav>
+                                        <p:tav tm="100000">
+                                          <p:val>
+                                            <p:strVal val="#ppt_y"/>
+                                          </p:val>
+                                        </p:tav>
+                                      </p:tavLst>
+                                    </p:anim>
+                                  </p:childTnLst>
+                                </p:cTn>
+                              </p:par>
+                              <p:par>
+                                <p:cTn id="15" presetID="42" presetClass="entr" presetSubtype="0" fill="hold" grpId="0" nodeType="withEffect">
+                                  <p:stCondLst>
+                                    <p:cond delay="0"/>
+                                  </p:stCondLst>
+                                  <p:childTnLst>
+                                    <p:set>
+                                      <p:cBhvr>
+                                        <p:cTn id="16" dur="1" fill="hold">
+                                          <p:stCondLst>
+                                            <p:cond delay="0"/>
+                                          </p:stCondLst>
+                                        </p:cTn>
+                                        <p:tgtEl>
+                                          <p:spTgt spid="3">
+                                            <p:txEl>
+                                              <p:pRg st="2" end="2"/>
+                                            </p:txEl>
+                                          </p:spTgt>
+                                        </p:tgtEl>
+                                        <p:attrNameLst>
+                                          <p:attrName>style.visibility</p:attrName>
+                                        </p:attrNameLst>
+                                      </p:cBhvr>
+                                      <p:to>
+                                        <p:strVal val="visible"/>
+                                      </p:to>
+                                    </p:set>
+                                    <p:animEffect transition="in" filter="fade">
+                                      <p:cBhvr>
+                                        <p:cTn id="17" dur="1000"/>
+                                        <p:tgtEl>
+                                          <p:spTgt spid="3">
+                                            <p:txEl>
+                                              <p:pRg st="2" end="2"/>
+                                            </p:txEl>
+                                          </p:spTgt>
+                                        </p:tgtEl>
+                                      </p:cBhvr>
+                                    </p:animEffect>
+                                    <p:anim calcmode="lin" valueType="num">
+                                      <p:cBhvr>
+                                        <p:cTn id="18" dur="1000" fill="hold"/>
+                                        <p:tgtEl>
+                                          <p:spTgt spid="3">
+                                            <p:txEl>
+                                              <p:pRg st="2" end="2"/>
+                                            </p:txEl>
+                                          </p:spTgt>
+                                        </p:tgtEl>
+                                        <p:attrNameLst>
+                                          <p:attrName>ppt_x</p:attrName>
+                                        </p:attrNameLst>
+                                      </p:cBhvr>
+                                      <p:tavLst>
+                                        <p:tav tm="0">
+                                          <p:val>
+                                            <p:strVal val="#ppt_x"/>
+                                          </p:val>
+                                        </p:tav>
+                                        <p:tav tm="100000">
+                                          <p:val>
+                                            <p:strVal val="#ppt_x"/>
+                                          </p:val>
+                                        </p:tav>
+                                      </p:tavLst>
+                                    </p:anim>
+                                    <p:anim calcmode="lin" valueType="num">
+                                      <p:cBhvr>
+                                        <p:cTn id="19" dur="1000" fill="hold"/>
+                                        <p:tgtEl>
+                                          <p:spTgt spid="3">
+                                            <p:txEl>
+                                              <p:pRg st="2" end="2"/>
+                                            </p:txEl>
+                                          </p:spTgt>
+                                        </p:tgtEl>
+                                        <p:attrNameLst>
+                                          <p:attrName>ppt_y</p:attrName>
+                                        </p:attrNameLst>
+                                      </p:cBhvr>
+                                      <p:tavLst>
+                                        <p:tav tm="0">
+                                          <p:val>
+                                            <p:strVal val="#ppt_y+.1"/>
+                                          </p:val>
+                                        </p:tav>
+                                        <p:tav tm="100000">
+                                          <p:val>
+                                            <p:strVal val="#ppt_y"/>
+                                          </p:val>
+                                        </p:tav>
+                                      </p:tavLst>
+                                    </p:anim>
+                                  </p:childTnLst>
+                                </p:cTn>
+                              </p:par>
+                              <p:par>
+                                <p:cTn id="20" presetID="42" presetClass="entr" presetSubtype="0" fill="hold" grpId="0" nodeType="withEffect">
+                                  <p:stCondLst>
+                                    <p:cond delay="0"/>
+                                  </p:stCondLst>
+                                  <p:childTnLst>
+                                    <p:set>
+                                      <p:cBhvr>
+                                        <p:cTn id="21" dur="1" fill="hold">
+                                          <p:stCondLst>
+                                            <p:cond delay="0"/>
+                                          </p:stCondLst>
+                                        </p:cTn>
+                                        <p:tgtEl>
+                                          <p:spTgt spid="3">
+                                            <p:txEl>
+                                              <p:pRg st="3" end="3"/>
+                                            </p:txEl>
+                                          </p:spTgt>
+                                        </p:tgtEl>
+                                        <p:attrNameLst>
+                                          <p:attrName>style.visibility</p:attrName>
+                                        </p:attrNameLst>
+                                      </p:cBhvr>
+                                      <p:to>
+                                        <p:strVal val="visible"/>
+                                      </p:to>
+                                    </p:set>
+                                    <p:animEffect transition="in" filter="fade">
+                                      <p:cBhvr>
+                                        <p:cTn id="22" dur="1000"/>
+                                        <p:tgtEl>
+                                          <p:spTgt spid="3">
+                                            <p:txEl>
+                                              <p:pRg st="3" end="3"/>
+                                            </p:txEl>
+                                          </p:spTgt>
+                                        </p:tgtEl>
+                                      </p:cBhvr>
+                                    </p:animEffect>
+                                    <p:anim calcmode="lin" valueType="num">
+                                      <p:cBhvr>
+                                        <p:cTn id="23" dur="1000" fill="hold"/>
+                                        <p:tgtEl>
+                                          <p:spTgt spid="3">
+                                            <p:txEl>
+                                              <p:pRg st="3" end="3"/>
+                                            </p:txEl>
+                                          </p:spTgt>
+                                        </p:tgtEl>
+                                        <p:attrNameLst>
+                                          <p:attrName>ppt_x</p:attrName>
+                                        </p:attrNameLst>
+                                      </p:cBhvr>
+                                      <p:tavLst>
+                                        <p:tav tm="0">
+                                          <p:val>
+                                            <p:strVal val="#ppt_x"/>
+                                          </p:val>
+                                        </p:tav>
+                                        <p:tav tm="100000">
+                                          <p:val>
+                                            <p:strVal val="#ppt_x"/>
+                                          </p:val>
+                                        </p:tav>
+                                      </p:tavLst>
+                                    </p:anim>
+                                    <p:anim calcmode="lin" valueType="num">
+                                      <p:cBhvr>
+                                        <p:cTn id="24" dur="1000" fill="hold"/>
+                                        <p:tgtEl>
+                                          <p:spTgt spid="3">
+                                            <p:txEl>
+                                              <p:pRg st="3" end="3"/>
+                                            </p:txEl>
+                                          </p:spTgt>
+                                        </p:tgtEl>
+                                        <p:attrNameLst>
+                                          <p:attrName>ppt_y</p:attrName>
+                                        </p:attrNameLst>
+                                      </p:cBhvr>
+                                      <p:tavLst>
+                                        <p:tav tm="0">
+                                          <p:val>
+                                            <p:strVal val="#ppt_y+.1"/>
+                                          </p:val>
+                                        </p:tav>
+                                        <p:tav tm="100000">
+                                          <p:val>
+                                            <p:strVal val="#ppt_y"/>
+                                          </p:val>
+                                        </p:tav>
+                                      </p:tavLst>
+                                    </p:anim>
+                                  </p:childTnLst>
+                                </p:cTn>
+                              </p:par>
+                              <p:par>
+                                <p:cTn id="25" presetID="42" presetClass="entr" presetSubtype="0" fill="hold" grpId="0" nodeType="withEffect">
+                                  <p:stCondLst>
+                                    <p:cond delay="0"/>
+                                  </p:stCondLst>
+                                  <p:childTnLst>
+                                    <p:set>
+                                      <p:cBhvr>
+                                        <p:cTn id="26" dur="1" fill="hold">
+                                          <p:stCondLst>
+                                            <p:cond delay="0"/>
+                                          </p:stCondLst>
+                                        </p:cTn>
+                                        <p:tgtEl>
+                                          <p:spTgt spid="3">
+                                            <p:txEl>
+                                              <p:pRg st="4" end="4"/>
+                                            </p:txEl>
+                                          </p:spTgt>
+                                        </p:tgtEl>
+                                        <p:attrNameLst>
+                                          <p:attrName>style.visibility</p:attrName>
+                                        </p:attrNameLst>
+                                      </p:cBhvr>
+                                      <p:to>
+                                        <p:strVal val="visible"/>
+                                      </p:to>
+                                    </p:set>
+                                    <p:animEffect transition="in" filter="fade">
+                                      <p:cBhvr>
+                                        <p:cTn id="27" dur="1000"/>
+                                        <p:tgtEl>
+                                          <p:spTgt spid="3">
+                                            <p:txEl>
+                                              <p:pRg st="4" end="4"/>
+                                            </p:txEl>
+                                          </p:spTgt>
+                                        </p:tgtEl>
+                                      </p:cBhvr>
+                                    </p:animEffect>
+                                    <p:anim calcmode="lin" valueType="num">
+                                      <p:cBhvr>
+                                        <p:cTn id="28" dur="1000" fill="hold"/>
+                                        <p:tgtEl>
+                                          <p:spTgt spid="3">
+                                            <p:txEl>
+                                              <p:pRg st="4" end="4"/>
+                                            </p:txEl>
+                                          </p:spTgt>
+                                        </p:tgtEl>
+                                        <p:attrNameLst>
+                                          <p:attrName>ppt_x</p:attrName>
+                                        </p:attrNameLst>
+                                      </p:cBhvr>
+                                      <p:tavLst>
+                                        <p:tav tm="0">
+                                          <p:val>
+                                            <p:strVal val="#ppt_x"/>
+                                          </p:val>
+                                        </p:tav>
+                                        <p:tav tm="100000">
+                                          <p:val>
+                                            <p:strVal val="#ppt_x"/>
+                                          </p:val>
+                                        </p:tav>
+                                      </p:tavLst>
+                                    </p:anim>
+                                    <p:anim calcmode="lin" valueType="num">
+                                      <p:cBhvr>
+                                        <p:cTn id="29" dur="1000" fill="hold"/>
+                                        <p:tgtEl>
+                                          <p:spTgt spid="3">
+                                            <p:txEl>
+                                              <p:pRg st="4" end="4"/>
+                                            </p:txEl>
+                                          </p:spTgt>
+                                        </p:tgtEl>
+                                        <p:attrNameLst>
+                                          <p:attrName>ppt_y</p:attrName>
+                                        </p:attrNameLst>
+                                      </p:cBhvr>
+                                      <p:tavLst>
+                                        <p:tav tm="0">
+                                          <p:val>
+                                            <p:strVal val="#ppt_y+.1"/>
+                                          </p:val>
+                                        </p:tav>
+                                        <p:tav tm="100000">
+                                          <p:val>
+                                            <p:strVal val="#ppt_y"/>
+                                          </p:val>
+                                        </p:tav>
+                                      </p:tavLst>
+                                    </p:anim>
+                                  </p:childTnLst>
+                                </p:cTn>
+                              </p:par>
+                            </p:childTnLst>
+                          </p:cTn>
+                        </p:par>
+                      </p:childTnLst>
+                    </p:cTn>
+                  </p:par>
+                </p:childTnLst>
+              </p:cTn>
+              <p:prevCondLst>
+                <p:cond evt="onPrev" delay="0">
+                  <p:tgtEl>
+                    <p:sldTgt/>
+                  </p:tgtEl>
+                </p:cond>
+              </p:prevCondLst>
+              <p:nextCondLst>
+                <p:cond evt="onNext" delay="0">
+                  <p:tgtEl>
+                    <p:sldTgt/>
+                  </p:tgtEl>
+                </p:cond>
+              </p:nextCondLst>
+            </p:seq>
+          </p:childTnLst>
+        </p:cTn>
+      </p:par>
+    </p:tnLst>
+    <p:bldLst>
+      <p:bldP spid="2" grpId="0"/>
+      <p:bldP spid="3" grpId="0" build="p"/>
+    </p:bldLst>
+  </p:timing>
 </p:sld>
 </file>
 
@@ -9584,7 +13077,7 @@
   <a:extraClrSchemeLst/>
   <a:extLst>
     <a:ext uri="{05A4C25C-085E-4340-85A3-A5531E510DB2}">
-      <thm15:themeFamily xmlns:thm15="http://schemas.microsoft.com/office/thememl/2012/main" name="Facet" id="{C0C680CD-088A-49FC-A102-D699147F32B2}" vid="{CFBC31BA-B70F-4F30-BCAA-4F3011E16C4D}"/>
+      <thm15:themeFamily xmlns:thm15="http://schemas.microsoft.com/office/thememl/2012/main" xmlns="" name="Facet" id="{C0C680CD-088A-49FC-A102-D699147F32B2}" vid="{CFBC31BA-B70F-4F30-BCAA-4F3011E16C4D}"/>
     </a:ext>
   </a:extLst>
 </a:theme>

--- a/Monday May 8th Presentation.pptx
+++ b/Monday May 8th Presentation.pptx
@@ -119,7 +119,7 @@
   </p:defaultTextStyle>
   <p:extLst>
     <p:ext uri="{EFAFB233-063F-42B5-8137-9DF3F51BA10A}">
-      <p15:sldGuideLst xmlns:p15="http://schemas.microsoft.com/office/powerpoint/2012/main" xmlns="">
+      <p15:sldGuideLst xmlns="" xmlns:p15="http://schemas.microsoft.com/office/powerpoint/2012/main">
         <p15:guide id="1" orient="horz" pos="2160">
           <p15:clr>
             <a:srgbClr val="A4A3A4"/>
@@ -5809,7 +5809,7 @@
           <p:nvPr>
             <p:extLst>
               <p:ext uri="{386F3935-93C4-4BCD-93E2-E3B085C9AB24}">
-                <p16:designElem xmlns:p16="http://schemas.microsoft.com/office/powerpoint/2015/main" xmlns="" val="1"/>
+                <p16:designElem xmlns="" xmlns:p16="http://schemas.microsoft.com/office/powerpoint/2015/main" val="1"/>
               </p:ext>
             </p:extLst>
           </p:nvPr>
@@ -5840,7 +5840,7 @@
           <p:nvPr>
             <p:extLst>
               <p:ext uri="{386F3935-93C4-4BCD-93E2-E3B085C9AB24}">
-                <p16:designElem xmlns:p16="http://schemas.microsoft.com/office/powerpoint/2015/main" xmlns="" val="1"/>
+                <p16:designElem xmlns="" xmlns:p16="http://schemas.microsoft.com/office/powerpoint/2015/main" val="1"/>
               </p:ext>
             </p:extLst>
           </p:nvPr>
@@ -5860,7 +5860,7 @@
             <p:nvPr>
               <p:extLst>
                 <p:ext uri="{386F3935-93C4-4BCD-93E2-E3B085C9AB24}">
-                  <p16:designElem xmlns:p16="http://schemas.microsoft.com/office/powerpoint/2015/main" xmlns="" val="1"/>
+                  <p16:designElem xmlns="" xmlns:p16="http://schemas.microsoft.com/office/powerpoint/2015/main" val="1"/>
                 </p:ext>
               </p:extLst>
             </p:nvPr>
@@ -5903,7 +5903,7 @@
             <p:nvPr>
               <p:extLst>
                 <p:ext uri="{386F3935-93C4-4BCD-93E2-E3B085C9AB24}">
-                  <p16:designElem xmlns:p16="http://schemas.microsoft.com/office/powerpoint/2015/main" xmlns="" val="1"/>
+                  <p16:designElem xmlns="" xmlns:p16="http://schemas.microsoft.com/office/powerpoint/2015/main" val="1"/>
                 </p:ext>
               </p:extLst>
             </p:nvPr>
@@ -5946,7 +5946,7 @@
             <p:nvPr>
               <p:extLst>
                 <p:ext uri="{386F3935-93C4-4BCD-93E2-E3B085C9AB24}">
-                  <p16:designElem xmlns:p16="http://schemas.microsoft.com/office/powerpoint/2015/main" xmlns="" val="1"/>
+                  <p16:designElem xmlns="" xmlns:p16="http://schemas.microsoft.com/office/powerpoint/2015/main" val="1"/>
                 </p:ext>
               </p:extLst>
             </p:nvPr>
@@ -6015,7 +6015,7 @@
             <p:nvPr>
               <p:extLst>
                 <p:ext uri="{386F3935-93C4-4BCD-93E2-E3B085C9AB24}">
-                  <p16:designElem xmlns:p16="http://schemas.microsoft.com/office/powerpoint/2015/main" xmlns="" val="1"/>
+                  <p16:designElem xmlns="" xmlns:p16="http://schemas.microsoft.com/office/powerpoint/2015/main" val="1"/>
                 </p:ext>
               </p:extLst>
             </p:nvPr>
@@ -6084,7 +6084,7 @@
             <p:nvPr>
               <p:extLst>
                 <p:ext uri="{386F3935-93C4-4BCD-93E2-E3B085C9AB24}">
-                  <p16:designElem xmlns:p16="http://schemas.microsoft.com/office/powerpoint/2015/main" xmlns="" val="1"/>
+                  <p16:designElem xmlns="" xmlns:p16="http://schemas.microsoft.com/office/powerpoint/2015/main" val="1"/>
                 </p:ext>
               </p:extLst>
             </p:nvPr>
@@ -6131,7 +6131,7 @@
             <p:nvPr>
               <p:extLst>
                 <p:ext uri="{386F3935-93C4-4BCD-93E2-E3B085C9AB24}">
-                  <p16:designElem xmlns:p16="http://schemas.microsoft.com/office/powerpoint/2015/main" xmlns="" val="1"/>
+                  <p16:designElem xmlns="" xmlns:p16="http://schemas.microsoft.com/office/powerpoint/2015/main" val="1"/>
                 </p:ext>
               </p:extLst>
             </p:nvPr>
@@ -6201,7 +6201,7 @@
             <p:nvPr>
               <p:extLst>
                 <p:ext uri="{386F3935-93C4-4BCD-93E2-E3B085C9AB24}">
-                  <p16:designElem xmlns:p16="http://schemas.microsoft.com/office/powerpoint/2015/main" xmlns="" val="1"/>
+                  <p16:designElem xmlns="" xmlns:p16="http://schemas.microsoft.com/office/powerpoint/2015/main" val="1"/>
                 </p:ext>
               </p:extLst>
             </p:nvPr>
@@ -6272,7 +6272,7 @@
             <p:nvPr>
               <p:extLst>
                 <p:ext uri="{386F3935-93C4-4BCD-93E2-E3B085C9AB24}">
-                  <p16:designElem xmlns:p16="http://schemas.microsoft.com/office/powerpoint/2015/main" xmlns="" val="1"/>
+                  <p16:designElem xmlns="" xmlns:p16="http://schemas.microsoft.com/office/powerpoint/2015/main" val="1"/>
                 </p:ext>
               </p:extLst>
             </p:nvPr>
@@ -6341,7 +6341,7 @@
             <p:nvPr>
               <p:extLst>
                 <p:ext uri="{386F3935-93C4-4BCD-93E2-E3B085C9AB24}">
-                  <p16:designElem xmlns:p16="http://schemas.microsoft.com/office/powerpoint/2015/main" xmlns="" val="1"/>
+                  <p16:designElem xmlns="" xmlns:p16="http://schemas.microsoft.com/office/powerpoint/2015/main" val="1"/>
                 </p:ext>
               </p:extLst>
             </p:nvPr>
@@ -6388,7 +6388,7 @@
             <p:nvPr>
               <p:extLst>
                 <p:ext uri="{386F3935-93C4-4BCD-93E2-E3B085C9AB24}">
-                  <p16:designElem xmlns:p16="http://schemas.microsoft.com/office/powerpoint/2015/main" xmlns="" val="1"/>
+                  <p16:designElem xmlns="" xmlns:p16="http://schemas.microsoft.com/office/powerpoint/2015/main" val="1"/>
                 </p:ext>
               </p:extLst>
             </p:nvPr>
@@ -6532,6 +6532,13 @@
   <p:clrMapOvr>
     <a:masterClrMapping/>
   </p:clrMapOvr>
+  <p:timing>
+    <p:tnLst>
+      <p:par>
+        <p:cTn id="1" dur="indefinite" restart="never" nodeType="tmRoot"/>
+      </p:par>
+    </p:tnLst>
+  </p:timing>
 </p:sld>
 </file>
 
@@ -6645,6 +6652,13 @@
   <p:clrMapOvr>
     <a:masterClrMapping/>
   </p:clrMapOvr>
+  <p:timing>
+    <p:tnLst>
+      <p:par>
+        <p:cTn id="1" dur="indefinite" restart="never" nodeType="tmRoot"/>
+      </p:par>
+    </p:tnLst>
+  </p:timing>
 </p:sld>
 </file>
 
@@ -6720,11 +6734,7 @@
             </a:pPr>
             <a:r>
               <a:rPr lang="en-US" sz="2400" dirty="0" smtClean="0"/>
-              <a:t>We have </a:t>
-            </a:r>
-            <a:r>
-              <a:rPr lang="en-US" sz="2400" dirty="0" smtClean="0"/>
-              <a:t>implemented large clickable icons that users can click and add to their ingredient list.</a:t>
+              <a:t>We have implemented large clickable icons that users can click and add to their ingredient list.</a:t>
             </a:r>
             <a:endParaRPr lang="en-US" sz="2400" dirty="0"/>
           </a:p>
@@ -6804,6 +6814,13 @@
   <p:clrMapOvr>
     <a:masterClrMapping/>
   </p:clrMapOvr>
+  <p:timing>
+    <p:tnLst>
+      <p:par>
+        <p:cTn id="1" dur="indefinite" restart="never" nodeType="tmRoot"/>
+      </p:par>
+    </p:tnLst>
+  </p:timing>
 </p:sld>
 </file>
 
@@ -6875,21 +6892,21 @@
                 <a:gridCol w="2217737">
                   <a:extLst>
                     <a:ext uri="{9D8B030D-6E8A-4147-A177-3AD203B41FA5}">
-                      <a16:colId xmlns:a16="http://schemas.microsoft.com/office/drawing/2014/main" xmlns="" val="2984687595"/>
+                      <a16:colId xmlns="" xmlns:a16="http://schemas.microsoft.com/office/drawing/2014/main" val="2984687595"/>
                     </a:ext>
                   </a:extLst>
                 </a:gridCol>
                 <a:gridCol w="1153886">
                   <a:extLst>
                     <a:ext uri="{9D8B030D-6E8A-4147-A177-3AD203B41FA5}">
-                      <a16:colId xmlns:a16="http://schemas.microsoft.com/office/drawing/2014/main" xmlns="" val="299333604"/>
+                      <a16:colId xmlns="" xmlns:a16="http://schemas.microsoft.com/office/drawing/2014/main" val="299333604"/>
                     </a:ext>
                   </a:extLst>
                 </a:gridCol>
                 <a:gridCol w="5224688">
                   <a:extLst>
                     <a:ext uri="{9D8B030D-6E8A-4147-A177-3AD203B41FA5}">
-                      <a16:colId xmlns:a16="http://schemas.microsoft.com/office/drawing/2014/main" xmlns="" val="279191358"/>
+                      <a16:colId xmlns="" xmlns:a16="http://schemas.microsoft.com/office/drawing/2014/main" val="279191358"/>
                     </a:ext>
                   </a:extLst>
                 </a:gridCol>
@@ -6939,7 +6956,7 @@
                 </a:tc>
                 <a:extLst>
                   <a:ext uri="{0D108BD9-81ED-4DB2-BD59-A6C34878D82A}">
-                    <a16:rowId xmlns:a16="http://schemas.microsoft.com/office/drawing/2014/main" xmlns="" val="4132265559"/>
+                    <a16:rowId xmlns="" xmlns:a16="http://schemas.microsoft.com/office/drawing/2014/main" val="4132265559"/>
                   </a:ext>
                 </a:extLst>
               </a:tr>
@@ -6994,7 +7011,7 @@
                 </a:tc>
                 <a:extLst>
                   <a:ext uri="{0D108BD9-81ED-4DB2-BD59-A6C34878D82A}">
-                    <a16:rowId xmlns:a16="http://schemas.microsoft.com/office/drawing/2014/main" xmlns="" val="3544123363"/>
+                    <a16:rowId xmlns="" xmlns:a16="http://schemas.microsoft.com/office/drawing/2014/main" val="3544123363"/>
                   </a:ext>
                 </a:extLst>
               </a:tr>
@@ -7040,7 +7057,7 @@
                 </a:tc>
                 <a:extLst>
                   <a:ext uri="{0D108BD9-81ED-4DB2-BD59-A6C34878D82A}">
-                    <a16:rowId xmlns:a16="http://schemas.microsoft.com/office/drawing/2014/main" xmlns="" val="971419476"/>
+                    <a16:rowId xmlns="" xmlns:a16="http://schemas.microsoft.com/office/drawing/2014/main" val="971419476"/>
                   </a:ext>
                 </a:extLst>
               </a:tr>
@@ -7119,7 +7136,7 @@
                 </a:tc>
                 <a:extLst>
                   <a:ext uri="{0D108BD9-81ED-4DB2-BD59-A6C34878D82A}">
-                    <a16:rowId xmlns:a16="http://schemas.microsoft.com/office/drawing/2014/main" xmlns="" val="3990320007"/>
+                    <a16:rowId xmlns="" xmlns:a16="http://schemas.microsoft.com/office/drawing/2014/main" val="3990320007"/>
                   </a:ext>
                 </a:extLst>
               </a:tr>
@@ -7166,7 +7183,7 @@
                 </a:tc>
                 <a:extLst>
                   <a:ext uri="{0D108BD9-81ED-4DB2-BD59-A6C34878D82A}">
-                    <a16:rowId xmlns:a16="http://schemas.microsoft.com/office/drawing/2014/main" xmlns="" val="2733974939"/>
+                    <a16:rowId xmlns="" xmlns:a16="http://schemas.microsoft.com/office/drawing/2014/main" val="2733974939"/>
                   </a:ext>
                 </a:extLst>
               </a:tr>
@@ -7212,7 +7229,7 @@
                 </a:tc>
                 <a:extLst>
                   <a:ext uri="{0D108BD9-81ED-4DB2-BD59-A6C34878D82A}">
-                    <a16:rowId xmlns:a16="http://schemas.microsoft.com/office/drawing/2014/main" xmlns="" val="4049788260"/>
+                    <a16:rowId xmlns="" xmlns:a16="http://schemas.microsoft.com/office/drawing/2014/main" val="4049788260"/>
                   </a:ext>
                 </a:extLst>
               </a:tr>
@@ -7230,6 +7247,13 @@
   <p:clrMapOvr>
     <a:masterClrMapping/>
   </p:clrMapOvr>
+  <p:timing>
+    <p:tnLst>
+      <p:par>
+        <p:cTn id="1" dur="indefinite" restart="never" nodeType="tmRoot"/>
+      </p:par>
+    </p:tnLst>
+  </p:timing>
 </p:sld>
 </file>
 
@@ -7355,434 +7379,9 @@
   <p:timing>
     <p:tnLst>
       <p:par>
-        <p:cTn id="1" dur="indefinite" restart="never" nodeType="tmRoot">
-          <p:childTnLst>
-            <p:seq concurrent="1" nextAc="seek">
-              <p:cTn id="2" dur="indefinite" nodeType="mainSeq">
-                <p:childTnLst>
-                  <p:par>
-                    <p:cTn id="3" fill="hold">
-                      <p:stCondLst>
-                        <p:cond delay="indefinite"/>
-                      </p:stCondLst>
-                      <p:childTnLst>
-                        <p:par>
-                          <p:cTn id="4" fill="hold">
-                            <p:stCondLst>
-                              <p:cond delay="0"/>
-                            </p:stCondLst>
-                            <p:childTnLst>
-                              <p:par>
-                                <p:cTn id="5" presetID="10" presetClass="entr" presetSubtype="0" fill="hold" grpId="0" nodeType="clickEffect">
-                                  <p:stCondLst>
-                                    <p:cond delay="0"/>
-                                  </p:stCondLst>
-                                  <p:childTnLst>
-                                    <p:set>
-                                      <p:cBhvr>
-                                        <p:cTn id="6" dur="1" fill="hold">
-                                          <p:stCondLst>
-                                            <p:cond delay="0"/>
-                                          </p:stCondLst>
-                                        </p:cTn>
-                                        <p:tgtEl>
-                                          <p:spTgt spid="2"/>
-                                        </p:tgtEl>
-                                        <p:attrNameLst>
-                                          <p:attrName>style.visibility</p:attrName>
-                                        </p:attrNameLst>
-                                      </p:cBhvr>
-                                      <p:to>
-                                        <p:strVal val="visible"/>
-                                      </p:to>
-                                    </p:set>
-                                    <p:animEffect transition="in" filter="fade">
-                                      <p:cBhvr>
-                                        <p:cTn id="7" dur="500"/>
-                                        <p:tgtEl>
-                                          <p:spTgt spid="2"/>
-                                        </p:tgtEl>
-                                      </p:cBhvr>
-                                    </p:animEffect>
-                                  </p:childTnLst>
-                                </p:cTn>
-                              </p:par>
-                            </p:childTnLst>
-                          </p:cTn>
-                        </p:par>
-                      </p:childTnLst>
-                    </p:cTn>
-                  </p:par>
-                  <p:par>
-                    <p:cTn id="8" fill="hold">
-                      <p:stCondLst>
-                        <p:cond delay="indefinite"/>
-                      </p:stCondLst>
-                      <p:childTnLst>
-                        <p:par>
-                          <p:cTn id="9" fill="hold">
-                            <p:stCondLst>
-                              <p:cond delay="0"/>
-                            </p:stCondLst>
-                            <p:childTnLst>
-                              <p:par>
-                                <p:cTn id="10" presetID="42" presetClass="entr" presetSubtype="0" fill="hold" grpId="0" nodeType="clickEffect">
-                                  <p:stCondLst>
-                                    <p:cond delay="0"/>
-                                  </p:stCondLst>
-                                  <p:childTnLst>
-                                    <p:set>
-                                      <p:cBhvr>
-                                        <p:cTn id="11" dur="1" fill="hold">
-                                          <p:stCondLst>
-                                            <p:cond delay="0"/>
-                                          </p:stCondLst>
-                                        </p:cTn>
-                                        <p:tgtEl>
-                                          <p:spTgt spid="3">
-                                            <p:txEl>
-                                              <p:pRg st="0" end="0"/>
-                                            </p:txEl>
-                                          </p:spTgt>
-                                        </p:tgtEl>
-                                        <p:attrNameLst>
-                                          <p:attrName>style.visibility</p:attrName>
-                                        </p:attrNameLst>
-                                      </p:cBhvr>
-                                      <p:to>
-                                        <p:strVal val="visible"/>
-                                      </p:to>
-                                    </p:set>
-                                    <p:animEffect transition="in" filter="fade">
-                                      <p:cBhvr>
-                                        <p:cTn id="12" dur="1000"/>
-                                        <p:tgtEl>
-                                          <p:spTgt spid="3">
-                                            <p:txEl>
-                                              <p:pRg st="0" end="0"/>
-                                            </p:txEl>
-                                          </p:spTgt>
-                                        </p:tgtEl>
-                                      </p:cBhvr>
-                                    </p:animEffect>
-                                    <p:anim calcmode="lin" valueType="num">
-                                      <p:cBhvr>
-                                        <p:cTn id="13" dur="1000" fill="hold"/>
-                                        <p:tgtEl>
-                                          <p:spTgt spid="3">
-                                            <p:txEl>
-                                              <p:pRg st="0" end="0"/>
-                                            </p:txEl>
-                                          </p:spTgt>
-                                        </p:tgtEl>
-                                        <p:attrNameLst>
-                                          <p:attrName>ppt_x</p:attrName>
-                                        </p:attrNameLst>
-                                      </p:cBhvr>
-                                      <p:tavLst>
-                                        <p:tav tm="0">
-                                          <p:val>
-                                            <p:strVal val="#ppt_x"/>
-                                          </p:val>
-                                        </p:tav>
-                                        <p:tav tm="100000">
-                                          <p:val>
-                                            <p:strVal val="#ppt_x"/>
-                                          </p:val>
-                                        </p:tav>
-                                      </p:tavLst>
-                                    </p:anim>
-                                    <p:anim calcmode="lin" valueType="num">
-                                      <p:cBhvr>
-                                        <p:cTn id="14" dur="1000" fill="hold"/>
-                                        <p:tgtEl>
-                                          <p:spTgt spid="3">
-                                            <p:txEl>
-                                              <p:pRg st="0" end="0"/>
-                                            </p:txEl>
-                                          </p:spTgt>
-                                        </p:tgtEl>
-                                        <p:attrNameLst>
-                                          <p:attrName>ppt_y</p:attrName>
-                                        </p:attrNameLst>
-                                      </p:cBhvr>
-                                      <p:tavLst>
-                                        <p:tav tm="0">
-                                          <p:val>
-                                            <p:strVal val="#ppt_y+.1"/>
-                                          </p:val>
-                                        </p:tav>
-                                        <p:tav tm="100000">
-                                          <p:val>
-                                            <p:strVal val="#ppt_y"/>
-                                          </p:val>
-                                        </p:tav>
-                                      </p:tavLst>
-                                    </p:anim>
-                                  </p:childTnLst>
-                                </p:cTn>
-                              </p:par>
-                            </p:childTnLst>
-                          </p:cTn>
-                        </p:par>
-                      </p:childTnLst>
-                    </p:cTn>
-                  </p:par>
-                  <p:par>
-                    <p:cTn id="15" fill="hold">
-                      <p:stCondLst>
-                        <p:cond delay="indefinite"/>
-                      </p:stCondLst>
-                      <p:childTnLst>
-                        <p:par>
-                          <p:cTn id="16" fill="hold">
-                            <p:stCondLst>
-                              <p:cond delay="0"/>
-                            </p:stCondLst>
-                            <p:childTnLst>
-                              <p:par>
-                                <p:cTn id="17" presetID="42" presetClass="entr" presetSubtype="0" fill="hold" grpId="0" nodeType="clickEffect">
-                                  <p:stCondLst>
-                                    <p:cond delay="0"/>
-                                  </p:stCondLst>
-                                  <p:childTnLst>
-                                    <p:set>
-                                      <p:cBhvr>
-                                        <p:cTn id="18" dur="1" fill="hold">
-                                          <p:stCondLst>
-                                            <p:cond delay="0"/>
-                                          </p:stCondLst>
-                                        </p:cTn>
-                                        <p:tgtEl>
-                                          <p:spTgt spid="3">
-                                            <p:txEl>
-                                              <p:pRg st="2" end="2"/>
-                                            </p:txEl>
-                                          </p:spTgt>
-                                        </p:tgtEl>
-                                        <p:attrNameLst>
-                                          <p:attrName>style.visibility</p:attrName>
-                                        </p:attrNameLst>
-                                      </p:cBhvr>
-                                      <p:to>
-                                        <p:strVal val="visible"/>
-                                      </p:to>
-                                    </p:set>
-                                    <p:animEffect transition="in" filter="fade">
-                                      <p:cBhvr>
-                                        <p:cTn id="19" dur="1000"/>
-                                        <p:tgtEl>
-                                          <p:spTgt spid="3">
-                                            <p:txEl>
-                                              <p:pRg st="2" end="2"/>
-                                            </p:txEl>
-                                          </p:spTgt>
-                                        </p:tgtEl>
-                                      </p:cBhvr>
-                                    </p:animEffect>
-                                    <p:anim calcmode="lin" valueType="num">
-                                      <p:cBhvr>
-                                        <p:cTn id="20" dur="1000" fill="hold"/>
-                                        <p:tgtEl>
-                                          <p:spTgt spid="3">
-                                            <p:txEl>
-                                              <p:pRg st="2" end="2"/>
-                                            </p:txEl>
-                                          </p:spTgt>
-                                        </p:tgtEl>
-                                        <p:attrNameLst>
-                                          <p:attrName>ppt_x</p:attrName>
-                                        </p:attrNameLst>
-                                      </p:cBhvr>
-                                      <p:tavLst>
-                                        <p:tav tm="0">
-                                          <p:val>
-                                            <p:strVal val="#ppt_x"/>
-                                          </p:val>
-                                        </p:tav>
-                                        <p:tav tm="100000">
-                                          <p:val>
-                                            <p:strVal val="#ppt_x"/>
-                                          </p:val>
-                                        </p:tav>
-                                      </p:tavLst>
-                                    </p:anim>
-                                    <p:anim calcmode="lin" valueType="num">
-                                      <p:cBhvr>
-                                        <p:cTn id="21" dur="1000" fill="hold"/>
-                                        <p:tgtEl>
-                                          <p:spTgt spid="3">
-                                            <p:txEl>
-                                              <p:pRg st="2" end="2"/>
-                                            </p:txEl>
-                                          </p:spTgt>
-                                        </p:tgtEl>
-                                        <p:attrNameLst>
-                                          <p:attrName>ppt_y</p:attrName>
-                                        </p:attrNameLst>
-                                      </p:cBhvr>
-                                      <p:tavLst>
-                                        <p:tav tm="0">
-                                          <p:val>
-                                            <p:strVal val="#ppt_y+.1"/>
-                                          </p:val>
-                                        </p:tav>
-                                        <p:tav tm="100000">
-                                          <p:val>
-                                            <p:strVal val="#ppt_y"/>
-                                          </p:val>
-                                        </p:tav>
-                                      </p:tavLst>
-                                    </p:anim>
-                                  </p:childTnLst>
-                                </p:cTn>
-                              </p:par>
-                            </p:childTnLst>
-                          </p:cTn>
-                        </p:par>
-                      </p:childTnLst>
-                    </p:cTn>
-                  </p:par>
-                  <p:par>
-                    <p:cTn id="22" fill="hold">
-                      <p:stCondLst>
-                        <p:cond delay="indefinite"/>
-                      </p:stCondLst>
-                      <p:childTnLst>
-                        <p:par>
-                          <p:cTn id="23" fill="hold">
-                            <p:stCondLst>
-                              <p:cond delay="0"/>
-                            </p:stCondLst>
-                            <p:childTnLst>
-                              <p:par>
-                                <p:cTn id="24" presetID="42" presetClass="entr" presetSubtype="0" fill="hold" grpId="0" nodeType="clickEffect">
-                                  <p:stCondLst>
-                                    <p:cond delay="0"/>
-                                  </p:stCondLst>
-                                  <p:childTnLst>
-                                    <p:set>
-                                      <p:cBhvr>
-                                        <p:cTn id="25" dur="1" fill="hold">
-                                          <p:stCondLst>
-                                            <p:cond delay="0"/>
-                                          </p:stCondLst>
-                                        </p:cTn>
-                                        <p:tgtEl>
-                                          <p:spTgt spid="3">
-                                            <p:txEl>
-                                              <p:pRg st="5" end="5"/>
-                                            </p:txEl>
-                                          </p:spTgt>
-                                        </p:tgtEl>
-                                        <p:attrNameLst>
-                                          <p:attrName>style.visibility</p:attrName>
-                                        </p:attrNameLst>
-                                      </p:cBhvr>
-                                      <p:to>
-                                        <p:strVal val="visible"/>
-                                      </p:to>
-                                    </p:set>
-                                    <p:animEffect transition="in" filter="fade">
-                                      <p:cBhvr>
-                                        <p:cTn id="26" dur="1000"/>
-                                        <p:tgtEl>
-                                          <p:spTgt spid="3">
-                                            <p:txEl>
-                                              <p:pRg st="5" end="5"/>
-                                            </p:txEl>
-                                          </p:spTgt>
-                                        </p:tgtEl>
-                                      </p:cBhvr>
-                                    </p:animEffect>
-                                    <p:anim calcmode="lin" valueType="num">
-                                      <p:cBhvr>
-                                        <p:cTn id="27" dur="1000" fill="hold"/>
-                                        <p:tgtEl>
-                                          <p:spTgt spid="3">
-                                            <p:txEl>
-                                              <p:pRg st="5" end="5"/>
-                                            </p:txEl>
-                                          </p:spTgt>
-                                        </p:tgtEl>
-                                        <p:attrNameLst>
-                                          <p:attrName>ppt_x</p:attrName>
-                                        </p:attrNameLst>
-                                      </p:cBhvr>
-                                      <p:tavLst>
-                                        <p:tav tm="0">
-                                          <p:val>
-                                            <p:strVal val="#ppt_x"/>
-                                          </p:val>
-                                        </p:tav>
-                                        <p:tav tm="100000">
-                                          <p:val>
-                                            <p:strVal val="#ppt_x"/>
-                                          </p:val>
-                                        </p:tav>
-                                      </p:tavLst>
-                                    </p:anim>
-                                    <p:anim calcmode="lin" valueType="num">
-                                      <p:cBhvr>
-                                        <p:cTn id="28" dur="1000" fill="hold"/>
-                                        <p:tgtEl>
-                                          <p:spTgt spid="3">
-                                            <p:txEl>
-                                              <p:pRg st="5" end="5"/>
-                                            </p:txEl>
-                                          </p:spTgt>
-                                        </p:tgtEl>
-                                        <p:attrNameLst>
-                                          <p:attrName>ppt_y</p:attrName>
-                                        </p:attrNameLst>
-                                      </p:cBhvr>
-                                      <p:tavLst>
-                                        <p:tav tm="0">
-                                          <p:val>
-                                            <p:strVal val="#ppt_y+.1"/>
-                                          </p:val>
-                                        </p:tav>
-                                        <p:tav tm="100000">
-                                          <p:val>
-                                            <p:strVal val="#ppt_y"/>
-                                          </p:val>
-                                        </p:tav>
-                                      </p:tavLst>
-                                    </p:anim>
-                                  </p:childTnLst>
-                                </p:cTn>
-                              </p:par>
-                            </p:childTnLst>
-                          </p:cTn>
-                        </p:par>
-                      </p:childTnLst>
-                    </p:cTn>
-                  </p:par>
-                </p:childTnLst>
-              </p:cTn>
-              <p:prevCondLst>
-                <p:cond evt="onPrev" delay="0">
-                  <p:tgtEl>
-                    <p:sldTgt/>
-                  </p:tgtEl>
-                </p:cond>
-              </p:prevCondLst>
-              <p:nextCondLst>
-                <p:cond evt="onNext" delay="0">
-                  <p:tgtEl>
-                    <p:sldTgt/>
-                  </p:tgtEl>
-                </p:cond>
-              </p:nextCondLst>
-            </p:seq>
-          </p:childTnLst>
-        </p:cTn>
+        <p:cTn id="1" dur="indefinite" restart="never" nodeType="tmRoot"/>
       </p:par>
     </p:tnLst>
-    <p:bldLst>
-      <p:bldP spid="2" grpId="0"/>
-      <p:bldP spid="3" grpId="0" build="p"/>
-    </p:bldLst>
   </p:timing>
 </p:sld>
 </file>
@@ -7813,7 +7412,7 @@
           <p:nvPr>
             <p:extLst>
               <p:ext uri="{386F3935-93C4-4BCD-93E2-E3B085C9AB24}">
-                <p16:designElem xmlns:p16="http://schemas.microsoft.com/office/powerpoint/2015/main" xmlns="" val="1"/>
+                <p16:designElem xmlns="" xmlns:p16="http://schemas.microsoft.com/office/powerpoint/2015/main" val="1"/>
               </p:ext>
             </p:extLst>
           </p:nvPr>
@@ -7844,7 +7443,7 @@
           <p:nvPr>
             <p:extLst>
               <p:ext uri="{386F3935-93C4-4BCD-93E2-E3B085C9AB24}">
-                <p16:designElem xmlns:p16="http://schemas.microsoft.com/office/powerpoint/2015/main" xmlns="" val="1"/>
+                <p16:designElem xmlns="" xmlns:p16="http://schemas.microsoft.com/office/powerpoint/2015/main" val="1"/>
               </p:ext>
             </p:extLst>
           </p:nvPr>
@@ -7864,7 +7463,7 @@
             <p:nvPr>
               <p:extLst>
                 <p:ext uri="{386F3935-93C4-4BCD-93E2-E3B085C9AB24}">
-                  <p16:designElem xmlns:p16="http://schemas.microsoft.com/office/powerpoint/2015/main" xmlns="" val="1"/>
+                  <p16:designElem xmlns="" xmlns:p16="http://schemas.microsoft.com/office/powerpoint/2015/main" val="1"/>
                 </p:ext>
               </p:extLst>
             </p:nvPr>
@@ -7907,7 +7506,7 @@
             <p:nvPr>
               <p:extLst>
                 <p:ext uri="{386F3935-93C4-4BCD-93E2-E3B085C9AB24}">
-                  <p16:designElem xmlns:p16="http://schemas.microsoft.com/office/powerpoint/2015/main" xmlns="" val="1"/>
+                  <p16:designElem xmlns="" xmlns:p16="http://schemas.microsoft.com/office/powerpoint/2015/main" val="1"/>
                 </p:ext>
               </p:extLst>
             </p:nvPr>
@@ -7950,7 +7549,7 @@
             <p:nvPr>
               <p:extLst>
                 <p:ext uri="{386F3935-93C4-4BCD-93E2-E3B085C9AB24}">
-                  <p16:designElem xmlns:p16="http://schemas.microsoft.com/office/powerpoint/2015/main" xmlns="" val="1"/>
+                  <p16:designElem xmlns="" xmlns:p16="http://schemas.microsoft.com/office/powerpoint/2015/main" val="1"/>
                 </p:ext>
               </p:extLst>
             </p:nvPr>
@@ -8019,7 +7618,7 @@
             <p:nvPr>
               <p:extLst>
                 <p:ext uri="{386F3935-93C4-4BCD-93E2-E3B085C9AB24}">
-                  <p16:designElem xmlns:p16="http://schemas.microsoft.com/office/powerpoint/2015/main" xmlns="" val="1"/>
+                  <p16:designElem xmlns="" xmlns:p16="http://schemas.microsoft.com/office/powerpoint/2015/main" val="1"/>
                 </p:ext>
               </p:extLst>
             </p:nvPr>
@@ -8088,7 +7687,7 @@
             <p:nvPr>
               <p:extLst>
                 <p:ext uri="{386F3935-93C4-4BCD-93E2-E3B085C9AB24}">
-                  <p16:designElem xmlns:p16="http://schemas.microsoft.com/office/powerpoint/2015/main" xmlns="" val="1"/>
+                  <p16:designElem xmlns="" xmlns:p16="http://schemas.microsoft.com/office/powerpoint/2015/main" val="1"/>
                 </p:ext>
               </p:extLst>
             </p:nvPr>
@@ -8135,7 +7734,7 @@
             <p:nvPr>
               <p:extLst>
                 <p:ext uri="{386F3935-93C4-4BCD-93E2-E3B085C9AB24}">
-                  <p16:designElem xmlns:p16="http://schemas.microsoft.com/office/powerpoint/2015/main" xmlns="" val="1"/>
+                  <p16:designElem xmlns="" xmlns:p16="http://schemas.microsoft.com/office/powerpoint/2015/main" val="1"/>
                 </p:ext>
               </p:extLst>
             </p:nvPr>
@@ -8205,7 +7804,7 @@
             <p:nvPr>
               <p:extLst>
                 <p:ext uri="{386F3935-93C4-4BCD-93E2-E3B085C9AB24}">
-                  <p16:designElem xmlns:p16="http://schemas.microsoft.com/office/powerpoint/2015/main" xmlns="" val="1"/>
+                  <p16:designElem xmlns="" xmlns:p16="http://schemas.microsoft.com/office/powerpoint/2015/main" val="1"/>
                 </p:ext>
               </p:extLst>
             </p:nvPr>
@@ -8276,7 +7875,7 @@
             <p:nvPr>
               <p:extLst>
                 <p:ext uri="{386F3935-93C4-4BCD-93E2-E3B085C9AB24}">
-                  <p16:designElem xmlns:p16="http://schemas.microsoft.com/office/powerpoint/2015/main" xmlns="" val="1"/>
+                  <p16:designElem xmlns="" xmlns:p16="http://schemas.microsoft.com/office/powerpoint/2015/main" val="1"/>
                 </p:ext>
               </p:extLst>
             </p:nvPr>
@@ -8345,7 +7944,7 @@
             <p:nvPr>
               <p:extLst>
                 <p:ext uri="{386F3935-93C4-4BCD-93E2-E3B085C9AB24}">
-                  <p16:designElem xmlns:p16="http://schemas.microsoft.com/office/powerpoint/2015/main" xmlns="" val="1"/>
+                  <p16:designElem xmlns="" xmlns:p16="http://schemas.microsoft.com/office/powerpoint/2015/main" val="1"/>
                 </p:ext>
               </p:extLst>
             </p:nvPr>
@@ -8392,7 +7991,7 @@
             <p:nvPr>
               <p:extLst>
                 <p:ext uri="{386F3935-93C4-4BCD-93E2-E3B085C9AB24}">
-                  <p16:designElem xmlns:p16="http://schemas.microsoft.com/office/powerpoint/2015/main" xmlns="" val="1"/>
+                  <p16:designElem xmlns="" xmlns:p16="http://schemas.microsoft.com/office/powerpoint/2015/main" val="1"/>
                 </p:ext>
               </p:extLst>
             </p:nvPr>
@@ -8504,6 +8103,13 @@
   <p:clrMapOvr>
     <a:masterClrMapping/>
   </p:clrMapOvr>
+  <p:timing>
+    <p:tnLst>
+      <p:par>
+        <p:cTn id="1" dur="indefinite" restart="never" nodeType="tmRoot"/>
+      </p:par>
+    </p:tnLst>
+  </p:timing>
 </p:sld>
 </file>
 
@@ -8609,301 +8215,9 @@
   <p:timing>
     <p:tnLst>
       <p:par>
-        <p:cTn id="1" dur="indefinite" restart="never" nodeType="tmRoot">
-          <p:childTnLst>
-            <p:seq concurrent="1" nextAc="seek">
-              <p:cTn id="2" dur="indefinite" nodeType="mainSeq">
-                <p:childTnLst>
-                  <p:par>
-                    <p:cTn id="3" fill="hold">
-                      <p:stCondLst>
-                        <p:cond delay="indefinite"/>
-                      </p:stCondLst>
-                      <p:childTnLst>
-                        <p:par>
-                          <p:cTn id="4" fill="hold">
-                            <p:stCondLst>
-                              <p:cond delay="0"/>
-                            </p:stCondLst>
-                            <p:childTnLst>
-                              <p:par>
-                                <p:cTn id="5" presetID="10" presetClass="entr" presetSubtype="0" fill="hold" grpId="0" nodeType="clickEffect">
-                                  <p:stCondLst>
-                                    <p:cond delay="0"/>
-                                  </p:stCondLst>
-                                  <p:childTnLst>
-                                    <p:set>
-                                      <p:cBhvr>
-                                        <p:cTn id="6" dur="1" fill="hold">
-                                          <p:stCondLst>
-                                            <p:cond delay="0"/>
-                                          </p:stCondLst>
-                                        </p:cTn>
-                                        <p:tgtEl>
-                                          <p:spTgt spid="2"/>
-                                        </p:tgtEl>
-                                        <p:attrNameLst>
-                                          <p:attrName>style.visibility</p:attrName>
-                                        </p:attrNameLst>
-                                      </p:cBhvr>
-                                      <p:to>
-                                        <p:strVal val="visible"/>
-                                      </p:to>
-                                    </p:set>
-                                    <p:animEffect transition="in" filter="fade">
-                                      <p:cBhvr>
-                                        <p:cTn id="7" dur="500"/>
-                                        <p:tgtEl>
-                                          <p:spTgt spid="2"/>
-                                        </p:tgtEl>
-                                      </p:cBhvr>
-                                    </p:animEffect>
-                                  </p:childTnLst>
-                                </p:cTn>
-                              </p:par>
-                            </p:childTnLst>
-                          </p:cTn>
-                        </p:par>
-                        <p:par>
-                          <p:cTn id="8" fill="hold">
-                            <p:stCondLst>
-                              <p:cond delay="500"/>
-                            </p:stCondLst>
-                            <p:childTnLst>
-                              <p:par>
-                                <p:cTn id="9" presetID="42" presetClass="entr" presetSubtype="0" fill="hold" grpId="0" nodeType="afterEffect">
-                                  <p:stCondLst>
-                                    <p:cond delay="0"/>
-                                  </p:stCondLst>
-                                  <p:childTnLst>
-                                    <p:set>
-                                      <p:cBhvr>
-                                        <p:cTn id="10" dur="1" fill="hold">
-                                          <p:stCondLst>
-                                            <p:cond delay="0"/>
-                                          </p:stCondLst>
-                                        </p:cTn>
-                                        <p:tgtEl>
-                                          <p:spTgt spid="3">
-                                            <p:txEl>
-                                              <p:pRg st="0" end="0"/>
-                                            </p:txEl>
-                                          </p:spTgt>
-                                        </p:tgtEl>
-                                        <p:attrNameLst>
-                                          <p:attrName>style.visibility</p:attrName>
-                                        </p:attrNameLst>
-                                      </p:cBhvr>
-                                      <p:to>
-                                        <p:strVal val="visible"/>
-                                      </p:to>
-                                    </p:set>
-                                    <p:animEffect transition="in" filter="fade">
-                                      <p:cBhvr>
-                                        <p:cTn id="11" dur="1000"/>
-                                        <p:tgtEl>
-                                          <p:spTgt spid="3">
-                                            <p:txEl>
-                                              <p:pRg st="0" end="0"/>
-                                            </p:txEl>
-                                          </p:spTgt>
-                                        </p:tgtEl>
-                                      </p:cBhvr>
-                                    </p:animEffect>
-                                    <p:anim calcmode="lin" valueType="num">
-                                      <p:cBhvr>
-                                        <p:cTn id="12" dur="1000" fill="hold"/>
-                                        <p:tgtEl>
-                                          <p:spTgt spid="3">
-                                            <p:txEl>
-                                              <p:pRg st="0" end="0"/>
-                                            </p:txEl>
-                                          </p:spTgt>
-                                        </p:tgtEl>
-                                        <p:attrNameLst>
-                                          <p:attrName>ppt_x</p:attrName>
-                                        </p:attrNameLst>
-                                      </p:cBhvr>
-                                      <p:tavLst>
-                                        <p:tav tm="0">
-                                          <p:val>
-                                            <p:strVal val="#ppt_x"/>
-                                          </p:val>
-                                        </p:tav>
-                                        <p:tav tm="100000">
-                                          <p:val>
-                                            <p:strVal val="#ppt_x"/>
-                                          </p:val>
-                                        </p:tav>
-                                      </p:tavLst>
-                                    </p:anim>
-                                    <p:anim calcmode="lin" valueType="num">
-                                      <p:cBhvr>
-                                        <p:cTn id="13" dur="1000" fill="hold"/>
-                                        <p:tgtEl>
-                                          <p:spTgt spid="3">
-                                            <p:txEl>
-                                              <p:pRg st="0" end="0"/>
-                                            </p:txEl>
-                                          </p:spTgt>
-                                        </p:tgtEl>
-                                        <p:attrNameLst>
-                                          <p:attrName>ppt_y</p:attrName>
-                                        </p:attrNameLst>
-                                      </p:cBhvr>
-                                      <p:tavLst>
-                                        <p:tav tm="0">
-                                          <p:val>
-                                            <p:strVal val="#ppt_y+.1"/>
-                                          </p:val>
-                                        </p:tav>
-                                        <p:tav tm="100000">
-                                          <p:val>
-                                            <p:strVal val="#ppt_y"/>
-                                          </p:val>
-                                        </p:tav>
-                                      </p:tavLst>
-                                    </p:anim>
-                                  </p:childTnLst>
-                                </p:cTn>
-                              </p:par>
-                            </p:childTnLst>
-                          </p:cTn>
-                        </p:par>
-                        <p:par>
-                          <p:cTn id="14" fill="hold">
-                            <p:stCondLst>
-                              <p:cond delay="1500"/>
-                            </p:stCondLst>
-                            <p:childTnLst>
-                              <p:par>
-                                <p:cTn id="15" presetID="42" presetClass="entr" presetSubtype="0" fill="hold" grpId="0" nodeType="afterEffect">
-                                  <p:stCondLst>
-                                    <p:cond delay="0"/>
-                                  </p:stCondLst>
-                                  <p:childTnLst>
-                                    <p:set>
-                                      <p:cBhvr>
-                                        <p:cTn id="16" dur="1" fill="hold">
-                                          <p:stCondLst>
-                                            <p:cond delay="0"/>
-                                          </p:stCondLst>
-                                        </p:cTn>
-                                        <p:tgtEl>
-                                          <p:spTgt spid="3">
-                                            <p:txEl>
-                                              <p:pRg st="2" end="2"/>
-                                            </p:txEl>
-                                          </p:spTgt>
-                                        </p:tgtEl>
-                                        <p:attrNameLst>
-                                          <p:attrName>style.visibility</p:attrName>
-                                        </p:attrNameLst>
-                                      </p:cBhvr>
-                                      <p:to>
-                                        <p:strVal val="visible"/>
-                                      </p:to>
-                                    </p:set>
-                                    <p:animEffect transition="in" filter="fade">
-                                      <p:cBhvr>
-                                        <p:cTn id="17" dur="1000"/>
-                                        <p:tgtEl>
-                                          <p:spTgt spid="3">
-                                            <p:txEl>
-                                              <p:pRg st="2" end="2"/>
-                                            </p:txEl>
-                                          </p:spTgt>
-                                        </p:tgtEl>
-                                      </p:cBhvr>
-                                    </p:animEffect>
-                                    <p:anim calcmode="lin" valueType="num">
-                                      <p:cBhvr>
-                                        <p:cTn id="18" dur="1000" fill="hold"/>
-                                        <p:tgtEl>
-                                          <p:spTgt spid="3">
-                                            <p:txEl>
-                                              <p:pRg st="2" end="2"/>
-                                            </p:txEl>
-                                          </p:spTgt>
-                                        </p:tgtEl>
-                                        <p:attrNameLst>
-                                          <p:attrName>ppt_x</p:attrName>
-                                        </p:attrNameLst>
-                                      </p:cBhvr>
-                                      <p:tavLst>
-                                        <p:tav tm="0">
-                                          <p:val>
-                                            <p:strVal val="#ppt_x"/>
-                                          </p:val>
-                                        </p:tav>
-                                        <p:tav tm="100000">
-                                          <p:val>
-                                            <p:strVal val="#ppt_x"/>
-                                          </p:val>
-                                        </p:tav>
-                                      </p:tavLst>
-                                    </p:anim>
-                                    <p:anim calcmode="lin" valueType="num">
-                                      <p:cBhvr>
-                                        <p:cTn id="19" dur="1000" fill="hold"/>
-                                        <p:tgtEl>
-                                          <p:spTgt spid="3">
-                                            <p:txEl>
-                                              <p:pRg st="2" end="2"/>
-                                            </p:txEl>
-                                          </p:spTgt>
-                                        </p:tgtEl>
-                                        <p:attrNameLst>
-                                          <p:attrName>ppt_y</p:attrName>
-                                        </p:attrNameLst>
-                                      </p:cBhvr>
-                                      <p:tavLst>
-                                        <p:tav tm="0">
-                                          <p:val>
-                                            <p:strVal val="#ppt_y+.1"/>
-                                          </p:val>
-                                        </p:tav>
-                                        <p:tav tm="100000">
-                                          <p:val>
-                                            <p:strVal val="#ppt_y"/>
-                                          </p:val>
-                                        </p:tav>
-                                      </p:tavLst>
-                                    </p:anim>
-                                  </p:childTnLst>
-                                </p:cTn>
-                              </p:par>
-                            </p:childTnLst>
-                          </p:cTn>
-                        </p:par>
-                      </p:childTnLst>
-                    </p:cTn>
-                  </p:par>
-                </p:childTnLst>
-              </p:cTn>
-              <p:prevCondLst>
-                <p:cond evt="onPrev" delay="0">
-                  <p:tgtEl>
-                    <p:sldTgt/>
-                  </p:tgtEl>
-                </p:cond>
-              </p:prevCondLst>
-              <p:nextCondLst>
-                <p:cond evt="onNext" delay="0">
-                  <p:tgtEl>
-                    <p:sldTgt/>
-                  </p:tgtEl>
-                </p:cond>
-              </p:nextCondLst>
-            </p:seq>
-          </p:childTnLst>
-        </p:cTn>
+        <p:cTn id="1" dur="indefinite" restart="never" nodeType="tmRoot"/>
       </p:par>
     </p:tnLst>
-    <p:bldLst>
-      <p:bldP spid="2" grpId="0"/>
-      <p:bldP spid="3" grpId="0" build="p"/>
-    </p:bldLst>
   </p:timing>
 </p:sld>
 </file>
@@ -8999,6 +8313,13 @@
   <p:clrMapOvr>
     <a:masterClrMapping/>
   </p:clrMapOvr>
+  <p:timing>
+    <p:tnLst>
+      <p:par>
+        <p:cTn id="1" dur="indefinite" restart="never" nodeType="tmRoot"/>
+      </p:par>
+    </p:tnLst>
+  </p:timing>
 </p:sld>
 </file>
 
@@ -9100,434 +8421,9 @@
   <p:timing>
     <p:tnLst>
       <p:par>
-        <p:cTn id="1" dur="indefinite" restart="never" nodeType="tmRoot">
-          <p:childTnLst>
-            <p:seq concurrent="1" nextAc="seek">
-              <p:cTn id="2" dur="indefinite" nodeType="mainSeq">
-                <p:childTnLst>
-                  <p:par>
-                    <p:cTn id="3" fill="hold">
-                      <p:stCondLst>
-                        <p:cond delay="indefinite"/>
-                      </p:stCondLst>
-                      <p:childTnLst>
-                        <p:par>
-                          <p:cTn id="4" fill="hold">
-                            <p:stCondLst>
-                              <p:cond delay="0"/>
-                            </p:stCondLst>
-                            <p:childTnLst>
-                              <p:par>
-                                <p:cTn id="5" presetID="10" presetClass="entr" presetSubtype="0" fill="hold" grpId="0" nodeType="clickEffect">
-                                  <p:stCondLst>
-                                    <p:cond delay="0"/>
-                                  </p:stCondLst>
-                                  <p:childTnLst>
-                                    <p:set>
-                                      <p:cBhvr>
-                                        <p:cTn id="6" dur="1" fill="hold">
-                                          <p:stCondLst>
-                                            <p:cond delay="0"/>
-                                          </p:stCondLst>
-                                        </p:cTn>
-                                        <p:tgtEl>
-                                          <p:spTgt spid="2"/>
-                                        </p:tgtEl>
-                                        <p:attrNameLst>
-                                          <p:attrName>style.visibility</p:attrName>
-                                        </p:attrNameLst>
-                                      </p:cBhvr>
-                                      <p:to>
-                                        <p:strVal val="visible"/>
-                                      </p:to>
-                                    </p:set>
-                                    <p:animEffect transition="in" filter="fade">
-                                      <p:cBhvr>
-                                        <p:cTn id="7" dur="500"/>
-                                        <p:tgtEl>
-                                          <p:spTgt spid="2"/>
-                                        </p:tgtEl>
-                                      </p:cBhvr>
-                                    </p:animEffect>
-                                  </p:childTnLst>
-                                </p:cTn>
-                              </p:par>
-                            </p:childTnLst>
-                          </p:cTn>
-                        </p:par>
-                      </p:childTnLst>
-                    </p:cTn>
-                  </p:par>
-                  <p:par>
-                    <p:cTn id="8" fill="hold">
-                      <p:stCondLst>
-                        <p:cond delay="indefinite"/>
-                      </p:stCondLst>
-                      <p:childTnLst>
-                        <p:par>
-                          <p:cTn id="9" fill="hold">
-                            <p:stCondLst>
-                              <p:cond delay="0"/>
-                            </p:stCondLst>
-                            <p:childTnLst>
-                              <p:par>
-                                <p:cTn id="10" presetID="42" presetClass="entr" presetSubtype="0" fill="hold" grpId="0" nodeType="clickEffect">
-                                  <p:stCondLst>
-                                    <p:cond delay="0"/>
-                                  </p:stCondLst>
-                                  <p:childTnLst>
-                                    <p:set>
-                                      <p:cBhvr>
-                                        <p:cTn id="11" dur="1" fill="hold">
-                                          <p:stCondLst>
-                                            <p:cond delay="0"/>
-                                          </p:stCondLst>
-                                        </p:cTn>
-                                        <p:tgtEl>
-                                          <p:spTgt spid="3">
-                                            <p:txEl>
-                                              <p:pRg st="0" end="0"/>
-                                            </p:txEl>
-                                          </p:spTgt>
-                                        </p:tgtEl>
-                                        <p:attrNameLst>
-                                          <p:attrName>style.visibility</p:attrName>
-                                        </p:attrNameLst>
-                                      </p:cBhvr>
-                                      <p:to>
-                                        <p:strVal val="visible"/>
-                                      </p:to>
-                                    </p:set>
-                                    <p:animEffect transition="in" filter="fade">
-                                      <p:cBhvr>
-                                        <p:cTn id="12" dur="1000"/>
-                                        <p:tgtEl>
-                                          <p:spTgt spid="3">
-                                            <p:txEl>
-                                              <p:pRg st="0" end="0"/>
-                                            </p:txEl>
-                                          </p:spTgt>
-                                        </p:tgtEl>
-                                      </p:cBhvr>
-                                    </p:animEffect>
-                                    <p:anim calcmode="lin" valueType="num">
-                                      <p:cBhvr>
-                                        <p:cTn id="13" dur="1000" fill="hold"/>
-                                        <p:tgtEl>
-                                          <p:spTgt spid="3">
-                                            <p:txEl>
-                                              <p:pRg st="0" end="0"/>
-                                            </p:txEl>
-                                          </p:spTgt>
-                                        </p:tgtEl>
-                                        <p:attrNameLst>
-                                          <p:attrName>ppt_x</p:attrName>
-                                        </p:attrNameLst>
-                                      </p:cBhvr>
-                                      <p:tavLst>
-                                        <p:tav tm="0">
-                                          <p:val>
-                                            <p:strVal val="#ppt_x"/>
-                                          </p:val>
-                                        </p:tav>
-                                        <p:tav tm="100000">
-                                          <p:val>
-                                            <p:strVal val="#ppt_x"/>
-                                          </p:val>
-                                        </p:tav>
-                                      </p:tavLst>
-                                    </p:anim>
-                                    <p:anim calcmode="lin" valueType="num">
-                                      <p:cBhvr>
-                                        <p:cTn id="14" dur="1000" fill="hold"/>
-                                        <p:tgtEl>
-                                          <p:spTgt spid="3">
-                                            <p:txEl>
-                                              <p:pRg st="0" end="0"/>
-                                            </p:txEl>
-                                          </p:spTgt>
-                                        </p:tgtEl>
-                                        <p:attrNameLst>
-                                          <p:attrName>ppt_y</p:attrName>
-                                        </p:attrNameLst>
-                                      </p:cBhvr>
-                                      <p:tavLst>
-                                        <p:tav tm="0">
-                                          <p:val>
-                                            <p:strVal val="#ppt_y+.1"/>
-                                          </p:val>
-                                        </p:tav>
-                                        <p:tav tm="100000">
-                                          <p:val>
-                                            <p:strVal val="#ppt_y"/>
-                                          </p:val>
-                                        </p:tav>
-                                      </p:tavLst>
-                                    </p:anim>
-                                  </p:childTnLst>
-                                </p:cTn>
-                              </p:par>
-                            </p:childTnLst>
-                          </p:cTn>
-                        </p:par>
-                      </p:childTnLst>
-                    </p:cTn>
-                  </p:par>
-                  <p:par>
-                    <p:cTn id="15" fill="hold">
-                      <p:stCondLst>
-                        <p:cond delay="indefinite"/>
-                      </p:stCondLst>
-                      <p:childTnLst>
-                        <p:par>
-                          <p:cTn id="16" fill="hold">
-                            <p:stCondLst>
-                              <p:cond delay="0"/>
-                            </p:stCondLst>
-                            <p:childTnLst>
-                              <p:par>
-                                <p:cTn id="17" presetID="42" presetClass="entr" presetSubtype="0" fill="hold" grpId="0" nodeType="clickEffect">
-                                  <p:stCondLst>
-                                    <p:cond delay="0"/>
-                                  </p:stCondLst>
-                                  <p:childTnLst>
-                                    <p:set>
-                                      <p:cBhvr>
-                                        <p:cTn id="18" dur="1" fill="hold">
-                                          <p:stCondLst>
-                                            <p:cond delay="0"/>
-                                          </p:stCondLst>
-                                        </p:cTn>
-                                        <p:tgtEl>
-                                          <p:spTgt spid="3">
-                                            <p:txEl>
-                                              <p:pRg st="2" end="2"/>
-                                            </p:txEl>
-                                          </p:spTgt>
-                                        </p:tgtEl>
-                                        <p:attrNameLst>
-                                          <p:attrName>style.visibility</p:attrName>
-                                        </p:attrNameLst>
-                                      </p:cBhvr>
-                                      <p:to>
-                                        <p:strVal val="visible"/>
-                                      </p:to>
-                                    </p:set>
-                                    <p:animEffect transition="in" filter="fade">
-                                      <p:cBhvr>
-                                        <p:cTn id="19" dur="1000"/>
-                                        <p:tgtEl>
-                                          <p:spTgt spid="3">
-                                            <p:txEl>
-                                              <p:pRg st="2" end="2"/>
-                                            </p:txEl>
-                                          </p:spTgt>
-                                        </p:tgtEl>
-                                      </p:cBhvr>
-                                    </p:animEffect>
-                                    <p:anim calcmode="lin" valueType="num">
-                                      <p:cBhvr>
-                                        <p:cTn id="20" dur="1000" fill="hold"/>
-                                        <p:tgtEl>
-                                          <p:spTgt spid="3">
-                                            <p:txEl>
-                                              <p:pRg st="2" end="2"/>
-                                            </p:txEl>
-                                          </p:spTgt>
-                                        </p:tgtEl>
-                                        <p:attrNameLst>
-                                          <p:attrName>ppt_x</p:attrName>
-                                        </p:attrNameLst>
-                                      </p:cBhvr>
-                                      <p:tavLst>
-                                        <p:tav tm="0">
-                                          <p:val>
-                                            <p:strVal val="#ppt_x"/>
-                                          </p:val>
-                                        </p:tav>
-                                        <p:tav tm="100000">
-                                          <p:val>
-                                            <p:strVal val="#ppt_x"/>
-                                          </p:val>
-                                        </p:tav>
-                                      </p:tavLst>
-                                    </p:anim>
-                                    <p:anim calcmode="lin" valueType="num">
-                                      <p:cBhvr>
-                                        <p:cTn id="21" dur="1000" fill="hold"/>
-                                        <p:tgtEl>
-                                          <p:spTgt spid="3">
-                                            <p:txEl>
-                                              <p:pRg st="2" end="2"/>
-                                            </p:txEl>
-                                          </p:spTgt>
-                                        </p:tgtEl>
-                                        <p:attrNameLst>
-                                          <p:attrName>ppt_y</p:attrName>
-                                        </p:attrNameLst>
-                                      </p:cBhvr>
-                                      <p:tavLst>
-                                        <p:tav tm="0">
-                                          <p:val>
-                                            <p:strVal val="#ppt_y+.1"/>
-                                          </p:val>
-                                        </p:tav>
-                                        <p:tav tm="100000">
-                                          <p:val>
-                                            <p:strVal val="#ppt_y"/>
-                                          </p:val>
-                                        </p:tav>
-                                      </p:tavLst>
-                                    </p:anim>
-                                  </p:childTnLst>
-                                </p:cTn>
-                              </p:par>
-                            </p:childTnLst>
-                          </p:cTn>
-                        </p:par>
-                      </p:childTnLst>
-                    </p:cTn>
-                  </p:par>
-                  <p:par>
-                    <p:cTn id="22" fill="hold">
-                      <p:stCondLst>
-                        <p:cond delay="indefinite"/>
-                      </p:stCondLst>
-                      <p:childTnLst>
-                        <p:par>
-                          <p:cTn id="23" fill="hold">
-                            <p:stCondLst>
-                              <p:cond delay="0"/>
-                            </p:stCondLst>
-                            <p:childTnLst>
-                              <p:par>
-                                <p:cTn id="24" presetID="42" presetClass="entr" presetSubtype="0" fill="hold" grpId="0" nodeType="clickEffect">
-                                  <p:stCondLst>
-                                    <p:cond delay="0"/>
-                                  </p:stCondLst>
-                                  <p:childTnLst>
-                                    <p:set>
-                                      <p:cBhvr>
-                                        <p:cTn id="25" dur="1" fill="hold">
-                                          <p:stCondLst>
-                                            <p:cond delay="0"/>
-                                          </p:stCondLst>
-                                        </p:cTn>
-                                        <p:tgtEl>
-                                          <p:spTgt spid="3">
-                                            <p:txEl>
-                                              <p:pRg st="4" end="4"/>
-                                            </p:txEl>
-                                          </p:spTgt>
-                                        </p:tgtEl>
-                                        <p:attrNameLst>
-                                          <p:attrName>style.visibility</p:attrName>
-                                        </p:attrNameLst>
-                                      </p:cBhvr>
-                                      <p:to>
-                                        <p:strVal val="visible"/>
-                                      </p:to>
-                                    </p:set>
-                                    <p:animEffect transition="in" filter="fade">
-                                      <p:cBhvr>
-                                        <p:cTn id="26" dur="1000"/>
-                                        <p:tgtEl>
-                                          <p:spTgt spid="3">
-                                            <p:txEl>
-                                              <p:pRg st="4" end="4"/>
-                                            </p:txEl>
-                                          </p:spTgt>
-                                        </p:tgtEl>
-                                      </p:cBhvr>
-                                    </p:animEffect>
-                                    <p:anim calcmode="lin" valueType="num">
-                                      <p:cBhvr>
-                                        <p:cTn id="27" dur="1000" fill="hold"/>
-                                        <p:tgtEl>
-                                          <p:spTgt spid="3">
-                                            <p:txEl>
-                                              <p:pRg st="4" end="4"/>
-                                            </p:txEl>
-                                          </p:spTgt>
-                                        </p:tgtEl>
-                                        <p:attrNameLst>
-                                          <p:attrName>ppt_x</p:attrName>
-                                        </p:attrNameLst>
-                                      </p:cBhvr>
-                                      <p:tavLst>
-                                        <p:tav tm="0">
-                                          <p:val>
-                                            <p:strVal val="#ppt_x"/>
-                                          </p:val>
-                                        </p:tav>
-                                        <p:tav tm="100000">
-                                          <p:val>
-                                            <p:strVal val="#ppt_x"/>
-                                          </p:val>
-                                        </p:tav>
-                                      </p:tavLst>
-                                    </p:anim>
-                                    <p:anim calcmode="lin" valueType="num">
-                                      <p:cBhvr>
-                                        <p:cTn id="28" dur="1000" fill="hold"/>
-                                        <p:tgtEl>
-                                          <p:spTgt spid="3">
-                                            <p:txEl>
-                                              <p:pRg st="4" end="4"/>
-                                            </p:txEl>
-                                          </p:spTgt>
-                                        </p:tgtEl>
-                                        <p:attrNameLst>
-                                          <p:attrName>ppt_y</p:attrName>
-                                        </p:attrNameLst>
-                                      </p:cBhvr>
-                                      <p:tavLst>
-                                        <p:tav tm="0">
-                                          <p:val>
-                                            <p:strVal val="#ppt_y+.1"/>
-                                          </p:val>
-                                        </p:tav>
-                                        <p:tav tm="100000">
-                                          <p:val>
-                                            <p:strVal val="#ppt_y"/>
-                                          </p:val>
-                                        </p:tav>
-                                      </p:tavLst>
-                                    </p:anim>
-                                  </p:childTnLst>
-                                </p:cTn>
-                              </p:par>
-                            </p:childTnLst>
-                          </p:cTn>
-                        </p:par>
-                      </p:childTnLst>
-                    </p:cTn>
-                  </p:par>
-                </p:childTnLst>
-              </p:cTn>
-              <p:prevCondLst>
-                <p:cond evt="onPrev" delay="0">
-                  <p:tgtEl>
-                    <p:sldTgt/>
-                  </p:tgtEl>
-                </p:cond>
-              </p:prevCondLst>
-              <p:nextCondLst>
-                <p:cond evt="onNext" delay="0">
-                  <p:tgtEl>
-                    <p:sldTgt/>
-                  </p:tgtEl>
-                </p:cond>
-              </p:nextCondLst>
-            </p:seq>
-          </p:childTnLst>
-        </p:cTn>
+        <p:cTn id="1" dur="indefinite" restart="never" nodeType="tmRoot"/>
       </p:par>
     </p:tnLst>
-    <p:bldLst>
-      <p:bldP spid="2" grpId="0"/>
-      <p:bldP spid="3" grpId="0" build="p"/>
-    </p:bldLst>
   </p:timing>
 </p:sld>
 </file>
@@ -9651,495 +8547,9 @@
   <p:timing>
     <p:tnLst>
       <p:par>
-        <p:cTn id="1" dur="indefinite" restart="never" nodeType="tmRoot">
-          <p:childTnLst>
-            <p:seq concurrent="1" nextAc="seek">
-              <p:cTn id="2" dur="indefinite" nodeType="mainSeq">
-                <p:childTnLst>
-                  <p:par>
-                    <p:cTn id="3" fill="hold">
-                      <p:stCondLst>
-                        <p:cond delay="indefinite"/>
-                      </p:stCondLst>
-                      <p:childTnLst>
-                        <p:par>
-                          <p:cTn id="4" fill="hold">
-                            <p:stCondLst>
-                              <p:cond delay="0"/>
-                            </p:stCondLst>
-                            <p:childTnLst>
-                              <p:par>
-                                <p:cTn id="5" presetID="10" presetClass="entr" presetSubtype="0" fill="hold" grpId="0" nodeType="clickEffect">
-                                  <p:stCondLst>
-                                    <p:cond delay="0"/>
-                                  </p:stCondLst>
-                                  <p:childTnLst>
-                                    <p:set>
-                                      <p:cBhvr>
-                                        <p:cTn id="6" dur="1" fill="hold">
-                                          <p:stCondLst>
-                                            <p:cond delay="0"/>
-                                          </p:stCondLst>
-                                        </p:cTn>
-                                        <p:tgtEl>
-                                          <p:spTgt spid="2"/>
-                                        </p:tgtEl>
-                                        <p:attrNameLst>
-                                          <p:attrName>style.visibility</p:attrName>
-                                        </p:attrNameLst>
-                                      </p:cBhvr>
-                                      <p:to>
-                                        <p:strVal val="visible"/>
-                                      </p:to>
-                                    </p:set>
-                                    <p:animEffect transition="in" filter="fade">
-                                      <p:cBhvr>
-                                        <p:cTn id="7" dur="500"/>
-                                        <p:tgtEl>
-                                          <p:spTgt spid="2"/>
-                                        </p:tgtEl>
-                                      </p:cBhvr>
-                                    </p:animEffect>
-                                  </p:childTnLst>
-                                </p:cTn>
-                              </p:par>
-                            </p:childTnLst>
-                          </p:cTn>
-                        </p:par>
-                      </p:childTnLst>
-                    </p:cTn>
-                  </p:par>
-                  <p:par>
-                    <p:cTn id="8" fill="hold">
-                      <p:stCondLst>
-                        <p:cond delay="indefinite"/>
-                      </p:stCondLst>
-                      <p:childTnLst>
-                        <p:par>
-                          <p:cTn id="9" fill="hold">
-                            <p:stCondLst>
-                              <p:cond delay="0"/>
-                            </p:stCondLst>
-                            <p:childTnLst>
-                              <p:par>
-                                <p:cTn id="10" presetID="42" presetClass="entr" presetSubtype="0" fill="hold" grpId="0" nodeType="clickEffect">
-                                  <p:stCondLst>
-                                    <p:cond delay="0"/>
-                                  </p:stCondLst>
-                                  <p:childTnLst>
-                                    <p:set>
-                                      <p:cBhvr>
-                                        <p:cTn id="11" dur="1" fill="hold">
-                                          <p:stCondLst>
-                                            <p:cond delay="0"/>
-                                          </p:stCondLst>
-                                        </p:cTn>
-                                        <p:tgtEl>
-                                          <p:spTgt spid="3">
-                                            <p:txEl>
-                                              <p:pRg st="0" end="0"/>
-                                            </p:txEl>
-                                          </p:spTgt>
-                                        </p:tgtEl>
-                                        <p:attrNameLst>
-                                          <p:attrName>style.visibility</p:attrName>
-                                        </p:attrNameLst>
-                                      </p:cBhvr>
-                                      <p:to>
-                                        <p:strVal val="visible"/>
-                                      </p:to>
-                                    </p:set>
-                                    <p:animEffect transition="in" filter="fade">
-                                      <p:cBhvr>
-                                        <p:cTn id="12" dur="1000"/>
-                                        <p:tgtEl>
-                                          <p:spTgt spid="3">
-                                            <p:txEl>
-                                              <p:pRg st="0" end="0"/>
-                                            </p:txEl>
-                                          </p:spTgt>
-                                        </p:tgtEl>
-                                      </p:cBhvr>
-                                    </p:animEffect>
-                                    <p:anim calcmode="lin" valueType="num">
-                                      <p:cBhvr>
-                                        <p:cTn id="13" dur="1000" fill="hold"/>
-                                        <p:tgtEl>
-                                          <p:spTgt spid="3">
-                                            <p:txEl>
-                                              <p:pRg st="0" end="0"/>
-                                            </p:txEl>
-                                          </p:spTgt>
-                                        </p:tgtEl>
-                                        <p:attrNameLst>
-                                          <p:attrName>ppt_x</p:attrName>
-                                        </p:attrNameLst>
-                                      </p:cBhvr>
-                                      <p:tavLst>
-                                        <p:tav tm="0">
-                                          <p:val>
-                                            <p:strVal val="#ppt_x"/>
-                                          </p:val>
-                                        </p:tav>
-                                        <p:tav tm="100000">
-                                          <p:val>
-                                            <p:strVal val="#ppt_x"/>
-                                          </p:val>
-                                        </p:tav>
-                                      </p:tavLst>
-                                    </p:anim>
-                                    <p:anim calcmode="lin" valueType="num">
-                                      <p:cBhvr>
-                                        <p:cTn id="14" dur="1000" fill="hold"/>
-                                        <p:tgtEl>
-                                          <p:spTgt spid="3">
-                                            <p:txEl>
-                                              <p:pRg st="0" end="0"/>
-                                            </p:txEl>
-                                          </p:spTgt>
-                                        </p:tgtEl>
-                                        <p:attrNameLst>
-                                          <p:attrName>ppt_y</p:attrName>
-                                        </p:attrNameLst>
-                                      </p:cBhvr>
-                                      <p:tavLst>
-                                        <p:tav tm="0">
-                                          <p:val>
-                                            <p:strVal val="#ppt_y+.1"/>
-                                          </p:val>
-                                        </p:tav>
-                                        <p:tav tm="100000">
-                                          <p:val>
-                                            <p:strVal val="#ppt_y"/>
-                                          </p:val>
-                                        </p:tav>
-                                      </p:tavLst>
-                                    </p:anim>
-                                  </p:childTnLst>
-                                </p:cTn>
-                              </p:par>
-                              <p:par>
-                                <p:cTn id="15" presetID="42" presetClass="entr" presetSubtype="0" fill="hold" grpId="0" nodeType="withEffect">
-                                  <p:stCondLst>
-                                    <p:cond delay="0"/>
-                                  </p:stCondLst>
-                                  <p:childTnLst>
-                                    <p:set>
-                                      <p:cBhvr>
-                                        <p:cTn id="16" dur="1" fill="hold">
-                                          <p:stCondLst>
-                                            <p:cond delay="0"/>
-                                          </p:stCondLst>
-                                        </p:cTn>
-                                        <p:tgtEl>
-                                          <p:spTgt spid="3">
-                                            <p:txEl>
-                                              <p:pRg st="2" end="2"/>
-                                            </p:txEl>
-                                          </p:spTgt>
-                                        </p:tgtEl>
-                                        <p:attrNameLst>
-                                          <p:attrName>style.visibility</p:attrName>
-                                        </p:attrNameLst>
-                                      </p:cBhvr>
-                                      <p:to>
-                                        <p:strVal val="visible"/>
-                                      </p:to>
-                                    </p:set>
-                                    <p:animEffect transition="in" filter="fade">
-                                      <p:cBhvr>
-                                        <p:cTn id="17" dur="1000"/>
-                                        <p:tgtEl>
-                                          <p:spTgt spid="3">
-                                            <p:txEl>
-                                              <p:pRg st="2" end="2"/>
-                                            </p:txEl>
-                                          </p:spTgt>
-                                        </p:tgtEl>
-                                      </p:cBhvr>
-                                    </p:animEffect>
-                                    <p:anim calcmode="lin" valueType="num">
-                                      <p:cBhvr>
-                                        <p:cTn id="18" dur="1000" fill="hold"/>
-                                        <p:tgtEl>
-                                          <p:spTgt spid="3">
-                                            <p:txEl>
-                                              <p:pRg st="2" end="2"/>
-                                            </p:txEl>
-                                          </p:spTgt>
-                                        </p:tgtEl>
-                                        <p:attrNameLst>
-                                          <p:attrName>ppt_x</p:attrName>
-                                        </p:attrNameLst>
-                                      </p:cBhvr>
-                                      <p:tavLst>
-                                        <p:tav tm="0">
-                                          <p:val>
-                                            <p:strVal val="#ppt_x"/>
-                                          </p:val>
-                                        </p:tav>
-                                        <p:tav tm="100000">
-                                          <p:val>
-                                            <p:strVal val="#ppt_x"/>
-                                          </p:val>
-                                        </p:tav>
-                                      </p:tavLst>
-                                    </p:anim>
-                                    <p:anim calcmode="lin" valueType="num">
-                                      <p:cBhvr>
-                                        <p:cTn id="19" dur="1000" fill="hold"/>
-                                        <p:tgtEl>
-                                          <p:spTgt spid="3">
-                                            <p:txEl>
-                                              <p:pRg st="2" end="2"/>
-                                            </p:txEl>
-                                          </p:spTgt>
-                                        </p:tgtEl>
-                                        <p:attrNameLst>
-                                          <p:attrName>ppt_y</p:attrName>
-                                        </p:attrNameLst>
-                                      </p:cBhvr>
-                                      <p:tavLst>
-                                        <p:tav tm="0">
-                                          <p:val>
-                                            <p:strVal val="#ppt_y+.1"/>
-                                          </p:val>
-                                        </p:tav>
-                                        <p:tav tm="100000">
-                                          <p:val>
-                                            <p:strVal val="#ppt_y"/>
-                                          </p:val>
-                                        </p:tav>
-                                      </p:tavLst>
-                                    </p:anim>
-                                  </p:childTnLst>
-                                </p:cTn>
-                              </p:par>
-                              <p:par>
-                                <p:cTn id="20" presetID="42" presetClass="entr" presetSubtype="0" fill="hold" grpId="0" nodeType="withEffect">
-                                  <p:stCondLst>
-                                    <p:cond delay="0"/>
-                                  </p:stCondLst>
-                                  <p:childTnLst>
-                                    <p:set>
-                                      <p:cBhvr>
-                                        <p:cTn id="21" dur="1" fill="hold">
-                                          <p:stCondLst>
-                                            <p:cond delay="0"/>
-                                          </p:stCondLst>
-                                        </p:cTn>
-                                        <p:tgtEl>
-                                          <p:spTgt spid="3">
-                                            <p:txEl>
-                                              <p:pRg st="3" end="3"/>
-                                            </p:txEl>
-                                          </p:spTgt>
-                                        </p:tgtEl>
-                                        <p:attrNameLst>
-                                          <p:attrName>style.visibility</p:attrName>
-                                        </p:attrNameLst>
-                                      </p:cBhvr>
-                                      <p:to>
-                                        <p:strVal val="visible"/>
-                                      </p:to>
-                                    </p:set>
-                                    <p:animEffect transition="in" filter="fade">
-                                      <p:cBhvr>
-                                        <p:cTn id="22" dur="1000"/>
-                                        <p:tgtEl>
-                                          <p:spTgt spid="3">
-                                            <p:txEl>
-                                              <p:pRg st="3" end="3"/>
-                                            </p:txEl>
-                                          </p:spTgt>
-                                        </p:tgtEl>
-                                      </p:cBhvr>
-                                    </p:animEffect>
-                                    <p:anim calcmode="lin" valueType="num">
-                                      <p:cBhvr>
-                                        <p:cTn id="23" dur="1000" fill="hold"/>
-                                        <p:tgtEl>
-                                          <p:spTgt spid="3">
-                                            <p:txEl>
-                                              <p:pRg st="3" end="3"/>
-                                            </p:txEl>
-                                          </p:spTgt>
-                                        </p:tgtEl>
-                                        <p:attrNameLst>
-                                          <p:attrName>ppt_x</p:attrName>
-                                        </p:attrNameLst>
-                                      </p:cBhvr>
-                                      <p:tavLst>
-                                        <p:tav tm="0">
-                                          <p:val>
-                                            <p:strVal val="#ppt_x"/>
-                                          </p:val>
-                                        </p:tav>
-                                        <p:tav tm="100000">
-                                          <p:val>
-                                            <p:strVal val="#ppt_x"/>
-                                          </p:val>
-                                        </p:tav>
-                                      </p:tavLst>
-                                    </p:anim>
-                                    <p:anim calcmode="lin" valueType="num">
-                                      <p:cBhvr>
-                                        <p:cTn id="24" dur="1000" fill="hold"/>
-                                        <p:tgtEl>
-                                          <p:spTgt spid="3">
-                                            <p:txEl>
-                                              <p:pRg st="3" end="3"/>
-                                            </p:txEl>
-                                          </p:spTgt>
-                                        </p:tgtEl>
-                                        <p:attrNameLst>
-                                          <p:attrName>ppt_y</p:attrName>
-                                        </p:attrNameLst>
-                                      </p:cBhvr>
-                                      <p:tavLst>
-                                        <p:tav tm="0">
-                                          <p:val>
-                                            <p:strVal val="#ppt_y+.1"/>
-                                          </p:val>
-                                        </p:tav>
-                                        <p:tav tm="100000">
-                                          <p:val>
-                                            <p:strVal val="#ppt_y"/>
-                                          </p:val>
-                                        </p:tav>
-                                      </p:tavLst>
-                                    </p:anim>
-                                  </p:childTnLst>
-                                </p:cTn>
-                              </p:par>
-                              <p:par>
-                                <p:cTn id="25" presetID="42" presetClass="entr" presetSubtype="0" fill="hold" grpId="0" nodeType="withEffect">
-                                  <p:stCondLst>
-                                    <p:cond delay="0"/>
-                                  </p:stCondLst>
-                                  <p:childTnLst>
-                                    <p:set>
-                                      <p:cBhvr>
-                                        <p:cTn id="26" dur="1" fill="hold">
-                                          <p:stCondLst>
-                                            <p:cond delay="0"/>
-                                          </p:stCondLst>
-                                        </p:cTn>
-                                        <p:tgtEl>
-                                          <p:spTgt spid="3">
-                                            <p:txEl>
-                                              <p:pRg st="4" end="4"/>
-                                            </p:txEl>
-                                          </p:spTgt>
-                                        </p:tgtEl>
-                                        <p:attrNameLst>
-                                          <p:attrName>style.visibility</p:attrName>
-                                        </p:attrNameLst>
-                                      </p:cBhvr>
-                                      <p:to>
-                                        <p:strVal val="visible"/>
-                                      </p:to>
-                                    </p:set>
-                                    <p:animEffect transition="in" filter="fade">
-                                      <p:cBhvr>
-                                        <p:cTn id="27" dur="1000"/>
-                                        <p:tgtEl>
-                                          <p:spTgt spid="3">
-                                            <p:txEl>
-                                              <p:pRg st="4" end="4"/>
-                                            </p:txEl>
-                                          </p:spTgt>
-                                        </p:tgtEl>
-                                      </p:cBhvr>
-                                    </p:animEffect>
-                                    <p:anim calcmode="lin" valueType="num">
-                                      <p:cBhvr>
-                                        <p:cTn id="28" dur="1000" fill="hold"/>
-                                        <p:tgtEl>
-                                          <p:spTgt spid="3">
-                                            <p:txEl>
-                                              <p:pRg st="4" end="4"/>
-                                            </p:txEl>
-                                          </p:spTgt>
-                                        </p:tgtEl>
-                                        <p:attrNameLst>
-                                          <p:attrName>ppt_x</p:attrName>
-                                        </p:attrNameLst>
-                                      </p:cBhvr>
-                                      <p:tavLst>
-                                        <p:tav tm="0">
-                                          <p:val>
-                                            <p:strVal val="#ppt_x"/>
-                                          </p:val>
-                                        </p:tav>
-                                        <p:tav tm="100000">
-                                          <p:val>
-                                            <p:strVal val="#ppt_x"/>
-                                          </p:val>
-                                        </p:tav>
-                                      </p:tavLst>
-                                    </p:anim>
-                                    <p:anim calcmode="lin" valueType="num">
-                                      <p:cBhvr>
-                                        <p:cTn id="29" dur="1000" fill="hold"/>
-                                        <p:tgtEl>
-                                          <p:spTgt spid="3">
-                                            <p:txEl>
-                                              <p:pRg st="4" end="4"/>
-                                            </p:txEl>
-                                          </p:spTgt>
-                                        </p:tgtEl>
-                                        <p:attrNameLst>
-                                          <p:attrName>ppt_y</p:attrName>
-                                        </p:attrNameLst>
-                                      </p:cBhvr>
-                                      <p:tavLst>
-                                        <p:tav tm="0">
-                                          <p:val>
-                                            <p:strVal val="#ppt_y+.1"/>
-                                          </p:val>
-                                        </p:tav>
-                                        <p:tav tm="100000">
-                                          <p:val>
-                                            <p:strVal val="#ppt_y"/>
-                                          </p:val>
-                                        </p:tav>
-                                      </p:tavLst>
-                                    </p:anim>
-                                  </p:childTnLst>
-                                </p:cTn>
-                              </p:par>
-                            </p:childTnLst>
-                          </p:cTn>
-                        </p:par>
-                      </p:childTnLst>
-                    </p:cTn>
-                  </p:par>
-                </p:childTnLst>
-              </p:cTn>
-              <p:prevCondLst>
-                <p:cond evt="onPrev" delay="0">
-                  <p:tgtEl>
-                    <p:sldTgt/>
-                  </p:tgtEl>
-                </p:cond>
-              </p:prevCondLst>
-              <p:nextCondLst>
-                <p:cond evt="onNext" delay="0">
-                  <p:tgtEl>
-                    <p:sldTgt/>
-                  </p:tgtEl>
-                </p:cond>
-              </p:nextCondLst>
-            </p:seq>
-          </p:childTnLst>
-        </p:cTn>
+        <p:cTn id="1" dur="indefinite" restart="never" nodeType="tmRoot"/>
       </p:par>
     </p:tnLst>
-    <p:bldLst>
-      <p:bldP spid="2" grpId="0"/>
-      <p:bldP spid="3" grpId="0" build="p"/>
-    </p:bldLst>
   </p:timing>
 </p:sld>
 </file>
@@ -10244,7 +8654,6 @@
               <a:rPr lang="en-CA" sz="2200" dirty="0" smtClean="0"/>
               <a:t>Viewer Friendly and easy to navigate layout</a:t>
             </a:r>
-            <a:endParaRPr lang="en-CA" sz="2200" dirty="0" smtClean="0"/>
           </a:p>
           <a:p>
             <a:pPr marL="457200" indent="-457200">
@@ -10281,664 +8690,9 @@
   <p:timing>
     <p:tnLst>
       <p:par>
-        <p:cTn id="1" dur="indefinite" restart="never" nodeType="tmRoot">
-          <p:childTnLst>
-            <p:seq concurrent="1" nextAc="seek">
-              <p:cTn id="2" dur="indefinite" nodeType="mainSeq">
-                <p:childTnLst>
-                  <p:par>
-                    <p:cTn id="3" fill="hold">
-                      <p:stCondLst>
-                        <p:cond delay="indefinite"/>
-                      </p:stCondLst>
-                      <p:childTnLst>
-                        <p:par>
-                          <p:cTn id="4" fill="hold">
-                            <p:stCondLst>
-                              <p:cond delay="0"/>
-                            </p:stCondLst>
-                            <p:childTnLst>
-                              <p:par>
-                                <p:cTn id="5" presetID="10" presetClass="entr" presetSubtype="0" fill="hold" grpId="0" nodeType="clickEffect">
-                                  <p:stCondLst>
-                                    <p:cond delay="0"/>
-                                  </p:stCondLst>
-                                  <p:childTnLst>
-                                    <p:set>
-                                      <p:cBhvr>
-                                        <p:cTn id="6" dur="1" fill="hold">
-                                          <p:stCondLst>
-                                            <p:cond delay="0"/>
-                                          </p:stCondLst>
-                                        </p:cTn>
-                                        <p:tgtEl>
-                                          <p:spTgt spid="2"/>
-                                        </p:tgtEl>
-                                        <p:attrNameLst>
-                                          <p:attrName>style.visibility</p:attrName>
-                                        </p:attrNameLst>
-                                      </p:cBhvr>
-                                      <p:to>
-                                        <p:strVal val="visible"/>
-                                      </p:to>
-                                    </p:set>
-                                    <p:animEffect transition="in" filter="fade">
-                                      <p:cBhvr>
-                                        <p:cTn id="7" dur="500"/>
-                                        <p:tgtEl>
-                                          <p:spTgt spid="2"/>
-                                        </p:tgtEl>
-                                      </p:cBhvr>
-                                    </p:animEffect>
-                                  </p:childTnLst>
-                                </p:cTn>
-                              </p:par>
-                            </p:childTnLst>
-                          </p:cTn>
-                        </p:par>
-                      </p:childTnLst>
-                    </p:cTn>
-                  </p:par>
-                  <p:par>
-                    <p:cTn id="8" fill="hold">
-                      <p:stCondLst>
-                        <p:cond delay="indefinite"/>
-                      </p:stCondLst>
-                      <p:childTnLst>
-                        <p:par>
-                          <p:cTn id="9" fill="hold">
-                            <p:stCondLst>
-                              <p:cond delay="0"/>
-                            </p:stCondLst>
-                            <p:childTnLst>
-                              <p:par>
-                                <p:cTn id="10" presetID="42" presetClass="entr" presetSubtype="0" fill="hold" grpId="0" nodeType="clickEffect">
-                                  <p:stCondLst>
-                                    <p:cond delay="0"/>
-                                  </p:stCondLst>
-                                  <p:childTnLst>
-                                    <p:set>
-                                      <p:cBhvr>
-                                        <p:cTn id="11" dur="1" fill="hold">
-                                          <p:stCondLst>
-                                            <p:cond delay="0"/>
-                                          </p:stCondLst>
-                                        </p:cTn>
-                                        <p:tgtEl>
-                                          <p:spTgt spid="3">
-                                            <p:txEl>
-                                              <p:pRg st="0" end="0"/>
-                                            </p:txEl>
-                                          </p:spTgt>
-                                        </p:tgtEl>
-                                        <p:attrNameLst>
-                                          <p:attrName>style.visibility</p:attrName>
-                                        </p:attrNameLst>
-                                      </p:cBhvr>
-                                      <p:to>
-                                        <p:strVal val="visible"/>
-                                      </p:to>
-                                    </p:set>
-                                    <p:animEffect transition="in" filter="fade">
-                                      <p:cBhvr>
-                                        <p:cTn id="12" dur="1000"/>
-                                        <p:tgtEl>
-                                          <p:spTgt spid="3">
-                                            <p:txEl>
-                                              <p:pRg st="0" end="0"/>
-                                            </p:txEl>
-                                          </p:spTgt>
-                                        </p:tgtEl>
-                                      </p:cBhvr>
-                                    </p:animEffect>
-                                    <p:anim calcmode="lin" valueType="num">
-                                      <p:cBhvr>
-                                        <p:cTn id="13" dur="1000" fill="hold"/>
-                                        <p:tgtEl>
-                                          <p:spTgt spid="3">
-                                            <p:txEl>
-                                              <p:pRg st="0" end="0"/>
-                                            </p:txEl>
-                                          </p:spTgt>
-                                        </p:tgtEl>
-                                        <p:attrNameLst>
-                                          <p:attrName>ppt_x</p:attrName>
-                                        </p:attrNameLst>
-                                      </p:cBhvr>
-                                      <p:tavLst>
-                                        <p:tav tm="0">
-                                          <p:val>
-                                            <p:strVal val="#ppt_x"/>
-                                          </p:val>
-                                        </p:tav>
-                                        <p:tav tm="100000">
-                                          <p:val>
-                                            <p:strVal val="#ppt_x"/>
-                                          </p:val>
-                                        </p:tav>
-                                      </p:tavLst>
-                                    </p:anim>
-                                    <p:anim calcmode="lin" valueType="num">
-                                      <p:cBhvr>
-                                        <p:cTn id="14" dur="1000" fill="hold"/>
-                                        <p:tgtEl>
-                                          <p:spTgt spid="3">
-                                            <p:txEl>
-                                              <p:pRg st="0" end="0"/>
-                                            </p:txEl>
-                                          </p:spTgt>
-                                        </p:tgtEl>
-                                        <p:attrNameLst>
-                                          <p:attrName>ppt_y</p:attrName>
-                                        </p:attrNameLst>
-                                      </p:cBhvr>
-                                      <p:tavLst>
-                                        <p:tav tm="0">
-                                          <p:val>
-                                            <p:strVal val="#ppt_y+.1"/>
-                                          </p:val>
-                                        </p:tav>
-                                        <p:tav tm="100000">
-                                          <p:val>
-                                            <p:strVal val="#ppt_y"/>
-                                          </p:val>
-                                        </p:tav>
-                                      </p:tavLst>
-                                    </p:anim>
-                                  </p:childTnLst>
-                                </p:cTn>
-                              </p:par>
-                            </p:childTnLst>
-                          </p:cTn>
-                        </p:par>
-                      </p:childTnLst>
-                    </p:cTn>
-                  </p:par>
-                  <p:par>
-                    <p:cTn id="15" fill="hold">
-                      <p:stCondLst>
-                        <p:cond delay="indefinite"/>
-                      </p:stCondLst>
-                      <p:childTnLst>
-                        <p:par>
-                          <p:cTn id="16" fill="hold">
-                            <p:stCondLst>
-                              <p:cond delay="0"/>
-                            </p:stCondLst>
-                            <p:childTnLst>
-                              <p:par>
-                                <p:cTn id="17" presetID="42" presetClass="entr" presetSubtype="0" fill="hold" grpId="0" nodeType="clickEffect">
-                                  <p:stCondLst>
-                                    <p:cond delay="0"/>
-                                  </p:stCondLst>
-                                  <p:childTnLst>
-                                    <p:set>
-                                      <p:cBhvr>
-                                        <p:cTn id="18" dur="1" fill="hold">
-                                          <p:stCondLst>
-                                            <p:cond delay="0"/>
-                                          </p:stCondLst>
-                                        </p:cTn>
-                                        <p:tgtEl>
-                                          <p:spTgt spid="3">
-                                            <p:txEl>
-                                              <p:pRg st="1" end="1"/>
-                                            </p:txEl>
-                                          </p:spTgt>
-                                        </p:tgtEl>
-                                        <p:attrNameLst>
-                                          <p:attrName>style.visibility</p:attrName>
-                                        </p:attrNameLst>
-                                      </p:cBhvr>
-                                      <p:to>
-                                        <p:strVal val="visible"/>
-                                      </p:to>
-                                    </p:set>
-                                    <p:animEffect transition="in" filter="fade">
-                                      <p:cBhvr>
-                                        <p:cTn id="19" dur="1000"/>
-                                        <p:tgtEl>
-                                          <p:spTgt spid="3">
-                                            <p:txEl>
-                                              <p:pRg st="1" end="1"/>
-                                            </p:txEl>
-                                          </p:spTgt>
-                                        </p:tgtEl>
-                                      </p:cBhvr>
-                                    </p:animEffect>
-                                    <p:anim calcmode="lin" valueType="num">
-                                      <p:cBhvr>
-                                        <p:cTn id="20" dur="1000" fill="hold"/>
-                                        <p:tgtEl>
-                                          <p:spTgt spid="3">
-                                            <p:txEl>
-                                              <p:pRg st="1" end="1"/>
-                                            </p:txEl>
-                                          </p:spTgt>
-                                        </p:tgtEl>
-                                        <p:attrNameLst>
-                                          <p:attrName>ppt_x</p:attrName>
-                                        </p:attrNameLst>
-                                      </p:cBhvr>
-                                      <p:tavLst>
-                                        <p:tav tm="0">
-                                          <p:val>
-                                            <p:strVal val="#ppt_x"/>
-                                          </p:val>
-                                        </p:tav>
-                                        <p:tav tm="100000">
-                                          <p:val>
-                                            <p:strVal val="#ppt_x"/>
-                                          </p:val>
-                                        </p:tav>
-                                      </p:tavLst>
-                                    </p:anim>
-                                    <p:anim calcmode="lin" valueType="num">
-                                      <p:cBhvr>
-                                        <p:cTn id="21" dur="1000" fill="hold"/>
-                                        <p:tgtEl>
-                                          <p:spTgt spid="3">
-                                            <p:txEl>
-                                              <p:pRg st="1" end="1"/>
-                                            </p:txEl>
-                                          </p:spTgt>
-                                        </p:tgtEl>
-                                        <p:attrNameLst>
-                                          <p:attrName>ppt_y</p:attrName>
-                                        </p:attrNameLst>
-                                      </p:cBhvr>
-                                      <p:tavLst>
-                                        <p:tav tm="0">
-                                          <p:val>
-                                            <p:strVal val="#ppt_y+.1"/>
-                                          </p:val>
-                                        </p:tav>
-                                        <p:tav tm="100000">
-                                          <p:val>
-                                            <p:strVal val="#ppt_y"/>
-                                          </p:val>
-                                        </p:tav>
-                                      </p:tavLst>
-                                    </p:anim>
-                                  </p:childTnLst>
-                                </p:cTn>
-                              </p:par>
-                            </p:childTnLst>
-                          </p:cTn>
-                        </p:par>
-                      </p:childTnLst>
-                    </p:cTn>
-                  </p:par>
-                  <p:par>
-                    <p:cTn id="22" fill="hold">
-                      <p:stCondLst>
-                        <p:cond delay="indefinite"/>
-                      </p:stCondLst>
-                      <p:childTnLst>
-                        <p:par>
-                          <p:cTn id="23" fill="hold">
-                            <p:stCondLst>
-                              <p:cond delay="0"/>
-                            </p:stCondLst>
-                            <p:childTnLst>
-                              <p:par>
-                                <p:cTn id="24" presetID="42" presetClass="entr" presetSubtype="0" fill="hold" grpId="0" nodeType="clickEffect">
-                                  <p:stCondLst>
-                                    <p:cond delay="0"/>
-                                  </p:stCondLst>
-                                  <p:childTnLst>
-                                    <p:set>
-                                      <p:cBhvr>
-                                        <p:cTn id="25" dur="1" fill="hold">
-                                          <p:stCondLst>
-                                            <p:cond delay="0"/>
-                                          </p:stCondLst>
-                                        </p:cTn>
-                                        <p:tgtEl>
-                                          <p:spTgt spid="3">
-                                            <p:txEl>
-                                              <p:pRg st="2" end="2"/>
-                                            </p:txEl>
-                                          </p:spTgt>
-                                        </p:tgtEl>
-                                        <p:attrNameLst>
-                                          <p:attrName>style.visibility</p:attrName>
-                                        </p:attrNameLst>
-                                      </p:cBhvr>
-                                      <p:to>
-                                        <p:strVal val="visible"/>
-                                      </p:to>
-                                    </p:set>
-                                    <p:animEffect transition="in" filter="fade">
-                                      <p:cBhvr>
-                                        <p:cTn id="26" dur="1000"/>
-                                        <p:tgtEl>
-                                          <p:spTgt spid="3">
-                                            <p:txEl>
-                                              <p:pRg st="2" end="2"/>
-                                            </p:txEl>
-                                          </p:spTgt>
-                                        </p:tgtEl>
-                                      </p:cBhvr>
-                                    </p:animEffect>
-                                    <p:anim calcmode="lin" valueType="num">
-                                      <p:cBhvr>
-                                        <p:cTn id="27" dur="1000" fill="hold"/>
-                                        <p:tgtEl>
-                                          <p:spTgt spid="3">
-                                            <p:txEl>
-                                              <p:pRg st="2" end="2"/>
-                                            </p:txEl>
-                                          </p:spTgt>
-                                        </p:tgtEl>
-                                        <p:attrNameLst>
-                                          <p:attrName>ppt_x</p:attrName>
-                                        </p:attrNameLst>
-                                      </p:cBhvr>
-                                      <p:tavLst>
-                                        <p:tav tm="0">
-                                          <p:val>
-                                            <p:strVal val="#ppt_x"/>
-                                          </p:val>
-                                        </p:tav>
-                                        <p:tav tm="100000">
-                                          <p:val>
-                                            <p:strVal val="#ppt_x"/>
-                                          </p:val>
-                                        </p:tav>
-                                      </p:tavLst>
-                                    </p:anim>
-                                    <p:anim calcmode="lin" valueType="num">
-                                      <p:cBhvr>
-                                        <p:cTn id="28" dur="1000" fill="hold"/>
-                                        <p:tgtEl>
-                                          <p:spTgt spid="3">
-                                            <p:txEl>
-                                              <p:pRg st="2" end="2"/>
-                                            </p:txEl>
-                                          </p:spTgt>
-                                        </p:tgtEl>
-                                        <p:attrNameLst>
-                                          <p:attrName>ppt_y</p:attrName>
-                                        </p:attrNameLst>
-                                      </p:cBhvr>
-                                      <p:tavLst>
-                                        <p:tav tm="0">
-                                          <p:val>
-                                            <p:strVal val="#ppt_y+.1"/>
-                                          </p:val>
-                                        </p:tav>
-                                        <p:tav tm="100000">
-                                          <p:val>
-                                            <p:strVal val="#ppt_y"/>
-                                          </p:val>
-                                        </p:tav>
-                                      </p:tavLst>
-                                    </p:anim>
-                                  </p:childTnLst>
-                                </p:cTn>
-                              </p:par>
-                            </p:childTnLst>
-                          </p:cTn>
-                        </p:par>
-                      </p:childTnLst>
-                    </p:cTn>
-                  </p:par>
-                  <p:par>
-                    <p:cTn id="29" fill="hold">
-                      <p:stCondLst>
-                        <p:cond delay="indefinite"/>
-                      </p:stCondLst>
-                      <p:childTnLst>
-                        <p:par>
-                          <p:cTn id="30" fill="hold">
-                            <p:stCondLst>
-                              <p:cond delay="0"/>
-                            </p:stCondLst>
-                            <p:childTnLst>
-                              <p:par>
-                                <p:cTn id="31" presetID="42" presetClass="entr" presetSubtype="0" fill="hold" grpId="0" nodeType="clickEffect">
-                                  <p:stCondLst>
-                                    <p:cond delay="0"/>
-                                  </p:stCondLst>
-                                  <p:childTnLst>
-                                    <p:set>
-                                      <p:cBhvr>
-                                        <p:cTn id="32" dur="1" fill="hold">
-                                          <p:stCondLst>
-                                            <p:cond delay="0"/>
-                                          </p:stCondLst>
-                                        </p:cTn>
-                                        <p:tgtEl>
-                                          <p:spTgt spid="3">
-                                            <p:txEl>
-                                              <p:pRg st="4" end="4"/>
-                                            </p:txEl>
-                                          </p:spTgt>
-                                        </p:tgtEl>
-                                        <p:attrNameLst>
-                                          <p:attrName>style.visibility</p:attrName>
-                                        </p:attrNameLst>
-                                      </p:cBhvr>
-                                      <p:to>
-                                        <p:strVal val="visible"/>
-                                      </p:to>
-                                    </p:set>
-                                    <p:animEffect transition="in" filter="fade">
-                                      <p:cBhvr>
-                                        <p:cTn id="33" dur="1000"/>
-                                        <p:tgtEl>
-                                          <p:spTgt spid="3">
-                                            <p:txEl>
-                                              <p:pRg st="4" end="4"/>
-                                            </p:txEl>
-                                          </p:spTgt>
-                                        </p:tgtEl>
-                                      </p:cBhvr>
-                                    </p:animEffect>
-                                    <p:anim calcmode="lin" valueType="num">
-                                      <p:cBhvr>
-                                        <p:cTn id="34" dur="1000" fill="hold"/>
-                                        <p:tgtEl>
-                                          <p:spTgt spid="3">
-                                            <p:txEl>
-                                              <p:pRg st="4" end="4"/>
-                                            </p:txEl>
-                                          </p:spTgt>
-                                        </p:tgtEl>
-                                        <p:attrNameLst>
-                                          <p:attrName>ppt_x</p:attrName>
-                                        </p:attrNameLst>
-                                      </p:cBhvr>
-                                      <p:tavLst>
-                                        <p:tav tm="0">
-                                          <p:val>
-                                            <p:strVal val="#ppt_x"/>
-                                          </p:val>
-                                        </p:tav>
-                                        <p:tav tm="100000">
-                                          <p:val>
-                                            <p:strVal val="#ppt_x"/>
-                                          </p:val>
-                                        </p:tav>
-                                      </p:tavLst>
-                                    </p:anim>
-                                    <p:anim calcmode="lin" valueType="num">
-                                      <p:cBhvr>
-                                        <p:cTn id="35" dur="1000" fill="hold"/>
-                                        <p:tgtEl>
-                                          <p:spTgt spid="3">
-                                            <p:txEl>
-                                              <p:pRg st="4" end="4"/>
-                                            </p:txEl>
-                                          </p:spTgt>
-                                        </p:tgtEl>
-                                        <p:attrNameLst>
-                                          <p:attrName>ppt_y</p:attrName>
-                                        </p:attrNameLst>
-                                      </p:cBhvr>
-                                      <p:tavLst>
-                                        <p:tav tm="0">
-                                          <p:val>
-                                            <p:strVal val="#ppt_y+.1"/>
-                                          </p:val>
-                                        </p:tav>
-                                        <p:tav tm="100000">
-                                          <p:val>
-                                            <p:strVal val="#ppt_y"/>
-                                          </p:val>
-                                        </p:tav>
-                                      </p:tavLst>
-                                    </p:anim>
-                                  </p:childTnLst>
-                                </p:cTn>
-                              </p:par>
-                            </p:childTnLst>
-                          </p:cTn>
-                        </p:par>
-                      </p:childTnLst>
-                    </p:cTn>
-                  </p:par>
-                  <p:par>
-                    <p:cTn id="36" fill="hold">
-                      <p:stCondLst>
-                        <p:cond delay="indefinite"/>
-                      </p:stCondLst>
-                      <p:childTnLst>
-                        <p:par>
-                          <p:cTn id="37" fill="hold">
-                            <p:stCondLst>
-                              <p:cond delay="0"/>
-                            </p:stCondLst>
-                            <p:childTnLst>
-                              <p:par>
-                                <p:cTn id="38" presetID="42" presetClass="entr" presetSubtype="0" fill="hold" grpId="0" nodeType="clickEffect">
-                                  <p:stCondLst>
-                                    <p:cond delay="0"/>
-                                  </p:stCondLst>
-                                  <p:childTnLst>
-                                    <p:set>
-                                      <p:cBhvr>
-                                        <p:cTn id="39" dur="1" fill="hold">
-                                          <p:stCondLst>
-                                            <p:cond delay="0"/>
-                                          </p:stCondLst>
-                                        </p:cTn>
-                                        <p:tgtEl>
-                                          <p:spTgt spid="3">
-                                            <p:txEl>
-                                              <p:pRg st="5" end="5"/>
-                                            </p:txEl>
-                                          </p:spTgt>
-                                        </p:tgtEl>
-                                        <p:attrNameLst>
-                                          <p:attrName>style.visibility</p:attrName>
-                                        </p:attrNameLst>
-                                      </p:cBhvr>
-                                      <p:to>
-                                        <p:strVal val="visible"/>
-                                      </p:to>
-                                    </p:set>
-                                    <p:animEffect transition="in" filter="fade">
-                                      <p:cBhvr>
-                                        <p:cTn id="40" dur="1000"/>
-                                        <p:tgtEl>
-                                          <p:spTgt spid="3">
-                                            <p:txEl>
-                                              <p:pRg st="5" end="5"/>
-                                            </p:txEl>
-                                          </p:spTgt>
-                                        </p:tgtEl>
-                                      </p:cBhvr>
-                                    </p:animEffect>
-                                    <p:anim calcmode="lin" valueType="num">
-                                      <p:cBhvr>
-                                        <p:cTn id="41" dur="1000" fill="hold"/>
-                                        <p:tgtEl>
-                                          <p:spTgt spid="3">
-                                            <p:txEl>
-                                              <p:pRg st="5" end="5"/>
-                                            </p:txEl>
-                                          </p:spTgt>
-                                        </p:tgtEl>
-                                        <p:attrNameLst>
-                                          <p:attrName>ppt_x</p:attrName>
-                                        </p:attrNameLst>
-                                      </p:cBhvr>
-                                      <p:tavLst>
-                                        <p:tav tm="0">
-                                          <p:val>
-                                            <p:strVal val="#ppt_x"/>
-                                          </p:val>
-                                        </p:tav>
-                                        <p:tav tm="100000">
-                                          <p:val>
-                                            <p:strVal val="#ppt_x"/>
-                                          </p:val>
-                                        </p:tav>
-                                      </p:tavLst>
-                                    </p:anim>
-                                    <p:anim calcmode="lin" valueType="num">
-                                      <p:cBhvr>
-                                        <p:cTn id="42" dur="1000" fill="hold"/>
-                                        <p:tgtEl>
-                                          <p:spTgt spid="3">
-                                            <p:txEl>
-                                              <p:pRg st="5" end="5"/>
-                                            </p:txEl>
-                                          </p:spTgt>
-                                        </p:tgtEl>
-                                        <p:attrNameLst>
-                                          <p:attrName>ppt_y</p:attrName>
-                                        </p:attrNameLst>
-                                      </p:cBhvr>
-                                      <p:tavLst>
-                                        <p:tav tm="0">
-                                          <p:val>
-                                            <p:strVal val="#ppt_y+.1"/>
-                                          </p:val>
-                                        </p:tav>
-                                        <p:tav tm="100000">
-                                          <p:val>
-                                            <p:strVal val="#ppt_y"/>
-                                          </p:val>
-                                        </p:tav>
-                                      </p:tavLst>
-                                    </p:anim>
-                                  </p:childTnLst>
-                                </p:cTn>
-                              </p:par>
-                            </p:childTnLst>
-                          </p:cTn>
-                        </p:par>
-                      </p:childTnLst>
-                    </p:cTn>
-                  </p:par>
-                </p:childTnLst>
-              </p:cTn>
-              <p:prevCondLst>
-                <p:cond evt="onPrev" delay="0">
-                  <p:tgtEl>
-                    <p:sldTgt/>
-                  </p:tgtEl>
-                </p:cond>
-              </p:prevCondLst>
-              <p:nextCondLst>
-                <p:cond evt="onNext" delay="0">
-                  <p:tgtEl>
-                    <p:sldTgt/>
-                  </p:tgtEl>
-                </p:cond>
-              </p:nextCondLst>
-            </p:seq>
-          </p:childTnLst>
-        </p:cTn>
+        <p:cTn id="1" dur="indefinite" restart="never" nodeType="tmRoot"/>
       </p:par>
     </p:tnLst>
-    <p:bldLst>
-      <p:bldP spid="2" grpId="0"/>
-      <p:bldP spid="3" grpId="0" build="p"/>
-    </p:bldLst>
   </p:timing>
 </p:sld>
 </file>
@@ -11213,204 +8967,9 @@
   <p:timing>
     <p:tnLst>
       <p:par>
-        <p:cTn id="1" dur="indefinite" restart="never" nodeType="tmRoot">
-          <p:childTnLst>
-            <p:seq concurrent="1" nextAc="seek">
-              <p:cTn id="2" dur="indefinite" nodeType="mainSeq">
-                <p:childTnLst>
-                  <p:par>
-                    <p:cTn id="3" fill="hold">
-                      <p:stCondLst>
-                        <p:cond delay="indefinite"/>
-                      </p:stCondLst>
-                      <p:childTnLst>
-                        <p:par>
-                          <p:cTn id="4" fill="hold">
-                            <p:stCondLst>
-                              <p:cond delay="0"/>
-                            </p:stCondLst>
-                            <p:childTnLst>
-                              <p:par>
-                                <p:cTn id="5" presetID="10" presetClass="entr" presetSubtype="0" fill="hold" grpId="0" nodeType="clickEffect">
-                                  <p:stCondLst>
-                                    <p:cond delay="0"/>
-                                  </p:stCondLst>
-                                  <p:childTnLst>
-                                    <p:set>
-                                      <p:cBhvr>
-                                        <p:cTn id="6" dur="1" fill="hold">
-                                          <p:stCondLst>
-                                            <p:cond delay="0"/>
-                                          </p:stCondLst>
-                                        </p:cTn>
-                                        <p:tgtEl>
-                                          <p:spTgt spid="2"/>
-                                        </p:tgtEl>
-                                        <p:attrNameLst>
-                                          <p:attrName>style.visibility</p:attrName>
-                                        </p:attrNameLst>
-                                      </p:cBhvr>
-                                      <p:to>
-                                        <p:strVal val="visible"/>
-                                      </p:to>
-                                    </p:set>
-                                    <p:animEffect transition="in" filter="fade">
-                                      <p:cBhvr>
-                                        <p:cTn id="7" dur="500"/>
-                                        <p:tgtEl>
-                                          <p:spTgt spid="2"/>
-                                        </p:tgtEl>
-                                      </p:cBhvr>
-                                    </p:animEffect>
-                                  </p:childTnLst>
-                                </p:cTn>
-                              </p:par>
-                            </p:childTnLst>
-                          </p:cTn>
-                        </p:par>
-                      </p:childTnLst>
-                    </p:cTn>
-                  </p:par>
-                  <p:par>
-                    <p:cTn id="8" fill="hold">
-                      <p:stCondLst>
-                        <p:cond delay="indefinite"/>
-                      </p:stCondLst>
-                      <p:childTnLst>
-                        <p:par>
-                          <p:cTn id="9" fill="hold">
-                            <p:stCondLst>
-                              <p:cond delay="0"/>
-                            </p:stCondLst>
-                            <p:childTnLst>
-                              <p:par>
-                                <p:cTn id="10" presetID="42" presetClass="entr" presetSubtype="0" fill="hold" grpId="0" nodeType="clickEffect">
-                                  <p:stCondLst>
-                                    <p:cond delay="0"/>
-                                  </p:stCondLst>
-                                  <p:childTnLst>
-                                    <p:set>
-                                      <p:cBhvr>
-                                        <p:cTn id="11" dur="1" fill="hold">
-                                          <p:stCondLst>
-                                            <p:cond delay="0"/>
-                                          </p:stCondLst>
-                                        </p:cTn>
-                                        <p:tgtEl>
-                                          <p:spTgt spid="3">
-                                            <p:txEl>
-                                              <p:pRg st="0" end="0"/>
-                                            </p:txEl>
-                                          </p:spTgt>
-                                        </p:tgtEl>
-                                        <p:attrNameLst>
-                                          <p:attrName>style.visibility</p:attrName>
-                                        </p:attrNameLst>
-                                      </p:cBhvr>
-                                      <p:to>
-                                        <p:strVal val="visible"/>
-                                      </p:to>
-                                    </p:set>
-                                    <p:animEffect transition="in" filter="fade">
-                                      <p:cBhvr>
-                                        <p:cTn id="12" dur="1000"/>
-                                        <p:tgtEl>
-                                          <p:spTgt spid="3">
-                                            <p:txEl>
-                                              <p:pRg st="0" end="0"/>
-                                            </p:txEl>
-                                          </p:spTgt>
-                                        </p:tgtEl>
-                                      </p:cBhvr>
-                                    </p:animEffect>
-                                    <p:anim calcmode="lin" valueType="num">
-                                      <p:cBhvr>
-                                        <p:cTn id="13" dur="1000" fill="hold"/>
-                                        <p:tgtEl>
-                                          <p:spTgt spid="3">
-                                            <p:txEl>
-                                              <p:pRg st="0" end="0"/>
-                                            </p:txEl>
-                                          </p:spTgt>
-                                        </p:tgtEl>
-                                        <p:attrNameLst>
-                                          <p:attrName>ppt_x</p:attrName>
-                                        </p:attrNameLst>
-                                      </p:cBhvr>
-                                      <p:tavLst>
-                                        <p:tav tm="0">
-                                          <p:val>
-                                            <p:strVal val="#ppt_x"/>
-                                          </p:val>
-                                        </p:tav>
-                                        <p:tav tm="100000">
-                                          <p:val>
-                                            <p:strVal val="#ppt_x"/>
-                                          </p:val>
-                                        </p:tav>
-                                      </p:tavLst>
-                                    </p:anim>
-                                    <p:anim calcmode="lin" valueType="num">
-                                      <p:cBhvr>
-                                        <p:cTn id="14" dur="1000" fill="hold"/>
-                                        <p:tgtEl>
-                                          <p:spTgt spid="3">
-                                            <p:txEl>
-                                              <p:pRg st="0" end="0"/>
-                                            </p:txEl>
-                                          </p:spTgt>
-                                        </p:tgtEl>
-                                        <p:attrNameLst>
-                                          <p:attrName>ppt_y</p:attrName>
-                                        </p:attrNameLst>
-                                      </p:cBhvr>
-                                      <p:tavLst>
-                                        <p:tav tm="0">
-                                          <p:val>
-                                            <p:strVal val="#ppt_y+.1"/>
-                                          </p:val>
-                                        </p:tav>
-                                        <p:tav tm="100000">
-                                          <p:val>
-                                            <p:strVal val="#ppt_y"/>
-                                          </p:val>
-                                        </p:tav>
-                                      </p:tavLst>
-                                    </p:anim>
-                                  </p:childTnLst>
-                                </p:cTn>
-                              </p:par>
-                            </p:childTnLst>
-                          </p:cTn>
-                        </p:par>
-                      </p:childTnLst>
-                    </p:cTn>
-                  </p:par>
-                </p:childTnLst>
-              </p:cTn>
-              <p:prevCondLst>
-                <p:cond evt="onPrev" delay="0">
-                  <p:tgtEl>
-                    <p:sldTgt/>
-                  </p:tgtEl>
-                </p:cond>
-              </p:prevCondLst>
-              <p:nextCondLst>
-                <p:cond evt="onNext" delay="0">
-                  <p:tgtEl>
-                    <p:sldTgt/>
-                  </p:tgtEl>
-                </p:cond>
-              </p:nextCondLst>
-            </p:seq>
-          </p:childTnLst>
-        </p:cTn>
+        <p:cTn id="1" dur="indefinite" restart="never" nodeType="tmRoot"/>
       </p:par>
     </p:tnLst>
-    <p:bldLst>
-      <p:bldP spid="2" grpId="0"/>
-      <p:bldP spid="3" grpId="0" build="p"/>
-    </p:bldLst>
   </p:timing>
 </p:sld>
 </file>
@@ -11603,549 +9162,9 @@
   <p:timing>
     <p:tnLst>
       <p:par>
-        <p:cTn id="1" dur="indefinite" restart="never" nodeType="tmRoot">
-          <p:childTnLst>
-            <p:seq concurrent="1" nextAc="seek">
-              <p:cTn id="2" dur="indefinite" nodeType="mainSeq">
-                <p:childTnLst>
-                  <p:par>
-                    <p:cTn id="3" fill="hold">
-                      <p:stCondLst>
-                        <p:cond delay="indefinite"/>
-                      </p:stCondLst>
-                      <p:childTnLst>
-                        <p:par>
-                          <p:cTn id="4" fill="hold">
-                            <p:stCondLst>
-                              <p:cond delay="0"/>
-                            </p:stCondLst>
-                            <p:childTnLst>
-                              <p:par>
-                                <p:cTn id="5" presetID="10" presetClass="entr" presetSubtype="0" fill="hold" grpId="0" nodeType="clickEffect">
-                                  <p:stCondLst>
-                                    <p:cond delay="0"/>
-                                  </p:stCondLst>
-                                  <p:childTnLst>
-                                    <p:set>
-                                      <p:cBhvr>
-                                        <p:cTn id="6" dur="1" fill="hold">
-                                          <p:stCondLst>
-                                            <p:cond delay="0"/>
-                                          </p:stCondLst>
-                                        </p:cTn>
-                                        <p:tgtEl>
-                                          <p:spTgt spid="2"/>
-                                        </p:tgtEl>
-                                        <p:attrNameLst>
-                                          <p:attrName>style.visibility</p:attrName>
-                                        </p:attrNameLst>
-                                      </p:cBhvr>
-                                      <p:to>
-                                        <p:strVal val="visible"/>
-                                      </p:to>
-                                    </p:set>
-                                    <p:animEffect transition="in" filter="fade">
-                                      <p:cBhvr>
-                                        <p:cTn id="7" dur="500"/>
-                                        <p:tgtEl>
-                                          <p:spTgt spid="2"/>
-                                        </p:tgtEl>
-                                      </p:cBhvr>
-                                    </p:animEffect>
-                                  </p:childTnLst>
-                                </p:cTn>
-                              </p:par>
-                            </p:childTnLst>
-                          </p:cTn>
-                        </p:par>
-                      </p:childTnLst>
-                    </p:cTn>
-                  </p:par>
-                  <p:par>
-                    <p:cTn id="8" fill="hold">
-                      <p:stCondLst>
-                        <p:cond delay="indefinite"/>
-                      </p:stCondLst>
-                      <p:childTnLst>
-                        <p:par>
-                          <p:cTn id="9" fill="hold">
-                            <p:stCondLst>
-                              <p:cond delay="0"/>
-                            </p:stCondLst>
-                            <p:childTnLst>
-                              <p:par>
-                                <p:cTn id="10" presetID="42" presetClass="entr" presetSubtype="0" fill="hold" grpId="0" nodeType="clickEffect">
-                                  <p:stCondLst>
-                                    <p:cond delay="0"/>
-                                  </p:stCondLst>
-                                  <p:childTnLst>
-                                    <p:set>
-                                      <p:cBhvr>
-                                        <p:cTn id="11" dur="1" fill="hold">
-                                          <p:stCondLst>
-                                            <p:cond delay="0"/>
-                                          </p:stCondLst>
-                                        </p:cTn>
-                                        <p:tgtEl>
-                                          <p:spTgt spid="3">
-                                            <p:txEl>
-                                              <p:pRg st="0" end="0"/>
-                                            </p:txEl>
-                                          </p:spTgt>
-                                        </p:tgtEl>
-                                        <p:attrNameLst>
-                                          <p:attrName>style.visibility</p:attrName>
-                                        </p:attrNameLst>
-                                      </p:cBhvr>
-                                      <p:to>
-                                        <p:strVal val="visible"/>
-                                      </p:to>
-                                    </p:set>
-                                    <p:animEffect transition="in" filter="fade">
-                                      <p:cBhvr>
-                                        <p:cTn id="12" dur="1000"/>
-                                        <p:tgtEl>
-                                          <p:spTgt spid="3">
-                                            <p:txEl>
-                                              <p:pRg st="0" end="0"/>
-                                            </p:txEl>
-                                          </p:spTgt>
-                                        </p:tgtEl>
-                                      </p:cBhvr>
-                                    </p:animEffect>
-                                    <p:anim calcmode="lin" valueType="num">
-                                      <p:cBhvr>
-                                        <p:cTn id="13" dur="1000" fill="hold"/>
-                                        <p:tgtEl>
-                                          <p:spTgt spid="3">
-                                            <p:txEl>
-                                              <p:pRg st="0" end="0"/>
-                                            </p:txEl>
-                                          </p:spTgt>
-                                        </p:tgtEl>
-                                        <p:attrNameLst>
-                                          <p:attrName>ppt_x</p:attrName>
-                                        </p:attrNameLst>
-                                      </p:cBhvr>
-                                      <p:tavLst>
-                                        <p:tav tm="0">
-                                          <p:val>
-                                            <p:strVal val="#ppt_x"/>
-                                          </p:val>
-                                        </p:tav>
-                                        <p:tav tm="100000">
-                                          <p:val>
-                                            <p:strVal val="#ppt_x"/>
-                                          </p:val>
-                                        </p:tav>
-                                      </p:tavLst>
-                                    </p:anim>
-                                    <p:anim calcmode="lin" valueType="num">
-                                      <p:cBhvr>
-                                        <p:cTn id="14" dur="1000" fill="hold"/>
-                                        <p:tgtEl>
-                                          <p:spTgt spid="3">
-                                            <p:txEl>
-                                              <p:pRg st="0" end="0"/>
-                                            </p:txEl>
-                                          </p:spTgt>
-                                        </p:tgtEl>
-                                        <p:attrNameLst>
-                                          <p:attrName>ppt_y</p:attrName>
-                                        </p:attrNameLst>
-                                      </p:cBhvr>
-                                      <p:tavLst>
-                                        <p:tav tm="0">
-                                          <p:val>
-                                            <p:strVal val="#ppt_y+.1"/>
-                                          </p:val>
-                                        </p:tav>
-                                        <p:tav tm="100000">
-                                          <p:val>
-                                            <p:strVal val="#ppt_y"/>
-                                          </p:val>
-                                        </p:tav>
-                                      </p:tavLst>
-                                    </p:anim>
-                                  </p:childTnLst>
-                                </p:cTn>
-                              </p:par>
-                            </p:childTnLst>
-                          </p:cTn>
-                        </p:par>
-                      </p:childTnLst>
-                    </p:cTn>
-                  </p:par>
-                  <p:par>
-                    <p:cTn id="15" fill="hold">
-                      <p:stCondLst>
-                        <p:cond delay="indefinite"/>
-                      </p:stCondLst>
-                      <p:childTnLst>
-                        <p:par>
-                          <p:cTn id="16" fill="hold">
-                            <p:stCondLst>
-                              <p:cond delay="0"/>
-                            </p:stCondLst>
-                            <p:childTnLst>
-                              <p:par>
-                                <p:cTn id="17" presetID="42" presetClass="entr" presetSubtype="0" fill="hold" grpId="0" nodeType="clickEffect">
-                                  <p:stCondLst>
-                                    <p:cond delay="0"/>
-                                  </p:stCondLst>
-                                  <p:childTnLst>
-                                    <p:set>
-                                      <p:cBhvr>
-                                        <p:cTn id="18" dur="1" fill="hold">
-                                          <p:stCondLst>
-                                            <p:cond delay="0"/>
-                                          </p:stCondLst>
-                                        </p:cTn>
-                                        <p:tgtEl>
-                                          <p:spTgt spid="3">
-                                            <p:txEl>
-                                              <p:pRg st="2" end="2"/>
-                                            </p:txEl>
-                                          </p:spTgt>
-                                        </p:tgtEl>
-                                        <p:attrNameLst>
-                                          <p:attrName>style.visibility</p:attrName>
-                                        </p:attrNameLst>
-                                      </p:cBhvr>
-                                      <p:to>
-                                        <p:strVal val="visible"/>
-                                      </p:to>
-                                    </p:set>
-                                    <p:animEffect transition="in" filter="fade">
-                                      <p:cBhvr>
-                                        <p:cTn id="19" dur="1000"/>
-                                        <p:tgtEl>
-                                          <p:spTgt spid="3">
-                                            <p:txEl>
-                                              <p:pRg st="2" end="2"/>
-                                            </p:txEl>
-                                          </p:spTgt>
-                                        </p:tgtEl>
-                                      </p:cBhvr>
-                                    </p:animEffect>
-                                    <p:anim calcmode="lin" valueType="num">
-                                      <p:cBhvr>
-                                        <p:cTn id="20" dur="1000" fill="hold"/>
-                                        <p:tgtEl>
-                                          <p:spTgt spid="3">
-                                            <p:txEl>
-                                              <p:pRg st="2" end="2"/>
-                                            </p:txEl>
-                                          </p:spTgt>
-                                        </p:tgtEl>
-                                        <p:attrNameLst>
-                                          <p:attrName>ppt_x</p:attrName>
-                                        </p:attrNameLst>
-                                      </p:cBhvr>
-                                      <p:tavLst>
-                                        <p:tav tm="0">
-                                          <p:val>
-                                            <p:strVal val="#ppt_x"/>
-                                          </p:val>
-                                        </p:tav>
-                                        <p:tav tm="100000">
-                                          <p:val>
-                                            <p:strVal val="#ppt_x"/>
-                                          </p:val>
-                                        </p:tav>
-                                      </p:tavLst>
-                                    </p:anim>
-                                    <p:anim calcmode="lin" valueType="num">
-                                      <p:cBhvr>
-                                        <p:cTn id="21" dur="1000" fill="hold"/>
-                                        <p:tgtEl>
-                                          <p:spTgt spid="3">
-                                            <p:txEl>
-                                              <p:pRg st="2" end="2"/>
-                                            </p:txEl>
-                                          </p:spTgt>
-                                        </p:tgtEl>
-                                        <p:attrNameLst>
-                                          <p:attrName>ppt_y</p:attrName>
-                                        </p:attrNameLst>
-                                      </p:cBhvr>
-                                      <p:tavLst>
-                                        <p:tav tm="0">
-                                          <p:val>
-                                            <p:strVal val="#ppt_y+.1"/>
-                                          </p:val>
-                                        </p:tav>
-                                        <p:tav tm="100000">
-                                          <p:val>
-                                            <p:strVal val="#ppt_y"/>
-                                          </p:val>
-                                        </p:tav>
-                                      </p:tavLst>
-                                    </p:anim>
-                                  </p:childTnLst>
-                                </p:cTn>
-                              </p:par>
-                            </p:childTnLst>
-                          </p:cTn>
-                        </p:par>
-                      </p:childTnLst>
-                    </p:cTn>
-                  </p:par>
-                  <p:par>
-                    <p:cTn id="22" fill="hold">
-                      <p:stCondLst>
-                        <p:cond delay="indefinite"/>
-                      </p:stCondLst>
-                      <p:childTnLst>
-                        <p:par>
-                          <p:cTn id="23" fill="hold">
-                            <p:stCondLst>
-                              <p:cond delay="0"/>
-                            </p:stCondLst>
-                            <p:childTnLst>
-                              <p:par>
-                                <p:cTn id="24" presetID="42" presetClass="entr" presetSubtype="0" fill="hold" grpId="0" nodeType="clickEffect">
-                                  <p:stCondLst>
-                                    <p:cond delay="0"/>
-                                  </p:stCondLst>
-                                  <p:childTnLst>
-                                    <p:set>
-                                      <p:cBhvr>
-                                        <p:cTn id="25" dur="1" fill="hold">
-                                          <p:stCondLst>
-                                            <p:cond delay="0"/>
-                                          </p:stCondLst>
-                                        </p:cTn>
-                                        <p:tgtEl>
-                                          <p:spTgt spid="3">
-                                            <p:txEl>
-                                              <p:pRg st="3" end="3"/>
-                                            </p:txEl>
-                                          </p:spTgt>
-                                        </p:tgtEl>
-                                        <p:attrNameLst>
-                                          <p:attrName>style.visibility</p:attrName>
-                                        </p:attrNameLst>
-                                      </p:cBhvr>
-                                      <p:to>
-                                        <p:strVal val="visible"/>
-                                      </p:to>
-                                    </p:set>
-                                    <p:animEffect transition="in" filter="fade">
-                                      <p:cBhvr>
-                                        <p:cTn id="26" dur="1000"/>
-                                        <p:tgtEl>
-                                          <p:spTgt spid="3">
-                                            <p:txEl>
-                                              <p:pRg st="3" end="3"/>
-                                            </p:txEl>
-                                          </p:spTgt>
-                                        </p:tgtEl>
-                                      </p:cBhvr>
-                                    </p:animEffect>
-                                    <p:anim calcmode="lin" valueType="num">
-                                      <p:cBhvr>
-                                        <p:cTn id="27" dur="1000" fill="hold"/>
-                                        <p:tgtEl>
-                                          <p:spTgt spid="3">
-                                            <p:txEl>
-                                              <p:pRg st="3" end="3"/>
-                                            </p:txEl>
-                                          </p:spTgt>
-                                        </p:tgtEl>
-                                        <p:attrNameLst>
-                                          <p:attrName>ppt_x</p:attrName>
-                                        </p:attrNameLst>
-                                      </p:cBhvr>
-                                      <p:tavLst>
-                                        <p:tav tm="0">
-                                          <p:val>
-                                            <p:strVal val="#ppt_x"/>
-                                          </p:val>
-                                        </p:tav>
-                                        <p:tav tm="100000">
-                                          <p:val>
-                                            <p:strVal val="#ppt_x"/>
-                                          </p:val>
-                                        </p:tav>
-                                      </p:tavLst>
-                                    </p:anim>
-                                    <p:anim calcmode="lin" valueType="num">
-                                      <p:cBhvr>
-                                        <p:cTn id="28" dur="1000" fill="hold"/>
-                                        <p:tgtEl>
-                                          <p:spTgt spid="3">
-                                            <p:txEl>
-                                              <p:pRg st="3" end="3"/>
-                                            </p:txEl>
-                                          </p:spTgt>
-                                        </p:tgtEl>
-                                        <p:attrNameLst>
-                                          <p:attrName>ppt_y</p:attrName>
-                                        </p:attrNameLst>
-                                      </p:cBhvr>
-                                      <p:tavLst>
-                                        <p:tav tm="0">
-                                          <p:val>
-                                            <p:strVal val="#ppt_y+.1"/>
-                                          </p:val>
-                                        </p:tav>
-                                        <p:tav tm="100000">
-                                          <p:val>
-                                            <p:strVal val="#ppt_y"/>
-                                          </p:val>
-                                        </p:tav>
-                                      </p:tavLst>
-                                    </p:anim>
-                                  </p:childTnLst>
-                                </p:cTn>
-                              </p:par>
-                            </p:childTnLst>
-                          </p:cTn>
-                        </p:par>
-                      </p:childTnLst>
-                    </p:cTn>
-                  </p:par>
-                  <p:par>
-                    <p:cTn id="29" fill="hold">
-                      <p:stCondLst>
-                        <p:cond delay="indefinite"/>
-                      </p:stCondLst>
-                      <p:childTnLst>
-                        <p:par>
-                          <p:cTn id="30" fill="hold">
-                            <p:stCondLst>
-                              <p:cond delay="0"/>
-                            </p:stCondLst>
-                            <p:childTnLst>
-                              <p:par>
-                                <p:cTn id="31" presetID="42" presetClass="entr" presetSubtype="0" fill="hold" grpId="0" nodeType="clickEffect">
-                                  <p:stCondLst>
-                                    <p:cond delay="0"/>
-                                  </p:stCondLst>
-                                  <p:childTnLst>
-                                    <p:set>
-                                      <p:cBhvr>
-                                        <p:cTn id="32" dur="1" fill="hold">
-                                          <p:stCondLst>
-                                            <p:cond delay="0"/>
-                                          </p:stCondLst>
-                                        </p:cTn>
-                                        <p:tgtEl>
-                                          <p:spTgt spid="3">
-                                            <p:txEl>
-                                              <p:pRg st="4" end="4"/>
-                                            </p:txEl>
-                                          </p:spTgt>
-                                        </p:tgtEl>
-                                        <p:attrNameLst>
-                                          <p:attrName>style.visibility</p:attrName>
-                                        </p:attrNameLst>
-                                      </p:cBhvr>
-                                      <p:to>
-                                        <p:strVal val="visible"/>
-                                      </p:to>
-                                    </p:set>
-                                    <p:animEffect transition="in" filter="fade">
-                                      <p:cBhvr>
-                                        <p:cTn id="33" dur="1000"/>
-                                        <p:tgtEl>
-                                          <p:spTgt spid="3">
-                                            <p:txEl>
-                                              <p:pRg st="4" end="4"/>
-                                            </p:txEl>
-                                          </p:spTgt>
-                                        </p:tgtEl>
-                                      </p:cBhvr>
-                                    </p:animEffect>
-                                    <p:anim calcmode="lin" valueType="num">
-                                      <p:cBhvr>
-                                        <p:cTn id="34" dur="1000" fill="hold"/>
-                                        <p:tgtEl>
-                                          <p:spTgt spid="3">
-                                            <p:txEl>
-                                              <p:pRg st="4" end="4"/>
-                                            </p:txEl>
-                                          </p:spTgt>
-                                        </p:tgtEl>
-                                        <p:attrNameLst>
-                                          <p:attrName>ppt_x</p:attrName>
-                                        </p:attrNameLst>
-                                      </p:cBhvr>
-                                      <p:tavLst>
-                                        <p:tav tm="0">
-                                          <p:val>
-                                            <p:strVal val="#ppt_x"/>
-                                          </p:val>
-                                        </p:tav>
-                                        <p:tav tm="100000">
-                                          <p:val>
-                                            <p:strVal val="#ppt_x"/>
-                                          </p:val>
-                                        </p:tav>
-                                      </p:tavLst>
-                                    </p:anim>
-                                    <p:anim calcmode="lin" valueType="num">
-                                      <p:cBhvr>
-                                        <p:cTn id="35" dur="1000" fill="hold"/>
-                                        <p:tgtEl>
-                                          <p:spTgt spid="3">
-                                            <p:txEl>
-                                              <p:pRg st="4" end="4"/>
-                                            </p:txEl>
-                                          </p:spTgt>
-                                        </p:tgtEl>
-                                        <p:attrNameLst>
-                                          <p:attrName>ppt_y</p:attrName>
-                                        </p:attrNameLst>
-                                      </p:cBhvr>
-                                      <p:tavLst>
-                                        <p:tav tm="0">
-                                          <p:val>
-                                            <p:strVal val="#ppt_y+.1"/>
-                                          </p:val>
-                                        </p:tav>
-                                        <p:tav tm="100000">
-                                          <p:val>
-                                            <p:strVal val="#ppt_y"/>
-                                          </p:val>
-                                        </p:tav>
-                                      </p:tavLst>
-                                    </p:anim>
-                                  </p:childTnLst>
-                                </p:cTn>
-                              </p:par>
-                            </p:childTnLst>
-                          </p:cTn>
-                        </p:par>
-                      </p:childTnLst>
-                    </p:cTn>
-                  </p:par>
-                </p:childTnLst>
-              </p:cTn>
-              <p:prevCondLst>
-                <p:cond evt="onPrev" delay="0">
-                  <p:tgtEl>
-                    <p:sldTgt/>
-                  </p:tgtEl>
-                </p:cond>
-              </p:prevCondLst>
-              <p:nextCondLst>
-                <p:cond evt="onNext" delay="0">
-                  <p:tgtEl>
-                    <p:sldTgt/>
-                  </p:tgtEl>
-                </p:cond>
-              </p:nextCondLst>
-            </p:seq>
-          </p:childTnLst>
-        </p:cTn>
+        <p:cTn id="1" dur="indefinite" restart="never" nodeType="tmRoot"/>
       </p:par>
     </p:tnLst>
-    <p:bldLst>
-      <p:bldP spid="2" grpId="0"/>
-      <p:bldP spid="3" grpId="0" build="p"/>
-    </p:bldLst>
   </p:timing>
 </p:sld>
 </file>
@@ -12333,495 +9352,9 @@
   <p:timing>
     <p:tnLst>
       <p:par>
-        <p:cTn id="1" dur="indefinite" restart="never" nodeType="tmRoot">
-          <p:childTnLst>
-            <p:seq concurrent="1" nextAc="seek">
-              <p:cTn id="2" dur="indefinite" nodeType="mainSeq">
-                <p:childTnLst>
-                  <p:par>
-                    <p:cTn id="3" fill="hold">
-                      <p:stCondLst>
-                        <p:cond delay="indefinite"/>
-                      </p:stCondLst>
-                      <p:childTnLst>
-                        <p:par>
-                          <p:cTn id="4" fill="hold">
-                            <p:stCondLst>
-                              <p:cond delay="0"/>
-                            </p:stCondLst>
-                            <p:childTnLst>
-                              <p:par>
-                                <p:cTn id="5" presetID="10" presetClass="entr" presetSubtype="0" fill="hold" grpId="0" nodeType="clickEffect">
-                                  <p:stCondLst>
-                                    <p:cond delay="0"/>
-                                  </p:stCondLst>
-                                  <p:childTnLst>
-                                    <p:set>
-                                      <p:cBhvr>
-                                        <p:cTn id="6" dur="1" fill="hold">
-                                          <p:stCondLst>
-                                            <p:cond delay="0"/>
-                                          </p:stCondLst>
-                                        </p:cTn>
-                                        <p:tgtEl>
-                                          <p:spTgt spid="2"/>
-                                        </p:tgtEl>
-                                        <p:attrNameLst>
-                                          <p:attrName>style.visibility</p:attrName>
-                                        </p:attrNameLst>
-                                      </p:cBhvr>
-                                      <p:to>
-                                        <p:strVal val="visible"/>
-                                      </p:to>
-                                    </p:set>
-                                    <p:animEffect transition="in" filter="fade">
-                                      <p:cBhvr>
-                                        <p:cTn id="7" dur="500"/>
-                                        <p:tgtEl>
-                                          <p:spTgt spid="2"/>
-                                        </p:tgtEl>
-                                      </p:cBhvr>
-                                    </p:animEffect>
-                                  </p:childTnLst>
-                                </p:cTn>
-                              </p:par>
-                            </p:childTnLst>
-                          </p:cTn>
-                        </p:par>
-                      </p:childTnLst>
-                    </p:cTn>
-                  </p:par>
-                  <p:par>
-                    <p:cTn id="8" fill="hold">
-                      <p:stCondLst>
-                        <p:cond delay="indefinite"/>
-                      </p:stCondLst>
-                      <p:childTnLst>
-                        <p:par>
-                          <p:cTn id="9" fill="hold">
-                            <p:stCondLst>
-                              <p:cond delay="0"/>
-                            </p:stCondLst>
-                            <p:childTnLst>
-                              <p:par>
-                                <p:cTn id="10" presetID="42" presetClass="entr" presetSubtype="0" fill="hold" grpId="0" nodeType="clickEffect">
-                                  <p:stCondLst>
-                                    <p:cond delay="0"/>
-                                  </p:stCondLst>
-                                  <p:childTnLst>
-                                    <p:set>
-                                      <p:cBhvr>
-                                        <p:cTn id="11" dur="1" fill="hold">
-                                          <p:stCondLst>
-                                            <p:cond delay="0"/>
-                                          </p:stCondLst>
-                                        </p:cTn>
-                                        <p:tgtEl>
-                                          <p:spTgt spid="3">
-                                            <p:txEl>
-                                              <p:pRg st="0" end="0"/>
-                                            </p:txEl>
-                                          </p:spTgt>
-                                        </p:tgtEl>
-                                        <p:attrNameLst>
-                                          <p:attrName>style.visibility</p:attrName>
-                                        </p:attrNameLst>
-                                      </p:cBhvr>
-                                      <p:to>
-                                        <p:strVal val="visible"/>
-                                      </p:to>
-                                    </p:set>
-                                    <p:animEffect transition="in" filter="fade">
-                                      <p:cBhvr>
-                                        <p:cTn id="12" dur="1000"/>
-                                        <p:tgtEl>
-                                          <p:spTgt spid="3">
-                                            <p:txEl>
-                                              <p:pRg st="0" end="0"/>
-                                            </p:txEl>
-                                          </p:spTgt>
-                                        </p:tgtEl>
-                                      </p:cBhvr>
-                                    </p:animEffect>
-                                    <p:anim calcmode="lin" valueType="num">
-                                      <p:cBhvr>
-                                        <p:cTn id="13" dur="1000" fill="hold"/>
-                                        <p:tgtEl>
-                                          <p:spTgt spid="3">
-                                            <p:txEl>
-                                              <p:pRg st="0" end="0"/>
-                                            </p:txEl>
-                                          </p:spTgt>
-                                        </p:tgtEl>
-                                        <p:attrNameLst>
-                                          <p:attrName>ppt_x</p:attrName>
-                                        </p:attrNameLst>
-                                      </p:cBhvr>
-                                      <p:tavLst>
-                                        <p:tav tm="0">
-                                          <p:val>
-                                            <p:strVal val="#ppt_x"/>
-                                          </p:val>
-                                        </p:tav>
-                                        <p:tav tm="100000">
-                                          <p:val>
-                                            <p:strVal val="#ppt_x"/>
-                                          </p:val>
-                                        </p:tav>
-                                      </p:tavLst>
-                                    </p:anim>
-                                    <p:anim calcmode="lin" valueType="num">
-                                      <p:cBhvr>
-                                        <p:cTn id="14" dur="1000" fill="hold"/>
-                                        <p:tgtEl>
-                                          <p:spTgt spid="3">
-                                            <p:txEl>
-                                              <p:pRg st="0" end="0"/>
-                                            </p:txEl>
-                                          </p:spTgt>
-                                        </p:tgtEl>
-                                        <p:attrNameLst>
-                                          <p:attrName>ppt_y</p:attrName>
-                                        </p:attrNameLst>
-                                      </p:cBhvr>
-                                      <p:tavLst>
-                                        <p:tav tm="0">
-                                          <p:val>
-                                            <p:strVal val="#ppt_y+.1"/>
-                                          </p:val>
-                                        </p:tav>
-                                        <p:tav tm="100000">
-                                          <p:val>
-                                            <p:strVal val="#ppt_y"/>
-                                          </p:val>
-                                        </p:tav>
-                                      </p:tavLst>
-                                    </p:anim>
-                                  </p:childTnLst>
-                                </p:cTn>
-                              </p:par>
-                              <p:par>
-                                <p:cTn id="15" presetID="42" presetClass="entr" presetSubtype="0" fill="hold" grpId="0" nodeType="withEffect">
-                                  <p:stCondLst>
-                                    <p:cond delay="0"/>
-                                  </p:stCondLst>
-                                  <p:childTnLst>
-                                    <p:set>
-                                      <p:cBhvr>
-                                        <p:cTn id="16" dur="1" fill="hold">
-                                          <p:stCondLst>
-                                            <p:cond delay="0"/>
-                                          </p:stCondLst>
-                                        </p:cTn>
-                                        <p:tgtEl>
-                                          <p:spTgt spid="3">
-                                            <p:txEl>
-                                              <p:pRg st="2" end="2"/>
-                                            </p:txEl>
-                                          </p:spTgt>
-                                        </p:tgtEl>
-                                        <p:attrNameLst>
-                                          <p:attrName>style.visibility</p:attrName>
-                                        </p:attrNameLst>
-                                      </p:cBhvr>
-                                      <p:to>
-                                        <p:strVal val="visible"/>
-                                      </p:to>
-                                    </p:set>
-                                    <p:animEffect transition="in" filter="fade">
-                                      <p:cBhvr>
-                                        <p:cTn id="17" dur="1000"/>
-                                        <p:tgtEl>
-                                          <p:spTgt spid="3">
-                                            <p:txEl>
-                                              <p:pRg st="2" end="2"/>
-                                            </p:txEl>
-                                          </p:spTgt>
-                                        </p:tgtEl>
-                                      </p:cBhvr>
-                                    </p:animEffect>
-                                    <p:anim calcmode="lin" valueType="num">
-                                      <p:cBhvr>
-                                        <p:cTn id="18" dur="1000" fill="hold"/>
-                                        <p:tgtEl>
-                                          <p:spTgt spid="3">
-                                            <p:txEl>
-                                              <p:pRg st="2" end="2"/>
-                                            </p:txEl>
-                                          </p:spTgt>
-                                        </p:tgtEl>
-                                        <p:attrNameLst>
-                                          <p:attrName>ppt_x</p:attrName>
-                                        </p:attrNameLst>
-                                      </p:cBhvr>
-                                      <p:tavLst>
-                                        <p:tav tm="0">
-                                          <p:val>
-                                            <p:strVal val="#ppt_x"/>
-                                          </p:val>
-                                        </p:tav>
-                                        <p:tav tm="100000">
-                                          <p:val>
-                                            <p:strVal val="#ppt_x"/>
-                                          </p:val>
-                                        </p:tav>
-                                      </p:tavLst>
-                                    </p:anim>
-                                    <p:anim calcmode="lin" valueType="num">
-                                      <p:cBhvr>
-                                        <p:cTn id="19" dur="1000" fill="hold"/>
-                                        <p:tgtEl>
-                                          <p:spTgt spid="3">
-                                            <p:txEl>
-                                              <p:pRg st="2" end="2"/>
-                                            </p:txEl>
-                                          </p:spTgt>
-                                        </p:tgtEl>
-                                        <p:attrNameLst>
-                                          <p:attrName>ppt_y</p:attrName>
-                                        </p:attrNameLst>
-                                      </p:cBhvr>
-                                      <p:tavLst>
-                                        <p:tav tm="0">
-                                          <p:val>
-                                            <p:strVal val="#ppt_y+.1"/>
-                                          </p:val>
-                                        </p:tav>
-                                        <p:tav tm="100000">
-                                          <p:val>
-                                            <p:strVal val="#ppt_y"/>
-                                          </p:val>
-                                        </p:tav>
-                                      </p:tavLst>
-                                    </p:anim>
-                                  </p:childTnLst>
-                                </p:cTn>
-                              </p:par>
-                              <p:par>
-                                <p:cTn id="20" presetID="42" presetClass="entr" presetSubtype="0" fill="hold" grpId="0" nodeType="withEffect">
-                                  <p:stCondLst>
-                                    <p:cond delay="0"/>
-                                  </p:stCondLst>
-                                  <p:childTnLst>
-                                    <p:set>
-                                      <p:cBhvr>
-                                        <p:cTn id="21" dur="1" fill="hold">
-                                          <p:stCondLst>
-                                            <p:cond delay="0"/>
-                                          </p:stCondLst>
-                                        </p:cTn>
-                                        <p:tgtEl>
-                                          <p:spTgt spid="3">
-                                            <p:txEl>
-                                              <p:pRg st="3" end="3"/>
-                                            </p:txEl>
-                                          </p:spTgt>
-                                        </p:tgtEl>
-                                        <p:attrNameLst>
-                                          <p:attrName>style.visibility</p:attrName>
-                                        </p:attrNameLst>
-                                      </p:cBhvr>
-                                      <p:to>
-                                        <p:strVal val="visible"/>
-                                      </p:to>
-                                    </p:set>
-                                    <p:animEffect transition="in" filter="fade">
-                                      <p:cBhvr>
-                                        <p:cTn id="22" dur="1000"/>
-                                        <p:tgtEl>
-                                          <p:spTgt spid="3">
-                                            <p:txEl>
-                                              <p:pRg st="3" end="3"/>
-                                            </p:txEl>
-                                          </p:spTgt>
-                                        </p:tgtEl>
-                                      </p:cBhvr>
-                                    </p:animEffect>
-                                    <p:anim calcmode="lin" valueType="num">
-                                      <p:cBhvr>
-                                        <p:cTn id="23" dur="1000" fill="hold"/>
-                                        <p:tgtEl>
-                                          <p:spTgt spid="3">
-                                            <p:txEl>
-                                              <p:pRg st="3" end="3"/>
-                                            </p:txEl>
-                                          </p:spTgt>
-                                        </p:tgtEl>
-                                        <p:attrNameLst>
-                                          <p:attrName>ppt_x</p:attrName>
-                                        </p:attrNameLst>
-                                      </p:cBhvr>
-                                      <p:tavLst>
-                                        <p:tav tm="0">
-                                          <p:val>
-                                            <p:strVal val="#ppt_x"/>
-                                          </p:val>
-                                        </p:tav>
-                                        <p:tav tm="100000">
-                                          <p:val>
-                                            <p:strVal val="#ppt_x"/>
-                                          </p:val>
-                                        </p:tav>
-                                      </p:tavLst>
-                                    </p:anim>
-                                    <p:anim calcmode="lin" valueType="num">
-                                      <p:cBhvr>
-                                        <p:cTn id="24" dur="1000" fill="hold"/>
-                                        <p:tgtEl>
-                                          <p:spTgt spid="3">
-                                            <p:txEl>
-                                              <p:pRg st="3" end="3"/>
-                                            </p:txEl>
-                                          </p:spTgt>
-                                        </p:tgtEl>
-                                        <p:attrNameLst>
-                                          <p:attrName>ppt_y</p:attrName>
-                                        </p:attrNameLst>
-                                      </p:cBhvr>
-                                      <p:tavLst>
-                                        <p:tav tm="0">
-                                          <p:val>
-                                            <p:strVal val="#ppt_y+.1"/>
-                                          </p:val>
-                                        </p:tav>
-                                        <p:tav tm="100000">
-                                          <p:val>
-                                            <p:strVal val="#ppt_y"/>
-                                          </p:val>
-                                        </p:tav>
-                                      </p:tavLst>
-                                    </p:anim>
-                                  </p:childTnLst>
-                                </p:cTn>
-                              </p:par>
-                              <p:par>
-                                <p:cTn id="25" presetID="42" presetClass="entr" presetSubtype="0" fill="hold" grpId="0" nodeType="withEffect">
-                                  <p:stCondLst>
-                                    <p:cond delay="0"/>
-                                  </p:stCondLst>
-                                  <p:childTnLst>
-                                    <p:set>
-                                      <p:cBhvr>
-                                        <p:cTn id="26" dur="1" fill="hold">
-                                          <p:stCondLst>
-                                            <p:cond delay="0"/>
-                                          </p:stCondLst>
-                                        </p:cTn>
-                                        <p:tgtEl>
-                                          <p:spTgt spid="3">
-                                            <p:txEl>
-                                              <p:pRg st="4" end="4"/>
-                                            </p:txEl>
-                                          </p:spTgt>
-                                        </p:tgtEl>
-                                        <p:attrNameLst>
-                                          <p:attrName>style.visibility</p:attrName>
-                                        </p:attrNameLst>
-                                      </p:cBhvr>
-                                      <p:to>
-                                        <p:strVal val="visible"/>
-                                      </p:to>
-                                    </p:set>
-                                    <p:animEffect transition="in" filter="fade">
-                                      <p:cBhvr>
-                                        <p:cTn id="27" dur="1000"/>
-                                        <p:tgtEl>
-                                          <p:spTgt spid="3">
-                                            <p:txEl>
-                                              <p:pRg st="4" end="4"/>
-                                            </p:txEl>
-                                          </p:spTgt>
-                                        </p:tgtEl>
-                                      </p:cBhvr>
-                                    </p:animEffect>
-                                    <p:anim calcmode="lin" valueType="num">
-                                      <p:cBhvr>
-                                        <p:cTn id="28" dur="1000" fill="hold"/>
-                                        <p:tgtEl>
-                                          <p:spTgt spid="3">
-                                            <p:txEl>
-                                              <p:pRg st="4" end="4"/>
-                                            </p:txEl>
-                                          </p:spTgt>
-                                        </p:tgtEl>
-                                        <p:attrNameLst>
-                                          <p:attrName>ppt_x</p:attrName>
-                                        </p:attrNameLst>
-                                      </p:cBhvr>
-                                      <p:tavLst>
-                                        <p:tav tm="0">
-                                          <p:val>
-                                            <p:strVal val="#ppt_x"/>
-                                          </p:val>
-                                        </p:tav>
-                                        <p:tav tm="100000">
-                                          <p:val>
-                                            <p:strVal val="#ppt_x"/>
-                                          </p:val>
-                                        </p:tav>
-                                      </p:tavLst>
-                                    </p:anim>
-                                    <p:anim calcmode="lin" valueType="num">
-                                      <p:cBhvr>
-                                        <p:cTn id="29" dur="1000" fill="hold"/>
-                                        <p:tgtEl>
-                                          <p:spTgt spid="3">
-                                            <p:txEl>
-                                              <p:pRg st="4" end="4"/>
-                                            </p:txEl>
-                                          </p:spTgt>
-                                        </p:tgtEl>
-                                        <p:attrNameLst>
-                                          <p:attrName>ppt_y</p:attrName>
-                                        </p:attrNameLst>
-                                      </p:cBhvr>
-                                      <p:tavLst>
-                                        <p:tav tm="0">
-                                          <p:val>
-                                            <p:strVal val="#ppt_y+.1"/>
-                                          </p:val>
-                                        </p:tav>
-                                        <p:tav tm="100000">
-                                          <p:val>
-                                            <p:strVal val="#ppt_y"/>
-                                          </p:val>
-                                        </p:tav>
-                                      </p:tavLst>
-                                    </p:anim>
-                                  </p:childTnLst>
-                                </p:cTn>
-                              </p:par>
-                            </p:childTnLst>
-                          </p:cTn>
-                        </p:par>
-                      </p:childTnLst>
-                    </p:cTn>
-                  </p:par>
-                </p:childTnLst>
-              </p:cTn>
-              <p:prevCondLst>
-                <p:cond evt="onPrev" delay="0">
-                  <p:tgtEl>
-                    <p:sldTgt/>
-                  </p:tgtEl>
-                </p:cond>
-              </p:prevCondLst>
-              <p:nextCondLst>
-                <p:cond evt="onNext" delay="0">
-                  <p:tgtEl>
-                    <p:sldTgt/>
-                  </p:tgtEl>
-                </p:cond>
-              </p:nextCondLst>
-            </p:seq>
-          </p:childTnLst>
-        </p:cTn>
+        <p:cTn id="1" dur="indefinite" restart="never" nodeType="tmRoot"/>
       </p:par>
     </p:tnLst>
-    <p:bldLst>
-      <p:bldP spid="2" grpId="0"/>
-      <p:bldP spid="3" grpId="0" build="p"/>
-    </p:bldLst>
   </p:timing>
 </p:sld>
 </file>
@@ -13077,7 +9610,7 @@
   <a:extraClrSchemeLst/>
   <a:extLst>
     <a:ext uri="{05A4C25C-085E-4340-85A3-A5531E510DB2}">
-      <thm15:themeFamily xmlns:thm15="http://schemas.microsoft.com/office/thememl/2012/main" xmlns="" name="Facet" id="{C0C680CD-088A-49FC-A102-D699147F32B2}" vid="{CFBC31BA-B70F-4F30-BCAA-4F3011E16C4D}"/>
+      <thm15:themeFamily xmlns="" xmlns:thm15="http://schemas.microsoft.com/office/thememl/2012/main" name="Facet" id="{C0C680CD-088A-49FC-A102-D699147F32B2}" vid="{CFBC31BA-B70F-4F30-BCAA-4F3011E16C4D}"/>
     </a:ext>
   </a:extLst>
 </a:theme>

--- a/Monday May 8th Presentation.pptx
+++ b/Monday May 8th Presentation.pptx
@@ -8,7 +8,7 @@
     <p:sldId id="256" r:id="rId2"/>
     <p:sldId id="258" r:id="rId3"/>
     <p:sldId id="268" r:id="rId4"/>
-    <p:sldId id="264" r:id="rId5"/>
+    <p:sldId id="277" r:id="rId5"/>
     <p:sldId id="271" r:id="rId6"/>
     <p:sldId id="273" r:id="rId7"/>
     <p:sldId id="276" r:id="rId8"/>
@@ -17,8 +17,7 @@
     <p:sldId id="267" r:id="rId11"/>
     <p:sldId id="269" r:id="rId12"/>
     <p:sldId id="270" r:id="rId13"/>
-    <p:sldId id="262" r:id="rId14"/>
-    <p:sldId id="266" r:id="rId15"/>
+    <p:sldId id="266" r:id="rId14"/>
   </p:sldIdLst>
   <p:sldSz cx="12192000" cy="6858000"/>
   <p:notesSz cx="6858000" cy="9144000"/>
@@ -119,7 +118,7 @@
   </p:defaultTextStyle>
   <p:extLst>
     <p:ext uri="{EFAFB233-063F-42B5-8137-9DF3F51BA10A}">
-      <p15:sldGuideLst xmlns="" xmlns:p15="http://schemas.microsoft.com/office/powerpoint/2012/main">
+      <p15:sldGuideLst xmlns:p15="http://schemas.microsoft.com/office/powerpoint/2012/main">
         <p15:guide id="1" orient="horz" pos="2160">
           <p15:clr>
             <a:srgbClr val="A4A3A4"/>
@@ -5809,7 +5808,7 @@
           <p:nvPr>
             <p:extLst>
               <p:ext uri="{386F3935-93C4-4BCD-93E2-E3B085C9AB24}">
-                <p16:designElem xmlns="" xmlns:p16="http://schemas.microsoft.com/office/powerpoint/2015/main" val="1"/>
+                <p16:designElem xmlns:p16="http://schemas.microsoft.com/office/powerpoint/2015/main" val="1"/>
               </p:ext>
             </p:extLst>
           </p:nvPr>
@@ -5840,7 +5839,7 @@
           <p:nvPr>
             <p:extLst>
               <p:ext uri="{386F3935-93C4-4BCD-93E2-E3B085C9AB24}">
-                <p16:designElem xmlns="" xmlns:p16="http://schemas.microsoft.com/office/powerpoint/2015/main" val="1"/>
+                <p16:designElem xmlns:p16="http://schemas.microsoft.com/office/powerpoint/2015/main" val="1"/>
               </p:ext>
             </p:extLst>
           </p:nvPr>
@@ -5860,7 +5859,7 @@
             <p:nvPr>
               <p:extLst>
                 <p:ext uri="{386F3935-93C4-4BCD-93E2-E3B085C9AB24}">
-                  <p16:designElem xmlns="" xmlns:p16="http://schemas.microsoft.com/office/powerpoint/2015/main" val="1"/>
+                  <p16:designElem xmlns:p16="http://schemas.microsoft.com/office/powerpoint/2015/main" val="1"/>
                 </p:ext>
               </p:extLst>
             </p:nvPr>
@@ -5903,7 +5902,7 @@
             <p:nvPr>
               <p:extLst>
                 <p:ext uri="{386F3935-93C4-4BCD-93E2-E3B085C9AB24}">
-                  <p16:designElem xmlns="" xmlns:p16="http://schemas.microsoft.com/office/powerpoint/2015/main" val="1"/>
+                  <p16:designElem xmlns:p16="http://schemas.microsoft.com/office/powerpoint/2015/main" val="1"/>
                 </p:ext>
               </p:extLst>
             </p:nvPr>
@@ -5946,7 +5945,7 @@
             <p:nvPr>
               <p:extLst>
                 <p:ext uri="{386F3935-93C4-4BCD-93E2-E3B085C9AB24}">
-                  <p16:designElem xmlns="" xmlns:p16="http://schemas.microsoft.com/office/powerpoint/2015/main" val="1"/>
+                  <p16:designElem xmlns:p16="http://schemas.microsoft.com/office/powerpoint/2015/main" val="1"/>
                 </p:ext>
               </p:extLst>
             </p:nvPr>
@@ -6015,7 +6014,7 @@
             <p:nvPr>
               <p:extLst>
                 <p:ext uri="{386F3935-93C4-4BCD-93E2-E3B085C9AB24}">
-                  <p16:designElem xmlns="" xmlns:p16="http://schemas.microsoft.com/office/powerpoint/2015/main" val="1"/>
+                  <p16:designElem xmlns:p16="http://schemas.microsoft.com/office/powerpoint/2015/main" val="1"/>
                 </p:ext>
               </p:extLst>
             </p:nvPr>
@@ -6084,7 +6083,7 @@
             <p:nvPr>
               <p:extLst>
                 <p:ext uri="{386F3935-93C4-4BCD-93E2-E3B085C9AB24}">
-                  <p16:designElem xmlns="" xmlns:p16="http://schemas.microsoft.com/office/powerpoint/2015/main" val="1"/>
+                  <p16:designElem xmlns:p16="http://schemas.microsoft.com/office/powerpoint/2015/main" val="1"/>
                 </p:ext>
               </p:extLst>
             </p:nvPr>
@@ -6131,7 +6130,7 @@
             <p:nvPr>
               <p:extLst>
                 <p:ext uri="{386F3935-93C4-4BCD-93E2-E3B085C9AB24}">
-                  <p16:designElem xmlns="" xmlns:p16="http://schemas.microsoft.com/office/powerpoint/2015/main" val="1"/>
+                  <p16:designElem xmlns:p16="http://schemas.microsoft.com/office/powerpoint/2015/main" val="1"/>
                 </p:ext>
               </p:extLst>
             </p:nvPr>
@@ -6201,7 +6200,7 @@
             <p:nvPr>
               <p:extLst>
                 <p:ext uri="{386F3935-93C4-4BCD-93E2-E3B085C9AB24}">
-                  <p16:designElem xmlns="" xmlns:p16="http://schemas.microsoft.com/office/powerpoint/2015/main" val="1"/>
+                  <p16:designElem xmlns:p16="http://schemas.microsoft.com/office/powerpoint/2015/main" val="1"/>
                 </p:ext>
               </p:extLst>
             </p:nvPr>
@@ -6272,7 +6271,7 @@
             <p:nvPr>
               <p:extLst>
                 <p:ext uri="{386F3935-93C4-4BCD-93E2-E3B085C9AB24}">
-                  <p16:designElem xmlns="" xmlns:p16="http://schemas.microsoft.com/office/powerpoint/2015/main" val="1"/>
+                  <p16:designElem xmlns:p16="http://schemas.microsoft.com/office/powerpoint/2015/main" val="1"/>
                 </p:ext>
               </p:extLst>
             </p:nvPr>
@@ -6341,7 +6340,7 @@
             <p:nvPr>
               <p:extLst>
                 <p:ext uri="{386F3935-93C4-4BCD-93E2-E3B085C9AB24}">
-                  <p16:designElem xmlns="" xmlns:p16="http://schemas.microsoft.com/office/powerpoint/2015/main" val="1"/>
+                  <p16:designElem xmlns:p16="http://schemas.microsoft.com/office/powerpoint/2015/main" val="1"/>
                 </p:ext>
               </p:extLst>
             </p:nvPr>
@@ -6388,7 +6387,7 @@
             <p:nvPr>
               <p:extLst>
                 <p:ext uri="{386F3935-93C4-4BCD-93E2-E3B085C9AB24}">
-                  <p16:designElem xmlns="" xmlns:p16="http://schemas.microsoft.com/office/powerpoint/2015/main" val="1"/>
+                  <p16:designElem xmlns:p16="http://schemas.microsoft.com/office/powerpoint/2015/main" val="1"/>
                 </p:ext>
               </p:extLst>
             </p:nvPr>
@@ -6532,13 +6531,6 @@
   <p:clrMapOvr>
     <a:masterClrMapping/>
   </p:clrMapOvr>
-  <p:timing>
-    <p:tnLst>
-      <p:par>
-        <p:cTn id="1" dur="indefinite" restart="never" nodeType="tmRoot"/>
-      </p:par>
-    </p:tnLst>
-  </p:timing>
 </p:sld>
 </file>
 
@@ -6576,7 +6568,7 @@
           <a:p>
             <a:r>
               <a:rPr lang="en-US" dirty="0"/>
-              <a:t>Friday’s Presentation Feedback</a:t>
+              <a:t>Friday’s Feedback</a:t>
             </a:r>
           </a:p>
         </p:txBody>
@@ -6608,13 +6600,8 @@
             </a:pPr>
             <a:r>
               <a:rPr lang="en-US" sz="2400" dirty="0"/>
-              <a:t>The most common feedback we’ve received from the groups is that our font and checkbox, for the layout, is small </a:t>
-            </a:r>
-            <a:r>
-              <a:rPr lang="en-US" sz="2400" dirty="0" smtClean="0"/>
-              <a:t>and we researched a solution.</a:t>
-            </a:r>
-            <a:endParaRPr lang="en-US" sz="2400" dirty="0"/>
+              <a:t>The most common feedback we’ve received from the groups is that our font and checkbox, for the layout, is small and we researched a solution.</a:t>
+            </a:r>
           </a:p>
         </p:txBody>
       </p:sp>
@@ -6652,13 +6639,6 @@
   <p:clrMapOvr>
     <a:masterClrMapping/>
   </p:clrMapOvr>
-  <p:timing>
-    <p:tnLst>
-      <p:par>
-        <p:cTn id="1" dur="indefinite" restart="never" nodeType="tmRoot"/>
-      </p:par>
-    </p:tnLst>
-  </p:timing>
 </p:sld>
 </file>
 
@@ -6700,10 +6680,9 @@
           <a:lstStyle/>
           <a:p>
             <a:r>
-              <a:rPr lang="en-US" dirty="0" smtClean="0"/>
+              <a:rPr lang="en-US" dirty="0"/>
               <a:t>Problem Rectified</a:t>
             </a:r>
-            <a:endParaRPr lang="en-US" dirty="0"/>
           </a:p>
         </p:txBody>
       </p:sp>
@@ -6733,10 +6712,9 @@
               <a:buNone/>
             </a:pPr>
             <a:r>
-              <a:rPr lang="en-US" sz="2400" dirty="0" smtClean="0"/>
+              <a:rPr lang="en-US" sz="2400" dirty="0"/>
               <a:t>We have implemented large clickable icons that users can click and add to their ingredient list.</a:t>
             </a:r>
-            <a:endParaRPr lang="en-US" sz="2400" dirty="0"/>
           </a:p>
         </p:txBody>
       </p:sp>
@@ -6814,13 +6792,6 @@
   <p:clrMapOvr>
     <a:masterClrMapping/>
   </p:clrMapOvr>
-  <p:timing>
-    <p:tnLst>
-      <p:par>
-        <p:cTn id="1" dur="indefinite" restart="never" nodeType="tmRoot"/>
-      </p:par>
-    </p:tnLst>
-  </p:timing>
 </p:sld>
 </file>
 
@@ -6892,21 +6863,21 @@
                 <a:gridCol w="2217737">
                   <a:extLst>
                     <a:ext uri="{9D8B030D-6E8A-4147-A177-3AD203B41FA5}">
-                      <a16:colId xmlns="" xmlns:a16="http://schemas.microsoft.com/office/drawing/2014/main" val="2984687595"/>
+                      <a16:colId xmlns:a16="http://schemas.microsoft.com/office/drawing/2014/main" val="2984687595"/>
                     </a:ext>
                   </a:extLst>
                 </a:gridCol>
                 <a:gridCol w="1153886">
                   <a:extLst>
                     <a:ext uri="{9D8B030D-6E8A-4147-A177-3AD203B41FA5}">
-                      <a16:colId xmlns="" xmlns:a16="http://schemas.microsoft.com/office/drawing/2014/main" val="299333604"/>
+                      <a16:colId xmlns:a16="http://schemas.microsoft.com/office/drawing/2014/main" val="299333604"/>
                     </a:ext>
                   </a:extLst>
                 </a:gridCol>
                 <a:gridCol w="5224688">
                   <a:extLst>
                     <a:ext uri="{9D8B030D-6E8A-4147-A177-3AD203B41FA5}">
-                      <a16:colId xmlns="" xmlns:a16="http://schemas.microsoft.com/office/drawing/2014/main" val="279191358"/>
+                      <a16:colId xmlns:a16="http://schemas.microsoft.com/office/drawing/2014/main" val="279191358"/>
                     </a:ext>
                   </a:extLst>
                 </a:gridCol>
@@ -6956,7 +6927,7 @@
                 </a:tc>
                 <a:extLst>
                   <a:ext uri="{0D108BD9-81ED-4DB2-BD59-A6C34878D82A}">
-                    <a16:rowId xmlns="" xmlns:a16="http://schemas.microsoft.com/office/drawing/2014/main" val="4132265559"/>
+                    <a16:rowId xmlns:a16="http://schemas.microsoft.com/office/drawing/2014/main" val="4132265559"/>
                   </a:ext>
                 </a:extLst>
               </a:tr>
@@ -7011,7 +6982,7 @@
                 </a:tc>
                 <a:extLst>
                   <a:ext uri="{0D108BD9-81ED-4DB2-BD59-A6C34878D82A}">
-                    <a16:rowId xmlns="" xmlns:a16="http://schemas.microsoft.com/office/drawing/2014/main" val="3544123363"/>
+                    <a16:rowId xmlns:a16="http://schemas.microsoft.com/office/drawing/2014/main" val="3544123363"/>
                   </a:ext>
                 </a:extLst>
               </a:tr>
@@ -7057,7 +7028,7 @@
                 </a:tc>
                 <a:extLst>
                   <a:ext uri="{0D108BD9-81ED-4DB2-BD59-A6C34878D82A}">
-                    <a16:rowId xmlns="" xmlns:a16="http://schemas.microsoft.com/office/drawing/2014/main" val="971419476"/>
+                    <a16:rowId xmlns:a16="http://schemas.microsoft.com/office/drawing/2014/main" val="971419476"/>
                   </a:ext>
                 </a:extLst>
               </a:tr>
@@ -7136,7 +7107,7 @@
                 </a:tc>
                 <a:extLst>
                   <a:ext uri="{0D108BD9-81ED-4DB2-BD59-A6C34878D82A}">
-                    <a16:rowId xmlns="" xmlns:a16="http://schemas.microsoft.com/office/drawing/2014/main" val="3990320007"/>
+                    <a16:rowId xmlns:a16="http://schemas.microsoft.com/office/drawing/2014/main" val="3990320007"/>
                   </a:ext>
                 </a:extLst>
               </a:tr>
@@ -7183,7 +7154,7 @@
                 </a:tc>
                 <a:extLst>
                   <a:ext uri="{0D108BD9-81ED-4DB2-BD59-A6C34878D82A}">
-                    <a16:rowId xmlns="" xmlns:a16="http://schemas.microsoft.com/office/drawing/2014/main" val="2733974939"/>
+                    <a16:rowId xmlns:a16="http://schemas.microsoft.com/office/drawing/2014/main" val="2733974939"/>
                   </a:ext>
                 </a:extLst>
               </a:tr>
@@ -7229,7 +7200,7 @@
                 </a:tc>
                 <a:extLst>
                   <a:ext uri="{0D108BD9-81ED-4DB2-BD59-A6C34878D82A}">
-                    <a16:rowId xmlns="" xmlns:a16="http://schemas.microsoft.com/office/drawing/2014/main" val="4049788260"/>
+                    <a16:rowId xmlns:a16="http://schemas.microsoft.com/office/drawing/2014/main" val="4049788260"/>
                   </a:ext>
                 </a:extLst>
               </a:tr>
@@ -7247,13 +7218,6 @@
   <p:clrMapOvr>
     <a:masterClrMapping/>
   </p:clrMapOvr>
-  <p:timing>
-    <p:tnLst>
-      <p:par>
-        <p:cTn id="1" dur="indefinite" restart="never" nodeType="tmRoot"/>
-      </p:par>
-    </p:tnLst>
-  </p:timing>
 </p:sld>
 </file>
 
@@ -7276,135 +7240,6 @@
       </p:grpSpPr>
       <p:sp>
         <p:nvSpPr>
-          <p:cNvPr id="2" name="Title 1"/>
-          <p:cNvSpPr>
-            <a:spLocks noGrp="1"/>
-          </p:cNvSpPr>
-          <p:nvPr>
-            <p:ph type="title"/>
-          </p:nvPr>
-        </p:nvSpPr>
-        <p:spPr/>
-        <p:txBody>
-          <a:bodyPr>
-            <a:normAutofit/>
-          </a:bodyPr>
-          <a:lstStyle/>
-          <a:p>
-            <a:r>
-              <a:rPr lang="en-US" sz="4400" dirty="0"/>
-              <a:t>In Conclusion:</a:t>
-            </a:r>
-          </a:p>
-        </p:txBody>
-      </p:sp>
-      <p:sp>
-        <p:nvSpPr>
-          <p:cNvPr id="3" name="Content Placeholder 2"/>
-          <p:cNvSpPr>
-            <a:spLocks noGrp="1"/>
-          </p:cNvSpPr>
-          <p:nvPr>
-            <p:ph idx="1"/>
-          </p:nvPr>
-        </p:nvSpPr>
-        <p:spPr/>
-        <p:txBody>
-          <a:bodyPr>
-            <a:normAutofit fontScale="77500" lnSpcReduction="20000"/>
-          </a:bodyPr>
-          <a:lstStyle/>
-          <a:p>
-            <a:pPr marL="0" indent="0">
-              <a:buNone/>
-            </a:pPr>
-            <a:r>
-              <a:rPr lang="en-US" sz="3200" dirty="0"/>
-              <a:t>We </a:t>
-            </a:r>
-            <a:r>
-              <a:rPr lang="en-US" sz="3200" dirty="0" smtClean="0"/>
-              <a:t>are continuously working on implementing feedbacks while maintaining our focus on bringing an application that users will actively seek out on a regular basis.  </a:t>
-            </a:r>
-          </a:p>
-          <a:p>
-            <a:pPr marL="0" indent="0">
-              <a:buNone/>
-            </a:pPr>
-            <a:endParaRPr lang="en-US" sz="3200" dirty="0"/>
-          </a:p>
-          <a:p>
-            <a:pPr marL="0" indent="0">
-              <a:buNone/>
-            </a:pPr>
-            <a:r>
-              <a:rPr lang="en-US" sz="3200" dirty="0" smtClean="0"/>
-              <a:t>We hope to establish a connection with the consumers and help them pro-actively eliminate food waste everyday. </a:t>
-            </a:r>
-            <a:endParaRPr lang="en-US" sz="3200" dirty="0"/>
-          </a:p>
-          <a:p>
-            <a:pPr marL="0" indent="0">
-              <a:buNone/>
-            </a:pPr>
-            <a:endParaRPr lang="en-US" sz="3200" dirty="0"/>
-          </a:p>
-          <a:p>
-            <a:pPr marL="0" indent="0">
-              <a:buNone/>
-            </a:pPr>
-            <a:endParaRPr lang="en-US" sz="3200" dirty="0"/>
-          </a:p>
-          <a:p>
-            <a:pPr marL="0" indent="0">
-              <a:buNone/>
-            </a:pPr>
-            <a:r>
-              <a:rPr lang="en-US" sz="3200" dirty="0"/>
-              <a:t>Any questions?</a:t>
-            </a:r>
-          </a:p>
-        </p:txBody>
-      </p:sp>
-    </p:spTree>
-    <p:extLst>
-      <p:ext uri="{BB962C8B-B14F-4D97-AF65-F5344CB8AC3E}">
-        <p14:creationId xmlns:p14="http://schemas.microsoft.com/office/powerpoint/2010/main" val="3413468876"/>
-      </p:ext>
-    </p:extLst>
-  </p:cSld>
-  <p:clrMapOvr>
-    <a:masterClrMapping/>
-  </p:clrMapOvr>
-  <p:timing>
-    <p:tnLst>
-      <p:par>
-        <p:cTn id="1" dur="indefinite" restart="never" nodeType="tmRoot"/>
-      </p:par>
-    </p:tnLst>
-  </p:timing>
-</p:sld>
-</file>
-
-<file path=ppt/slides/slide14.xml><?xml version="1.0" encoding="utf-8"?>
-<p:sld xmlns:a="http://schemas.openxmlformats.org/drawingml/2006/main" xmlns:r="http://schemas.openxmlformats.org/officeDocument/2006/relationships" xmlns:p="http://schemas.openxmlformats.org/presentationml/2006/main">
-  <p:cSld>
-    <p:spTree>
-      <p:nvGrpSpPr>
-        <p:cNvPr id="1" name=""/>
-        <p:cNvGrpSpPr/>
-        <p:nvPr/>
-      </p:nvGrpSpPr>
-      <p:grpSpPr>
-        <a:xfrm>
-          <a:off x="0" y="0"/>
-          <a:ext cx="0" cy="0"/>
-          <a:chOff x="0" y="0"/>
-          <a:chExt cx="0" cy="0"/>
-        </a:xfrm>
-      </p:grpSpPr>
-      <p:sp>
-        <p:nvSpPr>
           <p:cNvPr id="30" name="Rectangle 29"/>
           <p:cNvSpPr>
             <a:spLocks noGrp="1" noRot="1" noChangeAspect="1" noMove="1" noResize="1" noEditPoints="1" noAdjustHandles="1" noChangeArrowheads="1" noChangeShapeType="1" noTextEdit="1"/>
@@ -7412,7 +7247,7 @@
           <p:nvPr>
             <p:extLst>
               <p:ext uri="{386F3935-93C4-4BCD-93E2-E3B085C9AB24}">
-                <p16:designElem xmlns="" xmlns:p16="http://schemas.microsoft.com/office/powerpoint/2015/main" val="1"/>
+                <p16:designElem xmlns:p16="http://schemas.microsoft.com/office/powerpoint/2015/main" val="1"/>
               </p:ext>
             </p:extLst>
           </p:nvPr>
@@ -7443,7 +7278,7 @@
           <p:nvPr>
             <p:extLst>
               <p:ext uri="{386F3935-93C4-4BCD-93E2-E3B085C9AB24}">
-                <p16:designElem xmlns="" xmlns:p16="http://schemas.microsoft.com/office/powerpoint/2015/main" val="1"/>
+                <p16:designElem xmlns:p16="http://schemas.microsoft.com/office/powerpoint/2015/main" val="1"/>
               </p:ext>
             </p:extLst>
           </p:nvPr>
@@ -7463,7 +7298,7 @@
             <p:nvPr>
               <p:extLst>
                 <p:ext uri="{386F3935-93C4-4BCD-93E2-E3B085C9AB24}">
-                  <p16:designElem xmlns="" xmlns:p16="http://schemas.microsoft.com/office/powerpoint/2015/main" val="1"/>
+                  <p16:designElem xmlns:p16="http://schemas.microsoft.com/office/powerpoint/2015/main" val="1"/>
                 </p:ext>
               </p:extLst>
             </p:nvPr>
@@ -7506,7 +7341,7 @@
             <p:nvPr>
               <p:extLst>
                 <p:ext uri="{386F3935-93C4-4BCD-93E2-E3B085C9AB24}">
-                  <p16:designElem xmlns="" xmlns:p16="http://schemas.microsoft.com/office/powerpoint/2015/main" val="1"/>
+                  <p16:designElem xmlns:p16="http://schemas.microsoft.com/office/powerpoint/2015/main" val="1"/>
                 </p:ext>
               </p:extLst>
             </p:nvPr>
@@ -7549,7 +7384,7 @@
             <p:nvPr>
               <p:extLst>
                 <p:ext uri="{386F3935-93C4-4BCD-93E2-E3B085C9AB24}">
-                  <p16:designElem xmlns="" xmlns:p16="http://schemas.microsoft.com/office/powerpoint/2015/main" val="1"/>
+                  <p16:designElem xmlns:p16="http://schemas.microsoft.com/office/powerpoint/2015/main" val="1"/>
                 </p:ext>
               </p:extLst>
             </p:nvPr>
@@ -7618,7 +7453,7 @@
             <p:nvPr>
               <p:extLst>
                 <p:ext uri="{386F3935-93C4-4BCD-93E2-E3B085C9AB24}">
-                  <p16:designElem xmlns="" xmlns:p16="http://schemas.microsoft.com/office/powerpoint/2015/main" val="1"/>
+                  <p16:designElem xmlns:p16="http://schemas.microsoft.com/office/powerpoint/2015/main" val="1"/>
                 </p:ext>
               </p:extLst>
             </p:nvPr>
@@ -7687,7 +7522,7 @@
             <p:nvPr>
               <p:extLst>
                 <p:ext uri="{386F3935-93C4-4BCD-93E2-E3B085C9AB24}">
-                  <p16:designElem xmlns="" xmlns:p16="http://schemas.microsoft.com/office/powerpoint/2015/main" val="1"/>
+                  <p16:designElem xmlns:p16="http://schemas.microsoft.com/office/powerpoint/2015/main" val="1"/>
                 </p:ext>
               </p:extLst>
             </p:nvPr>
@@ -7734,7 +7569,7 @@
             <p:nvPr>
               <p:extLst>
                 <p:ext uri="{386F3935-93C4-4BCD-93E2-E3B085C9AB24}">
-                  <p16:designElem xmlns="" xmlns:p16="http://schemas.microsoft.com/office/powerpoint/2015/main" val="1"/>
+                  <p16:designElem xmlns:p16="http://schemas.microsoft.com/office/powerpoint/2015/main" val="1"/>
                 </p:ext>
               </p:extLst>
             </p:nvPr>
@@ -7804,7 +7639,7 @@
             <p:nvPr>
               <p:extLst>
                 <p:ext uri="{386F3935-93C4-4BCD-93E2-E3B085C9AB24}">
-                  <p16:designElem xmlns="" xmlns:p16="http://schemas.microsoft.com/office/powerpoint/2015/main" val="1"/>
+                  <p16:designElem xmlns:p16="http://schemas.microsoft.com/office/powerpoint/2015/main" val="1"/>
                 </p:ext>
               </p:extLst>
             </p:nvPr>
@@ -7875,7 +7710,7 @@
             <p:nvPr>
               <p:extLst>
                 <p:ext uri="{386F3935-93C4-4BCD-93E2-E3B085C9AB24}">
-                  <p16:designElem xmlns="" xmlns:p16="http://schemas.microsoft.com/office/powerpoint/2015/main" val="1"/>
+                  <p16:designElem xmlns:p16="http://schemas.microsoft.com/office/powerpoint/2015/main" val="1"/>
                 </p:ext>
               </p:extLst>
             </p:nvPr>
@@ -7944,7 +7779,7 @@
             <p:nvPr>
               <p:extLst>
                 <p:ext uri="{386F3935-93C4-4BCD-93E2-E3B085C9AB24}">
-                  <p16:designElem xmlns="" xmlns:p16="http://schemas.microsoft.com/office/powerpoint/2015/main" val="1"/>
+                  <p16:designElem xmlns:p16="http://schemas.microsoft.com/office/powerpoint/2015/main" val="1"/>
                 </p:ext>
               </p:extLst>
             </p:nvPr>
@@ -7991,7 +7826,7 @@
             <p:nvPr>
               <p:extLst>
                 <p:ext uri="{386F3935-93C4-4BCD-93E2-E3B085C9AB24}">
-                  <p16:designElem xmlns="" xmlns:p16="http://schemas.microsoft.com/office/powerpoint/2015/main" val="1"/>
+                  <p16:designElem xmlns:p16="http://schemas.microsoft.com/office/powerpoint/2015/main" val="1"/>
                 </p:ext>
               </p:extLst>
             </p:nvPr>
@@ -8103,13 +7938,6 @@
   <p:clrMapOvr>
     <a:masterClrMapping/>
   </p:clrMapOvr>
-  <p:timing>
-    <p:tnLst>
-      <p:par>
-        <p:cTn id="1" dur="indefinite" restart="never" nodeType="tmRoot"/>
-      </p:par>
-    </p:tnLst>
-  </p:timing>
 </p:sld>
 </file>
 
@@ -8149,10 +7977,6 @@
               <a:rPr lang="en-US" sz="4400" dirty="0"/>
               <a:t>Project Goals &amp; Objectives:</a:t>
             </a:r>
-            <a:r>
-              <a:rPr lang="en-US" dirty="0"/>
-              <a:t/>
-            </a:r>
             <a:br>
               <a:rPr lang="en-US" dirty="0"/>
             </a:br>
@@ -8212,13 +8036,6 @@
   <p:clrMapOvr>
     <a:masterClrMapping/>
   </p:clrMapOvr>
-  <p:timing>
-    <p:tnLst>
-      <p:par>
-        <p:cTn id="1" dur="indefinite" restart="never" nodeType="tmRoot"/>
-      </p:par>
-    </p:tnLst>
-  </p:timing>
 </p:sld>
 </file>
 
@@ -8294,11 +8111,7 @@
           <a:p>
             <a:r>
               <a:rPr lang="en-US" sz="2400" dirty="0"/>
-              <a:t>The third week is focusing on building the skeleton of our application and getting started on our database</a:t>
-            </a:r>
-            <a:r>
-              <a:rPr lang="en-US" sz="2400" dirty="0" smtClean="0"/>
-              <a:t>.</a:t>
+              <a:t>The third week is focusing on building the skeleton of our application and getting started on our database.</a:t>
             </a:r>
           </a:p>
         </p:txBody>
@@ -8313,13 +8126,6 @@
   <p:clrMapOvr>
     <a:masterClrMapping/>
   </p:clrMapOvr>
-  <p:timing>
-    <p:tnLst>
-      <p:par>
-        <p:cTn id="1" dur="indefinite" restart="never" nodeType="tmRoot"/>
-      </p:par>
-    </p:tnLst>
-  </p:timing>
 </p:sld>
 </file>
 
@@ -8352,79 +8158,82 @@
         </p:nvSpPr>
         <p:spPr/>
         <p:txBody>
-          <a:bodyPr>
-            <a:normAutofit/>
-          </a:bodyPr>
-          <a:lstStyle/>
-          <a:p>
-            <a:r>
-              <a:rPr lang="en-CA" sz="4400" dirty="0"/>
-              <a:t>Deliverables:</a:t>
-            </a:r>
-          </a:p>
-        </p:txBody>
-      </p:sp>
-      <p:sp>
-        <p:nvSpPr>
-          <p:cNvPr id="3" name="Content Placeholder 2"/>
-          <p:cNvSpPr>
-            <a:spLocks noGrp="1"/>
-          </p:cNvSpPr>
-          <p:nvPr>
-            <p:ph idx="1"/>
-          </p:nvPr>
-        </p:nvSpPr>
-        <p:spPr/>
-        <p:txBody>
           <a:bodyPr/>
           <a:lstStyle/>
           <a:p>
             <a:r>
-              <a:rPr lang="en-CA" sz="2400" b="1" dirty="0"/>
-              <a:t>Sprint #1: An interactive application with a friendly user UI and a functioning dashboard</a:t>
-            </a:r>
-            <a:endParaRPr lang="en-CA" b="1" dirty="0"/>
+              <a:rPr lang="en-CA" dirty="0"/>
+              <a:t>Technologies</a:t>
+            </a:r>
+          </a:p>
+        </p:txBody>
+      </p:sp>
+      <p:sp>
+        <p:nvSpPr>
+          <p:cNvPr id="3" name="Content Placeholder 2"/>
+          <p:cNvSpPr>
+            <a:spLocks noGrp="1"/>
+          </p:cNvSpPr>
+          <p:nvPr>
+            <p:ph idx="1"/>
+          </p:nvPr>
+        </p:nvSpPr>
+        <p:spPr/>
+        <p:txBody>
+          <a:bodyPr/>
+          <a:lstStyle/>
+          <a:p>
+            <a:r>
+              <a:rPr lang="en-CA" sz="2800" dirty="0"/>
+              <a:t>HTML/Bootstrap</a:t>
+            </a:r>
+          </a:p>
+          <a:p>
+            <a:r>
+              <a:rPr lang="en-CA" sz="2800" dirty="0" err="1"/>
+              <a:t>JQuery</a:t>
+            </a:r>
+            <a:endParaRPr lang="en-CA" sz="2800" dirty="0"/>
+          </a:p>
+          <a:p>
+            <a:r>
+              <a:rPr lang="en-CA" sz="2800" dirty="0"/>
+              <a:t>JavaScript</a:t>
+            </a:r>
+          </a:p>
+          <a:p>
+            <a:r>
+              <a:rPr lang="en-CA" sz="2800" dirty="0"/>
+              <a:t>PHP</a:t>
+            </a:r>
+          </a:p>
+          <a:p>
+            <a:r>
+              <a:rPr lang="en-CA" sz="2800" dirty="0"/>
+              <a:t>CSS</a:t>
+            </a:r>
+          </a:p>
+          <a:p>
+            <a:r>
+              <a:rPr lang="en-CA" sz="2800" dirty="0"/>
+              <a:t>Firebase</a:t>
+            </a:r>
           </a:p>
           <a:p>
             <a:endParaRPr lang="en-CA" dirty="0"/>
-          </a:p>
-          <a:p>
-            <a:r>
-              <a:rPr lang="en-CA" sz="2400" dirty="0"/>
-              <a:t>Sprint #2: A completed responsive database implemented into the application</a:t>
-            </a:r>
-          </a:p>
-          <a:p>
-            <a:pPr marL="0" indent="0">
-              <a:buNone/>
-            </a:pPr>
-            <a:endParaRPr lang="en-CA" dirty="0"/>
-          </a:p>
-          <a:p>
-            <a:r>
-              <a:rPr lang="en-CA" sz="2400" dirty="0"/>
-              <a:t>Sprint #3: Notification and achievement functions with overall cohesiveness check</a:t>
-            </a:r>
           </a:p>
         </p:txBody>
       </p:sp>
     </p:spTree>
     <p:extLst>
       <p:ext uri="{BB962C8B-B14F-4D97-AF65-F5344CB8AC3E}">
-        <p14:creationId xmlns:p14="http://schemas.microsoft.com/office/powerpoint/2010/main" val="508248532"/>
+        <p14:creationId xmlns:p14="http://schemas.microsoft.com/office/powerpoint/2010/main" val="3926772760"/>
       </p:ext>
     </p:extLst>
   </p:cSld>
   <p:clrMapOvr>
     <a:masterClrMapping/>
   </p:clrMapOvr>
-  <p:timing>
-    <p:tnLst>
-      <p:par>
-        <p:cTn id="1" dur="indefinite" restart="never" nodeType="tmRoot"/>
-      </p:par>
-    </p:tnLst>
-  </p:timing>
 </p:sld>
 </file>
 
@@ -8463,10 +8272,9 @@
           <a:lstStyle/>
           <a:p>
             <a:r>
-              <a:rPr lang="en-CA" sz="4400" dirty="0" smtClean="0"/>
+              <a:rPr lang="en-CA" sz="4400" dirty="0"/>
               <a:t>Sprint #1:</a:t>
             </a:r>
-            <a:endParaRPr lang="en-CA" sz="4400" dirty="0"/>
           </a:p>
         </p:txBody>
       </p:sp>
@@ -8486,12 +8294,12 @@
           <a:lstStyle/>
           <a:p>
             <a:r>
-              <a:rPr lang="en-CA" sz="2400" dirty="0" smtClean="0"/>
+              <a:rPr lang="en-CA" sz="2400" dirty="0"/>
               <a:t>We aim to launch our website with the basic functionalities integrated:</a:t>
             </a:r>
           </a:p>
           <a:p>
-            <a:endParaRPr lang="en-CA" sz="2400" dirty="0" smtClean="0"/>
+            <a:endParaRPr lang="en-CA" sz="2400" dirty="0"/>
           </a:p>
           <a:p>
             <a:pPr marL="457200" lvl="1" indent="0">
@@ -8499,11 +8307,7 @@
             </a:pPr>
             <a:r>
               <a:rPr lang="en-CA" sz="2200" dirty="0"/>
-              <a:t>	</a:t>
-            </a:r>
-            <a:r>
-              <a:rPr lang="en-CA" sz="2200" dirty="0" smtClean="0"/>
-              <a:t>- Friendly UI Interface</a:t>
+              <a:t>	- Friendly UI Interface</a:t>
             </a:r>
           </a:p>
           <a:p>
@@ -8512,11 +8316,7 @@
             </a:pPr>
             <a:r>
               <a:rPr lang="en-CA" sz="2200" dirty="0"/>
-              <a:t>	</a:t>
-            </a:r>
-            <a:r>
-              <a:rPr lang="en-CA" sz="2200" dirty="0" smtClean="0"/>
-              <a:t>- Registration and Login Page</a:t>
+              <a:t>	- Registration and Login Page</a:t>
             </a:r>
           </a:p>
           <a:p>
@@ -8525,11 +8325,7 @@
             </a:pPr>
             <a:r>
               <a:rPr lang="en-CA" sz="2200" dirty="0"/>
-              <a:t>	</a:t>
-            </a:r>
-            <a:r>
-              <a:rPr lang="en-CA" sz="2200" dirty="0" smtClean="0"/>
-              <a:t>- Compiled list of Ingredients and Recipes</a:t>
+              <a:t>	- Compiled list of Ingredients and Recipes</a:t>
             </a:r>
           </a:p>
         </p:txBody>
@@ -8544,13 +8340,6 @@
   <p:clrMapOvr>
     <a:masterClrMapping/>
   </p:clrMapOvr>
-  <p:timing>
-    <p:tnLst>
-      <p:par>
-        <p:cTn id="1" dur="indefinite" restart="never" nodeType="tmRoot"/>
-      </p:par>
-    </p:tnLst>
-  </p:timing>
 </p:sld>
 </file>
 
@@ -8589,10 +8378,9 @@
           <a:lstStyle/>
           <a:p>
             <a:r>
-              <a:rPr lang="en-CA" sz="4400" dirty="0" smtClean="0"/>
+              <a:rPr lang="en-CA" sz="4400" dirty="0"/>
               <a:t>Sprint #1:</a:t>
             </a:r>
-            <a:endParaRPr lang="en-CA" sz="4400" dirty="0"/>
           </a:p>
         </p:txBody>
       </p:sp>
@@ -8614,17 +8402,8 @@
           <a:lstStyle/>
           <a:p>
             <a:r>
-              <a:rPr lang="en-CA" sz="2400" dirty="0" smtClean="0"/>
+              <a:rPr lang="en-CA" sz="2400" dirty="0"/>
               <a:t>Friendly UI Interface</a:t>
-            </a:r>
-          </a:p>
-          <a:p>
-            <a:pPr marL="0" indent="0">
-              <a:buNone/>
-            </a:pPr>
-            <a:r>
-              <a:rPr lang="en-CA" sz="2200" dirty="0" smtClean="0"/>
-              <a:t>	</a:t>
             </a:r>
           </a:p>
           <a:p>
@@ -8635,9 +8414,14 @@
               <a:rPr lang="en-CA" sz="2200" dirty="0"/>
               <a:t>	</a:t>
             </a:r>
-            <a:r>
-              <a:rPr lang="en-CA" sz="2200" dirty="0" smtClean="0"/>
-              <a:t>Our goal is to have a visually appealing website where users can seamlessly navigate the content and interact with their dashboard with minimum amount of effort.</a:t>
+          </a:p>
+          <a:p>
+            <a:pPr marL="0" indent="0">
+              <a:buNone/>
+            </a:pPr>
+            <a:r>
+              <a:rPr lang="en-CA" sz="2200" dirty="0"/>
+              <a:t>	Our goal is to have a visually appealing website where users can seamlessly navigate the content and interact with their dashboard with minimum amount of effort.</a:t>
             </a:r>
           </a:p>
           <a:p>
@@ -8651,7 +8435,7 @@
               <a:buAutoNum type="arabicPeriod"/>
             </a:pPr>
             <a:r>
-              <a:rPr lang="en-CA" sz="2200" dirty="0" smtClean="0"/>
+              <a:rPr lang="en-CA" sz="2200" dirty="0"/>
               <a:t>Viewer Friendly and easy to navigate layout</a:t>
             </a:r>
           </a:p>
@@ -8661,19 +8445,15 @@
               <a:buAutoNum type="arabicPeriod"/>
             </a:pPr>
             <a:r>
-              <a:rPr lang="en-CA" sz="2200" dirty="0" smtClean="0"/>
-              <a:t>Clickable </a:t>
-            </a:r>
-            <a:r>
               <a:rPr lang="en-CA" sz="2200" dirty="0"/>
-              <a:t>Ingredients to add to fridge / add to recipe search list.</a:t>
+              <a:t>Clickable Ingredients to add to fridge / add to recipe search list.</a:t>
             </a:r>
           </a:p>
           <a:p>
             <a:pPr marL="457200" indent="-457200">
               <a:buAutoNum type="arabicPeriod"/>
             </a:pPr>
-            <a:endParaRPr lang="en-CA" sz="2400" dirty="0" smtClean="0"/>
+            <a:endParaRPr lang="en-CA" sz="2400" dirty="0"/>
           </a:p>
         </p:txBody>
       </p:sp>
@@ -8687,13 +8467,6 @@
   <p:clrMapOvr>
     <a:masterClrMapping/>
   </p:clrMapOvr>
-  <p:timing>
-    <p:tnLst>
-      <p:par>
-        <p:cTn id="1" dur="indefinite" restart="never" nodeType="tmRoot"/>
-      </p:par>
-    </p:tnLst>
-  </p:timing>
 </p:sld>
 </file>
 
@@ -8732,10 +8505,9 @@
           <a:lstStyle/>
           <a:p>
             <a:r>
-              <a:rPr lang="en-CA" sz="4400" dirty="0" smtClean="0"/>
+              <a:rPr lang="en-CA" sz="4400" dirty="0"/>
               <a:t>Sprint #1:</a:t>
             </a:r>
-            <a:endParaRPr lang="en-CA" sz="4400" dirty="0"/>
           </a:p>
         </p:txBody>
       </p:sp>
@@ -8760,7 +8532,7 @@
               <a:buNone/>
             </a:pPr>
             <a:r>
-              <a:rPr lang="en-CA" sz="2200" dirty="0" smtClean="0"/>
+              <a:rPr lang="en-CA" sz="2200" dirty="0"/>
               <a:t>	</a:t>
             </a:r>
           </a:p>
@@ -8917,10 +8689,9 @@
           <a:lstStyle/>
           <a:p>
             <a:r>
-              <a:rPr lang="en-CA" dirty="0" smtClean="0"/>
+              <a:rPr lang="en-CA" dirty="0"/>
               <a:t>Clickable Ingredients</a:t>
             </a:r>
-            <a:endParaRPr lang="en-CA" dirty="0"/>
           </a:p>
         </p:txBody>
       </p:sp>
@@ -8947,10 +8718,9 @@
           <a:lstStyle/>
           <a:p>
             <a:r>
-              <a:rPr lang="en-CA" dirty="0" smtClean="0"/>
+              <a:rPr lang="en-CA" dirty="0"/>
               <a:t>Layout</a:t>
             </a:r>
-            <a:endParaRPr lang="en-CA" dirty="0"/>
           </a:p>
         </p:txBody>
       </p:sp>
@@ -8964,13 +8734,6 @@
   <p:clrMapOvr>
     <a:masterClrMapping/>
   </p:clrMapOvr>
-  <p:timing>
-    <p:tnLst>
-      <p:par>
-        <p:cTn id="1" dur="indefinite" restart="never" nodeType="tmRoot"/>
-      </p:par>
-    </p:tnLst>
-  </p:timing>
 </p:sld>
 </file>
 
@@ -9009,10 +8772,9 @@
           <a:lstStyle/>
           <a:p>
             <a:r>
-              <a:rPr lang="en-CA" sz="4400" dirty="0" smtClean="0"/>
+              <a:rPr lang="en-CA" sz="4400" dirty="0"/>
               <a:t>Sprint #1:</a:t>
             </a:r>
-            <a:endParaRPr lang="en-CA" sz="4400" dirty="0"/>
           </a:p>
         </p:txBody>
       </p:sp>
@@ -9037,7 +8799,7 @@
           <a:lstStyle/>
           <a:p>
             <a:r>
-              <a:rPr lang="en-CA" sz="2400" dirty="0" smtClean="0"/>
+              <a:rPr lang="en-CA" sz="2400" dirty="0"/>
               <a:t>Registration and Login Page</a:t>
             </a:r>
           </a:p>
@@ -9052,7 +8814,7 @@
               <a:buNone/>
             </a:pPr>
             <a:r>
-              <a:rPr lang="en-CA" sz="2200" dirty="0" smtClean="0"/>
+              <a:rPr lang="en-CA" sz="2200" dirty="0"/>
               <a:t>	- A working registration page</a:t>
             </a:r>
           </a:p>
@@ -9062,11 +8824,7 @@
             </a:pPr>
             <a:r>
               <a:rPr lang="en-CA" sz="2200" dirty="0"/>
-              <a:t>	</a:t>
-            </a:r>
-            <a:r>
-              <a:rPr lang="en-CA" sz="2200" dirty="0" smtClean="0"/>
-              <a:t>- Ability to Sign in</a:t>
+              <a:t>	- Ability to Sign in</a:t>
             </a:r>
           </a:p>
           <a:p>
@@ -9075,13 +8833,9 @@
             </a:pPr>
             <a:r>
               <a:rPr lang="en-CA" sz="2200" dirty="0"/>
-              <a:t>	</a:t>
-            </a:r>
-            <a:r>
-              <a:rPr lang="en-CA" sz="2200" dirty="0" smtClean="0"/>
-              <a:t>- Basic Dashboard for each user</a:t>
-            </a:r>
-            <a:endParaRPr lang="en-CA" sz="2400" dirty="0" smtClean="0"/>
+              <a:t>	- Basic Dashboard for each user</a:t>
+            </a:r>
+            <a:endParaRPr lang="en-CA" sz="2400" dirty="0"/>
           </a:p>
         </p:txBody>
       </p:sp>
@@ -9159,13 +8913,6 @@
   <p:clrMapOvr>
     <a:masterClrMapping/>
   </p:clrMapOvr>
-  <p:timing>
-    <p:tnLst>
-      <p:par>
-        <p:cTn id="1" dur="indefinite" restart="never" nodeType="tmRoot"/>
-      </p:par>
-    </p:tnLst>
-  </p:timing>
 </p:sld>
 </file>
 
@@ -9204,10 +8951,9 @@
           <a:lstStyle/>
           <a:p>
             <a:r>
-              <a:rPr lang="en-CA" sz="4400" dirty="0" smtClean="0"/>
+              <a:rPr lang="en-CA" sz="4400" dirty="0"/>
               <a:t>Sprint #1:</a:t>
             </a:r>
-            <a:endParaRPr lang="en-CA" sz="4400" dirty="0"/>
           </a:p>
         </p:txBody>
       </p:sp>
@@ -9227,12 +8973,12 @@
           <a:lstStyle/>
           <a:p>
             <a:r>
-              <a:rPr lang="en-CA" sz="2400" dirty="0" smtClean="0"/>
+              <a:rPr lang="en-CA" sz="2400" dirty="0"/>
               <a:t>Compiled list of Ingredients and Recipes</a:t>
             </a:r>
           </a:p>
           <a:p>
-            <a:endParaRPr lang="en-CA" sz="2400" dirty="0" smtClean="0"/>
+            <a:endParaRPr lang="en-CA" sz="2400" dirty="0"/>
           </a:p>
           <a:p>
             <a:pPr marL="457200" lvl="1" indent="0">
@@ -9240,11 +8986,7 @@
             </a:pPr>
             <a:r>
               <a:rPr lang="en-CA" sz="2200" dirty="0"/>
-              <a:t>	</a:t>
-            </a:r>
-            <a:r>
-              <a:rPr lang="en-CA" sz="2200" dirty="0" smtClean="0"/>
-              <a:t>- A list of 40 most used ingredients into our database</a:t>
+              <a:t>	- A list of 40 most used ingredients into our database</a:t>
             </a:r>
           </a:p>
           <a:p>
@@ -9253,11 +8995,7 @@
             </a:pPr>
             <a:r>
               <a:rPr lang="en-CA" sz="2200" dirty="0"/>
-              <a:t>	</a:t>
-            </a:r>
-            <a:r>
-              <a:rPr lang="en-CA" sz="2200" dirty="0" smtClean="0"/>
-              <a:t>- A list of 20 Recipes using the 40 ingredients</a:t>
+              <a:t>	- A list of 20 Recipes using the 40 ingredients</a:t>
             </a:r>
           </a:p>
           <a:p>
@@ -9266,11 +9004,7 @@
             </a:pPr>
             <a:r>
               <a:rPr lang="en-CA" sz="2200" dirty="0"/>
-              <a:t> </a:t>
-            </a:r>
-            <a:r>
-              <a:rPr lang="en-CA" sz="2200" dirty="0" smtClean="0"/>
-              <a:t>   	- Ability to search for Recipes</a:t>
+              <a:t>    	- Ability to search for Recipes</a:t>
             </a:r>
           </a:p>
         </p:txBody>
@@ -9349,13 +9083,6 @@
   <p:clrMapOvr>
     <a:masterClrMapping/>
   </p:clrMapOvr>
-  <p:timing>
-    <p:tnLst>
-      <p:par>
-        <p:cTn id="1" dur="indefinite" restart="never" nodeType="tmRoot"/>
-      </p:par>
-    </p:tnLst>
-  </p:timing>
 </p:sld>
 </file>
 
@@ -9610,7 +9337,7 @@
   <a:extraClrSchemeLst/>
   <a:extLst>
     <a:ext uri="{05A4C25C-085E-4340-85A3-A5531E510DB2}">
-      <thm15:themeFamily xmlns="" xmlns:thm15="http://schemas.microsoft.com/office/thememl/2012/main" name="Facet" id="{C0C680CD-088A-49FC-A102-D699147F32B2}" vid="{CFBC31BA-B70F-4F30-BCAA-4F3011E16C4D}"/>
+      <thm15:themeFamily xmlns:thm15="http://schemas.microsoft.com/office/thememl/2012/main" name="Facet" id="{C0C680CD-088A-49FC-A102-D699147F32B2}" vid="{CFBC31BA-B70F-4F30-BCAA-4F3011E16C4D}"/>
     </a:ext>
   </a:extLst>
 </a:theme>
